--- a/document/[지메이트] 월간보고서 sample.pptx
+++ b/document/[지메이트] 월간보고서 sample.pptx
@@ -8734,7 +8734,7 @@
       </p:sp>
       <p:pic>
         <p:nvPicPr>
-          <p:cNvPr id="3" name="그림 2"/>
+          <p:cNvPr id="2" name="그림 1"/>
           <p:cNvPicPr>
             <a:picLocks noChangeAspect="1"/>
           </p:cNvPicPr>
@@ -8754,8 +8754,8 @@
         </p:blipFill>
         <p:spPr>
           <a:xfrm>
-            <a:off x="163488" y="107504"/>
-            <a:ext cx="596226" cy="576064"/>
+            <a:off x="260648" y="138376"/>
+            <a:ext cx="947586" cy="318530"/>
           </a:xfrm>
           <a:prstGeom prst="rect">
             <a:avLst/>
@@ -10405,9 +10405,9 @@
           <p:nvPr/>
         </p:nvSpPr>
         <p:spPr>
-          <a:xfrm>
-            <a:off x="620688" y="2267744"/>
-            <a:ext cx="5832648" cy="307777"/>
+          <a:xfrm rot="20403516">
+            <a:off x="755817" y="4076911"/>
+            <a:ext cx="5832648" cy="1446550"/>
           </a:xfrm>
           <a:prstGeom prst="rect">
             <a:avLst/>
@@ -10421,22 +10421,52 @@
           <a:lstStyle/>
           <a:p>
             <a:r>
-              <a:rPr lang="ko-KR" altLang="en-US" sz="1400" dirty="0" smtClean="0"/>
-              <a:t>개요에 사용할 만한 적절한 문구로 내용을 </a:t>
-            </a:r>
-            <a:r>
-              <a:rPr lang="ko-KR" altLang="en-US" sz="1400" dirty="0" err="1" smtClean="0"/>
-              <a:t>채워넣으면</a:t>
-            </a:r>
-            <a:r>
-              <a:rPr lang="ko-KR" altLang="en-US" sz="1400" dirty="0" smtClean="0"/>
-              <a:t> 좋을듯합니다</a:t>
-            </a:r>
-            <a:r>
-              <a:rPr lang="en-US" altLang="ko-KR" sz="1400" dirty="0" smtClean="0"/>
-              <a:t>.</a:t>
-            </a:r>
-            <a:endParaRPr lang="ko-KR" altLang="en-US" sz="1400" dirty="0"/>
+              <a:rPr lang="ko-KR" altLang="en-US" sz="4400" b="1" dirty="0" smtClean="0">
+                <a:solidFill>
+                  <a:schemeClr val="bg1">
+                    <a:lumMod val="85000"/>
+                  </a:schemeClr>
+                </a:solidFill>
+              </a:rPr>
+              <a:t>뭔가 더 </a:t>
+            </a:r>
+            <a:r>
+              <a:rPr lang="ko-KR" altLang="en-US" sz="4400" b="1" err="1" smtClean="0">
+                <a:solidFill>
+                  <a:schemeClr val="bg1">
+                    <a:lumMod val="85000"/>
+                  </a:schemeClr>
+                </a:solidFill>
+              </a:rPr>
+              <a:t>채워야할것</a:t>
+            </a:r>
+            <a:r>
+              <a:rPr lang="ko-KR" altLang="en-US" sz="4400" b="1" smtClean="0">
+                <a:solidFill>
+                  <a:schemeClr val="bg1">
+                    <a:lumMod val="85000"/>
+                  </a:schemeClr>
+                </a:solidFill>
+              </a:rPr>
+              <a:t> 같은데</a:t>
+            </a:r>
+            <a:r>
+              <a:rPr lang="en-US" altLang="ko-KR" sz="4400" b="1" dirty="0" smtClean="0">
+                <a:solidFill>
+                  <a:schemeClr val="bg1">
+                    <a:lumMod val="85000"/>
+                  </a:schemeClr>
+                </a:solidFill>
+              </a:rPr>
+              <a:t>……..</a:t>
+            </a:r>
+            <a:endParaRPr lang="ko-KR" altLang="en-US" sz="4400" b="1" dirty="0">
+              <a:solidFill>
+                <a:schemeClr val="bg1">
+                  <a:lumMod val="85000"/>
+                </a:schemeClr>
+              </a:solidFill>
+            </a:endParaRPr>
           </a:p>
         </p:txBody>
       </p:sp>
@@ -10519,7 +10549,7 @@
         </p:nvSpPr>
         <p:spPr>
           <a:xfrm>
-            <a:off x="836712" y="1691680"/>
+            <a:off x="832562" y="2843808"/>
             <a:ext cx="288032" cy="288000"/>
           </a:xfrm>
           <a:prstGeom prst="rect">
@@ -10548,7 +10578,7 @@
         </p:nvSpPr>
         <p:spPr>
           <a:xfrm>
-            <a:off x="836728" y="2500277"/>
+            <a:off x="832578" y="4858306"/>
             <a:ext cx="288000" cy="288000"/>
           </a:xfrm>
           <a:prstGeom prst="rect">
@@ -10577,7 +10607,7 @@
         </p:nvSpPr>
         <p:spPr>
           <a:xfrm>
-            <a:off x="836728" y="2095979"/>
+            <a:off x="832578" y="3765119"/>
             <a:ext cx="288000" cy="288000"/>
           </a:xfrm>
           <a:prstGeom prst="rect">
@@ -10646,18 +10676,498 @@
           <a:p>
             <a:pPr algn="ctr"/>
             <a:r>
-              <a:rPr lang="ko-KR" altLang="en-US" sz="1200" b="1" dirty="0" smtClean="0">
+              <a:rPr lang="en-US" sz="1200" b="1" dirty="0" smtClean="0">
                 <a:solidFill>
                   <a:schemeClr val="bg1"/>
                 </a:solidFill>
               </a:rPr>
-              <a:t>서버</a:t>
+              <a:t>SERVER</a:t>
             </a:r>
             <a:endParaRPr sz="1200" b="1" dirty="0">
               <a:solidFill>
                 <a:schemeClr val="bg1"/>
               </a:solidFill>
             </a:endParaRPr>
+          </a:p>
+        </p:txBody>
+      </p:sp>
+      <p:sp>
+        <p:nvSpPr>
+          <p:cNvPr id="15" name="object 17"/>
+          <p:cNvSpPr/>
+          <p:nvPr/>
+        </p:nvSpPr>
+        <p:spPr>
+          <a:xfrm>
+            <a:off x="832562" y="2004997"/>
+            <a:ext cx="288032" cy="288000"/>
+          </a:xfrm>
+          <a:prstGeom prst="rect">
+            <a:avLst/>
+          </a:prstGeom>
+          <a:blipFill>
+            <a:blip r:embed="rId2" cstate="print"/>
+            <a:stretch>
+              <a:fillRect/>
+            </a:stretch>
+          </a:blipFill>
+        </p:spPr>
+        <p:txBody>
+          <a:bodyPr wrap="square" lIns="0" tIns="0" rIns="0" bIns="0" rtlCol="0"/>
+          <a:lstStyle/>
+          <a:p>
+            <a:endParaRPr/>
+          </a:p>
+        </p:txBody>
+      </p:sp>
+      <p:sp>
+        <p:nvSpPr>
+          <p:cNvPr id="18" name="TextBox 17"/>
+          <p:cNvSpPr txBox="1"/>
+          <p:nvPr/>
+        </p:nvSpPr>
+        <p:spPr>
+          <a:xfrm>
+            <a:off x="1189896" y="1619672"/>
+            <a:ext cx="5172483" cy="276999"/>
+          </a:xfrm>
+          <a:prstGeom prst="rect">
+            <a:avLst/>
+          </a:prstGeom>
+          <a:noFill/>
+        </p:spPr>
+        <p:txBody>
+          <a:bodyPr wrap="square" rtlCol="0">
+            <a:spAutoFit/>
+          </a:bodyPr>
+          <a:lstStyle/>
+          <a:p>
+            <a:pPr algn="ctr"/>
+            <a:r>
+              <a:rPr lang="en-US" altLang="ko-KR" sz="1200" spc="20" dirty="0">
+                <a:solidFill>
+                  <a:srgbClr val="0080C0"/>
+                </a:solidFill>
+                <a:latin typeface="Arial"/>
+                <a:cs typeface="Arial"/>
+              </a:rPr>
+              <a:t>AVAILABILITY</a:t>
+            </a:r>
+            <a:endParaRPr lang="en-US" altLang="ko-KR" sz="1200" dirty="0">
+              <a:latin typeface="Arial"/>
+              <a:cs typeface="Arial"/>
+            </a:endParaRPr>
+          </a:p>
+        </p:txBody>
+      </p:sp>
+      <p:sp>
+        <p:nvSpPr>
+          <p:cNvPr id="19" name="TextBox 18"/>
+          <p:cNvSpPr txBox="1"/>
+          <p:nvPr/>
+        </p:nvSpPr>
+        <p:spPr>
+          <a:xfrm>
+            <a:off x="1189896" y="1990745"/>
+            <a:ext cx="5172483" cy="276999"/>
+          </a:xfrm>
+          <a:prstGeom prst="rect">
+            <a:avLst/>
+          </a:prstGeom>
+          <a:noFill/>
+        </p:spPr>
+        <p:txBody>
+          <a:bodyPr wrap="square" rtlCol="0">
+            <a:spAutoFit/>
+          </a:bodyPr>
+          <a:lstStyle/>
+          <a:p>
+            <a:r>
+              <a:rPr lang="en-US" altLang="ko-KR" sz="1200" dirty="0" smtClean="0"/>
+              <a:t>10</a:t>
+            </a:r>
+            <a:r>
+              <a:rPr lang="ko-KR" altLang="en-US" sz="1200" smtClean="0"/>
+              <a:t>대의 서버들이 안정적으로 운영 및 가동되고 있습니다</a:t>
+            </a:r>
+            <a:r>
+              <a:rPr lang="en-US" altLang="ko-KR" sz="1200" dirty="0" smtClean="0"/>
+              <a:t>.</a:t>
+            </a:r>
+            <a:endParaRPr lang="ko-KR" altLang="en-US" sz="1200" dirty="0"/>
+          </a:p>
+        </p:txBody>
+      </p:sp>
+      <p:sp>
+        <p:nvSpPr>
+          <p:cNvPr id="20" name="TextBox 19"/>
+          <p:cNvSpPr txBox="1"/>
+          <p:nvPr/>
+        </p:nvSpPr>
+        <p:spPr>
+          <a:xfrm>
+            <a:off x="1159024" y="2483768"/>
+            <a:ext cx="5172483" cy="276999"/>
+          </a:xfrm>
+          <a:prstGeom prst="rect">
+            <a:avLst/>
+          </a:prstGeom>
+          <a:noFill/>
+        </p:spPr>
+        <p:txBody>
+          <a:bodyPr wrap="square" rtlCol="0">
+            <a:spAutoFit/>
+          </a:bodyPr>
+          <a:lstStyle/>
+          <a:p>
+            <a:pPr algn="ctr"/>
+            <a:r>
+              <a:rPr lang="en-US" altLang="ko-KR" sz="1200" spc="40" dirty="0">
+                <a:solidFill>
+                  <a:srgbClr val="0080C0"/>
+                </a:solidFill>
+                <a:latin typeface="Arial"/>
+                <a:cs typeface="Arial"/>
+              </a:rPr>
+              <a:t>CPU</a:t>
+            </a:r>
+            <a:r>
+              <a:rPr lang="en-US" altLang="ko-KR" sz="1200" spc="-75" dirty="0">
+                <a:solidFill>
+                  <a:srgbClr val="0080C0"/>
+                </a:solidFill>
+                <a:latin typeface="Arial"/>
+                <a:cs typeface="Arial"/>
+              </a:rPr>
+              <a:t> </a:t>
+            </a:r>
+            <a:r>
+              <a:rPr lang="en-US" altLang="ko-KR" sz="1200" spc="-75" dirty="0" smtClean="0">
+                <a:solidFill>
+                  <a:srgbClr val="0080C0"/>
+                </a:solidFill>
+                <a:latin typeface="Arial"/>
+                <a:cs typeface="Arial"/>
+              </a:rPr>
+              <a:t> </a:t>
+            </a:r>
+            <a:r>
+              <a:rPr lang="en-US" altLang="ko-KR" sz="1200" spc="40" dirty="0" smtClean="0">
+                <a:solidFill>
+                  <a:srgbClr val="0080C0"/>
+                </a:solidFill>
+                <a:latin typeface="Arial"/>
+                <a:cs typeface="Arial"/>
+              </a:rPr>
+              <a:t>UTILIZATION</a:t>
+            </a:r>
+            <a:endParaRPr lang="en-US" altLang="ko-KR" sz="1200" dirty="0">
+              <a:latin typeface="Arial"/>
+              <a:cs typeface="Arial"/>
+            </a:endParaRPr>
+          </a:p>
+        </p:txBody>
+      </p:sp>
+      <p:sp>
+        <p:nvSpPr>
+          <p:cNvPr id="21" name="TextBox 20"/>
+          <p:cNvSpPr txBox="1"/>
+          <p:nvPr/>
+        </p:nvSpPr>
+        <p:spPr>
+          <a:xfrm>
+            <a:off x="1159024" y="2827258"/>
+            <a:ext cx="5172483" cy="276999"/>
+          </a:xfrm>
+          <a:prstGeom prst="rect">
+            <a:avLst/>
+          </a:prstGeom>
+          <a:noFill/>
+        </p:spPr>
+        <p:txBody>
+          <a:bodyPr wrap="square" rtlCol="0">
+            <a:spAutoFit/>
+          </a:bodyPr>
+          <a:lstStyle/>
+          <a:p>
+            <a:r>
+              <a:rPr lang="en-US" altLang="ko-KR" sz="1200" dirty="0"/>
+              <a:t>10EA </a:t>
+            </a:r>
+            <a:r>
+              <a:rPr lang="ko-KR" altLang="en-US" sz="1200"/>
+              <a:t>서버들이 임계값 아래로 안정적으로 운영되고 </a:t>
+            </a:r>
+            <a:r>
+              <a:rPr lang="ko-KR" altLang="en-US" sz="1200"/>
+              <a:t>있습니다</a:t>
+            </a:r>
+            <a:r>
+              <a:rPr lang="en-US" altLang="ko-KR" sz="1200" dirty="0" smtClean="0"/>
+              <a:t>.</a:t>
+            </a:r>
+            <a:endParaRPr lang="ko-KR" altLang="en-US" sz="1200"/>
+          </a:p>
+        </p:txBody>
+      </p:sp>
+      <p:sp>
+        <p:nvSpPr>
+          <p:cNvPr id="22" name="TextBox 21"/>
+          <p:cNvSpPr txBox="1"/>
+          <p:nvPr/>
+        </p:nvSpPr>
+        <p:spPr>
+          <a:xfrm>
+            <a:off x="1193314" y="3358897"/>
+            <a:ext cx="5172483" cy="276999"/>
+          </a:xfrm>
+          <a:prstGeom prst="rect">
+            <a:avLst/>
+          </a:prstGeom>
+          <a:noFill/>
+        </p:spPr>
+        <p:txBody>
+          <a:bodyPr wrap="square" rtlCol="0">
+            <a:spAutoFit/>
+          </a:bodyPr>
+          <a:lstStyle/>
+          <a:p>
+            <a:pPr algn="ctr"/>
+            <a:r>
+              <a:rPr lang="en-US" altLang="ko-KR" sz="1200" spc="20" dirty="0">
+                <a:solidFill>
+                  <a:srgbClr val="0080C0"/>
+                </a:solidFill>
+                <a:latin typeface="Arial"/>
+                <a:cs typeface="Arial"/>
+              </a:rPr>
+              <a:t>MEMORY</a:t>
+            </a:r>
+            <a:r>
+              <a:rPr lang="en-US" altLang="ko-KR" sz="1200" spc="-75" dirty="0">
+                <a:solidFill>
+                  <a:srgbClr val="0080C0"/>
+                </a:solidFill>
+                <a:latin typeface="Arial"/>
+                <a:cs typeface="Arial"/>
+              </a:rPr>
+              <a:t> </a:t>
+            </a:r>
+            <a:r>
+              <a:rPr lang="en-US" altLang="ko-KR" sz="1200" spc="40" dirty="0" smtClean="0">
+                <a:solidFill>
+                  <a:srgbClr val="0080C0"/>
+                </a:solidFill>
+                <a:latin typeface="Arial"/>
+                <a:cs typeface="Arial"/>
+              </a:rPr>
+              <a:t>UTILIZATION</a:t>
+            </a:r>
+            <a:endParaRPr lang="en-US" altLang="ko-KR" sz="1200" dirty="0">
+              <a:latin typeface="Arial"/>
+              <a:cs typeface="Arial"/>
+            </a:endParaRPr>
+          </a:p>
+        </p:txBody>
+      </p:sp>
+      <p:sp>
+        <p:nvSpPr>
+          <p:cNvPr id="23" name="TextBox 22"/>
+          <p:cNvSpPr txBox="1"/>
+          <p:nvPr/>
+        </p:nvSpPr>
+        <p:spPr>
+          <a:xfrm>
+            <a:off x="1193314" y="3678287"/>
+            <a:ext cx="5172483" cy="461665"/>
+          </a:xfrm>
+          <a:prstGeom prst="rect">
+            <a:avLst/>
+          </a:prstGeom>
+          <a:noFill/>
+        </p:spPr>
+        <p:txBody>
+          <a:bodyPr wrap="square" rtlCol="0">
+            <a:spAutoFit/>
+          </a:bodyPr>
+          <a:lstStyle/>
+          <a:p>
+            <a:r>
+              <a:rPr lang="en-US" altLang="ko-KR" sz="1200" dirty="0"/>
+              <a:t>1</a:t>
+            </a:r>
+            <a:r>
+              <a:rPr lang="ko-KR" altLang="en-US" sz="1200"/>
+              <a:t>대의 </a:t>
+            </a:r>
+            <a:r>
+              <a:rPr lang="ko-KR" altLang="en-US" sz="1200"/>
+              <a:t>서버가 </a:t>
+            </a:r>
+            <a:r>
+              <a:rPr lang="ko-KR" altLang="en-US" sz="1200" smtClean="0"/>
+              <a:t>메모리 임계값 </a:t>
+            </a:r>
+            <a:r>
+              <a:rPr lang="en-US" altLang="ko-KR" sz="1200" dirty="0" smtClean="0"/>
+              <a:t>80%</a:t>
+            </a:r>
+            <a:r>
+              <a:rPr lang="ko-KR" altLang="en-US" sz="1200" smtClean="0"/>
+              <a:t>에</a:t>
+            </a:r>
+            <a:r>
+              <a:rPr lang="en-US" altLang="ko-KR" sz="1200" dirty="0" smtClean="0"/>
+              <a:t> </a:t>
+            </a:r>
+            <a:r>
+              <a:rPr lang="ko-KR" altLang="en-US" sz="1200" smtClean="0"/>
+              <a:t>근접하고 있습니다</a:t>
+            </a:r>
+            <a:r>
+              <a:rPr lang="en-US" altLang="ko-KR" sz="1200" dirty="0" smtClean="0"/>
+              <a:t>. </a:t>
+            </a:r>
+            <a:r>
+              <a:rPr lang="ko-KR" altLang="en-US" sz="1200" smtClean="0"/>
+              <a:t>즉시 조취가 필요하진 않으나 해당 사용률이 임계값을 넘기 않도록 관리를 해야합니다</a:t>
+            </a:r>
+            <a:r>
+              <a:rPr lang="en-US" altLang="ko-KR" sz="1200" dirty="0" smtClean="0"/>
+              <a:t>.</a:t>
+            </a:r>
+            <a:endParaRPr lang="ko-KR" altLang="en-US" sz="1200" dirty="0"/>
+          </a:p>
+        </p:txBody>
+      </p:sp>
+      <p:sp>
+        <p:nvSpPr>
+          <p:cNvPr id="24" name="TextBox 23"/>
+          <p:cNvSpPr txBox="1"/>
+          <p:nvPr/>
+        </p:nvSpPr>
+        <p:spPr>
+          <a:xfrm>
+            <a:off x="1196752" y="4439017"/>
+            <a:ext cx="5172483" cy="276999"/>
+          </a:xfrm>
+          <a:prstGeom prst="rect">
+            <a:avLst/>
+          </a:prstGeom>
+          <a:noFill/>
+        </p:spPr>
+        <p:txBody>
+          <a:bodyPr wrap="square" rtlCol="0">
+            <a:spAutoFit/>
+          </a:bodyPr>
+          <a:lstStyle/>
+          <a:p>
+            <a:pPr algn="ctr"/>
+            <a:r>
+              <a:rPr lang="en-US" altLang="ko-KR" sz="1200" spc="35" dirty="0">
+                <a:solidFill>
+                  <a:srgbClr val="0080C0"/>
+                </a:solidFill>
+                <a:latin typeface="Arial"/>
+                <a:cs typeface="Arial"/>
+              </a:rPr>
+              <a:t>DISK</a:t>
+            </a:r>
+            <a:r>
+              <a:rPr lang="en-US" altLang="ko-KR" sz="1200" spc="-75" dirty="0">
+                <a:solidFill>
+                  <a:srgbClr val="0080C0"/>
+                </a:solidFill>
+                <a:latin typeface="Arial"/>
+                <a:cs typeface="Arial"/>
+              </a:rPr>
+              <a:t> </a:t>
+            </a:r>
+            <a:r>
+              <a:rPr lang="en-US" altLang="ko-KR" sz="1200" spc="40" dirty="0">
+                <a:solidFill>
+                  <a:srgbClr val="0080C0"/>
+                </a:solidFill>
+                <a:latin typeface="Arial"/>
+                <a:cs typeface="Arial"/>
+              </a:rPr>
+              <a:t>UTILIZATION</a:t>
+            </a:r>
+            <a:endParaRPr lang="ko-KR" altLang="en-US" sz="1200" dirty="0"/>
+          </a:p>
+        </p:txBody>
+      </p:sp>
+      <p:sp>
+        <p:nvSpPr>
+          <p:cNvPr id="25" name="TextBox 24"/>
+          <p:cNvSpPr txBox="1"/>
+          <p:nvPr/>
+        </p:nvSpPr>
+        <p:spPr>
+          <a:xfrm>
+            <a:off x="1196752" y="4771474"/>
+            <a:ext cx="5172483" cy="830997"/>
+          </a:xfrm>
+          <a:prstGeom prst="rect">
+            <a:avLst/>
+          </a:prstGeom>
+          <a:noFill/>
+        </p:spPr>
+        <p:txBody>
+          <a:bodyPr wrap="square" rtlCol="0">
+            <a:spAutoFit/>
+          </a:bodyPr>
+          <a:lstStyle/>
+          <a:p>
+            <a:r>
+              <a:rPr lang="en-US" altLang="ko-KR" sz="1200" dirty="0" smtClean="0"/>
+              <a:t>1</a:t>
+            </a:r>
+            <a:r>
+              <a:rPr lang="ko-KR" altLang="en-US" sz="1200" smtClean="0"/>
+              <a:t>대의 서버가 디스크 사용률 임계값 </a:t>
+            </a:r>
+            <a:r>
+              <a:rPr lang="en-US" altLang="ko-KR" sz="1200" dirty="0" smtClean="0"/>
+              <a:t>90%</a:t>
+            </a:r>
+            <a:r>
+              <a:rPr lang="ko-KR" altLang="en-US" sz="1200" smtClean="0"/>
+              <a:t>를 초과하였습니다</a:t>
+            </a:r>
+            <a:r>
+              <a:rPr lang="en-US" altLang="ko-KR" sz="1200" dirty="0" smtClean="0"/>
+              <a:t>. </a:t>
+            </a:r>
+            <a:r>
+              <a:rPr lang="ko-KR" altLang="en-US" sz="1200" smtClean="0"/>
+              <a:t>사용 가능한 디스크 공간이 부족하면 프로그램 설치 및 실행하지 못하고 시스템 성능이 저하될수 있습니다</a:t>
+            </a:r>
+            <a:r>
+              <a:rPr lang="en-US" altLang="ko-KR" sz="1200" dirty="0" smtClean="0"/>
+              <a:t>. </a:t>
+            </a:r>
+            <a:r>
+              <a:rPr lang="ko-KR" altLang="en-US" sz="1200" smtClean="0"/>
+              <a:t>자세한 내용은 </a:t>
+            </a:r>
+            <a:r>
+              <a:rPr lang="en-US" altLang="ko-KR" sz="1200" dirty="0"/>
+              <a:t>“</a:t>
+            </a:r>
+            <a:r>
+              <a:rPr lang="en-US" altLang="ko-KR" sz="1200" dirty="0" smtClean="0"/>
+              <a:t>RECOMMENDATIONS”</a:t>
+            </a:r>
+            <a:r>
+              <a:rPr lang="ko-KR" altLang="en-US" sz="1200" smtClean="0"/>
+              <a:t>를 참조하세요</a:t>
+            </a:r>
+            <a:r>
+              <a:rPr lang="en-US" altLang="ko-KR" sz="1200" dirty="0" smtClean="0"/>
+              <a:t>.</a:t>
+            </a:r>
+            <a:endParaRPr lang="ko-KR" altLang="en-US" sz="1200"/>
           </a:p>
         </p:txBody>
       </p:sp>
@@ -10732,63 +11242,106 @@
       </p:sp>
       <p:sp>
         <p:nvSpPr>
-          <p:cNvPr id="5" name="object 15"/>
-          <p:cNvSpPr/>
+          <p:cNvPr id="6" name="TextBox 5"/>
+          <p:cNvSpPr txBox="1"/>
           <p:nvPr/>
         </p:nvSpPr>
         <p:spPr>
           <a:xfrm>
-            <a:off x="757543" y="1131653"/>
-            <a:ext cx="5617442" cy="219075"/>
-          </a:xfrm>
-          <a:custGeom>
+            <a:off x="704789" y="1187624"/>
+            <a:ext cx="5172483" cy="261610"/>
+          </a:xfrm>
+          <a:prstGeom prst="rect">
             <a:avLst/>
-            <a:gdLst/>
-            <a:ahLst/>
-            <a:cxnLst/>
-            <a:rect l="l" t="t" r="r" b="b"/>
-            <a:pathLst>
-              <a:path w="6179184" h="219075">
-                <a:moveTo>
-                  <a:pt x="0" y="0"/>
-                </a:moveTo>
-                <a:lnTo>
-                  <a:pt x="6179185" y="0"/>
-                </a:lnTo>
-                <a:lnTo>
-                  <a:pt x="6179185" y="219075"/>
-                </a:lnTo>
-                <a:lnTo>
-                  <a:pt x="0" y="219075"/>
-                </a:lnTo>
-                <a:lnTo>
-                  <a:pt x="0" y="0"/>
-                </a:lnTo>
-                <a:close/>
-              </a:path>
-            </a:pathLst>
-          </a:custGeom>
-          <a:solidFill>
-            <a:srgbClr val="0080C0"/>
-          </a:solidFill>
-        </p:spPr>
-        <p:txBody>
-          <a:bodyPr wrap="square" lIns="0" tIns="0" rIns="0" bIns="0" rtlCol="0" anchor="ctr"/>
-          <a:lstStyle/>
-          <a:p>
-            <a:pPr algn="ctr"/>
-            <a:r>
-              <a:rPr lang="ko-KR" altLang="en-US" sz="1200" b="1" dirty="0" smtClean="0">
+          </a:prstGeom>
+          <a:noFill/>
+        </p:spPr>
+        <p:txBody>
+          <a:bodyPr wrap="square" rtlCol="0">
+            <a:spAutoFit/>
+          </a:bodyPr>
+          <a:lstStyle/>
+          <a:p>
+            <a:r>
+              <a:rPr lang="en-US" altLang="ko-KR" sz="1100" spc="20" dirty="0" smtClean="0">
                 <a:solidFill>
-                  <a:schemeClr val="bg1"/>
+                  <a:srgbClr val="0080C0"/>
                 </a:solidFill>
+                <a:latin typeface="Arial"/>
+                <a:cs typeface="Arial"/>
               </a:rPr>
-              <a:t>서버</a:t>
-            </a:r>
-            <a:endParaRPr sz="1200" b="1" dirty="0">
-              <a:solidFill>
-                <a:schemeClr val="bg1"/>
-              </a:solidFill>
+              <a:t>SERVER - MEMORY</a:t>
+            </a:r>
+            <a:r>
+              <a:rPr lang="en-US" altLang="ko-KR" sz="1100" spc="-75" dirty="0" smtClean="0">
+                <a:solidFill>
+                  <a:srgbClr val="0080C0"/>
+                </a:solidFill>
+                <a:latin typeface="Arial"/>
+                <a:cs typeface="Arial"/>
+              </a:rPr>
+              <a:t> </a:t>
+            </a:r>
+            <a:r>
+              <a:rPr lang="en-US" altLang="ko-KR" sz="1100" spc="40" dirty="0" smtClean="0">
+                <a:solidFill>
+                  <a:srgbClr val="0080C0"/>
+                </a:solidFill>
+                <a:latin typeface="Arial"/>
+                <a:cs typeface="Arial"/>
+              </a:rPr>
+              <a:t>UTILIZATION</a:t>
+            </a:r>
+            <a:endParaRPr lang="en-US" altLang="ko-KR" sz="1100" dirty="0">
+              <a:latin typeface="Arial"/>
+              <a:cs typeface="Arial"/>
+            </a:endParaRPr>
+          </a:p>
+        </p:txBody>
+      </p:sp>
+      <p:sp>
+        <p:nvSpPr>
+          <p:cNvPr id="7" name="TextBox 6"/>
+          <p:cNvSpPr txBox="1"/>
+          <p:nvPr/>
+        </p:nvSpPr>
+        <p:spPr>
+          <a:xfrm>
+            <a:off x="704789" y="1461850"/>
+            <a:ext cx="5172483" cy="261610"/>
+          </a:xfrm>
+          <a:prstGeom prst="rect">
+            <a:avLst/>
+          </a:prstGeom>
+          <a:noFill/>
+        </p:spPr>
+        <p:txBody>
+          <a:bodyPr wrap="square" rtlCol="0">
+            <a:spAutoFit/>
+          </a:bodyPr>
+          <a:lstStyle/>
+          <a:p>
+            <a:r>
+              <a:rPr lang="en-US" altLang="ko-KR" sz="1100" dirty="0" smtClean="0">
+                <a:solidFill>
+                  <a:srgbClr val="000000"/>
+                </a:solidFill>
+                <a:latin typeface="맑은 고딕" pitchFamily="50" charset="-127"/>
+              </a:rPr>
+              <a:t>K-SV-VCV001 </a:t>
+            </a:r>
+            <a:r>
+              <a:rPr lang="ko-KR" altLang="en-US" sz="1100" smtClean="0">
+                <a:solidFill>
+                  <a:srgbClr val="000000"/>
+                </a:solidFill>
+                <a:latin typeface="맑은 고딕" pitchFamily="50" charset="-127"/>
+              </a:rPr>
+              <a:t>서버가 </a:t>
+            </a:r>
+            <a:endParaRPr lang="en-US" altLang="ko-KR" sz="1100" dirty="0">
+              <a:latin typeface="Arial"/>
+              <a:cs typeface="Arial"/>
             </a:endParaRPr>
           </a:p>
         </p:txBody>

--- a/document/[지메이트] 월간보고서 sample.pptx
+++ b/document/[지메이트] 월간보고서 sample.pptx
@@ -297,38 +297,37 @@
           <a:p>
             <a:pPr lvl="0"/>
             <a:r>
-              <a:rPr lang="ko-KR" altLang="en-US" smtClean="0"/>
+              <a:rPr lang="ko-KR" altLang="en-US"/>
               <a:t>마스터 텍스트 스타일을 편집합니다</a:t>
             </a:r>
           </a:p>
           <a:p>
             <a:pPr lvl="1"/>
             <a:r>
-              <a:rPr lang="ko-KR" altLang="en-US" smtClean="0"/>
+              <a:rPr lang="ko-KR" altLang="en-US"/>
               <a:t>둘째 수준</a:t>
             </a:r>
           </a:p>
           <a:p>
             <a:pPr lvl="2"/>
             <a:r>
-              <a:rPr lang="ko-KR" altLang="en-US" smtClean="0"/>
+              <a:rPr lang="ko-KR" altLang="en-US"/>
               <a:t>셋째 수준</a:t>
             </a:r>
           </a:p>
           <a:p>
             <a:pPr lvl="3"/>
             <a:r>
-              <a:rPr lang="ko-KR" altLang="en-US" smtClean="0"/>
+              <a:rPr lang="ko-KR" altLang="en-US"/>
               <a:t>넷째 수준</a:t>
             </a:r>
           </a:p>
           <a:p>
             <a:pPr lvl="4"/>
             <a:r>
-              <a:rPr lang="ko-KR" altLang="en-US" smtClean="0"/>
+              <a:rPr lang="ko-KR" altLang="en-US"/>
               <a:t>다섯째 수준</a:t>
             </a:r>
-            <a:endParaRPr lang="ko-KR" altLang="en-US"/>
           </a:p>
         </p:txBody>
       </p:sp>
@@ -543,10 +542,9 @@
           <a:lstStyle/>
           <a:p>
             <a:r>
-              <a:rPr lang="ko-KR" altLang="en-US" smtClean="0"/>
+              <a:rPr lang="ko-KR" altLang="en-US"/>
               <a:t>마스터 제목 스타일 편집</a:t>
             </a:r>
-            <a:endParaRPr lang="ko-KR" altLang="en-US"/>
           </a:p>
         </p:txBody>
       </p:sp>
@@ -665,10 +663,9 @@
           </a:lstStyle>
           <a:p>
             <a:r>
-              <a:rPr lang="ko-KR" altLang="en-US" smtClean="0"/>
+              <a:rPr lang="ko-KR" altLang="en-US"/>
               <a:t>마스터 부제목 스타일 편집</a:t>
             </a:r>
-            <a:endParaRPr lang="ko-KR" altLang="en-US"/>
           </a:p>
         </p:txBody>
       </p:sp>
@@ -768,13 +765,6 @@
   <p:clrMapOvr>
     <a:masterClrMapping/>
   </p:clrMapOvr>
-  <p:timing>
-    <p:tnLst>
-      <p:par>
-        <p:cTn id="1" dur="indefinite" restart="never" nodeType="tmRoot"/>
-      </p:par>
-    </p:tnLst>
-  </p:timing>
 </p:sldLayout>
 </file>
 
@@ -819,10 +809,9 @@
           <a:lstStyle/>
           <a:p>
             <a:r>
-              <a:rPr lang="ko-KR" altLang="en-US" smtClean="0"/>
+              <a:rPr lang="ko-KR" altLang="en-US"/>
               <a:t>마스터 제목 스타일 편집</a:t>
             </a:r>
-            <a:endParaRPr lang="ko-KR" altLang="en-US"/>
           </a:p>
         </p:txBody>
       </p:sp>
@@ -851,38 +840,37 @@
           <a:p>
             <a:pPr lvl="0"/>
             <a:r>
-              <a:rPr lang="ko-KR" altLang="en-US" smtClean="0"/>
+              <a:rPr lang="ko-KR" altLang="en-US"/>
               <a:t>마스터 텍스트 스타일을 편집합니다</a:t>
             </a:r>
           </a:p>
           <a:p>
             <a:pPr lvl="1"/>
             <a:r>
-              <a:rPr lang="ko-KR" altLang="en-US" smtClean="0"/>
+              <a:rPr lang="ko-KR" altLang="en-US"/>
               <a:t>둘째 수준</a:t>
             </a:r>
           </a:p>
           <a:p>
             <a:pPr lvl="2"/>
             <a:r>
-              <a:rPr lang="ko-KR" altLang="en-US" smtClean="0"/>
+              <a:rPr lang="ko-KR" altLang="en-US"/>
               <a:t>셋째 수준</a:t>
             </a:r>
           </a:p>
           <a:p>
             <a:pPr lvl="3"/>
             <a:r>
-              <a:rPr lang="ko-KR" altLang="en-US" smtClean="0"/>
+              <a:rPr lang="ko-KR" altLang="en-US"/>
               <a:t>넷째 수준</a:t>
             </a:r>
           </a:p>
           <a:p>
             <a:pPr lvl="4"/>
             <a:r>
-              <a:rPr lang="ko-KR" altLang="en-US" smtClean="0"/>
+              <a:rPr lang="ko-KR" altLang="en-US"/>
               <a:t>다섯째 수준</a:t>
             </a:r>
-            <a:endParaRPr lang="ko-KR" altLang="en-US"/>
           </a:p>
         </p:txBody>
       </p:sp>
@@ -1026,10 +1014,9 @@
           <a:lstStyle/>
           <a:p>
             <a:r>
-              <a:rPr lang="ko-KR" altLang="en-US" smtClean="0"/>
+              <a:rPr lang="ko-KR" altLang="en-US"/>
               <a:t>마스터 제목 스타일 편집</a:t>
             </a:r>
-            <a:endParaRPr lang="ko-KR" altLang="en-US"/>
           </a:p>
         </p:txBody>
       </p:sp>
@@ -1058,38 +1045,37 @@
           <a:p>
             <a:pPr lvl="0"/>
             <a:r>
-              <a:rPr lang="ko-KR" altLang="en-US" smtClean="0"/>
+              <a:rPr lang="ko-KR" altLang="en-US"/>
               <a:t>마스터 텍스트 스타일을 편집합니다</a:t>
             </a:r>
           </a:p>
           <a:p>
             <a:pPr lvl="1"/>
             <a:r>
-              <a:rPr lang="ko-KR" altLang="en-US" smtClean="0"/>
+              <a:rPr lang="ko-KR" altLang="en-US"/>
               <a:t>둘째 수준</a:t>
             </a:r>
           </a:p>
           <a:p>
             <a:pPr lvl="2"/>
             <a:r>
-              <a:rPr lang="ko-KR" altLang="en-US" smtClean="0"/>
+              <a:rPr lang="ko-KR" altLang="en-US"/>
               <a:t>셋째 수준</a:t>
             </a:r>
           </a:p>
           <a:p>
             <a:pPr lvl="3"/>
             <a:r>
-              <a:rPr lang="ko-KR" altLang="en-US" smtClean="0"/>
+              <a:rPr lang="ko-KR" altLang="en-US"/>
               <a:t>넷째 수준</a:t>
             </a:r>
           </a:p>
           <a:p>
             <a:pPr lvl="4"/>
             <a:r>
-              <a:rPr lang="ko-KR" altLang="en-US" smtClean="0"/>
+              <a:rPr lang="ko-KR" altLang="en-US"/>
               <a:t>다섯째 수준</a:t>
             </a:r>
-            <a:endParaRPr lang="ko-KR" altLang="en-US"/>
           </a:p>
         </p:txBody>
       </p:sp>
@@ -1230,10 +1216,9 @@
           <a:lstStyle/>
           <a:p>
             <a:r>
-              <a:rPr lang="ko-KR" altLang="en-US" smtClean="0"/>
+              <a:rPr lang="ko-KR" altLang="en-US"/>
               <a:t>마스터 제목 스타일 편집</a:t>
             </a:r>
-            <a:endParaRPr lang="ko-KR" altLang="en-US"/>
           </a:p>
         </p:txBody>
       </p:sp>
@@ -1349,10 +1334,9 @@
           </a:lstStyle>
           <a:p>
             <a:r>
-              <a:rPr lang="ko-KR" altLang="en-US" smtClean="0"/>
+              <a:rPr lang="ko-KR" altLang="en-US"/>
               <a:t>마스터 부제목 스타일 편집</a:t>
             </a:r>
-            <a:endParaRPr lang="ko-KR" altLang="en-US"/>
           </a:p>
         </p:txBody>
       </p:sp>
@@ -1464,10 +1448,9 @@
           <a:lstStyle/>
           <a:p>
             <a:r>
-              <a:rPr lang="ko-KR" altLang="en-US" smtClean="0"/>
+              <a:rPr lang="ko-KR" altLang="en-US"/>
               <a:t>마스터 제목 스타일 편집</a:t>
             </a:r>
-            <a:endParaRPr lang="ko-KR" altLang="en-US"/>
           </a:p>
         </p:txBody>
       </p:sp>
@@ -1488,38 +1471,37 @@
           <a:p>
             <a:pPr lvl="0"/>
             <a:r>
-              <a:rPr lang="ko-KR" altLang="en-US" smtClean="0"/>
+              <a:rPr lang="ko-KR" altLang="en-US"/>
               <a:t>마스터 텍스트 스타일을 편집합니다</a:t>
             </a:r>
           </a:p>
           <a:p>
             <a:pPr lvl="1"/>
             <a:r>
-              <a:rPr lang="ko-KR" altLang="en-US" smtClean="0"/>
+              <a:rPr lang="ko-KR" altLang="en-US"/>
               <a:t>둘째 수준</a:t>
             </a:r>
           </a:p>
           <a:p>
             <a:pPr lvl="2"/>
             <a:r>
-              <a:rPr lang="ko-KR" altLang="en-US" smtClean="0"/>
+              <a:rPr lang="ko-KR" altLang="en-US"/>
               <a:t>셋째 수준</a:t>
             </a:r>
           </a:p>
           <a:p>
             <a:pPr lvl="3"/>
             <a:r>
-              <a:rPr lang="ko-KR" altLang="en-US" smtClean="0"/>
+              <a:rPr lang="ko-KR" altLang="en-US"/>
               <a:t>넷째 수준</a:t>
             </a:r>
           </a:p>
           <a:p>
             <a:pPr lvl="4"/>
             <a:r>
-              <a:rPr lang="ko-KR" altLang="en-US" smtClean="0"/>
+              <a:rPr lang="ko-KR" altLang="en-US"/>
               <a:t>다섯째 수준</a:t>
             </a:r>
-            <a:endParaRPr lang="ko-KR" altLang="en-US"/>
           </a:p>
         </p:txBody>
       </p:sp>
@@ -1640,10 +1622,9 @@
           </a:lstStyle>
           <a:p>
             <a:r>
-              <a:rPr lang="ko-KR" altLang="en-US" smtClean="0"/>
+              <a:rPr lang="ko-KR" altLang="en-US"/>
               <a:t>마스터 제목 스타일 편집</a:t>
             </a:r>
-            <a:endParaRPr lang="ko-KR" altLang="en-US"/>
           </a:p>
         </p:txBody>
       </p:sp>
@@ -1760,7 +1741,7 @@
           <a:p>
             <a:pPr lvl="0"/>
             <a:r>
-              <a:rPr lang="ko-KR" altLang="en-US" smtClean="0"/>
+              <a:rPr lang="ko-KR" altLang="en-US"/>
               <a:t>마스터 텍스트 스타일을 편집합니다</a:t>
             </a:r>
           </a:p>
@@ -1874,10 +1855,9 @@
           <a:lstStyle/>
           <a:p>
             <a:r>
-              <a:rPr lang="ko-KR" altLang="en-US" smtClean="0"/>
+              <a:rPr lang="ko-KR" altLang="en-US"/>
               <a:t>마스터 제목 스타일 편집</a:t>
             </a:r>
-            <a:endParaRPr lang="ko-KR" altLang="en-US"/>
           </a:p>
         </p:txBody>
       </p:sp>
@@ -1931,38 +1911,37 @@
           <a:p>
             <a:pPr lvl="0"/>
             <a:r>
-              <a:rPr lang="ko-KR" altLang="en-US" smtClean="0"/>
+              <a:rPr lang="ko-KR" altLang="en-US"/>
               <a:t>마스터 텍스트 스타일을 편집합니다</a:t>
             </a:r>
           </a:p>
           <a:p>
             <a:pPr lvl="1"/>
             <a:r>
-              <a:rPr lang="ko-KR" altLang="en-US" smtClean="0"/>
+              <a:rPr lang="ko-KR" altLang="en-US"/>
               <a:t>둘째 수준</a:t>
             </a:r>
           </a:p>
           <a:p>
             <a:pPr lvl="2"/>
             <a:r>
-              <a:rPr lang="ko-KR" altLang="en-US" smtClean="0"/>
+              <a:rPr lang="ko-KR" altLang="en-US"/>
               <a:t>셋째 수준</a:t>
             </a:r>
           </a:p>
           <a:p>
             <a:pPr lvl="3"/>
             <a:r>
-              <a:rPr lang="ko-KR" altLang="en-US" smtClean="0"/>
+              <a:rPr lang="ko-KR" altLang="en-US"/>
               <a:t>넷째 수준</a:t>
             </a:r>
           </a:p>
           <a:p>
             <a:pPr lvl="4"/>
             <a:r>
-              <a:rPr lang="ko-KR" altLang="en-US" smtClean="0"/>
+              <a:rPr lang="ko-KR" altLang="en-US"/>
               <a:t>다섯째 수준</a:t>
             </a:r>
-            <a:endParaRPr lang="ko-KR" altLang="en-US"/>
           </a:p>
         </p:txBody>
       </p:sp>
@@ -2016,38 +1995,37 @@
           <a:p>
             <a:pPr lvl="0"/>
             <a:r>
-              <a:rPr lang="ko-KR" altLang="en-US" smtClean="0"/>
+              <a:rPr lang="ko-KR" altLang="en-US"/>
               <a:t>마스터 텍스트 스타일을 편집합니다</a:t>
             </a:r>
           </a:p>
           <a:p>
             <a:pPr lvl="1"/>
             <a:r>
-              <a:rPr lang="ko-KR" altLang="en-US" smtClean="0"/>
+              <a:rPr lang="ko-KR" altLang="en-US"/>
               <a:t>둘째 수준</a:t>
             </a:r>
           </a:p>
           <a:p>
             <a:pPr lvl="2"/>
             <a:r>
-              <a:rPr lang="ko-KR" altLang="en-US" smtClean="0"/>
+              <a:rPr lang="ko-KR" altLang="en-US"/>
               <a:t>셋째 수준</a:t>
             </a:r>
           </a:p>
           <a:p>
             <a:pPr lvl="3"/>
             <a:r>
-              <a:rPr lang="ko-KR" altLang="en-US" smtClean="0"/>
+              <a:rPr lang="ko-KR" altLang="en-US"/>
               <a:t>넷째 수준</a:t>
             </a:r>
           </a:p>
           <a:p>
             <a:pPr lvl="4"/>
             <a:r>
-              <a:rPr lang="ko-KR" altLang="en-US" smtClean="0"/>
+              <a:rPr lang="ko-KR" altLang="en-US"/>
               <a:t>다섯째 수준</a:t>
             </a:r>
-            <a:endParaRPr lang="ko-KR" altLang="en-US"/>
           </a:p>
         </p:txBody>
       </p:sp>
@@ -2163,10 +2141,9 @@
           </a:lstStyle>
           <a:p>
             <a:r>
-              <a:rPr lang="ko-KR" altLang="en-US" smtClean="0"/>
+              <a:rPr lang="ko-KR" altLang="en-US"/>
               <a:t>마스터 제목 스타일 편집</a:t>
             </a:r>
-            <a:endParaRPr lang="ko-KR" altLang="en-US"/>
           </a:p>
         </p:txBody>
       </p:sp>
@@ -2229,7 +2206,7 @@
           <a:p>
             <a:pPr lvl="0"/>
             <a:r>
-              <a:rPr lang="ko-KR" altLang="en-US" smtClean="0"/>
+              <a:rPr lang="ko-KR" altLang="en-US"/>
               <a:t>마스터 텍스트 스타일을 편집합니다</a:t>
             </a:r>
           </a:p>
@@ -2285,38 +2262,37 @@
           <a:p>
             <a:pPr lvl="0"/>
             <a:r>
-              <a:rPr lang="ko-KR" altLang="en-US" smtClean="0"/>
+              <a:rPr lang="ko-KR" altLang="en-US"/>
               <a:t>마스터 텍스트 스타일을 편집합니다</a:t>
             </a:r>
           </a:p>
           <a:p>
             <a:pPr lvl="1"/>
             <a:r>
-              <a:rPr lang="ko-KR" altLang="en-US" smtClean="0"/>
+              <a:rPr lang="ko-KR" altLang="en-US"/>
               <a:t>둘째 수준</a:t>
             </a:r>
           </a:p>
           <a:p>
             <a:pPr lvl="2"/>
             <a:r>
-              <a:rPr lang="ko-KR" altLang="en-US" smtClean="0"/>
+              <a:rPr lang="ko-KR" altLang="en-US"/>
               <a:t>셋째 수준</a:t>
             </a:r>
           </a:p>
           <a:p>
             <a:pPr lvl="3"/>
             <a:r>
-              <a:rPr lang="ko-KR" altLang="en-US" smtClean="0"/>
+              <a:rPr lang="ko-KR" altLang="en-US"/>
               <a:t>넷째 수준</a:t>
             </a:r>
           </a:p>
           <a:p>
             <a:pPr lvl="4"/>
             <a:r>
-              <a:rPr lang="ko-KR" altLang="en-US" smtClean="0"/>
+              <a:rPr lang="ko-KR" altLang="en-US"/>
               <a:t>다섯째 수준</a:t>
             </a:r>
-            <a:endParaRPr lang="ko-KR" altLang="en-US"/>
           </a:p>
         </p:txBody>
       </p:sp>
@@ -2379,7 +2355,7 @@
           <a:p>
             <a:pPr lvl="0"/>
             <a:r>
-              <a:rPr lang="ko-KR" altLang="en-US" smtClean="0"/>
+              <a:rPr lang="ko-KR" altLang="en-US"/>
               <a:t>마스터 텍스트 스타일을 편집합니다</a:t>
             </a:r>
           </a:p>
@@ -2435,38 +2411,37 @@
           <a:p>
             <a:pPr lvl="0"/>
             <a:r>
-              <a:rPr lang="ko-KR" altLang="en-US" smtClean="0"/>
+              <a:rPr lang="ko-KR" altLang="en-US"/>
               <a:t>마스터 텍스트 스타일을 편집합니다</a:t>
             </a:r>
           </a:p>
           <a:p>
             <a:pPr lvl="1"/>
             <a:r>
-              <a:rPr lang="ko-KR" altLang="en-US" smtClean="0"/>
+              <a:rPr lang="ko-KR" altLang="en-US"/>
               <a:t>둘째 수준</a:t>
             </a:r>
           </a:p>
           <a:p>
             <a:pPr lvl="2"/>
             <a:r>
-              <a:rPr lang="ko-KR" altLang="en-US" smtClean="0"/>
+              <a:rPr lang="ko-KR" altLang="en-US"/>
               <a:t>셋째 수준</a:t>
             </a:r>
           </a:p>
           <a:p>
             <a:pPr lvl="3"/>
             <a:r>
-              <a:rPr lang="ko-KR" altLang="en-US" smtClean="0"/>
+              <a:rPr lang="ko-KR" altLang="en-US"/>
               <a:t>넷째 수준</a:t>
             </a:r>
           </a:p>
           <a:p>
             <a:pPr lvl="4"/>
             <a:r>
-              <a:rPr lang="ko-KR" altLang="en-US" smtClean="0"/>
+              <a:rPr lang="ko-KR" altLang="en-US"/>
               <a:t>다섯째 수준</a:t>
             </a:r>
-            <a:endParaRPr lang="ko-KR" altLang="en-US"/>
           </a:p>
         </p:txBody>
       </p:sp>
@@ -2578,10 +2553,9 @@
           <a:lstStyle/>
           <a:p>
             <a:r>
-              <a:rPr lang="ko-KR" altLang="en-US" smtClean="0"/>
+              <a:rPr lang="ko-KR" altLang="en-US"/>
               <a:t>마스터 제목 스타일 편집</a:t>
             </a:r>
-            <a:endParaRPr lang="ko-KR" altLang="en-US"/>
           </a:p>
         </p:txBody>
       </p:sp>
@@ -2794,10 +2768,9 @@
           </a:lstStyle>
           <a:p>
             <a:r>
-              <a:rPr lang="ko-KR" altLang="en-US" smtClean="0"/>
+              <a:rPr lang="ko-KR" altLang="en-US"/>
               <a:t>마스터 제목 스타일 편집</a:t>
             </a:r>
-            <a:endParaRPr lang="ko-KR" altLang="en-US"/>
           </a:p>
         </p:txBody>
       </p:sp>
@@ -2851,38 +2824,37 @@
           <a:p>
             <a:pPr lvl="0"/>
             <a:r>
-              <a:rPr lang="ko-KR" altLang="en-US" smtClean="0"/>
+              <a:rPr lang="ko-KR" altLang="en-US"/>
               <a:t>마스터 텍스트 스타일을 편집합니다</a:t>
             </a:r>
           </a:p>
           <a:p>
             <a:pPr lvl="1"/>
             <a:r>
-              <a:rPr lang="ko-KR" altLang="en-US" smtClean="0"/>
+              <a:rPr lang="ko-KR" altLang="en-US"/>
               <a:t>둘째 수준</a:t>
             </a:r>
           </a:p>
           <a:p>
             <a:pPr lvl="2"/>
             <a:r>
-              <a:rPr lang="ko-KR" altLang="en-US" smtClean="0"/>
+              <a:rPr lang="ko-KR" altLang="en-US"/>
               <a:t>셋째 수준</a:t>
             </a:r>
           </a:p>
           <a:p>
             <a:pPr lvl="3"/>
             <a:r>
-              <a:rPr lang="ko-KR" altLang="en-US" smtClean="0"/>
+              <a:rPr lang="ko-KR" altLang="en-US"/>
               <a:t>넷째 수준</a:t>
             </a:r>
           </a:p>
           <a:p>
             <a:pPr lvl="4"/>
             <a:r>
-              <a:rPr lang="ko-KR" altLang="en-US" smtClean="0"/>
+              <a:rPr lang="ko-KR" altLang="en-US"/>
               <a:t>다섯째 수준</a:t>
             </a:r>
-            <a:endParaRPr lang="ko-KR" altLang="en-US"/>
           </a:p>
         </p:txBody>
       </p:sp>
@@ -2945,7 +2917,7 @@
           <a:p>
             <a:pPr lvl="0"/>
             <a:r>
-              <a:rPr lang="ko-KR" altLang="en-US" smtClean="0"/>
+              <a:rPr lang="ko-KR" altLang="en-US"/>
               <a:t>마스터 텍스트 스타일을 편집합니다</a:t>
             </a:r>
           </a:p>
@@ -3067,10 +3039,9 @@
           <a:lstStyle/>
           <a:p>
             <a:r>
-              <a:rPr lang="ko-KR" altLang="en-US" smtClean="0"/>
+              <a:rPr lang="ko-KR" altLang="en-US"/>
               <a:t>마스터 제목 스타일 편집</a:t>
             </a:r>
-            <a:endParaRPr lang="ko-KR" altLang="en-US"/>
           </a:p>
         </p:txBody>
       </p:sp>
@@ -3099,38 +3070,37 @@
           <a:p>
             <a:pPr lvl="0"/>
             <a:r>
-              <a:rPr lang="ko-KR" altLang="en-US" smtClean="0"/>
+              <a:rPr lang="ko-KR" altLang="en-US"/>
               <a:t>마스터 텍스트 스타일을 편집합니다</a:t>
             </a:r>
           </a:p>
           <a:p>
             <a:pPr lvl="1"/>
             <a:r>
-              <a:rPr lang="ko-KR" altLang="en-US" smtClean="0"/>
+              <a:rPr lang="ko-KR" altLang="en-US"/>
               <a:t>둘째 수준</a:t>
             </a:r>
           </a:p>
           <a:p>
             <a:pPr lvl="2"/>
             <a:r>
-              <a:rPr lang="ko-KR" altLang="en-US" smtClean="0"/>
+              <a:rPr lang="ko-KR" altLang="en-US"/>
               <a:t>셋째 수준</a:t>
             </a:r>
           </a:p>
           <a:p>
             <a:pPr lvl="3"/>
             <a:r>
-              <a:rPr lang="ko-KR" altLang="en-US" smtClean="0"/>
+              <a:rPr lang="ko-KR" altLang="en-US"/>
               <a:t>넷째 수준</a:t>
             </a:r>
           </a:p>
           <a:p>
             <a:pPr lvl="4"/>
             <a:r>
-              <a:rPr lang="ko-KR" altLang="en-US" smtClean="0"/>
+              <a:rPr lang="ko-KR" altLang="en-US"/>
               <a:t>다섯째 수준</a:t>
             </a:r>
-            <a:endParaRPr lang="ko-KR" altLang="en-US"/>
           </a:p>
         </p:txBody>
       </p:sp>
@@ -3275,10 +3245,9 @@
           </a:lstStyle>
           <a:p>
             <a:r>
-              <a:rPr lang="ko-KR" altLang="en-US" smtClean="0"/>
+              <a:rPr lang="ko-KR" altLang="en-US"/>
               <a:t>마스터 제목 스타일 편집</a:t>
             </a:r>
-            <a:endParaRPr lang="ko-KR" altLang="en-US"/>
           </a:p>
         </p:txBody>
       </p:sp>
@@ -3402,7 +3371,7 @@
           <a:p>
             <a:pPr lvl="0"/>
             <a:r>
-              <a:rPr lang="ko-KR" altLang="en-US" smtClean="0"/>
+              <a:rPr lang="ko-KR" altLang="en-US"/>
               <a:t>마스터 텍스트 스타일을 편집합니다</a:t>
             </a:r>
           </a:p>
@@ -3516,10 +3485,9 @@
           <a:lstStyle/>
           <a:p>
             <a:r>
-              <a:rPr lang="ko-KR" altLang="en-US" smtClean="0"/>
+              <a:rPr lang="ko-KR" altLang="en-US"/>
               <a:t>마스터 제목 스타일 편집</a:t>
             </a:r>
-            <a:endParaRPr lang="ko-KR" altLang="en-US"/>
           </a:p>
         </p:txBody>
       </p:sp>
@@ -3540,38 +3508,37 @@
           <a:p>
             <a:pPr lvl="0"/>
             <a:r>
-              <a:rPr lang="ko-KR" altLang="en-US" smtClean="0"/>
+              <a:rPr lang="ko-KR" altLang="en-US"/>
               <a:t>마스터 텍스트 스타일을 편집합니다</a:t>
             </a:r>
           </a:p>
           <a:p>
             <a:pPr lvl="1"/>
             <a:r>
-              <a:rPr lang="ko-KR" altLang="en-US" smtClean="0"/>
+              <a:rPr lang="ko-KR" altLang="en-US"/>
               <a:t>둘째 수준</a:t>
             </a:r>
           </a:p>
           <a:p>
             <a:pPr lvl="2"/>
             <a:r>
-              <a:rPr lang="ko-KR" altLang="en-US" smtClean="0"/>
+              <a:rPr lang="ko-KR" altLang="en-US"/>
               <a:t>셋째 수준</a:t>
             </a:r>
           </a:p>
           <a:p>
             <a:pPr lvl="3"/>
             <a:r>
-              <a:rPr lang="ko-KR" altLang="en-US" smtClean="0"/>
+              <a:rPr lang="ko-KR" altLang="en-US"/>
               <a:t>넷째 수준</a:t>
             </a:r>
           </a:p>
           <a:p>
             <a:pPr lvl="4"/>
             <a:r>
-              <a:rPr lang="ko-KR" altLang="en-US" smtClean="0"/>
+              <a:rPr lang="ko-KR" altLang="en-US"/>
               <a:t>다섯째 수준</a:t>
             </a:r>
-            <a:endParaRPr lang="ko-KR" altLang="en-US"/>
           </a:p>
         </p:txBody>
       </p:sp>
@@ -3688,10 +3655,9 @@
           <a:lstStyle/>
           <a:p>
             <a:r>
-              <a:rPr lang="ko-KR" altLang="en-US" smtClean="0"/>
+              <a:rPr lang="ko-KR" altLang="en-US"/>
               <a:t>마스터 제목 스타일 편집</a:t>
             </a:r>
-            <a:endParaRPr lang="ko-KR" altLang="en-US"/>
           </a:p>
         </p:txBody>
       </p:sp>
@@ -3717,38 +3683,37 @@
           <a:p>
             <a:pPr lvl="0"/>
             <a:r>
-              <a:rPr lang="ko-KR" altLang="en-US" smtClean="0"/>
+              <a:rPr lang="ko-KR" altLang="en-US"/>
               <a:t>마스터 텍스트 스타일을 편집합니다</a:t>
             </a:r>
           </a:p>
           <a:p>
             <a:pPr lvl="1"/>
             <a:r>
-              <a:rPr lang="ko-KR" altLang="en-US" smtClean="0"/>
+              <a:rPr lang="ko-KR" altLang="en-US"/>
               <a:t>둘째 수준</a:t>
             </a:r>
           </a:p>
           <a:p>
             <a:pPr lvl="2"/>
             <a:r>
-              <a:rPr lang="ko-KR" altLang="en-US" smtClean="0"/>
+              <a:rPr lang="ko-KR" altLang="en-US"/>
               <a:t>셋째 수준</a:t>
             </a:r>
           </a:p>
           <a:p>
             <a:pPr lvl="3"/>
             <a:r>
-              <a:rPr lang="ko-KR" altLang="en-US" smtClean="0"/>
+              <a:rPr lang="ko-KR" altLang="en-US"/>
               <a:t>넷째 수준</a:t>
             </a:r>
           </a:p>
           <a:p>
             <a:pPr lvl="4"/>
             <a:r>
-              <a:rPr lang="ko-KR" altLang="en-US" smtClean="0"/>
+              <a:rPr lang="ko-KR" altLang="en-US"/>
               <a:t>다섯째 수준</a:t>
             </a:r>
-            <a:endParaRPr lang="ko-KR" altLang="en-US"/>
           </a:p>
         </p:txBody>
       </p:sp>
@@ -3865,10 +3830,9 @@
           <a:lstStyle/>
           <a:p>
             <a:r>
-              <a:rPr lang="ko-KR" altLang="en-US" smtClean="0"/>
+              <a:rPr lang="ko-KR" altLang="en-US"/>
               <a:t>마스터 제목 스타일 편집</a:t>
             </a:r>
-            <a:endParaRPr lang="ko-KR" altLang="en-US"/>
           </a:p>
         </p:txBody>
       </p:sp>
@@ -3984,10 +3948,9 @@
           </a:lstStyle>
           <a:p>
             <a:r>
-              <a:rPr lang="ko-KR" altLang="en-US" smtClean="0"/>
+              <a:rPr lang="ko-KR" altLang="en-US"/>
               <a:t>마스터 부제목 스타일 편집</a:t>
             </a:r>
-            <a:endParaRPr lang="ko-KR" altLang="en-US"/>
           </a:p>
         </p:txBody>
       </p:sp>
@@ -4129,10 +4092,9 @@
           <a:lstStyle/>
           <a:p>
             <a:r>
-              <a:rPr lang="ko-KR" altLang="en-US" smtClean="0"/>
+              <a:rPr lang="ko-KR" altLang="en-US"/>
               <a:t>마스터 제목 스타일 편집</a:t>
             </a:r>
-            <a:endParaRPr lang="ko-KR" altLang="en-US"/>
           </a:p>
         </p:txBody>
       </p:sp>
@@ -4153,38 +4115,37 @@
           <a:p>
             <a:pPr lvl="0"/>
             <a:r>
-              <a:rPr lang="ko-KR" altLang="en-US" smtClean="0"/>
+              <a:rPr lang="ko-KR" altLang="en-US"/>
               <a:t>마스터 텍스트 스타일을 편집합니다</a:t>
             </a:r>
           </a:p>
           <a:p>
             <a:pPr lvl="1"/>
             <a:r>
-              <a:rPr lang="ko-KR" altLang="en-US" smtClean="0"/>
+              <a:rPr lang="ko-KR" altLang="en-US"/>
               <a:t>둘째 수준</a:t>
             </a:r>
           </a:p>
           <a:p>
             <a:pPr lvl="2"/>
             <a:r>
-              <a:rPr lang="ko-KR" altLang="en-US" smtClean="0"/>
+              <a:rPr lang="ko-KR" altLang="en-US"/>
               <a:t>셋째 수준</a:t>
             </a:r>
           </a:p>
           <a:p>
             <a:pPr lvl="3"/>
             <a:r>
-              <a:rPr lang="ko-KR" altLang="en-US" smtClean="0"/>
+              <a:rPr lang="ko-KR" altLang="en-US"/>
               <a:t>넷째 수준</a:t>
             </a:r>
           </a:p>
           <a:p>
             <a:pPr lvl="4"/>
             <a:r>
-              <a:rPr lang="ko-KR" altLang="en-US" smtClean="0"/>
+              <a:rPr lang="ko-KR" altLang="en-US"/>
               <a:t>다섯째 수준</a:t>
             </a:r>
-            <a:endParaRPr lang="ko-KR" altLang="en-US"/>
           </a:p>
         </p:txBody>
       </p:sp>
@@ -4335,10 +4296,9 @@
           </a:lstStyle>
           <a:p>
             <a:r>
-              <a:rPr lang="ko-KR" altLang="en-US" smtClean="0"/>
+              <a:rPr lang="ko-KR" altLang="en-US"/>
               <a:t>마스터 제목 스타일 편집</a:t>
             </a:r>
-            <a:endParaRPr lang="ko-KR" altLang="en-US"/>
           </a:p>
         </p:txBody>
       </p:sp>
@@ -4455,7 +4415,7 @@
           <a:p>
             <a:pPr lvl="0"/>
             <a:r>
-              <a:rPr lang="ko-KR" altLang="en-US" smtClean="0"/>
+              <a:rPr lang="ko-KR" altLang="en-US"/>
               <a:t>마스터 텍스트 스타일을 편집합니다</a:t>
             </a:r>
           </a:p>
@@ -4599,10 +4559,9 @@
           <a:lstStyle/>
           <a:p>
             <a:r>
-              <a:rPr lang="ko-KR" altLang="en-US" smtClean="0"/>
+              <a:rPr lang="ko-KR" altLang="en-US"/>
               <a:t>마스터 제목 스타일 편집</a:t>
             </a:r>
-            <a:endParaRPr lang="ko-KR" altLang="en-US"/>
           </a:p>
         </p:txBody>
       </p:sp>
@@ -4656,38 +4615,37 @@
           <a:p>
             <a:pPr lvl="0"/>
             <a:r>
-              <a:rPr lang="ko-KR" altLang="en-US" smtClean="0"/>
+              <a:rPr lang="ko-KR" altLang="en-US"/>
               <a:t>마스터 텍스트 스타일을 편집합니다</a:t>
             </a:r>
           </a:p>
           <a:p>
             <a:pPr lvl="1"/>
             <a:r>
-              <a:rPr lang="ko-KR" altLang="en-US" smtClean="0"/>
+              <a:rPr lang="ko-KR" altLang="en-US"/>
               <a:t>둘째 수준</a:t>
             </a:r>
           </a:p>
           <a:p>
             <a:pPr lvl="2"/>
             <a:r>
-              <a:rPr lang="ko-KR" altLang="en-US" smtClean="0"/>
+              <a:rPr lang="ko-KR" altLang="en-US"/>
               <a:t>셋째 수준</a:t>
             </a:r>
           </a:p>
           <a:p>
             <a:pPr lvl="3"/>
             <a:r>
-              <a:rPr lang="ko-KR" altLang="en-US" smtClean="0"/>
+              <a:rPr lang="ko-KR" altLang="en-US"/>
               <a:t>넷째 수준</a:t>
             </a:r>
           </a:p>
           <a:p>
             <a:pPr lvl="4"/>
             <a:r>
-              <a:rPr lang="ko-KR" altLang="en-US" smtClean="0"/>
+              <a:rPr lang="ko-KR" altLang="en-US"/>
               <a:t>다섯째 수준</a:t>
             </a:r>
-            <a:endParaRPr lang="ko-KR" altLang="en-US"/>
           </a:p>
         </p:txBody>
       </p:sp>
@@ -4741,38 +4699,37 @@
           <a:p>
             <a:pPr lvl="0"/>
             <a:r>
-              <a:rPr lang="ko-KR" altLang="en-US" smtClean="0"/>
+              <a:rPr lang="ko-KR" altLang="en-US"/>
               <a:t>마스터 텍스트 스타일을 편집합니다</a:t>
             </a:r>
           </a:p>
           <a:p>
             <a:pPr lvl="1"/>
             <a:r>
-              <a:rPr lang="ko-KR" altLang="en-US" smtClean="0"/>
+              <a:rPr lang="ko-KR" altLang="en-US"/>
               <a:t>둘째 수준</a:t>
             </a:r>
           </a:p>
           <a:p>
             <a:pPr lvl="2"/>
             <a:r>
-              <a:rPr lang="ko-KR" altLang="en-US" smtClean="0"/>
+              <a:rPr lang="ko-KR" altLang="en-US"/>
               <a:t>셋째 수준</a:t>
             </a:r>
           </a:p>
           <a:p>
             <a:pPr lvl="3"/>
             <a:r>
-              <a:rPr lang="ko-KR" altLang="en-US" smtClean="0"/>
+              <a:rPr lang="ko-KR" altLang="en-US"/>
               <a:t>넷째 수준</a:t>
             </a:r>
           </a:p>
           <a:p>
             <a:pPr lvl="4"/>
             <a:r>
-              <a:rPr lang="ko-KR" altLang="en-US" smtClean="0"/>
+              <a:rPr lang="ko-KR" altLang="en-US"/>
               <a:t>다섯째 수준</a:t>
             </a:r>
-            <a:endParaRPr lang="ko-KR" altLang="en-US"/>
           </a:p>
         </p:txBody>
       </p:sp>
@@ -4918,10 +4875,9 @@
           </a:lstStyle>
           <a:p>
             <a:r>
-              <a:rPr lang="ko-KR" altLang="en-US" smtClean="0"/>
+              <a:rPr lang="ko-KR" altLang="en-US"/>
               <a:t>마스터 제목 스타일 편집</a:t>
             </a:r>
-            <a:endParaRPr lang="ko-KR" altLang="en-US"/>
           </a:p>
         </p:txBody>
       </p:sp>
@@ -4984,7 +4940,7 @@
           <a:p>
             <a:pPr lvl="0"/>
             <a:r>
-              <a:rPr lang="ko-KR" altLang="en-US" smtClean="0"/>
+              <a:rPr lang="ko-KR" altLang="en-US"/>
               <a:t>마스터 텍스트 스타일을 편집합니다</a:t>
             </a:r>
           </a:p>
@@ -5040,38 +4996,37 @@
           <a:p>
             <a:pPr lvl="0"/>
             <a:r>
-              <a:rPr lang="ko-KR" altLang="en-US" smtClean="0"/>
+              <a:rPr lang="ko-KR" altLang="en-US"/>
               <a:t>마스터 텍스트 스타일을 편집합니다</a:t>
             </a:r>
           </a:p>
           <a:p>
             <a:pPr lvl="1"/>
             <a:r>
-              <a:rPr lang="ko-KR" altLang="en-US" smtClean="0"/>
+              <a:rPr lang="ko-KR" altLang="en-US"/>
               <a:t>둘째 수준</a:t>
             </a:r>
           </a:p>
           <a:p>
             <a:pPr lvl="2"/>
             <a:r>
-              <a:rPr lang="ko-KR" altLang="en-US" smtClean="0"/>
+              <a:rPr lang="ko-KR" altLang="en-US"/>
               <a:t>셋째 수준</a:t>
             </a:r>
           </a:p>
           <a:p>
             <a:pPr lvl="3"/>
             <a:r>
-              <a:rPr lang="ko-KR" altLang="en-US" smtClean="0"/>
+              <a:rPr lang="ko-KR" altLang="en-US"/>
               <a:t>넷째 수준</a:t>
             </a:r>
           </a:p>
           <a:p>
             <a:pPr lvl="4"/>
             <a:r>
-              <a:rPr lang="ko-KR" altLang="en-US" smtClean="0"/>
+              <a:rPr lang="ko-KR" altLang="en-US"/>
               <a:t>다섯째 수준</a:t>
             </a:r>
-            <a:endParaRPr lang="ko-KR" altLang="en-US"/>
           </a:p>
         </p:txBody>
       </p:sp>
@@ -5134,7 +5089,7 @@
           <a:p>
             <a:pPr lvl="0"/>
             <a:r>
-              <a:rPr lang="ko-KR" altLang="en-US" smtClean="0"/>
+              <a:rPr lang="ko-KR" altLang="en-US"/>
               <a:t>마스터 텍스트 스타일을 편집합니다</a:t>
             </a:r>
           </a:p>
@@ -5190,38 +5145,37 @@
           <a:p>
             <a:pPr lvl="0"/>
             <a:r>
-              <a:rPr lang="ko-KR" altLang="en-US" smtClean="0"/>
+              <a:rPr lang="ko-KR" altLang="en-US"/>
               <a:t>마스터 텍스트 스타일을 편집합니다</a:t>
             </a:r>
           </a:p>
           <a:p>
             <a:pPr lvl="1"/>
             <a:r>
-              <a:rPr lang="ko-KR" altLang="en-US" smtClean="0"/>
+              <a:rPr lang="ko-KR" altLang="en-US"/>
               <a:t>둘째 수준</a:t>
             </a:r>
           </a:p>
           <a:p>
             <a:pPr lvl="2"/>
             <a:r>
-              <a:rPr lang="ko-KR" altLang="en-US" smtClean="0"/>
+              <a:rPr lang="ko-KR" altLang="en-US"/>
               <a:t>셋째 수준</a:t>
             </a:r>
           </a:p>
           <a:p>
             <a:pPr lvl="3"/>
             <a:r>
-              <a:rPr lang="ko-KR" altLang="en-US" smtClean="0"/>
+              <a:rPr lang="ko-KR" altLang="en-US"/>
               <a:t>넷째 수준</a:t>
             </a:r>
           </a:p>
           <a:p>
             <a:pPr lvl="4"/>
             <a:r>
-              <a:rPr lang="ko-KR" altLang="en-US" smtClean="0"/>
+              <a:rPr lang="ko-KR" altLang="en-US"/>
               <a:t>다섯째 수준</a:t>
             </a:r>
-            <a:endParaRPr lang="ko-KR" altLang="en-US"/>
           </a:p>
         </p:txBody>
       </p:sp>
@@ -5363,10 +5317,9 @@
           <a:lstStyle/>
           <a:p>
             <a:r>
-              <a:rPr lang="ko-KR" altLang="en-US" smtClean="0"/>
+              <a:rPr lang="ko-KR" altLang="en-US"/>
               <a:t>마스터 제목 스타일 편집</a:t>
             </a:r>
-            <a:endParaRPr lang="ko-KR" altLang="en-US"/>
           </a:p>
         </p:txBody>
       </p:sp>
@@ -5642,10 +5595,9 @@
           </a:lstStyle>
           <a:p>
             <a:r>
-              <a:rPr lang="ko-KR" altLang="en-US" smtClean="0"/>
+              <a:rPr lang="ko-KR" altLang="en-US"/>
               <a:t>마스터 제목 스타일 편집</a:t>
             </a:r>
-            <a:endParaRPr lang="ko-KR" altLang="en-US"/>
           </a:p>
         </p:txBody>
       </p:sp>
@@ -5765,7 +5717,7 @@
           <a:p>
             <a:pPr lvl="0"/>
             <a:r>
-              <a:rPr lang="ko-KR" altLang="en-US" smtClean="0"/>
+              <a:rPr lang="ko-KR" altLang="en-US"/>
               <a:t>마스터 텍스트 스타일을 편집합니다</a:t>
             </a:r>
           </a:p>
@@ -5912,10 +5864,9 @@
           </a:lstStyle>
           <a:p>
             <a:r>
-              <a:rPr lang="ko-KR" altLang="en-US" smtClean="0"/>
+              <a:rPr lang="ko-KR" altLang="en-US"/>
               <a:t>마스터 제목 스타일 편집</a:t>
             </a:r>
-            <a:endParaRPr lang="ko-KR" altLang="en-US"/>
           </a:p>
         </p:txBody>
       </p:sp>
@@ -5969,38 +5920,37 @@
           <a:p>
             <a:pPr lvl="0"/>
             <a:r>
-              <a:rPr lang="ko-KR" altLang="en-US" smtClean="0"/>
+              <a:rPr lang="ko-KR" altLang="en-US"/>
               <a:t>마스터 텍스트 스타일을 편집합니다</a:t>
             </a:r>
           </a:p>
           <a:p>
             <a:pPr lvl="1"/>
             <a:r>
-              <a:rPr lang="ko-KR" altLang="en-US" smtClean="0"/>
+              <a:rPr lang="ko-KR" altLang="en-US"/>
               <a:t>둘째 수준</a:t>
             </a:r>
           </a:p>
           <a:p>
             <a:pPr lvl="2"/>
             <a:r>
-              <a:rPr lang="ko-KR" altLang="en-US" smtClean="0"/>
+              <a:rPr lang="ko-KR" altLang="en-US"/>
               <a:t>셋째 수준</a:t>
             </a:r>
           </a:p>
           <a:p>
             <a:pPr lvl="3"/>
             <a:r>
-              <a:rPr lang="ko-KR" altLang="en-US" smtClean="0"/>
+              <a:rPr lang="ko-KR" altLang="en-US"/>
               <a:t>넷째 수준</a:t>
             </a:r>
           </a:p>
           <a:p>
             <a:pPr lvl="4"/>
             <a:r>
-              <a:rPr lang="ko-KR" altLang="en-US" smtClean="0"/>
+              <a:rPr lang="ko-KR" altLang="en-US"/>
               <a:t>다섯째 수준</a:t>
             </a:r>
-            <a:endParaRPr lang="ko-KR" altLang="en-US"/>
           </a:p>
         </p:txBody>
       </p:sp>
@@ -6063,7 +6013,7 @@
           <a:p>
             <a:pPr lvl="0"/>
             <a:r>
-              <a:rPr lang="ko-KR" altLang="en-US" smtClean="0"/>
+              <a:rPr lang="ko-KR" altLang="en-US"/>
               <a:t>마스터 텍스트 스타일을 편집합니다</a:t>
             </a:r>
           </a:p>
@@ -6216,10 +6166,9 @@
           </a:lstStyle>
           <a:p>
             <a:r>
-              <a:rPr lang="ko-KR" altLang="en-US" smtClean="0"/>
+              <a:rPr lang="ko-KR" altLang="en-US"/>
               <a:t>마스터 제목 스타일 편집</a:t>
             </a:r>
-            <a:endParaRPr lang="ko-KR" altLang="en-US"/>
           </a:p>
         </p:txBody>
       </p:sp>
@@ -6343,7 +6292,7 @@
           <a:p>
             <a:pPr lvl="0"/>
             <a:r>
-              <a:rPr lang="ko-KR" altLang="en-US" smtClean="0"/>
+              <a:rPr lang="ko-KR" altLang="en-US"/>
               <a:t>마스터 텍스트 스타일을 편집합니다</a:t>
             </a:r>
           </a:p>
@@ -6487,10 +6436,9 @@
           <a:lstStyle/>
           <a:p>
             <a:r>
-              <a:rPr lang="ko-KR" altLang="en-US" smtClean="0"/>
+              <a:rPr lang="ko-KR" altLang="en-US"/>
               <a:t>마스터 제목 스타일 편집</a:t>
             </a:r>
-            <a:endParaRPr lang="ko-KR" altLang="en-US"/>
           </a:p>
         </p:txBody>
       </p:sp>
@@ -6511,38 +6459,37 @@
           <a:p>
             <a:pPr lvl="0"/>
             <a:r>
-              <a:rPr lang="ko-KR" altLang="en-US" smtClean="0"/>
+              <a:rPr lang="ko-KR" altLang="en-US"/>
               <a:t>마스터 텍스트 스타일을 편집합니다</a:t>
             </a:r>
           </a:p>
           <a:p>
             <a:pPr lvl="1"/>
             <a:r>
-              <a:rPr lang="ko-KR" altLang="en-US" smtClean="0"/>
+              <a:rPr lang="ko-KR" altLang="en-US"/>
               <a:t>둘째 수준</a:t>
             </a:r>
           </a:p>
           <a:p>
             <a:pPr lvl="2"/>
             <a:r>
-              <a:rPr lang="ko-KR" altLang="en-US" smtClean="0"/>
+              <a:rPr lang="ko-KR" altLang="en-US"/>
               <a:t>셋째 수준</a:t>
             </a:r>
           </a:p>
           <a:p>
             <a:pPr lvl="3"/>
             <a:r>
-              <a:rPr lang="ko-KR" altLang="en-US" smtClean="0"/>
+              <a:rPr lang="ko-KR" altLang="en-US"/>
               <a:t>넷째 수준</a:t>
             </a:r>
           </a:p>
           <a:p>
             <a:pPr lvl="4"/>
             <a:r>
-              <a:rPr lang="ko-KR" altLang="en-US" smtClean="0"/>
+              <a:rPr lang="ko-KR" altLang="en-US"/>
               <a:t>다섯째 수준</a:t>
             </a:r>
-            <a:endParaRPr lang="ko-KR" altLang="en-US"/>
           </a:p>
         </p:txBody>
       </p:sp>
@@ -6689,10 +6636,9 @@
           <a:lstStyle/>
           <a:p>
             <a:r>
-              <a:rPr lang="ko-KR" altLang="en-US" smtClean="0"/>
+              <a:rPr lang="ko-KR" altLang="en-US"/>
               <a:t>마스터 제목 스타일 편집</a:t>
             </a:r>
-            <a:endParaRPr lang="ko-KR" altLang="en-US"/>
           </a:p>
         </p:txBody>
       </p:sp>
@@ -6718,38 +6664,37 @@
           <a:p>
             <a:pPr lvl="0"/>
             <a:r>
-              <a:rPr lang="ko-KR" altLang="en-US" smtClean="0"/>
+              <a:rPr lang="ko-KR" altLang="en-US"/>
               <a:t>마스터 텍스트 스타일을 편집합니다</a:t>
             </a:r>
           </a:p>
           <a:p>
             <a:pPr lvl="1"/>
             <a:r>
-              <a:rPr lang="ko-KR" altLang="en-US" smtClean="0"/>
+              <a:rPr lang="ko-KR" altLang="en-US"/>
               <a:t>둘째 수준</a:t>
             </a:r>
           </a:p>
           <a:p>
             <a:pPr lvl="2"/>
             <a:r>
-              <a:rPr lang="ko-KR" altLang="en-US" smtClean="0"/>
+              <a:rPr lang="ko-KR" altLang="en-US"/>
               <a:t>셋째 수준</a:t>
             </a:r>
           </a:p>
           <a:p>
             <a:pPr lvl="3"/>
             <a:r>
-              <a:rPr lang="ko-KR" altLang="en-US" smtClean="0"/>
+              <a:rPr lang="ko-KR" altLang="en-US"/>
               <a:t>넷째 수준</a:t>
             </a:r>
           </a:p>
           <a:p>
             <a:pPr lvl="4"/>
             <a:r>
-              <a:rPr lang="ko-KR" altLang="en-US" smtClean="0"/>
+              <a:rPr lang="ko-KR" altLang="en-US"/>
               <a:t>다섯째 수준</a:t>
             </a:r>
-            <a:endParaRPr lang="ko-KR" altLang="en-US"/>
           </a:p>
         </p:txBody>
       </p:sp>
@@ -6899,10 +6844,9 @@
           <a:lstStyle/>
           <a:p>
             <a:r>
-              <a:rPr lang="ko-KR" altLang="en-US" smtClean="0"/>
+              <a:rPr lang="ko-KR" altLang="en-US"/>
               <a:t>마스터 제목 스타일 편집</a:t>
             </a:r>
-            <a:endParaRPr lang="ko-KR" altLang="en-US"/>
           </a:p>
         </p:txBody>
       </p:sp>
@@ -6959,38 +6903,37 @@
           <a:p>
             <a:pPr lvl="0"/>
             <a:r>
-              <a:rPr lang="ko-KR" altLang="en-US" smtClean="0"/>
+              <a:rPr lang="ko-KR" altLang="en-US"/>
               <a:t>마스터 텍스트 스타일을 편집합니다</a:t>
             </a:r>
           </a:p>
           <a:p>
             <a:pPr lvl="1"/>
             <a:r>
-              <a:rPr lang="ko-KR" altLang="en-US" smtClean="0"/>
+              <a:rPr lang="ko-KR" altLang="en-US"/>
               <a:t>둘째 수준</a:t>
             </a:r>
           </a:p>
           <a:p>
             <a:pPr lvl="2"/>
             <a:r>
-              <a:rPr lang="ko-KR" altLang="en-US" smtClean="0"/>
+              <a:rPr lang="ko-KR" altLang="en-US"/>
               <a:t>셋째 수준</a:t>
             </a:r>
           </a:p>
           <a:p>
             <a:pPr lvl="3"/>
             <a:r>
-              <a:rPr lang="ko-KR" altLang="en-US" smtClean="0"/>
+              <a:rPr lang="ko-KR" altLang="en-US"/>
               <a:t>넷째 수준</a:t>
             </a:r>
           </a:p>
           <a:p>
             <a:pPr lvl="4"/>
             <a:r>
-              <a:rPr lang="ko-KR" altLang="en-US" smtClean="0"/>
+              <a:rPr lang="ko-KR" altLang="en-US"/>
               <a:t>다섯째 수준</a:t>
             </a:r>
-            <a:endParaRPr lang="ko-KR" altLang="en-US"/>
           </a:p>
         </p:txBody>
       </p:sp>
@@ -7047,38 +6990,37 @@
           <a:p>
             <a:pPr lvl="0"/>
             <a:r>
-              <a:rPr lang="ko-KR" altLang="en-US" smtClean="0"/>
+              <a:rPr lang="ko-KR" altLang="en-US"/>
               <a:t>마스터 텍스트 스타일을 편집합니다</a:t>
             </a:r>
           </a:p>
           <a:p>
             <a:pPr lvl="1"/>
             <a:r>
-              <a:rPr lang="ko-KR" altLang="en-US" smtClean="0"/>
+              <a:rPr lang="ko-KR" altLang="en-US"/>
               <a:t>둘째 수준</a:t>
             </a:r>
           </a:p>
           <a:p>
             <a:pPr lvl="2"/>
             <a:r>
-              <a:rPr lang="ko-KR" altLang="en-US" smtClean="0"/>
+              <a:rPr lang="ko-KR" altLang="en-US"/>
               <a:t>셋째 수준</a:t>
             </a:r>
           </a:p>
           <a:p>
             <a:pPr lvl="3"/>
             <a:r>
-              <a:rPr lang="ko-KR" altLang="en-US" smtClean="0"/>
+              <a:rPr lang="ko-KR" altLang="en-US"/>
               <a:t>넷째 수준</a:t>
             </a:r>
           </a:p>
           <a:p>
             <a:pPr lvl="4"/>
             <a:r>
-              <a:rPr lang="ko-KR" altLang="en-US" smtClean="0"/>
+              <a:rPr lang="ko-KR" altLang="en-US"/>
               <a:t>다섯째 수준</a:t>
             </a:r>
-            <a:endParaRPr lang="ko-KR" altLang="en-US"/>
           </a:p>
         </p:txBody>
       </p:sp>
@@ -7226,10 +7168,9 @@
           </a:lstStyle>
           <a:p>
             <a:r>
-              <a:rPr lang="ko-KR" altLang="en-US" smtClean="0"/>
+              <a:rPr lang="ko-KR" altLang="en-US"/>
               <a:t>마스터 제목 스타일 편집</a:t>
             </a:r>
-            <a:endParaRPr lang="ko-KR" altLang="en-US"/>
           </a:p>
         </p:txBody>
       </p:sp>
@@ -7295,7 +7236,7 @@
           <a:p>
             <a:pPr lvl="0"/>
             <a:r>
-              <a:rPr lang="ko-KR" altLang="en-US" smtClean="0"/>
+              <a:rPr lang="ko-KR" altLang="en-US"/>
               <a:t>마스터 텍스트 스타일을 편집합니다</a:t>
             </a:r>
           </a:p>
@@ -7354,38 +7295,37 @@
           <a:p>
             <a:pPr lvl="0"/>
             <a:r>
-              <a:rPr lang="ko-KR" altLang="en-US" smtClean="0"/>
+              <a:rPr lang="ko-KR" altLang="en-US"/>
               <a:t>마스터 텍스트 스타일을 편집합니다</a:t>
             </a:r>
           </a:p>
           <a:p>
             <a:pPr lvl="1"/>
             <a:r>
-              <a:rPr lang="ko-KR" altLang="en-US" smtClean="0"/>
+              <a:rPr lang="ko-KR" altLang="en-US"/>
               <a:t>둘째 수준</a:t>
             </a:r>
           </a:p>
           <a:p>
             <a:pPr lvl="2"/>
             <a:r>
-              <a:rPr lang="ko-KR" altLang="en-US" smtClean="0"/>
+              <a:rPr lang="ko-KR" altLang="en-US"/>
               <a:t>셋째 수준</a:t>
             </a:r>
           </a:p>
           <a:p>
             <a:pPr lvl="3"/>
             <a:r>
-              <a:rPr lang="ko-KR" altLang="en-US" smtClean="0"/>
+              <a:rPr lang="ko-KR" altLang="en-US"/>
               <a:t>넷째 수준</a:t>
             </a:r>
           </a:p>
           <a:p>
             <a:pPr lvl="4"/>
             <a:r>
-              <a:rPr lang="ko-KR" altLang="en-US" smtClean="0"/>
+              <a:rPr lang="ko-KR" altLang="en-US"/>
               <a:t>다섯째 수준</a:t>
             </a:r>
-            <a:endParaRPr lang="ko-KR" altLang="en-US"/>
           </a:p>
         </p:txBody>
       </p:sp>
@@ -7451,7 +7391,7 @@
           <a:p>
             <a:pPr lvl="0"/>
             <a:r>
-              <a:rPr lang="ko-KR" altLang="en-US" smtClean="0"/>
+              <a:rPr lang="ko-KR" altLang="en-US"/>
               <a:t>마스터 텍스트 스타일을 편집합니다</a:t>
             </a:r>
           </a:p>
@@ -7510,38 +7450,37 @@
           <a:p>
             <a:pPr lvl="0"/>
             <a:r>
-              <a:rPr lang="ko-KR" altLang="en-US" smtClean="0"/>
+              <a:rPr lang="ko-KR" altLang="en-US"/>
               <a:t>마스터 텍스트 스타일을 편집합니다</a:t>
             </a:r>
           </a:p>
           <a:p>
             <a:pPr lvl="1"/>
             <a:r>
-              <a:rPr lang="ko-KR" altLang="en-US" smtClean="0"/>
+              <a:rPr lang="ko-KR" altLang="en-US"/>
               <a:t>둘째 수준</a:t>
             </a:r>
           </a:p>
           <a:p>
             <a:pPr lvl="2"/>
             <a:r>
-              <a:rPr lang="ko-KR" altLang="en-US" smtClean="0"/>
+              <a:rPr lang="ko-KR" altLang="en-US"/>
               <a:t>셋째 수준</a:t>
             </a:r>
           </a:p>
           <a:p>
             <a:pPr lvl="3"/>
             <a:r>
-              <a:rPr lang="ko-KR" altLang="en-US" smtClean="0"/>
+              <a:rPr lang="ko-KR" altLang="en-US"/>
               <a:t>넷째 수준</a:t>
             </a:r>
           </a:p>
           <a:p>
             <a:pPr lvl="4"/>
             <a:r>
-              <a:rPr lang="ko-KR" altLang="en-US" smtClean="0"/>
+              <a:rPr lang="ko-KR" altLang="en-US"/>
               <a:t>다섯째 수준</a:t>
             </a:r>
-            <a:endParaRPr lang="ko-KR" altLang="en-US"/>
           </a:p>
         </p:txBody>
       </p:sp>
@@ -7685,10 +7624,9 @@
           <a:lstStyle/>
           <a:p>
             <a:r>
-              <a:rPr lang="ko-KR" altLang="en-US" smtClean="0"/>
+              <a:rPr lang="ko-KR" altLang="en-US"/>
               <a:t>마스터 제목 스타일 편집</a:t>
             </a:r>
-            <a:endParaRPr lang="ko-KR" altLang="en-US"/>
           </a:p>
         </p:txBody>
       </p:sp>
@@ -7952,10 +7890,9 @@
           </a:lstStyle>
           <a:p>
             <a:r>
-              <a:rPr lang="ko-KR" altLang="en-US" smtClean="0"/>
+              <a:rPr lang="ko-KR" altLang="en-US"/>
               <a:t>마스터 제목 스타일 편집</a:t>
             </a:r>
-            <a:endParaRPr lang="ko-KR" altLang="en-US"/>
           </a:p>
         </p:txBody>
       </p:sp>
@@ -8012,38 +7949,37 @@
           <a:p>
             <a:pPr lvl="0"/>
             <a:r>
-              <a:rPr lang="ko-KR" altLang="en-US" smtClean="0"/>
+              <a:rPr lang="ko-KR" altLang="en-US"/>
               <a:t>마스터 텍스트 스타일을 편집합니다</a:t>
             </a:r>
           </a:p>
           <a:p>
             <a:pPr lvl="1"/>
             <a:r>
-              <a:rPr lang="ko-KR" altLang="en-US" smtClean="0"/>
+              <a:rPr lang="ko-KR" altLang="en-US"/>
               <a:t>둘째 수준</a:t>
             </a:r>
           </a:p>
           <a:p>
             <a:pPr lvl="2"/>
             <a:r>
-              <a:rPr lang="ko-KR" altLang="en-US" smtClean="0"/>
+              <a:rPr lang="ko-KR" altLang="en-US"/>
               <a:t>셋째 수준</a:t>
             </a:r>
           </a:p>
           <a:p>
             <a:pPr lvl="3"/>
             <a:r>
-              <a:rPr lang="ko-KR" altLang="en-US" smtClean="0"/>
+              <a:rPr lang="ko-KR" altLang="en-US"/>
               <a:t>넷째 수준</a:t>
             </a:r>
           </a:p>
           <a:p>
             <a:pPr lvl="4"/>
             <a:r>
-              <a:rPr lang="ko-KR" altLang="en-US" smtClean="0"/>
+              <a:rPr lang="ko-KR" altLang="en-US"/>
               <a:t>다섯째 수준</a:t>
             </a:r>
-            <a:endParaRPr lang="ko-KR" altLang="en-US"/>
           </a:p>
         </p:txBody>
       </p:sp>
@@ -8109,7 +8045,7 @@
           <a:p>
             <a:pPr lvl="0"/>
             <a:r>
-              <a:rPr lang="ko-KR" altLang="en-US" smtClean="0"/>
+              <a:rPr lang="ko-KR" altLang="en-US"/>
               <a:t>마스터 텍스트 스타일을 편집합니다</a:t>
             </a:r>
           </a:p>
@@ -8259,10 +8195,9 @@
           </a:lstStyle>
           <a:p>
             <a:r>
-              <a:rPr lang="ko-KR" altLang="en-US" smtClean="0"/>
+              <a:rPr lang="ko-KR" altLang="en-US"/>
               <a:t>마스터 제목 스타일 편집</a:t>
             </a:r>
-            <a:endParaRPr lang="ko-KR" altLang="en-US"/>
           </a:p>
         </p:txBody>
       </p:sp>
@@ -8392,7 +8327,7 @@
           <a:p>
             <a:pPr lvl="0"/>
             <a:r>
-              <a:rPr lang="ko-KR" altLang="en-US" smtClean="0"/>
+              <a:rPr lang="ko-KR" altLang="en-US"/>
               <a:t>마스터 텍스트 스타일을 편집합니다</a:t>
             </a:r>
           </a:p>
@@ -8722,7 +8657,7 @@
               </a:pPr>
               <a:t>‹#›</a:t>
             </a:fld>
-            <a:endParaRPr lang="en-US" altLang="ko-KR" sz="1200" b="1" smtClean="0">
+            <a:endParaRPr lang="en-US" altLang="ko-KR" sz="1200" b="1">
               <a:solidFill>
                 <a:srgbClr val="000000"/>
               </a:solidFill>
@@ -8778,13 +8713,6 @@
     <p:sldLayoutId id="2147483658" r:id="rId10"/>
     <p:sldLayoutId id="2147483659" r:id="rId11"/>
   </p:sldLayoutIdLst>
-  <p:timing>
-    <p:tnLst>
-      <p:par>
-        <p:cTn id="1" dur="indefinite" restart="never" nodeType="tmRoot"/>
-      </p:par>
-    </p:tnLst>
-  </p:timing>
   <p:txStyles>
     <p:titleStyle>
       <a:lvl1pPr algn="ctr" defTabSz="914400" rtl="0" eaLnBrk="1" latinLnBrk="1" hangingPunct="1">
@@ -9086,10 +9014,9 @@
           <a:lstStyle/>
           <a:p>
             <a:r>
-              <a:rPr lang="ko-KR" altLang="en-US" smtClean="0"/>
+              <a:rPr lang="ko-KR" altLang="en-US"/>
               <a:t>마스터 제목 스타일 편집</a:t>
             </a:r>
-            <a:endParaRPr lang="ko-KR" altLang="en-US"/>
           </a:p>
         </p:txBody>
       </p:sp>
@@ -9120,38 +9047,37 @@
           <a:p>
             <a:pPr lvl="0"/>
             <a:r>
-              <a:rPr lang="ko-KR" altLang="en-US" smtClean="0"/>
+              <a:rPr lang="ko-KR" altLang="en-US"/>
               <a:t>마스터 텍스트 스타일을 편집합니다</a:t>
             </a:r>
           </a:p>
           <a:p>
             <a:pPr lvl="1"/>
             <a:r>
-              <a:rPr lang="ko-KR" altLang="en-US" smtClean="0"/>
+              <a:rPr lang="ko-KR" altLang="en-US"/>
               <a:t>둘째 수준</a:t>
             </a:r>
           </a:p>
           <a:p>
             <a:pPr lvl="2"/>
             <a:r>
-              <a:rPr lang="ko-KR" altLang="en-US" smtClean="0"/>
+              <a:rPr lang="ko-KR" altLang="en-US"/>
               <a:t>셋째 수준</a:t>
             </a:r>
           </a:p>
           <a:p>
             <a:pPr lvl="3"/>
             <a:r>
-              <a:rPr lang="ko-KR" altLang="en-US" smtClean="0"/>
+              <a:rPr lang="ko-KR" altLang="en-US"/>
               <a:t>넷째 수준</a:t>
             </a:r>
           </a:p>
           <a:p>
             <a:pPr lvl="4"/>
             <a:r>
-              <a:rPr lang="ko-KR" altLang="en-US" smtClean="0"/>
+              <a:rPr lang="ko-KR" altLang="en-US"/>
               <a:t>다섯째 수준</a:t>
             </a:r>
-            <a:endParaRPr lang="ko-KR" altLang="en-US"/>
           </a:p>
         </p:txBody>
       </p:sp>
@@ -9593,10 +9519,9 @@
           <a:lstStyle/>
           <a:p>
             <a:r>
-              <a:rPr lang="ko-KR" altLang="en-US" smtClean="0"/>
+              <a:rPr lang="ko-KR" altLang="en-US"/>
               <a:t>마스터 제목 스타일 편집</a:t>
             </a:r>
-            <a:endParaRPr lang="ko-KR" altLang="en-US"/>
           </a:p>
         </p:txBody>
       </p:sp>
@@ -9627,38 +9552,37 @@
           <a:p>
             <a:pPr lvl="0"/>
             <a:r>
-              <a:rPr lang="ko-KR" altLang="en-US" smtClean="0"/>
+              <a:rPr lang="ko-KR" altLang="en-US"/>
               <a:t>마스터 텍스트 스타일을 편집합니다</a:t>
             </a:r>
           </a:p>
           <a:p>
             <a:pPr lvl="1"/>
             <a:r>
-              <a:rPr lang="ko-KR" altLang="en-US" smtClean="0"/>
+              <a:rPr lang="ko-KR" altLang="en-US"/>
               <a:t>둘째 수준</a:t>
             </a:r>
           </a:p>
           <a:p>
             <a:pPr lvl="2"/>
             <a:r>
-              <a:rPr lang="ko-KR" altLang="en-US" smtClean="0"/>
+              <a:rPr lang="ko-KR" altLang="en-US"/>
               <a:t>셋째 수준</a:t>
             </a:r>
           </a:p>
           <a:p>
             <a:pPr lvl="3"/>
             <a:r>
-              <a:rPr lang="ko-KR" altLang="en-US" smtClean="0"/>
+              <a:rPr lang="ko-KR" altLang="en-US"/>
               <a:t>넷째 수준</a:t>
             </a:r>
           </a:p>
           <a:p>
             <a:pPr lvl="4"/>
             <a:r>
-              <a:rPr lang="ko-KR" altLang="en-US" smtClean="0"/>
+              <a:rPr lang="ko-KR" altLang="en-US"/>
               <a:t>다섯째 수준</a:t>
             </a:r>
-            <a:endParaRPr lang="ko-KR" altLang="en-US"/>
           </a:p>
         </p:txBody>
       </p:sp>
@@ -10205,7 +10129,7 @@
               </a:spcAft>
               <a:defRPr/>
             </a:pPr>
-            <a:endParaRPr lang="en-US" altLang="ko-KR" sz="2800" b="1" kern="0" dirty="0" smtClean="0">
+            <a:endParaRPr lang="en-US" altLang="ko-KR" sz="2800" b="1" kern="0" dirty="0">
               <a:effectLst>
                 <a:outerShdw blurRad="38100" dist="38100" dir="2700000" algn="tl">
                   <a:srgbClr val="C0C0C0"/>
@@ -10226,7 +10150,7 @@
               <a:defRPr/>
             </a:pPr>
             <a:r>
-              <a:rPr lang="en-US" altLang="ko-KR" sz="2000" b="1" kern="0" dirty="0" smtClean="0">
+              <a:rPr lang="en-US" altLang="ko-KR" sz="2000" b="1" kern="0" dirty="0">
                 <a:effectLst>
                   <a:outerShdw blurRad="38100" dist="38100" dir="2700000" algn="tl">
                     <a:srgbClr val="C0C0C0"/>
@@ -10238,16 +10162,6 @@
               </a:rPr>
               <a:t>TOKAM</a:t>
             </a:r>
-            <a:endParaRPr lang="en-US" altLang="ko-KR" sz="2000" b="1" kern="0" dirty="0">
-              <a:effectLst>
-                <a:outerShdw blurRad="38100" dist="38100" dir="2700000" algn="tl">
-                  <a:srgbClr val="C0C0C0"/>
-                </a:outerShdw>
-              </a:effectLst>
-              <a:latin typeface="맑은 고딕" pitchFamily="50" charset="-127"/>
-              <a:ea typeface="맑은 고딕" pitchFamily="50" charset="-127"/>
-              <a:cs typeface="+mj-cs"/>
-            </a:endParaRPr>
           </a:p>
         </p:txBody>
       </p:sp>
@@ -10286,13 +10200,6 @@
   <p:clrMapOvr>
     <a:masterClrMapping/>
   </p:clrMapOvr>
-  <p:timing>
-    <p:tnLst>
-      <p:par>
-        <p:cTn id="1" dur="indefinite" restart="never" nodeType="tmRoot"/>
-      </p:par>
-    </p:tnLst>
-  </p:timing>
 </p:sld>
 </file>
 
@@ -10341,10 +10248,13 @@
           <a:lstStyle/>
           <a:p>
             <a:r>
-              <a:rPr lang="en-US" altLang="ko-KR" dirty="0" smtClean="0"/>
-              <a:t>1. OVERVIEW</a:t>
-            </a:r>
-            <a:endParaRPr lang="ko-KR" altLang="en-US" dirty="0"/>
+              <a:rPr lang="en-US" altLang="ko-KR" dirty="0"/>
+              <a:t>1. </a:t>
+            </a:r>
+            <a:r>
+              <a:rPr lang="ko-KR" altLang="en-US" dirty="0"/>
+              <a:t>개요</a:t>
+            </a:r>
           </a:p>
         </p:txBody>
       </p:sp>
@@ -10371,27 +10281,27 @@
           <a:lstStyle/>
           <a:p>
             <a:r>
-              <a:rPr lang="ko-KR" altLang="en-US" sz="1200" dirty="0" smtClean="0"/>
+              <a:rPr lang="ko-KR" altLang="en-US" sz="1200" dirty="0"/>
               <a:t>저희 서비스를 이용해 주셔서 감사합니다</a:t>
             </a:r>
             <a:r>
-              <a:rPr lang="en-US" altLang="ko-KR" sz="1200" dirty="0" smtClean="0"/>
+              <a:rPr lang="en-US" altLang="ko-KR" sz="1200" dirty="0"/>
               <a:t>. </a:t>
             </a:r>
             <a:r>
-              <a:rPr lang="ko-KR" altLang="en-US" sz="1200" smtClean="0"/>
+              <a:rPr lang="ko-KR" altLang="en-US" sz="1200"/>
               <a:t>해당 문서는 </a:t>
             </a:r>
             <a:r>
-              <a:rPr lang="en-US" altLang="ko-KR" sz="1200" dirty="0" smtClean="0"/>
+              <a:rPr lang="en-US" altLang="ko-KR" sz="1200" dirty="0"/>
               <a:t>TOKAM {company name}</a:t>
             </a:r>
             <a:r>
-              <a:rPr lang="ko-KR" altLang="en-US" sz="1200" smtClean="0"/>
+              <a:rPr lang="ko-KR" altLang="en-US" sz="1200"/>
               <a:t>의 한 달간 운영 환경을 요약하고 필요한 경우 성능 최적화와 관련된 권장 사항을 제공합니다</a:t>
             </a:r>
             <a:r>
-              <a:rPr lang="en-US" altLang="ko-KR" sz="1200" dirty="0" smtClean="0"/>
+              <a:rPr lang="en-US" altLang="ko-KR" sz="1200" dirty="0"/>
               <a:t>.</a:t>
             </a:r>
             <a:endParaRPr lang="ko-KR" altLang="en-US" sz="1200" dirty="0"/>
@@ -10421,7 +10331,7 @@
           <a:lstStyle/>
           <a:p>
             <a:r>
-              <a:rPr lang="ko-KR" altLang="en-US" sz="4400" b="1" dirty="0" smtClean="0">
+              <a:rPr lang="ko-KR" altLang="en-US" sz="4400" b="1" dirty="0">
                 <a:solidFill>
                   <a:schemeClr val="bg1">
                     <a:lumMod val="85000"/>
@@ -10431,7 +10341,7 @@
               <a:t>뭔가 더 </a:t>
             </a:r>
             <a:r>
-              <a:rPr lang="ko-KR" altLang="en-US" sz="4400" b="1" err="1" smtClean="0">
+              <a:rPr lang="ko-KR" altLang="en-US" sz="4400" b="1" err="1">
                 <a:solidFill>
                   <a:schemeClr val="bg1">
                     <a:lumMod val="85000"/>
@@ -10441,7 +10351,7 @@
               <a:t>채워야할것</a:t>
             </a:r>
             <a:r>
-              <a:rPr lang="ko-KR" altLang="en-US" sz="4400" b="1" smtClean="0">
+              <a:rPr lang="ko-KR" altLang="en-US" sz="4400" b="1">
                 <a:solidFill>
                   <a:schemeClr val="bg1">
                     <a:lumMod val="85000"/>
@@ -10451,7 +10361,7 @@
               <a:t> 같은데</a:t>
             </a:r>
             <a:r>
-              <a:rPr lang="en-US" altLang="ko-KR" sz="4400" b="1" dirty="0" smtClean="0">
+              <a:rPr lang="en-US" altLang="ko-KR" sz="4400" b="1" dirty="0">
                 <a:solidFill>
                   <a:schemeClr val="bg1">
                     <a:lumMod val="85000"/>
@@ -10475,13 +10385,6 @@
   <p:clrMapOvr>
     <a:masterClrMapping/>
   </p:clrMapOvr>
-  <p:timing>
-    <p:tnLst>
-      <p:par>
-        <p:cTn id="1" dur="indefinite" restart="never" nodeType="tmRoot"/>
-      </p:par>
-    </p:tnLst>
-  </p:timing>
 </p:sld>
 </file>
 
@@ -10517,9 +10420,9 @@
             <a:avLst/>
           </a:prstGeom>
           <a:solidFill>
-            <a:schemeClr val="accent4">
-              <a:lumMod val="60000"/>
-              <a:lumOff val="40000"/>
+            <a:schemeClr val="accent5">
+              <a:lumMod val="40000"/>
+              <a:lumOff val="60000"/>
             </a:schemeClr>
           </a:solidFill>
         </p:spPr>
@@ -10530,14 +10433,17 @@
           <a:lstStyle/>
           <a:p>
             <a:r>
-              <a:rPr lang="en-US" altLang="ko-KR" dirty="0" smtClean="0"/>
-              <a:t>2</a:t>
-            </a:r>
-            <a:r>
-              <a:rPr lang="en-US" altLang="ko-KR" dirty="0"/>
-              <a:t>. EXECUTIVE SUMMARY</a:t>
-            </a:r>
-            <a:endParaRPr lang="ko-KR" altLang="en-US" dirty="0"/>
+              <a:rPr lang="en-US" altLang="ko-KR" dirty="0">
+                <a:latin typeface="+mn-ea"/>
+              </a:rPr>
+              <a:t>2. </a:t>
+            </a:r>
+            <a:r>
+              <a:rPr lang="ko-KR" altLang="en-US" dirty="0">
+                <a:latin typeface="+mn-ea"/>
+              </a:rPr>
+              <a:t>요약</a:t>
+            </a:r>
           </a:p>
         </p:txBody>
       </p:sp>
@@ -10631,6 +10537,1165 @@
       <p:sp>
         <p:nvSpPr>
           <p:cNvPr id="17" name="object 15"/>
+          <p:cNvSpPr/>
+          <p:nvPr/>
+        </p:nvSpPr>
+        <p:spPr>
+          <a:xfrm>
+            <a:off x="757543" y="1131653"/>
+            <a:ext cx="5617442" cy="219075"/>
+          </a:xfrm>
+          <a:custGeom>
+            <a:avLst/>
+            <a:gdLst/>
+            <a:ahLst/>
+            <a:cxnLst/>
+            <a:rect l="l" t="t" r="r" b="b"/>
+            <a:pathLst>
+              <a:path w="6179184" h="219075">
+                <a:moveTo>
+                  <a:pt x="0" y="0"/>
+                </a:moveTo>
+                <a:lnTo>
+                  <a:pt x="6179185" y="0"/>
+                </a:lnTo>
+                <a:lnTo>
+                  <a:pt x="6179185" y="219075"/>
+                </a:lnTo>
+                <a:lnTo>
+                  <a:pt x="0" y="219075"/>
+                </a:lnTo>
+                <a:lnTo>
+                  <a:pt x="0" y="0"/>
+                </a:lnTo>
+                <a:close/>
+              </a:path>
+            </a:pathLst>
+          </a:custGeom>
+          <a:solidFill>
+            <a:schemeClr val="bg1">
+              <a:lumMod val="75000"/>
+            </a:schemeClr>
+          </a:solidFill>
+        </p:spPr>
+        <p:txBody>
+          <a:bodyPr wrap="square" lIns="0" tIns="0" rIns="0" bIns="0" rtlCol="0" anchor="ctr"/>
+          <a:lstStyle/>
+          <a:p>
+            <a:pPr algn="ctr"/>
+            <a:r>
+              <a:rPr lang="en-US" sz="1200" b="1" dirty="0">
+                <a:solidFill>
+                  <a:schemeClr val="bg1"/>
+                </a:solidFill>
+              </a:rPr>
+              <a:t>SERVER</a:t>
+            </a:r>
+            <a:endParaRPr sz="1200" b="1" dirty="0">
+              <a:solidFill>
+                <a:schemeClr val="bg1"/>
+              </a:solidFill>
+            </a:endParaRPr>
+          </a:p>
+        </p:txBody>
+      </p:sp>
+      <p:sp>
+        <p:nvSpPr>
+          <p:cNvPr id="15" name="object 17"/>
+          <p:cNvSpPr/>
+          <p:nvPr/>
+        </p:nvSpPr>
+        <p:spPr>
+          <a:xfrm>
+            <a:off x="832562" y="2004997"/>
+            <a:ext cx="288032" cy="288000"/>
+          </a:xfrm>
+          <a:prstGeom prst="rect">
+            <a:avLst/>
+          </a:prstGeom>
+          <a:blipFill>
+            <a:blip r:embed="rId2" cstate="print"/>
+            <a:stretch>
+              <a:fillRect/>
+            </a:stretch>
+          </a:blipFill>
+        </p:spPr>
+        <p:txBody>
+          <a:bodyPr wrap="square" lIns="0" tIns="0" rIns="0" bIns="0" rtlCol="0"/>
+          <a:lstStyle/>
+          <a:p>
+            <a:endParaRPr/>
+          </a:p>
+        </p:txBody>
+      </p:sp>
+      <p:sp>
+        <p:nvSpPr>
+          <p:cNvPr id="18" name="TextBox 17"/>
+          <p:cNvSpPr txBox="1"/>
+          <p:nvPr/>
+        </p:nvSpPr>
+        <p:spPr>
+          <a:xfrm>
+            <a:off x="1189896" y="1619672"/>
+            <a:ext cx="5172483" cy="276999"/>
+          </a:xfrm>
+          <a:prstGeom prst="rect">
+            <a:avLst/>
+          </a:prstGeom>
+          <a:noFill/>
+        </p:spPr>
+        <p:txBody>
+          <a:bodyPr wrap="square" rtlCol="0">
+            <a:spAutoFit/>
+          </a:bodyPr>
+          <a:lstStyle/>
+          <a:p>
+            <a:pPr algn="ctr"/>
+            <a:r>
+              <a:rPr lang="en-US" altLang="ko-KR" sz="1200" spc="20" dirty="0">
+                <a:solidFill>
+                  <a:schemeClr val="tx2">
+                    <a:lumMod val="60000"/>
+                    <a:lumOff val="40000"/>
+                  </a:schemeClr>
+                </a:solidFill>
+                <a:latin typeface="Arial"/>
+                <a:cs typeface="Arial"/>
+              </a:rPr>
+              <a:t>AVAILABILITY</a:t>
+            </a:r>
+            <a:endParaRPr lang="en-US" altLang="ko-KR" sz="1200" dirty="0">
+              <a:solidFill>
+                <a:schemeClr val="tx2">
+                  <a:lumMod val="60000"/>
+                  <a:lumOff val="40000"/>
+                </a:schemeClr>
+              </a:solidFill>
+              <a:latin typeface="Arial"/>
+              <a:cs typeface="Arial"/>
+            </a:endParaRPr>
+          </a:p>
+        </p:txBody>
+      </p:sp>
+      <p:sp>
+        <p:nvSpPr>
+          <p:cNvPr id="19" name="TextBox 18"/>
+          <p:cNvSpPr txBox="1"/>
+          <p:nvPr/>
+        </p:nvSpPr>
+        <p:spPr>
+          <a:xfrm>
+            <a:off x="1189896" y="1990745"/>
+            <a:ext cx="5172483" cy="276999"/>
+          </a:xfrm>
+          <a:prstGeom prst="rect">
+            <a:avLst/>
+          </a:prstGeom>
+          <a:noFill/>
+        </p:spPr>
+        <p:txBody>
+          <a:bodyPr wrap="square" rtlCol="0">
+            <a:spAutoFit/>
+          </a:bodyPr>
+          <a:lstStyle/>
+          <a:p>
+            <a:r>
+              <a:rPr lang="en-US" altLang="ko-KR" sz="1200" dirty="0"/>
+              <a:t>10</a:t>
+            </a:r>
+            <a:r>
+              <a:rPr lang="ko-KR" altLang="en-US" sz="1200"/>
+              <a:t>대의 서버들이 안정적으로 운영 및 가동되고 있습니다</a:t>
+            </a:r>
+            <a:r>
+              <a:rPr lang="en-US" altLang="ko-KR" sz="1200" dirty="0"/>
+              <a:t>.</a:t>
+            </a:r>
+            <a:endParaRPr lang="ko-KR" altLang="en-US" sz="1200" dirty="0"/>
+          </a:p>
+        </p:txBody>
+      </p:sp>
+      <p:sp>
+        <p:nvSpPr>
+          <p:cNvPr id="20" name="TextBox 19"/>
+          <p:cNvSpPr txBox="1"/>
+          <p:nvPr/>
+        </p:nvSpPr>
+        <p:spPr>
+          <a:xfrm>
+            <a:off x="1159024" y="2483768"/>
+            <a:ext cx="5172483" cy="276999"/>
+          </a:xfrm>
+          <a:prstGeom prst="rect">
+            <a:avLst/>
+          </a:prstGeom>
+          <a:noFill/>
+        </p:spPr>
+        <p:txBody>
+          <a:bodyPr wrap="square" rtlCol="0">
+            <a:spAutoFit/>
+          </a:bodyPr>
+          <a:lstStyle/>
+          <a:p>
+            <a:pPr algn="ctr"/>
+            <a:r>
+              <a:rPr lang="en-US" altLang="ko-KR" sz="1200" spc="40" dirty="0">
+                <a:solidFill>
+                  <a:schemeClr val="tx2">
+                    <a:lumMod val="60000"/>
+                    <a:lumOff val="40000"/>
+                  </a:schemeClr>
+                </a:solidFill>
+                <a:latin typeface="Arial"/>
+                <a:cs typeface="Arial"/>
+              </a:rPr>
+              <a:t>CPU</a:t>
+            </a:r>
+            <a:r>
+              <a:rPr lang="en-US" altLang="ko-KR" sz="1200" spc="-75" dirty="0">
+                <a:solidFill>
+                  <a:schemeClr val="tx2">
+                    <a:lumMod val="60000"/>
+                    <a:lumOff val="40000"/>
+                  </a:schemeClr>
+                </a:solidFill>
+                <a:latin typeface="Arial"/>
+                <a:cs typeface="Arial"/>
+              </a:rPr>
+              <a:t>  </a:t>
+            </a:r>
+            <a:r>
+              <a:rPr lang="en-US" altLang="ko-KR" sz="1200" spc="40" dirty="0">
+                <a:solidFill>
+                  <a:schemeClr val="tx2">
+                    <a:lumMod val="60000"/>
+                    <a:lumOff val="40000"/>
+                  </a:schemeClr>
+                </a:solidFill>
+                <a:latin typeface="Arial"/>
+                <a:cs typeface="Arial"/>
+              </a:rPr>
+              <a:t>UTILIZATION</a:t>
+            </a:r>
+            <a:endParaRPr lang="en-US" altLang="ko-KR" sz="1200" dirty="0">
+              <a:solidFill>
+                <a:schemeClr val="tx2">
+                  <a:lumMod val="60000"/>
+                  <a:lumOff val="40000"/>
+                </a:schemeClr>
+              </a:solidFill>
+              <a:latin typeface="Arial"/>
+              <a:cs typeface="Arial"/>
+            </a:endParaRPr>
+          </a:p>
+        </p:txBody>
+      </p:sp>
+      <p:sp>
+        <p:nvSpPr>
+          <p:cNvPr id="21" name="TextBox 20"/>
+          <p:cNvSpPr txBox="1"/>
+          <p:nvPr/>
+        </p:nvSpPr>
+        <p:spPr>
+          <a:xfrm>
+            <a:off x="1159024" y="2827258"/>
+            <a:ext cx="5172483" cy="276999"/>
+          </a:xfrm>
+          <a:prstGeom prst="rect">
+            <a:avLst/>
+          </a:prstGeom>
+          <a:noFill/>
+        </p:spPr>
+        <p:txBody>
+          <a:bodyPr wrap="square" rtlCol="0">
+            <a:spAutoFit/>
+          </a:bodyPr>
+          <a:lstStyle/>
+          <a:p>
+            <a:r>
+              <a:rPr lang="en-US" altLang="ko-KR" sz="1200" dirty="0"/>
+              <a:t>10EA </a:t>
+            </a:r>
+            <a:r>
+              <a:rPr lang="ko-KR" altLang="en-US" sz="1200"/>
+              <a:t>서버들이 임계값 아래로 안정적으로 운영되고 있습니다</a:t>
+            </a:r>
+            <a:r>
+              <a:rPr lang="en-US" altLang="ko-KR" sz="1200" dirty="0"/>
+              <a:t>.</a:t>
+            </a:r>
+            <a:endParaRPr lang="ko-KR" altLang="en-US" sz="1200"/>
+          </a:p>
+        </p:txBody>
+      </p:sp>
+      <p:sp>
+        <p:nvSpPr>
+          <p:cNvPr id="22" name="TextBox 21"/>
+          <p:cNvSpPr txBox="1"/>
+          <p:nvPr/>
+        </p:nvSpPr>
+        <p:spPr>
+          <a:xfrm>
+            <a:off x="1193314" y="3358897"/>
+            <a:ext cx="5172483" cy="276999"/>
+          </a:xfrm>
+          <a:prstGeom prst="rect">
+            <a:avLst/>
+          </a:prstGeom>
+          <a:noFill/>
+        </p:spPr>
+        <p:txBody>
+          <a:bodyPr wrap="square" rtlCol="0">
+            <a:spAutoFit/>
+          </a:bodyPr>
+          <a:lstStyle/>
+          <a:p>
+            <a:pPr algn="ctr"/>
+            <a:r>
+              <a:rPr lang="en-US" altLang="ko-KR" sz="1200" spc="20" dirty="0">
+                <a:solidFill>
+                  <a:schemeClr val="tx2">
+                    <a:lumMod val="60000"/>
+                    <a:lumOff val="40000"/>
+                  </a:schemeClr>
+                </a:solidFill>
+                <a:latin typeface="Arial"/>
+                <a:cs typeface="Arial"/>
+              </a:rPr>
+              <a:t>MEMORY</a:t>
+            </a:r>
+            <a:r>
+              <a:rPr lang="en-US" altLang="ko-KR" sz="1200" spc="-75" dirty="0">
+                <a:solidFill>
+                  <a:schemeClr val="tx2">
+                    <a:lumMod val="60000"/>
+                    <a:lumOff val="40000"/>
+                  </a:schemeClr>
+                </a:solidFill>
+                <a:latin typeface="Arial"/>
+                <a:cs typeface="Arial"/>
+              </a:rPr>
+              <a:t> </a:t>
+            </a:r>
+            <a:r>
+              <a:rPr lang="en-US" altLang="ko-KR" sz="1200" spc="40" dirty="0">
+                <a:solidFill>
+                  <a:schemeClr val="tx2">
+                    <a:lumMod val="60000"/>
+                    <a:lumOff val="40000"/>
+                  </a:schemeClr>
+                </a:solidFill>
+                <a:latin typeface="Arial"/>
+                <a:cs typeface="Arial"/>
+              </a:rPr>
+              <a:t>UTILIZATION</a:t>
+            </a:r>
+            <a:endParaRPr lang="en-US" altLang="ko-KR" sz="1200" dirty="0">
+              <a:solidFill>
+                <a:schemeClr val="tx2">
+                  <a:lumMod val="60000"/>
+                  <a:lumOff val="40000"/>
+                </a:schemeClr>
+              </a:solidFill>
+              <a:latin typeface="Arial"/>
+              <a:cs typeface="Arial"/>
+            </a:endParaRPr>
+          </a:p>
+        </p:txBody>
+      </p:sp>
+      <p:sp>
+        <p:nvSpPr>
+          <p:cNvPr id="23" name="TextBox 22"/>
+          <p:cNvSpPr txBox="1"/>
+          <p:nvPr/>
+        </p:nvSpPr>
+        <p:spPr>
+          <a:xfrm>
+            <a:off x="1193314" y="3678287"/>
+            <a:ext cx="5172483" cy="461665"/>
+          </a:xfrm>
+          <a:prstGeom prst="rect">
+            <a:avLst/>
+          </a:prstGeom>
+          <a:noFill/>
+        </p:spPr>
+        <p:txBody>
+          <a:bodyPr wrap="square" rtlCol="0">
+            <a:spAutoFit/>
+          </a:bodyPr>
+          <a:lstStyle/>
+          <a:p>
+            <a:r>
+              <a:rPr lang="en-US" altLang="ko-KR" sz="1200" dirty="0"/>
+              <a:t>1</a:t>
+            </a:r>
+            <a:r>
+              <a:rPr lang="ko-KR" altLang="en-US" sz="1200" dirty="0"/>
+              <a:t>대의 서버가 메모리 </a:t>
+            </a:r>
+            <a:r>
+              <a:rPr lang="ko-KR" altLang="en-US" sz="1200" dirty="0" err="1"/>
+              <a:t>임계값</a:t>
+            </a:r>
+            <a:r>
+              <a:rPr lang="ko-KR" altLang="en-US" sz="1200" dirty="0"/>
+              <a:t> </a:t>
+            </a:r>
+            <a:r>
+              <a:rPr lang="en-US" altLang="ko-KR" sz="1200" dirty="0"/>
+              <a:t>80%</a:t>
+            </a:r>
+            <a:r>
+              <a:rPr lang="ko-KR" altLang="en-US" sz="1200" dirty="0"/>
+              <a:t>에</a:t>
+            </a:r>
+            <a:r>
+              <a:rPr lang="en-US" altLang="ko-KR" sz="1200" dirty="0"/>
+              <a:t> </a:t>
+            </a:r>
+            <a:r>
+              <a:rPr lang="ko-KR" altLang="en-US" sz="1200" dirty="0"/>
+              <a:t>근접하고 있습니다</a:t>
+            </a:r>
+            <a:r>
+              <a:rPr lang="en-US" altLang="ko-KR" sz="1200" dirty="0"/>
+              <a:t>. </a:t>
+            </a:r>
+            <a:r>
+              <a:rPr lang="ko-KR" altLang="en-US" sz="1200" dirty="0"/>
+              <a:t>즉시 </a:t>
+            </a:r>
+            <a:r>
+              <a:rPr lang="ko-KR" altLang="en-US" sz="1200" dirty="0" err="1"/>
+              <a:t>조취가</a:t>
+            </a:r>
+            <a:r>
+              <a:rPr lang="ko-KR" altLang="en-US" sz="1200" dirty="0"/>
+              <a:t> </a:t>
+            </a:r>
+            <a:r>
+              <a:rPr lang="ko-KR" altLang="en-US" sz="1200" dirty="0" err="1"/>
+              <a:t>필요하진</a:t>
+            </a:r>
+            <a:r>
+              <a:rPr lang="ko-KR" altLang="en-US" sz="1200" dirty="0"/>
+              <a:t> 않으나 해당 사용률이 </a:t>
+            </a:r>
+            <a:r>
+              <a:rPr lang="ko-KR" altLang="en-US" sz="1200" dirty="0" err="1"/>
+              <a:t>임계값을</a:t>
+            </a:r>
+            <a:r>
+              <a:rPr lang="ko-KR" altLang="en-US" sz="1200" dirty="0"/>
+              <a:t> 넘기 않도록 관리를 </a:t>
+            </a:r>
+            <a:r>
+              <a:rPr lang="ko-KR" altLang="en-US" sz="1200" dirty="0" err="1"/>
+              <a:t>해야합니다</a:t>
+            </a:r>
+            <a:r>
+              <a:rPr lang="en-US" altLang="ko-KR" sz="1200" dirty="0"/>
+              <a:t>.</a:t>
+            </a:r>
+            <a:endParaRPr lang="ko-KR" altLang="en-US" sz="1200" dirty="0"/>
+          </a:p>
+        </p:txBody>
+      </p:sp>
+      <p:sp>
+        <p:nvSpPr>
+          <p:cNvPr id="24" name="TextBox 23"/>
+          <p:cNvSpPr txBox="1"/>
+          <p:nvPr/>
+        </p:nvSpPr>
+        <p:spPr>
+          <a:xfrm>
+            <a:off x="1196752" y="4439017"/>
+            <a:ext cx="5172483" cy="276999"/>
+          </a:xfrm>
+          <a:prstGeom prst="rect">
+            <a:avLst/>
+          </a:prstGeom>
+          <a:noFill/>
+        </p:spPr>
+        <p:txBody>
+          <a:bodyPr wrap="square" rtlCol="0">
+            <a:spAutoFit/>
+          </a:bodyPr>
+          <a:lstStyle/>
+          <a:p>
+            <a:pPr algn="ctr"/>
+            <a:r>
+              <a:rPr lang="en-US" altLang="ko-KR" sz="1200" spc="35" dirty="0">
+                <a:solidFill>
+                  <a:schemeClr val="tx2">
+                    <a:lumMod val="60000"/>
+                    <a:lumOff val="40000"/>
+                  </a:schemeClr>
+                </a:solidFill>
+                <a:latin typeface="Arial"/>
+                <a:cs typeface="Arial"/>
+              </a:rPr>
+              <a:t>DISK</a:t>
+            </a:r>
+            <a:r>
+              <a:rPr lang="en-US" altLang="ko-KR" sz="1200" spc="-75" dirty="0">
+                <a:solidFill>
+                  <a:schemeClr val="tx2">
+                    <a:lumMod val="60000"/>
+                    <a:lumOff val="40000"/>
+                  </a:schemeClr>
+                </a:solidFill>
+                <a:latin typeface="Arial"/>
+                <a:cs typeface="Arial"/>
+              </a:rPr>
+              <a:t> </a:t>
+            </a:r>
+            <a:r>
+              <a:rPr lang="en-US" altLang="ko-KR" sz="1200" spc="40" dirty="0">
+                <a:solidFill>
+                  <a:schemeClr val="tx2">
+                    <a:lumMod val="60000"/>
+                    <a:lumOff val="40000"/>
+                  </a:schemeClr>
+                </a:solidFill>
+                <a:latin typeface="Arial"/>
+                <a:cs typeface="Arial"/>
+              </a:rPr>
+              <a:t>UTILIZATION</a:t>
+            </a:r>
+            <a:endParaRPr lang="ko-KR" altLang="en-US" sz="1200" dirty="0">
+              <a:solidFill>
+                <a:schemeClr val="tx2">
+                  <a:lumMod val="60000"/>
+                  <a:lumOff val="40000"/>
+                </a:schemeClr>
+              </a:solidFill>
+            </a:endParaRPr>
+          </a:p>
+        </p:txBody>
+      </p:sp>
+      <p:sp>
+        <p:nvSpPr>
+          <p:cNvPr id="25" name="TextBox 24"/>
+          <p:cNvSpPr txBox="1"/>
+          <p:nvPr/>
+        </p:nvSpPr>
+        <p:spPr>
+          <a:xfrm>
+            <a:off x="1196752" y="4771474"/>
+            <a:ext cx="5172483" cy="646331"/>
+          </a:xfrm>
+          <a:prstGeom prst="rect">
+            <a:avLst/>
+          </a:prstGeom>
+          <a:noFill/>
+        </p:spPr>
+        <p:txBody>
+          <a:bodyPr wrap="square" rtlCol="0">
+            <a:spAutoFit/>
+          </a:bodyPr>
+          <a:lstStyle/>
+          <a:p>
+            <a:r>
+              <a:rPr lang="en-US" altLang="ko-KR" sz="1200" dirty="0"/>
+              <a:t>1</a:t>
+            </a:r>
+            <a:r>
+              <a:rPr lang="ko-KR" altLang="en-US" sz="1200" dirty="0"/>
+              <a:t>대의 서버가 디스크 사용률 </a:t>
+            </a:r>
+            <a:r>
+              <a:rPr lang="ko-KR" altLang="en-US" sz="1200" dirty="0" err="1"/>
+              <a:t>임계값</a:t>
+            </a:r>
+            <a:r>
+              <a:rPr lang="ko-KR" altLang="en-US" sz="1200" dirty="0"/>
+              <a:t> </a:t>
+            </a:r>
+            <a:r>
+              <a:rPr lang="en-US" altLang="ko-KR" sz="1200" dirty="0"/>
+              <a:t>90%</a:t>
+            </a:r>
+            <a:r>
+              <a:rPr lang="ko-KR" altLang="en-US" sz="1200" dirty="0"/>
+              <a:t>를 초과하였습니다</a:t>
+            </a:r>
+            <a:r>
+              <a:rPr lang="en-US" altLang="ko-KR" sz="1200" dirty="0"/>
+              <a:t>. </a:t>
+            </a:r>
+            <a:r>
+              <a:rPr lang="ko-KR" altLang="en-US" sz="1200" dirty="0"/>
+              <a:t>사용 가능한 디스크 공간이 부족하면 프로그램 설치 및 실행하지 못하고 시스템 성능이 </a:t>
+            </a:r>
+            <a:r>
+              <a:rPr lang="ko-KR" altLang="en-US" sz="1200" dirty="0" err="1"/>
+              <a:t>저하될수</a:t>
+            </a:r>
+            <a:r>
+              <a:rPr lang="ko-KR" altLang="en-US" sz="1200" dirty="0"/>
+              <a:t> 있습니다</a:t>
+            </a:r>
+            <a:r>
+              <a:rPr lang="en-US" altLang="ko-KR" sz="1200" dirty="0"/>
+              <a:t>. </a:t>
+            </a:r>
+            <a:r>
+              <a:rPr lang="ko-KR" altLang="en-US" sz="1200" dirty="0"/>
+              <a:t>자세한 내용은 </a:t>
+            </a:r>
+            <a:r>
+              <a:rPr lang="en-US" altLang="ko-KR" sz="1200" dirty="0"/>
+              <a:t>“</a:t>
+            </a:r>
+            <a:r>
+              <a:rPr lang="ko-KR" altLang="en-US" sz="1200" dirty="0"/>
+              <a:t>권장사항</a:t>
+            </a:r>
+            <a:r>
+              <a:rPr lang="en-US" altLang="ko-KR" sz="1200" dirty="0"/>
+              <a:t>”</a:t>
+            </a:r>
+            <a:r>
+              <a:rPr lang="ko-KR" altLang="en-US" sz="1200" dirty="0"/>
+              <a:t>를 참조하세요</a:t>
+            </a:r>
+            <a:r>
+              <a:rPr lang="en-US" altLang="ko-KR" sz="1200" dirty="0"/>
+              <a:t>.</a:t>
+            </a:r>
+            <a:endParaRPr lang="ko-KR" altLang="en-US" sz="1200" dirty="0"/>
+          </a:p>
+        </p:txBody>
+      </p:sp>
+      <p:sp>
+        <p:nvSpPr>
+          <p:cNvPr id="26" name="object 15">
+            <a:extLst>
+              <a:ext uri="{FF2B5EF4-FFF2-40B4-BE49-F238E27FC236}">
+                <a16:creationId xmlns:a16="http://schemas.microsoft.com/office/drawing/2014/main" id="{AC634002-CEFB-4516-9A86-D65880A4BC28}"/>
+              </a:ext>
+            </a:extLst>
+          </p:cNvPr>
+          <p:cNvSpPr/>
+          <p:nvPr/>
+        </p:nvSpPr>
+        <p:spPr>
+          <a:xfrm>
+            <a:off x="757543" y="5826873"/>
+            <a:ext cx="5617442" cy="219075"/>
+          </a:xfrm>
+          <a:custGeom>
+            <a:avLst/>
+            <a:gdLst/>
+            <a:ahLst/>
+            <a:cxnLst/>
+            <a:rect l="l" t="t" r="r" b="b"/>
+            <a:pathLst>
+              <a:path w="6179184" h="219075">
+                <a:moveTo>
+                  <a:pt x="0" y="0"/>
+                </a:moveTo>
+                <a:lnTo>
+                  <a:pt x="6179185" y="0"/>
+                </a:lnTo>
+                <a:lnTo>
+                  <a:pt x="6179185" y="219075"/>
+                </a:lnTo>
+                <a:lnTo>
+                  <a:pt x="0" y="219075"/>
+                </a:lnTo>
+                <a:lnTo>
+                  <a:pt x="0" y="0"/>
+                </a:lnTo>
+                <a:close/>
+              </a:path>
+            </a:pathLst>
+          </a:custGeom>
+          <a:solidFill>
+            <a:schemeClr val="bg1">
+              <a:lumMod val="75000"/>
+            </a:schemeClr>
+          </a:solidFill>
+        </p:spPr>
+        <p:txBody>
+          <a:bodyPr wrap="square" lIns="0" tIns="0" rIns="0" bIns="0" rtlCol="0" anchor="ctr"/>
+          <a:lstStyle/>
+          <a:p>
+            <a:pPr algn="ctr"/>
+            <a:r>
+              <a:rPr lang="en-US" sz="1200" b="1" dirty="0">
+                <a:solidFill>
+                  <a:schemeClr val="bg1"/>
+                </a:solidFill>
+              </a:rPr>
+              <a:t>NETWORK</a:t>
+            </a:r>
+            <a:endParaRPr sz="1200" b="1" dirty="0">
+              <a:solidFill>
+                <a:schemeClr val="bg1"/>
+              </a:solidFill>
+            </a:endParaRPr>
+          </a:p>
+        </p:txBody>
+      </p:sp>
+      <p:sp>
+        <p:nvSpPr>
+          <p:cNvPr id="27" name="object 17">
+            <a:extLst>
+              <a:ext uri="{FF2B5EF4-FFF2-40B4-BE49-F238E27FC236}">
+                <a16:creationId xmlns:a16="http://schemas.microsoft.com/office/drawing/2014/main" id="{908E8EE4-9046-4014-B137-0738E10F7F25}"/>
+              </a:ext>
+            </a:extLst>
+          </p:cNvPr>
+          <p:cNvSpPr/>
+          <p:nvPr/>
+        </p:nvSpPr>
+        <p:spPr>
+          <a:xfrm>
+            <a:off x="801690" y="6530959"/>
+            <a:ext cx="288032" cy="288000"/>
+          </a:xfrm>
+          <a:prstGeom prst="rect">
+            <a:avLst/>
+          </a:prstGeom>
+          <a:blipFill>
+            <a:blip r:embed="rId2" cstate="print"/>
+            <a:stretch>
+              <a:fillRect/>
+            </a:stretch>
+          </a:blipFill>
+        </p:spPr>
+        <p:txBody>
+          <a:bodyPr wrap="square" lIns="0" tIns="0" rIns="0" bIns="0" rtlCol="0"/>
+          <a:lstStyle/>
+          <a:p>
+            <a:endParaRPr/>
+          </a:p>
+        </p:txBody>
+      </p:sp>
+      <p:sp>
+        <p:nvSpPr>
+          <p:cNvPr id="28" name="TextBox 27">
+            <a:extLst>
+              <a:ext uri="{FF2B5EF4-FFF2-40B4-BE49-F238E27FC236}">
+                <a16:creationId xmlns:a16="http://schemas.microsoft.com/office/drawing/2014/main" id="{D6405EDD-8E35-42B5-88EA-AA9E30D5BD96}"/>
+              </a:ext>
+            </a:extLst>
+          </p:cNvPr>
+          <p:cNvSpPr txBox="1"/>
+          <p:nvPr/>
+        </p:nvSpPr>
+        <p:spPr>
+          <a:xfrm>
+            <a:off x="1159024" y="6145634"/>
+            <a:ext cx="5172483" cy="276999"/>
+          </a:xfrm>
+          <a:prstGeom prst="rect">
+            <a:avLst/>
+          </a:prstGeom>
+          <a:noFill/>
+        </p:spPr>
+        <p:txBody>
+          <a:bodyPr wrap="square" rtlCol="0">
+            <a:spAutoFit/>
+          </a:bodyPr>
+          <a:lstStyle/>
+          <a:p>
+            <a:pPr algn="ctr"/>
+            <a:r>
+              <a:rPr lang="en-US" altLang="ko-KR" sz="1200" spc="20" dirty="0">
+                <a:solidFill>
+                  <a:schemeClr val="tx2">
+                    <a:lumMod val="60000"/>
+                    <a:lumOff val="40000"/>
+                  </a:schemeClr>
+                </a:solidFill>
+                <a:latin typeface="Arial"/>
+                <a:cs typeface="Arial"/>
+              </a:rPr>
+              <a:t>AVAILABILITY</a:t>
+            </a:r>
+            <a:endParaRPr lang="en-US" altLang="ko-KR" sz="1200" dirty="0">
+              <a:solidFill>
+                <a:schemeClr val="tx2">
+                  <a:lumMod val="60000"/>
+                  <a:lumOff val="40000"/>
+                </a:schemeClr>
+              </a:solidFill>
+              <a:latin typeface="Arial"/>
+              <a:cs typeface="Arial"/>
+            </a:endParaRPr>
+          </a:p>
+        </p:txBody>
+      </p:sp>
+      <p:sp>
+        <p:nvSpPr>
+          <p:cNvPr id="29" name="TextBox 28">
+            <a:extLst>
+              <a:ext uri="{FF2B5EF4-FFF2-40B4-BE49-F238E27FC236}">
+                <a16:creationId xmlns:a16="http://schemas.microsoft.com/office/drawing/2014/main" id="{F223B1F4-6DC0-4D67-9C08-83134B257B88}"/>
+              </a:ext>
+            </a:extLst>
+          </p:cNvPr>
+          <p:cNvSpPr txBox="1"/>
+          <p:nvPr/>
+        </p:nvSpPr>
+        <p:spPr>
+          <a:xfrm>
+            <a:off x="1159024" y="6516707"/>
+            <a:ext cx="5172483" cy="276999"/>
+          </a:xfrm>
+          <a:prstGeom prst="rect">
+            <a:avLst/>
+          </a:prstGeom>
+          <a:noFill/>
+        </p:spPr>
+        <p:txBody>
+          <a:bodyPr wrap="square" rtlCol="0">
+            <a:spAutoFit/>
+          </a:bodyPr>
+          <a:lstStyle/>
+          <a:p>
+            <a:r>
+              <a:rPr lang="en-US" altLang="ko-KR" sz="1200" dirty="0"/>
+              <a:t>10</a:t>
+            </a:r>
+            <a:r>
+              <a:rPr lang="ko-KR" altLang="en-US" sz="1200"/>
+              <a:t>대의 서버들이 안정적으로 운영 및 가동되고 있습니다</a:t>
+            </a:r>
+            <a:r>
+              <a:rPr lang="en-US" altLang="ko-KR" sz="1200" dirty="0"/>
+              <a:t>.</a:t>
+            </a:r>
+            <a:endParaRPr lang="ko-KR" altLang="en-US" sz="1200" dirty="0"/>
+          </a:p>
+        </p:txBody>
+      </p:sp>
+      <p:sp>
+        <p:nvSpPr>
+          <p:cNvPr id="30" name="object 15">
+            <a:extLst>
+              <a:ext uri="{FF2B5EF4-FFF2-40B4-BE49-F238E27FC236}">
+                <a16:creationId xmlns:a16="http://schemas.microsoft.com/office/drawing/2014/main" id="{A8CE15DE-E34D-4834-A83C-80D7F4506DE6}"/>
+              </a:ext>
+            </a:extLst>
+          </p:cNvPr>
+          <p:cNvSpPr/>
+          <p:nvPr/>
+        </p:nvSpPr>
+        <p:spPr>
+          <a:xfrm>
+            <a:off x="757543" y="7070317"/>
+            <a:ext cx="5617442" cy="219075"/>
+          </a:xfrm>
+          <a:custGeom>
+            <a:avLst/>
+            <a:gdLst/>
+            <a:ahLst/>
+            <a:cxnLst/>
+            <a:rect l="l" t="t" r="r" b="b"/>
+            <a:pathLst>
+              <a:path w="6179184" h="219075">
+                <a:moveTo>
+                  <a:pt x="0" y="0"/>
+                </a:moveTo>
+                <a:lnTo>
+                  <a:pt x="6179185" y="0"/>
+                </a:lnTo>
+                <a:lnTo>
+                  <a:pt x="6179185" y="219075"/>
+                </a:lnTo>
+                <a:lnTo>
+                  <a:pt x="0" y="219075"/>
+                </a:lnTo>
+                <a:lnTo>
+                  <a:pt x="0" y="0"/>
+                </a:lnTo>
+                <a:close/>
+              </a:path>
+            </a:pathLst>
+          </a:custGeom>
+          <a:solidFill>
+            <a:schemeClr val="bg1">
+              <a:lumMod val="75000"/>
+            </a:schemeClr>
+          </a:solidFill>
+        </p:spPr>
+        <p:txBody>
+          <a:bodyPr wrap="square" lIns="0" tIns="0" rIns="0" bIns="0" rtlCol="0" anchor="ctr"/>
+          <a:lstStyle/>
+          <a:p>
+            <a:pPr algn="ctr"/>
+            <a:r>
+              <a:rPr lang="en-US" sz="1200" b="1" dirty="0">
+                <a:solidFill>
+                  <a:schemeClr val="bg1"/>
+                </a:solidFill>
+              </a:rPr>
+              <a:t>BACKUP</a:t>
+            </a:r>
+            <a:endParaRPr sz="1200" b="1" dirty="0">
+              <a:solidFill>
+                <a:schemeClr val="bg1"/>
+              </a:solidFill>
+            </a:endParaRPr>
+          </a:p>
+        </p:txBody>
+      </p:sp>
+    </p:spTree>
+    <p:extLst>
+      <p:ext uri="{BB962C8B-B14F-4D97-AF65-F5344CB8AC3E}">
+        <p14:creationId xmlns:p14="http://schemas.microsoft.com/office/powerpoint/2010/main" val="1895877853"/>
+      </p:ext>
+    </p:extLst>
+  </p:cSld>
+  <p:clrMapOvr>
+    <a:masterClrMapping/>
+  </p:clrMapOvr>
+</p:sld>
+</file>
+
+<file path=ppt/slides/slide4.xml><?xml version="1.0" encoding="utf-8"?>
+<p:sld xmlns:a="http://schemas.openxmlformats.org/drawingml/2006/main" xmlns:r="http://schemas.openxmlformats.org/officeDocument/2006/relationships" xmlns:p="http://schemas.openxmlformats.org/presentationml/2006/main">
+  <p:cSld>
+    <p:spTree>
+      <p:nvGrpSpPr>
+        <p:cNvPr id="1" name=""/>
+        <p:cNvGrpSpPr/>
+        <p:nvPr/>
+      </p:nvGrpSpPr>
+      <p:grpSpPr>
+        <a:xfrm>
+          <a:off x="0" y="0"/>
+          <a:ext cx="0" cy="0"/>
+          <a:chOff x="0" y="0"/>
+          <a:chExt cx="0" cy="0"/>
+        </a:xfrm>
+      </p:grpSpPr>
+      <p:sp>
+        <p:nvSpPr>
+          <p:cNvPr id="4" name="TextBox 3"/>
+          <p:cNvSpPr txBox="1"/>
+          <p:nvPr/>
+        </p:nvSpPr>
+        <p:spPr>
+          <a:xfrm>
+            <a:off x="620688" y="611560"/>
+            <a:ext cx="5832648" cy="369332"/>
+          </a:xfrm>
+          <a:prstGeom prst="rect">
+            <a:avLst/>
+          </a:prstGeom>
+          <a:solidFill>
+            <a:schemeClr val="accent5">
+              <a:lumMod val="40000"/>
+              <a:lumOff val="60000"/>
+            </a:schemeClr>
+          </a:solidFill>
+        </p:spPr>
+        <p:txBody>
+          <a:bodyPr wrap="square" rtlCol="0">
+            <a:spAutoFit/>
+          </a:bodyPr>
+          <a:lstStyle/>
+          <a:p>
+            <a:r>
+              <a:rPr lang="en-US" altLang="ko-KR" dirty="0"/>
+              <a:t>3. </a:t>
+            </a:r>
+            <a:r>
+              <a:rPr lang="ko-KR" altLang="en-US" dirty="0">
+                <a:latin typeface="+mj-ea"/>
+                <a:ea typeface="+mj-ea"/>
+              </a:rPr>
+              <a:t>권장사항</a:t>
+            </a:r>
+          </a:p>
+        </p:txBody>
+      </p:sp>
+      <p:sp>
+        <p:nvSpPr>
+          <p:cNvPr id="6" name="TextBox 5"/>
+          <p:cNvSpPr txBox="1"/>
+          <p:nvPr/>
+        </p:nvSpPr>
+        <p:spPr>
+          <a:xfrm>
+            <a:off x="704789" y="1187624"/>
+            <a:ext cx="5172483" cy="261610"/>
+          </a:xfrm>
+          <a:prstGeom prst="rect">
+            <a:avLst/>
+          </a:prstGeom>
+          <a:noFill/>
+        </p:spPr>
+        <p:txBody>
+          <a:bodyPr wrap="square" rtlCol="0">
+            <a:spAutoFit/>
+          </a:bodyPr>
+          <a:lstStyle/>
+          <a:p>
+            <a:r>
+              <a:rPr lang="en-US" altLang="ko-KR" sz="1100" spc="20" dirty="0">
+                <a:solidFill>
+                  <a:srgbClr val="0080C0"/>
+                </a:solidFill>
+                <a:latin typeface="Arial"/>
+                <a:cs typeface="Arial"/>
+              </a:rPr>
+              <a:t>SERVER - MEMORY</a:t>
+            </a:r>
+            <a:r>
+              <a:rPr lang="en-US" altLang="ko-KR" sz="1100" spc="-75" dirty="0">
+                <a:solidFill>
+                  <a:srgbClr val="0080C0"/>
+                </a:solidFill>
+                <a:latin typeface="Arial"/>
+                <a:cs typeface="Arial"/>
+              </a:rPr>
+              <a:t> </a:t>
+            </a:r>
+            <a:r>
+              <a:rPr lang="en-US" altLang="ko-KR" sz="1100" spc="40" dirty="0">
+                <a:solidFill>
+                  <a:srgbClr val="0080C0"/>
+                </a:solidFill>
+                <a:latin typeface="Arial"/>
+                <a:cs typeface="Arial"/>
+              </a:rPr>
+              <a:t>UTILIZATION</a:t>
+            </a:r>
+            <a:endParaRPr lang="en-US" altLang="ko-KR" sz="1100" dirty="0">
+              <a:latin typeface="Arial"/>
+              <a:cs typeface="Arial"/>
+            </a:endParaRPr>
+          </a:p>
+        </p:txBody>
+      </p:sp>
+      <p:sp>
+        <p:nvSpPr>
+          <p:cNvPr id="7" name="TextBox 6"/>
+          <p:cNvSpPr txBox="1"/>
+          <p:nvPr/>
+        </p:nvSpPr>
+        <p:spPr>
+          <a:xfrm>
+            <a:off x="704789" y="1461850"/>
+            <a:ext cx="5172483" cy="261610"/>
+          </a:xfrm>
+          <a:prstGeom prst="rect">
+            <a:avLst/>
+          </a:prstGeom>
+          <a:noFill/>
+        </p:spPr>
+        <p:txBody>
+          <a:bodyPr wrap="square" rtlCol="0">
+            <a:spAutoFit/>
+          </a:bodyPr>
+          <a:lstStyle/>
+          <a:p>
+            <a:r>
+              <a:rPr lang="en-US" altLang="ko-KR" sz="1100" dirty="0">
+                <a:solidFill>
+                  <a:srgbClr val="000000"/>
+                </a:solidFill>
+                <a:latin typeface="맑은 고딕" pitchFamily="50" charset="-127"/>
+              </a:rPr>
+              <a:t>K-SV-VCV001 </a:t>
+            </a:r>
+            <a:r>
+              <a:rPr lang="ko-KR" altLang="en-US" sz="1100" dirty="0">
+                <a:solidFill>
+                  <a:srgbClr val="000000"/>
+                </a:solidFill>
+                <a:latin typeface="맑은 고딕" pitchFamily="50" charset="-127"/>
+              </a:rPr>
+              <a:t>서버가 </a:t>
+            </a:r>
+            <a:endParaRPr lang="en-US" altLang="ko-KR" sz="1100" dirty="0">
+              <a:latin typeface="Arial"/>
+              <a:cs typeface="Arial"/>
+            </a:endParaRPr>
+          </a:p>
+        </p:txBody>
+      </p:sp>
+    </p:spTree>
+    <p:extLst>
+      <p:ext uri="{BB962C8B-B14F-4D97-AF65-F5344CB8AC3E}">
+        <p14:creationId xmlns:p14="http://schemas.microsoft.com/office/powerpoint/2010/main" val="1542643387"/>
+      </p:ext>
+    </p:extLst>
+  </p:cSld>
+  <p:clrMapOvr>
+    <a:masterClrMapping/>
+  </p:clrMapOvr>
+</p:sld>
+</file>
+
+<file path=ppt/slides/slide5.xml><?xml version="1.0" encoding="utf-8"?>
+<p:sld xmlns:a="http://schemas.openxmlformats.org/drawingml/2006/main" xmlns:r="http://schemas.openxmlformats.org/officeDocument/2006/relationships" xmlns:p="http://schemas.openxmlformats.org/presentationml/2006/main">
+  <p:cSld>
+    <p:spTree>
+      <p:nvGrpSpPr>
+        <p:cNvPr id="1" name=""/>
+        <p:cNvGrpSpPr/>
+        <p:nvPr/>
+      </p:nvGrpSpPr>
+      <p:grpSpPr>
+        <a:xfrm>
+          <a:off x="0" y="0"/>
+          <a:ext cx="0" cy="0"/>
+          <a:chOff x="0" y="0"/>
+          <a:chExt cx="0" cy="0"/>
+        </a:xfrm>
+      </p:grpSpPr>
+      <p:sp>
+        <p:nvSpPr>
+          <p:cNvPr id="4" name="TextBox 3"/>
+          <p:cNvSpPr txBox="1"/>
+          <p:nvPr/>
+        </p:nvSpPr>
+        <p:spPr>
+          <a:xfrm>
+            <a:off x="620688" y="611560"/>
+            <a:ext cx="5832648" cy="369332"/>
+          </a:xfrm>
+          <a:prstGeom prst="rect">
+            <a:avLst/>
+          </a:prstGeom>
+          <a:solidFill>
+            <a:schemeClr val="accent5">
+              <a:lumMod val="40000"/>
+              <a:lumOff val="60000"/>
+            </a:schemeClr>
+          </a:solidFill>
+        </p:spPr>
+        <p:txBody>
+          <a:bodyPr wrap="square" rtlCol="0">
+            <a:spAutoFit/>
+          </a:bodyPr>
+          <a:lstStyle/>
+          <a:p>
+            <a:r>
+              <a:rPr lang="en-US" altLang="ko-KR" dirty="0">
+                <a:latin typeface="+mn-ea"/>
+              </a:rPr>
+              <a:t>4. </a:t>
+            </a:r>
+            <a:r>
+              <a:rPr lang="ko-KR" altLang="en-US" dirty="0">
+                <a:latin typeface="+mn-ea"/>
+              </a:rPr>
+              <a:t>관리</a:t>
+            </a:r>
+          </a:p>
+        </p:txBody>
+      </p:sp>
+      <p:sp>
+        <p:nvSpPr>
+          <p:cNvPr id="5" name="object 15"/>
           <p:cNvSpPr/>
           <p:nvPr/>
         </p:nvSpPr>
@@ -10676,12 +11741,12 @@
           <a:p>
             <a:pPr algn="ctr"/>
             <a:r>
-              <a:rPr lang="en-US" sz="1200" b="1" dirty="0" smtClean="0">
+              <a:rPr lang="ko-KR" altLang="en-US" sz="1200" b="1" dirty="0">
                 <a:solidFill>
                   <a:schemeClr val="bg1"/>
                 </a:solidFill>
               </a:rPr>
-              <a:t>SERVER</a:t>
+              <a:t>서버</a:t>
             </a:r>
             <a:endParaRPr sz="1200" b="1" dirty="0">
               <a:solidFill>
@@ -10691,507 +11756,20 @@
           </a:p>
         </p:txBody>
       </p:sp>
-      <p:sp>
-        <p:nvSpPr>
-          <p:cNvPr id="15" name="object 17"/>
-          <p:cNvSpPr/>
-          <p:nvPr/>
-        </p:nvSpPr>
-        <p:spPr>
-          <a:xfrm>
-            <a:off x="832562" y="2004997"/>
-            <a:ext cx="288032" cy="288000"/>
-          </a:xfrm>
-          <a:prstGeom prst="rect">
-            <a:avLst/>
-          </a:prstGeom>
-          <a:blipFill>
-            <a:blip r:embed="rId2" cstate="print"/>
-            <a:stretch>
-              <a:fillRect/>
-            </a:stretch>
-          </a:blipFill>
-        </p:spPr>
-        <p:txBody>
-          <a:bodyPr wrap="square" lIns="0" tIns="0" rIns="0" bIns="0" rtlCol="0"/>
-          <a:lstStyle/>
-          <a:p>
-            <a:endParaRPr/>
-          </a:p>
-        </p:txBody>
-      </p:sp>
-      <p:sp>
-        <p:nvSpPr>
-          <p:cNvPr id="18" name="TextBox 17"/>
-          <p:cNvSpPr txBox="1"/>
-          <p:nvPr/>
-        </p:nvSpPr>
-        <p:spPr>
-          <a:xfrm>
-            <a:off x="1189896" y="1619672"/>
-            <a:ext cx="5172483" cy="276999"/>
-          </a:xfrm>
-          <a:prstGeom prst="rect">
-            <a:avLst/>
-          </a:prstGeom>
-          <a:noFill/>
-        </p:spPr>
-        <p:txBody>
-          <a:bodyPr wrap="square" rtlCol="0">
-            <a:spAutoFit/>
-          </a:bodyPr>
-          <a:lstStyle/>
-          <a:p>
-            <a:pPr algn="ctr"/>
-            <a:r>
-              <a:rPr lang="en-US" altLang="ko-KR" sz="1200" spc="20" dirty="0">
-                <a:solidFill>
-                  <a:srgbClr val="0080C0"/>
-                </a:solidFill>
-                <a:latin typeface="Arial"/>
-                <a:cs typeface="Arial"/>
-              </a:rPr>
-              <a:t>AVAILABILITY</a:t>
-            </a:r>
-            <a:endParaRPr lang="en-US" altLang="ko-KR" sz="1200" dirty="0">
-              <a:latin typeface="Arial"/>
-              <a:cs typeface="Arial"/>
-            </a:endParaRPr>
-          </a:p>
-        </p:txBody>
-      </p:sp>
-      <p:sp>
-        <p:nvSpPr>
-          <p:cNvPr id="19" name="TextBox 18"/>
-          <p:cNvSpPr txBox="1"/>
-          <p:nvPr/>
-        </p:nvSpPr>
-        <p:spPr>
-          <a:xfrm>
-            <a:off x="1189896" y="1990745"/>
-            <a:ext cx="5172483" cy="276999"/>
-          </a:xfrm>
-          <a:prstGeom prst="rect">
-            <a:avLst/>
-          </a:prstGeom>
-          <a:noFill/>
-        </p:spPr>
-        <p:txBody>
-          <a:bodyPr wrap="square" rtlCol="0">
-            <a:spAutoFit/>
-          </a:bodyPr>
-          <a:lstStyle/>
-          <a:p>
-            <a:r>
-              <a:rPr lang="en-US" altLang="ko-KR" sz="1200" dirty="0" smtClean="0"/>
-              <a:t>10</a:t>
-            </a:r>
-            <a:r>
-              <a:rPr lang="ko-KR" altLang="en-US" sz="1200" smtClean="0"/>
-              <a:t>대의 서버들이 안정적으로 운영 및 가동되고 있습니다</a:t>
-            </a:r>
-            <a:r>
-              <a:rPr lang="en-US" altLang="ko-KR" sz="1200" dirty="0" smtClean="0"/>
-              <a:t>.</a:t>
-            </a:r>
-            <a:endParaRPr lang="ko-KR" altLang="en-US" sz="1200" dirty="0"/>
-          </a:p>
-        </p:txBody>
-      </p:sp>
-      <p:sp>
-        <p:nvSpPr>
-          <p:cNvPr id="20" name="TextBox 19"/>
-          <p:cNvSpPr txBox="1"/>
-          <p:nvPr/>
-        </p:nvSpPr>
-        <p:spPr>
-          <a:xfrm>
-            <a:off x="1159024" y="2483768"/>
-            <a:ext cx="5172483" cy="276999"/>
-          </a:xfrm>
-          <a:prstGeom prst="rect">
-            <a:avLst/>
-          </a:prstGeom>
-          <a:noFill/>
-        </p:spPr>
-        <p:txBody>
-          <a:bodyPr wrap="square" rtlCol="0">
-            <a:spAutoFit/>
-          </a:bodyPr>
-          <a:lstStyle/>
-          <a:p>
-            <a:pPr algn="ctr"/>
-            <a:r>
-              <a:rPr lang="en-US" altLang="ko-KR" sz="1200" spc="40" dirty="0">
-                <a:solidFill>
-                  <a:srgbClr val="0080C0"/>
-                </a:solidFill>
-                <a:latin typeface="Arial"/>
-                <a:cs typeface="Arial"/>
-              </a:rPr>
-              <a:t>CPU</a:t>
-            </a:r>
-            <a:r>
-              <a:rPr lang="en-US" altLang="ko-KR" sz="1200" spc="-75" dirty="0">
-                <a:solidFill>
-                  <a:srgbClr val="0080C0"/>
-                </a:solidFill>
-                <a:latin typeface="Arial"/>
-                <a:cs typeface="Arial"/>
-              </a:rPr>
-              <a:t> </a:t>
-            </a:r>
-            <a:r>
-              <a:rPr lang="en-US" altLang="ko-KR" sz="1200" spc="-75" dirty="0" smtClean="0">
-                <a:solidFill>
-                  <a:srgbClr val="0080C0"/>
-                </a:solidFill>
-                <a:latin typeface="Arial"/>
-                <a:cs typeface="Arial"/>
-              </a:rPr>
-              <a:t> </a:t>
-            </a:r>
-            <a:r>
-              <a:rPr lang="en-US" altLang="ko-KR" sz="1200" spc="40" dirty="0" smtClean="0">
-                <a:solidFill>
-                  <a:srgbClr val="0080C0"/>
-                </a:solidFill>
-                <a:latin typeface="Arial"/>
-                <a:cs typeface="Arial"/>
-              </a:rPr>
-              <a:t>UTILIZATION</a:t>
-            </a:r>
-            <a:endParaRPr lang="en-US" altLang="ko-KR" sz="1200" dirty="0">
-              <a:latin typeface="Arial"/>
-              <a:cs typeface="Arial"/>
-            </a:endParaRPr>
-          </a:p>
-        </p:txBody>
-      </p:sp>
-      <p:sp>
-        <p:nvSpPr>
-          <p:cNvPr id="21" name="TextBox 20"/>
-          <p:cNvSpPr txBox="1"/>
-          <p:nvPr/>
-        </p:nvSpPr>
-        <p:spPr>
-          <a:xfrm>
-            <a:off x="1159024" y="2827258"/>
-            <a:ext cx="5172483" cy="276999"/>
-          </a:xfrm>
-          <a:prstGeom prst="rect">
-            <a:avLst/>
-          </a:prstGeom>
-          <a:noFill/>
-        </p:spPr>
-        <p:txBody>
-          <a:bodyPr wrap="square" rtlCol="0">
-            <a:spAutoFit/>
-          </a:bodyPr>
-          <a:lstStyle/>
-          <a:p>
-            <a:r>
-              <a:rPr lang="en-US" altLang="ko-KR" sz="1200" dirty="0"/>
-              <a:t>10EA </a:t>
-            </a:r>
-            <a:r>
-              <a:rPr lang="ko-KR" altLang="en-US" sz="1200"/>
-              <a:t>서버들이 임계값 아래로 안정적으로 운영되고 </a:t>
-            </a:r>
-            <a:r>
-              <a:rPr lang="ko-KR" altLang="en-US" sz="1200"/>
-              <a:t>있습니다</a:t>
-            </a:r>
-            <a:r>
-              <a:rPr lang="en-US" altLang="ko-KR" sz="1200" dirty="0" smtClean="0"/>
-              <a:t>.</a:t>
-            </a:r>
-            <a:endParaRPr lang="ko-KR" altLang="en-US" sz="1200"/>
-          </a:p>
-        </p:txBody>
-      </p:sp>
-      <p:sp>
-        <p:nvSpPr>
-          <p:cNvPr id="22" name="TextBox 21"/>
-          <p:cNvSpPr txBox="1"/>
-          <p:nvPr/>
-        </p:nvSpPr>
-        <p:spPr>
-          <a:xfrm>
-            <a:off x="1193314" y="3358897"/>
-            <a:ext cx="5172483" cy="276999"/>
-          </a:xfrm>
-          <a:prstGeom prst="rect">
-            <a:avLst/>
-          </a:prstGeom>
-          <a:noFill/>
-        </p:spPr>
-        <p:txBody>
-          <a:bodyPr wrap="square" rtlCol="0">
-            <a:spAutoFit/>
-          </a:bodyPr>
-          <a:lstStyle/>
-          <a:p>
-            <a:pPr algn="ctr"/>
-            <a:r>
-              <a:rPr lang="en-US" altLang="ko-KR" sz="1200" spc="20" dirty="0">
-                <a:solidFill>
-                  <a:srgbClr val="0080C0"/>
-                </a:solidFill>
-                <a:latin typeface="Arial"/>
-                <a:cs typeface="Arial"/>
-              </a:rPr>
-              <a:t>MEMORY</a:t>
-            </a:r>
-            <a:r>
-              <a:rPr lang="en-US" altLang="ko-KR" sz="1200" spc="-75" dirty="0">
-                <a:solidFill>
-                  <a:srgbClr val="0080C0"/>
-                </a:solidFill>
-                <a:latin typeface="Arial"/>
-                <a:cs typeface="Arial"/>
-              </a:rPr>
-              <a:t> </a:t>
-            </a:r>
-            <a:r>
-              <a:rPr lang="en-US" altLang="ko-KR" sz="1200" spc="40" dirty="0" smtClean="0">
-                <a:solidFill>
-                  <a:srgbClr val="0080C0"/>
-                </a:solidFill>
-                <a:latin typeface="Arial"/>
-                <a:cs typeface="Arial"/>
-              </a:rPr>
-              <a:t>UTILIZATION</a:t>
-            </a:r>
-            <a:endParaRPr lang="en-US" altLang="ko-KR" sz="1200" dirty="0">
-              <a:latin typeface="Arial"/>
-              <a:cs typeface="Arial"/>
-            </a:endParaRPr>
-          </a:p>
-        </p:txBody>
-      </p:sp>
-      <p:sp>
-        <p:nvSpPr>
-          <p:cNvPr id="23" name="TextBox 22"/>
-          <p:cNvSpPr txBox="1"/>
-          <p:nvPr/>
-        </p:nvSpPr>
-        <p:spPr>
-          <a:xfrm>
-            <a:off x="1193314" y="3678287"/>
-            <a:ext cx="5172483" cy="461665"/>
-          </a:xfrm>
-          <a:prstGeom prst="rect">
-            <a:avLst/>
-          </a:prstGeom>
-          <a:noFill/>
-        </p:spPr>
-        <p:txBody>
-          <a:bodyPr wrap="square" rtlCol="0">
-            <a:spAutoFit/>
-          </a:bodyPr>
-          <a:lstStyle/>
-          <a:p>
-            <a:r>
-              <a:rPr lang="en-US" altLang="ko-KR" sz="1200" dirty="0"/>
-              <a:t>1</a:t>
-            </a:r>
-            <a:r>
-              <a:rPr lang="ko-KR" altLang="en-US" sz="1200"/>
-              <a:t>대의 </a:t>
-            </a:r>
-            <a:r>
-              <a:rPr lang="ko-KR" altLang="en-US" sz="1200"/>
-              <a:t>서버가 </a:t>
-            </a:r>
-            <a:r>
-              <a:rPr lang="ko-KR" altLang="en-US" sz="1200" smtClean="0"/>
-              <a:t>메모리 임계값 </a:t>
-            </a:r>
-            <a:r>
-              <a:rPr lang="en-US" altLang="ko-KR" sz="1200" dirty="0" smtClean="0"/>
-              <a:t>80%</a:t>
-            </a:r>
-            <a:r>
-              <a:rPr lang="ko-KR" altLang="en-US" sz="1200" smtClean="0"/>
-              <a:t>에</a:t>
-            </a:r>
-            <a:r>
-              <a:rPr lang="en-US" altLang="ko-KR" sz="1200" dirty="0" smtClean="0"/>
-              <a:t> </a:t>
-            </a:r>
-            <a:r>
-              <a:rPr lang="ko-KR" altLang="en-US" sz="1200" smtClean="0"/>
-              <a:t>근접하고 있습니다</a:t>
-            </a:r>
-            <a:r>
-              <a:rPr lang="en-US" altLang="ko-KR" sz="1200" dirty="0" smtClean="0"/>
-              <a:t>. </a:t>
-            </a:r>
-            <a:r>
-              <a:rPr lang="ko-KR" altLang="en-US" sz="1200" smtClean="0"/>
-              <a:t>즉시 조취가 필요하진 않으나 해당 사용률이 임계값을 넘기 않도록 관리를 해야합니다</a:t>
-            </a:r>
-            <a:r>
-              <a:rPr lang="en-US" altLang="ko-KR" sz="1200" dirty="0" smtClean="0"/>
-              <a:t>.</a:t>
-            </a:r>
-            <a:endParaRPr lang="ko-KR" altLang="en-US" sz="1200" dirty="0"/>
-          </a:p>
-        </p:txBody>
-      </p:sp>
-      <p:sp>
-        <p:nvSpPr>
-          <p:cNvPr id="24" name="TextBox 23"/>
-          <p:cNvSpPr txBox="1"/>
-          <p:nvPr/>
-        </p:nvSpPr>
-        <p:spPr>
-          <a:xfrm>
-            <a:off x="1196752" y="4439017"/>
-            <a:ext cx="5172483" cy="276999"/>
-          </a:xfrm>
-          <a:prstGeom prst="rect">
-            <a:avLst/>
-          </a:prstGeom>
-          <a:noFill/>
-        </p:spPr>
-        <p:txBody>
-          <a:bodyPr wrap="square" rtlCol="0">
-            <a:spAutoFit/>
-          </a:bodyPr>
-          <a:lstStyle/>
-          <a:p>
-            <a:pPr algn="ctr"/>
-            <a:r>
-              <a:rPr lang="en-US" altLang="ko-KR" sz="1200" spc="35" dirty="0">
-                <a:solidFill>
-                  <a:srgbClr val="0080C0"/>
-                </a:solidFill>
-                <a:latin typeface="Arial"/>
-                <a:cs typeface="Arial"/>
-              </a:rPr>
-              <a:t>DISK</a:t>
-            </a:r>
-            <a:r>
-              <a:rPr lang="en-US" altLang="ko-KR" sz="1200" spc="-75" dirty="0">
-                <a:solidFill>
-                  <a:srgbClr val="0080C0"/>
-                </a:solidFill>
-                <a:latin typeface="Arial"/>
-                <a:cs typeface="Arial"/>
-              </a:rPr>
-              <a:t> </a:t>
-            </a:r>
-            <a:r>
-              <a:rPr lang="en-US" altLang="ko-KR" sz="1200" spc="40" dirty="0">
-                <a:solidFill>
-                  <a:srgbClr val="0080C0"/>
-                </a:solidFill>
-                <a:latin typeface="Arial"/>
-                <a:cs typeface="Arial"/>
-              </a:rPr>
-              <a:t>UTILIZATION</a:t>
-            </a:r>
-            <a:endParaRPr lang="ko-KR" altLang="en-US" sz="1200" dirty="0"/>
-          </a:p>
-        </p:txBody>
-      </p:sp>
-      <p:sp>
-        <p:nvSpPr>
-          <p:cNvPr id="25" name="TextBox 24"/>
-          <p:cNvSpPr txBox="1"/>
-          <p:nvPr/>
-        </p:nvSpPr>
-        <p:spPr>
-          <a:xfrm>
-            <a:off x="1196752" y="4771474"/>
-            <a:ext cx="5172483" cy="830997"/>
-          </a:xfrm>
-          <a:prstGeom prst="rect">
-            <a:avLst/>
-          </a:prstGeom>
-          <a:noFill/>
-        </p:spPr>
-        <p:txBody>
-          <a:bodyPr wrap="square" rtlCol="0">
-            <a:spAutoFit/>
-          </a:bodyPr>
-          <a:lstStyle/>
-          <a:p>
-            <a:r>
-              <a:rPr lang="en-US" altLang="ko-KR" sz="1200" dirty="0" smtClean="0"/>
-              <a:t>1</a:t>
-            </a:r>
-            <a:r>
-              <a:rPr lang="ko-KR" altLang="en-US" sz="1200" smtClean="0"/>
-              <a:t>대의 서버가 디스크 사용률 임계값 </a:t>
-            </a:r>
-            <a:r>
-              <a:rPr lang="en-US" altLang="ko-KR" sz="1200" dirty="0" smtClean="0"/>
-              <a:t>90%</a:t>
-            </a:r>
-            <a:r>
-              <a:rPr lang="ko-KR" altLang="en-US" sz="1200" smtClean="0"/>
-              <a:t>를 초과하였습니다</a:t>
-            </a:r>
-            <a:r>
-              <a:rPr lang="en-US" altLang="ko-KR" sz="1200" dirty="0" smtClean="0"/>
-              <a:t>. </a:t>
-            </a:r>
-            <a:r>
-              <a:rPr lang="ko-KR" altLang="en-US" sz="1200" smtClean="0"/>
-              <a:t>사용 가능한 디스크 공간이 부족하면 프로그램 설치 및 실행하지 못하고 시스템 성능이 저하될수 있습니다</a:t>
-            </a:r>
-            <a:r>
-              <a:rPr lang="en-US" altLang="ko-KR" sz="1200" dirty="0" smtClean="0"/>
-              <a:t>. </a:t>
-            </a:r>
-            <a:r>
-              <a:rPr lang="ko-KR" altLang="en-US" sz="1200" smtClean="0"/>
-              <a:t>자세한 내용은 </a:t>
-            </a:r>
-            <a:r>
-              <a:rPr lang="en-US" altLang="ko-KR" sz="1200" dirty="0"/>
-              <a:t>“</a:t>
-            </a:r>
-            <a:r>
-              <a:rPr lang="en-US" altLang="ko-KR" sz="1200" dirty="0" smtClean="0"/>
-              <a:t>RECOMMENDATIONS”</a:t>
-            </a:r>
-            <a:r>
-              <a:rPr lang="ko-KR" altLang="en-US" sz="1200" smtClean="0"/>
-              <a:t>를 참조하세요</a:t>
-            </a:r>
-            <a:r>
-              <a:rPr lang="en-US" altLang="ko-KR" sz="1200" dirty="0" smtClean="0"/>
-              <a:t>.</a:t>
-            </a:r>
-            <a:endParaRPr lang="ko-KR" altLang="en-US" sz="1200"/>
-          </a:p>
-        </p:txBody>
-      </p:sp>
     </p:spTree>
     <p:extLst>
       <p:ext uri="{BB962C8B-B14F-4D97-AF65-F5344CB8AC3E}">
-        <p14:creationId xmlns:p14="http://schemas.microsoft.com/office/powerpoint/2010/main" val="1895877853"/>
+        <p14:creationId xmlns:p14="http://schemas.microsoft.com/office/powerpoint/2010/main" val="2857378384"/>
       </p:ext>
     </p:extLst>
   </p:cSld>
   <p:clrMapOvr>
     <a:masterClrMapping/>
   </p:clrMapOvr>
-  <p:timing>
-    <p:tnLst>
-      <p:par>
-        <p:cTn id="1" dur="indefinite" restart="never" nodeType="tmRoot"/>
-      </p:par>
-    </p:tnLst>
-  </p:timing>
 </p:sld>
 </file>
 
-<file path=ppt/slides/slide4.xml><?xml version="1.0" encoding="utf-8"?>
+<file path=ppt/slides/slide6.xml><?xml version="1.0" encoding="utf-8"?>
 <p:sld xmlns:a="http://schemas.openxmlformats.org/drawingml/2006/main" xmlns:r="http://schemas.openxmlformats.org/officeDocument/2006/relationships" xmlns:p="http://schemas.openxmlformats.org/presentationml/2006/main">
   <p:cSld>
     <p:spTree>
@@ -11223,7 +11801,10 @@
             <a:avLst/>
           </a:prstGeom>
           <a:solidFill>
-            <a:srgbClr val="7030A0"/>
+            <a:schemeClr val="accent5">
+              <a:lumMod val="40000"/>
+              <a:lumOff val="60000"/>
+            </a:schemeClr>
           </a:solidFill>
         </p:spPr>
         <p:txBody>
@@ -11233,197 +11814,23 @@
           <a:lstStyle/>
           <a:p>
             <a:r>
-              <a:rPr lang="en-US" altLang="ko-KR" dirty="0"/>
-              <a:t>3. RECOMMENDATIONS</a:t>
-            </a:r>
-            <a:endParaRPr lang="ko-KR" altLang="en-US" dirty="0"/>
-          </a:p>
-        </p:txBody>
-      </p:sp>
-      <p:sp>
-        <p:nvSpPr>
-          <p:cNvPr id="6" name="TextBox 5"/>
-          <p:cNvSpPr txBox="1"/>
-          <p:nvPr/>
-        </p:nvSpPr>
-        <p:spPr>
-          <a:xfrm>
-            <a:off x="704789" y="1187624"/>
-            <a:ext cx="5172483" cy="261610"/>
-          </a:xfrm>
-          <a:prstGeom prst="rect">
-            <a:avLst/>
-          </a:prstGeom>
-          <a:noFill/>
-        </p:spPr>
-        <p:txBody>
-          <a:bodyPr wrap="square" rtlCol="0">
-            <a:spAutoFit/>
-          </a:bodyPr>
-          <a:lstStyle/>
-          <a:p>
-            <a:r>
-              <a:rPr lang="en-US" altLang="ko-KR" sz="1100" spc="20" dirty="0" smtClean="0">
-                <a:solidFill>
-                  <a:srgbClr val="0080C0"/>
-                </a:solidFill>
-                <a:latin typeface="Arial"/>
-                <a:cs typeface="Arial"/>
+              <a:rPr lang="en-US" altLang="ko-KR" dirty="0">
+                <a:latin typeface="+mn-ea"/>
               </a:rPr>
-              <a:t>SERVER - MEMORY</a:t>
-            </a:r>
-            <a:r>
-              <a:rPr lang="en-US" altLang="ko-KR" sz="1100" spc="-75" dirty="0" smtClean="0">
-                <a:solidFill>
-                  <a:srgbClr val="0080C0"/>
-                </a:solidFill>
-                <a:latin typeface="Arial"/>
-                <a:cs typeface="Arial"/>
+              <a:t>5. </a:t>
+            </a:r>
+            <a:r>
+              <a:rPr lang="ko-KR" altLang="en-US" dirty="0">
+                <a:latin typeface="+mn-ea"/>
               </a:rPr>
-              <a:t> </a:t>
-            </a:r>
-            <a:r>
-              <a:rPr lang="en-US" altLang="ko-KR" sz="1100" spc="40" dirty="0" smtClean="0">
-                <a:solidFill>
-                  <a:srgbClr val="0080C0"/>
-                </a:solidFill>
-                <a:latin typeface="Arial"/>
-                <a:cs typeface="Arial"/>
-              </a:rPr>
-              <a:t>UTILIZATION</a:t>
-            </a:r>
-            <a:endParaRPr lang="en-US" altLang="ko-KR" sz="1100" dirty="0">
-              <a:latin typeface="Arial"/>
-              <a:cs typeface="Arial"/>
-            </a:endParaRPr>
-          </a:p>
-        </p:txBody>
-      </p:sp>
-      <p:sp>
-        <p:nvSpPr>
-          <p:cNvPr id="7" name="TextBox 6"/>
-          <p:cNvSpPr txBox="1"/>
-          <p:nvPr/>
-        </p:nvSpPr>
-        <p:spPr>
-          <a:xfrm>
-            <a:off x="704789" y="1461850"/>
-            <a:ext cx="5172483" cy="261610"/>
-          </a:xfrm>
-          <a:prstGeom prst="rect">
-            <a:avLst/>
-          </a:prstGeom>
-          <a:noFill/>
-        </p:spPr>
-        <p:txBody>
-          <a:bodyPr wrap="square" rtlCol="0">
-            <a:spAutoFit/>
-          </a:bodyPr>
-          <a:lstStyle/>
-          <a:p>
-            <a:r>
-              <a:rPr lang="en-US" altLang="ko-KR" sz="1100" dirty="0" smtClean="0">
-                <a:solidFill>
-                  <a:srgbClr val="000000"/>
-                </a:solidFill>
-                <a:latin typeface="맑은 고딕" pitchFamily="50" charset="-127"/>
-              </a:rPr>
-              <a:t>K-SV-VCV001 </a:t>
-            </a:r>
-            <a:r>
-              <a:rPr lang="ko-KR" altLang="en-US" sz="1100" smtClean="0">
-                <a:solidFill>
-                  <a:srgbClr val="000000"/>
-                </a:solidFill>
-                <a:latin typeface="맑은 고딕" pitchFamily="50" charset="-127"/>
-              </a:rPr>
-              <a:t>서버가 </a:t>
-            </a:r>
-            <a:endParaRPr lang="en-US" altLang="ko-KR" sz="1100" dirty="0">
-              <a:latin typeface="Arial"/>
-              <a:cs typeface="Arial"/>
-            </a:endParaRPr>
-          </a:p>
-        </p:txBody>
-      </p:sp>
-    </p:spTree>
-    <p:extLst>
-      <p:ext uri="{BB962C8B-B14F-4D97-AF65-F5344CB8AC3E}">
-        <p14:creationId xmlns:p14="http://schemas.microsoft.com/office/powerpoint/2010/main" val="1542643387"/>
-      </p:ext>
-    </p:extLst>
-  </p:cSld>
-  <p:clrMapOvr>
-    <a:masterClrMapping/>
-  </p:clrMapOvr>
-  <p:timing>
-    <p:tnLst>
-      <p:par>
-        <p:cTn id="1" dur="indefinite" restart="never" nodeType="tmRoot"/>
-      </p:par>
-    </p:tnLst>
-  </p:timing>
-</p:sld>
-</file>
-
-<file path=ppt/slides/slide5.xml><?xml version="1.0" encoding="utf-8"?>
-<p:sld xmlns:a="http://schemas.openxmlformats.org/drawingml/2006/main" xmlns:r="http://schemas.openxmlformats.org/officeDocument/2006/relationships" xmlns:p="http://schemas.openxmlformats.org/presentationml/2006/main">
-  <p:cSld>
-    <p:spTree>
-      <p:nvGrpSpPr>
-        <p:cNvPr id="1" name=""/>
-        <p:cNvGrpSpPr/>
-        <p:nvPr/>
-      </p:nvGrpSpPr>
-      <p:grpSpPr>
-        <a:xfrm>
-          <a:off x="0" y="0"/>
-          <a:ext cx="0" cy="0"/>
-          <a:chOff x="0" y="0"/>
-          <a:chExt cx="0" cy="0"/>
-        </a:xfrm>
-      </p:grpSpPr>
-      <p:sp>
-        <p:nvSpPr>
-          <p:cNvPr id="4" name="TextBox 3"/>
-          <p:cNvSpPr txBox="1"/>
-          <p:nvPr/>
-        </p:nvSpPr>
-        <p:spPr>
-          <a:xfrm>
-            <a:off x="620688" y="611560"/>
-            <a:ext cx="5832648" cy="369332"/>
-          </a:xfrm>
-          <a:prstGeom prst="rect">
-            <a:avLst/>
-          </a:prstGeom>
-          <a:solidFill>
-            <a:schemeClr val="bg2">
-              <a:lumMod val="50000"/>
-            </a:schemeClr>
-          </a:solidFill>
-        </p:spPr>
-        <p:txBody>
-          <a:bodyPr wrap="square" rtlCol="0">
-            <a:spAutoFit/>
-          </a:bodyPr>
-          <a:lstStyle/>
-          <a:p>
-            <a:r>
-              <a:rPr lang="en-US" altLang="ko-KR" dirty="0" smtClean="0"/>
-              <a:t>4</a:t>
-            </a:r>
-            <a:r>
-              <a:rPr lang="en-US" altLang="ko-KR" dirty="0"/>
-              <a:t>. MANAGEMENT</a:t>
-            </a:r>
-            <a:endParaRPr lang="ko-KR" altLang="en-US" dirty="0"/>
-          </a:p>
-        </p:txBody>
-      </p:sp>
-      <p:sp>
-        <p:nvSpPr>
-          <p:cNvPr id="5" name="object 15"/>
+              <a:t>세부내역</a:t>
+            </a:r>
+          </a:p>
+        </p:txBody>
+      </p:sp>
+      <p:sp>
+        <p:nvSpPr>
+          <p:cNvPr id="3" name="object 15"/>
           <p:cNvSpPr/>
           <p:nvPr/>
         </p:nvSpPr>
@@ -11469,139 +11876,7 @@
           <a:p>
             <a:pPr algn="ctr"/>
             <a:r>
-              <a:rPr lang="ko-KR" altLang="en-US" sz="1200" b="1" dirty="0" smtClean="0">
-                <a:solidFill>
-                  <a:schemeClr val="bg1"/>
-                </a:solidFill>
-              </a:rPr>
-              <a:t>서버</a:t>
-            </a:r>
-            <a:endParaRPr sz="1200" b="1" dirty="0">
-              <a:solidFill>
-                <a:schemeClr val="bg1"/>
-              </a:solidFill>
-            </a:endParaRPr>
-          </a:p>
-        </p:txBody>
-      </p:sp>
-    </p:spTree>
-    <p:extLst>
-      <p:ext uri="{BB962C8B-B14F-4D97-AF65-F5344CB8AC3E}">
-        <p14:creationId xmlns:p14="http://schemas.microsoft.com/office/powerpoint/2010/main" val="2857378384"/>
-      </p:ext>
-    </p:extLst>
-  </p:cSld>
-  <p:clrMapOvr>
-    <a:masterClrMapping/>
-  </p:clrMapOvr>
-  <p:timing>
-    <p:tnLst>
-      <p:par>
-        <p:cTn id="1" dur="indefinite" restart="never" nodeType="tmRoot"/>
-      </p:par>
-    </p:tnLst>
-  </p:timing>
-</p:sld>
-</file>
-
-<file path=ppt/slides/slide6.xml><?xml version="1.0" encoding="utf-8"?>
-<p:sld xmlns:a="http://schemas.openxmlformats.org/drawingml/2006/main" xmlns:r="http://schemas.openxmlformats.org/officeDocument/2006/relationships" xmlns:p="http://schemas.openxmlformats.org/presentationml/2006/main">
-  <p:cSld>
-    <p:spTree>
-      <p:nvGrpSpPr>
-        <p:cNvPr id="1" name=""/>
-        <p:cNvGrpSpPr/>
-        <p:nvPr/>
-      </p:nvGrpSpPr>
-      <p:grpSpPr>
-        <a:xfrm>
-          <a:off x="0" y="0"/>
-          <a:ext cx="0" cy="0"/>
-          <a:chOff x="0" y="0"/>
-          <a:chExt cx="0" cy="0"/>
-        </a:xfrm>
-      </p:grpSpPr>
-      <p:sp>
-        <p:nvSpPr>
-          <p:cNvPr id="4" name="TextBox 3"/>
-          <p:cNvSpPr txBox="1"/>
-          <p:nvPr/>
-        </p:nvSpPr>
-        <p:spPr>
-          <a:xfrm>
-            <a:off x="620688" y="611560"/>
-            <a:ext cx="5832648" cy="369332"/>
-          </a:xfrm>
-          <a:prstGeom prst="rect">
-            <a:avLst/>
-          </a:prstGeom>
-          <a:solidFill>
-            <a:schemeClr val="accent2"/>
-          </a:solidFill>
-        </p:spPr>
-        <p:txBody>
-          <a:bodyPr wrap="square" rtlCol="0">
-            <a:spAutoFit/>
-          </a:bodyPr>
-          <a:lstStyle/>
-          <a:p>
-            <a:r>
-              <a:rPr lang="en-US" altLang="ko-KR" dirty="0"/>
-              <a:t>5. DETAILED REPORT</a:t>
-            </a:r>
-            <a:endParaRPr lang="ko-KR" altLang="en-US" dirty="0"/>
-          </a:p>
-        </p:txBody>
-      </p:sp>
-      <p:sp>
-        <p:nvSpPr>
-          <p:cNvPr id="3" name="object 15"/>
-          <p:cNvSpPr/>
-          <p:nvPr/>
-        </p:nvSpPr>
-        <p:spPr>
-          <a:xfrm>
-            <a:off x="757543" y="1131653"/>
-            <a:ext cx="5617442" cy="219075"/>
-          </a:xfrm>
-          <a:custGeom>
-            <a:avLst/>
-            <a:gdLst/>
-            <a:ahLst/>
-            <a:cxnLst/>
-            <a:rect l="l" t="t" r="r" b="b"/>
-            <a:pathLst>
-              <a:path w="6179184" h="219075">
-                <a:moveTo>
-                  <a:pt x="0" y="0"/>
-                </a:moveTo>
-                <a:lnTo>
-                  <a:pt x="6179185" y="0"/>
-                </a:lnTo>
-                <a:lnTo>
-                  <a:pt x="6179185" y="219075"/>
-                </a:lnTo>
-                <a:lnTo>
-                  <a:pt x="0" y="219075"/>
-                </a:lnTo>
-                <a:lnTo>
-                  <a:pt x="0" y="0"/>
-                </a:lnTo>
-                <a:close/>
-              </a:path>
-            </a:pathLst>
-          </a:custGeom>
-          <a:solidFill>
-            <a:srgbClr val="0080C0"/>
-          </a:solidFill>
-        </p:spPr>
-        <p:txBody>
-          <a:bodyPr wrap="square" lIns="0" tIns="0" rIns="0" bIns="0" rtlCol="0" anchor="ctr"/>
-          <a:lstStyle/>
-          <a:p>
-            <a:pPr algn="ctr"/>
-            <a:r>
-              <a:rPr lang="ko-KR" altLang="en-US" sz="1200" b="1" dirty="0" smtClean="0">
+              <a:rPr lang="ko-KR" altLang="en-US" sz="1200" b="1" dirty="0">
                 <a:solidFill>
                   <a:schemeClr val="bg1"/>
                 </a:solidFill>
@@ -11626,13 +11901,6 @@
   <p:clrMapOvr>
     <a:masterClrMapping/>
   </p:clrMapOvr>
-  <p:timing>
-    <p:tnLst>
-      <p:par>
-        <p:cTn id="1" dur="indefinite" restart="never" nodeType="tmRoot"/>
-      </p:par>
-    </p:tnLst>
-  </p:timing>
 </p:sld>
 </file>
 
@@ -11720,13 +11988,6 @@
   <p:clrMapOvr>
     <a:masterClrMapping/>
   </p:clrMapOvr>
-  <p:timing>
-    <p:tnLst>
-      <p:par>
-        <p:cTn id="1" dur="indefinite" restart="never" nodeType="tmRoot"/>
-      </p:par>
-    </p:tnLst>
-  </p:timing>
 </p:sld>
 </file>
 

--- a/document/[지메이트] 월간보고서 sample.pptx
+++ b/document/[지메이트] 월간보고서 sample.pptx
@@ -7,7 +7,7 @@
     <p:sldMasterId id="2147483673" r:id="rId3"/>
   </p:sldMasterIdLst>
   <p:notesMasterIdLst>
-    <p:notesMasterId r:id="rId11"/>
+    <p:notesMasterId r:id="rId13"/>
   </p:notesMasterIdLst>
   <p:sldIdLst>
     <p:sldId id="269" r:id="rId4"/>
@@ -15,8 +15,10 @@
     <p:sldId id="290" r:id="rId6"/>
     <p:sldId id="291" r:id="rId7"/>
     <p:sldId id="292" r:id="rId8"/>
-    <p:sldId id="293" r:id="rId9"/>
-    <p:sldId id="271" r:id="rId10"/>
+    <p:sldId id="294" r:id="rId9"/>
+    <p:sldId id="293" r:id="rId10"/>
+    <p:sldId id="295" r:id="rId11"/>
+    <p:sldId id="271" r:id="rId12"/>
   </p:sldIdLst>
   <p:sldSz cx="6858000" cy="9144000" type="screen4x3"/>
   <p:notesSz cx="6858000" cy="9144000"/>
@@ -148,6 +150,4572 @@
 </p:presentation>
 </file>
 
+<file path=ppt/charts/chart1.xml><?xml version="1.0" encoding="utf-8"?>
+<c:chartSpace xmlns:c="http://schemas.openxmlformats.org/drawingml/2006/chart" xmlns:a="http://schemas.openxmlformats.org/drawingml/2006/main" xmlns:r="http://schemas.openxmlformats.org/officeDocument/2006/relationships">
+  <c:date1904 val="0"/>
+  <c:lang val="ko-KR"/>
+  <c:roundedCorners val="0"/>
+  <mc:AlternateContent xmlns:mc="http://schemas.openxmlformats.org/markup-compatibility/2006">
+    <mc:Choice xmlns:c14="http://schemas.microsoft.com/office/drawing/2007/8/2/chart" Requires="c14">
+      <c14:style val="102"/>
+    </mc:Choice>
+    <mc:Fallback>
+      <c:style val="2"/>
+    </mc:Fallback>
+  </mc:AlternateContent>
+  <c:chart>
+    <c:autoTitleDeleted val="1"/>
+    <c:plotArea>
+      <c:layout/>
+      <c:pieChart>
+        <c:varyColors val="1"/>
+        <c:ser>
+          <c:idx val="0"/>
+          <c:order val="0"/>
+          <c:dPt>
+            <c:idx val="0"/>
+            <c:bubble3D val="0"/>
+            <c:spPr>
+              <a:solidFill>
+                <a:schemeClr val="accent1"/>
+              </a:solidFill>
+              <a:ln w="19050">
+                <a:solidFill>
+                  <a:schemeClr val="lt1"/>
+                </a:solidFill>
+              </a:ln>
+              <a:effectLst/>
+            </c:spPr>
+          </c:dPt>
+          <c:dPt>
+            <c:idx val="1"/>
+            <c:bubble3D val="0"/>
+            <c:spPr>
+              <a:solidFill>
+                <a:schemeClr val="accent2"/>
+              </a:solidFill>
+              <a:ln w="19050">
+                <a:solidFill>
+                  <a:schemeClr val="lt1"/>
+                </a:solidFill>
+              </a:ln>
+              <a:effectLst/>
+            </c:spPr>
+          </c:dPt>
+          <c:dPt>
+            <c:idx val="2"/>
+            <c:bubble3D val="0"/>
+            <c:spPr>
+              <a:solidFill>
+                <a:schemeClr val="accent3"/>
+              </a:solidFill>
+              <a:ln w="19050">
+                <a:solidFill>
+                  <a:schemeClr val="lt1"/>
+                </a:solidFill>
+              </a:ln>
+              <a:effectLst/>
+            </c:spPr>
+          </c:dPt>
+          <c:dPt>
+            <c:idx val="3"/>
+            <c:bubble3D val="0"/>
+            <c:spPr>
+              <a:solidFill>
+                <a:schemeClr val="accent4"/>
+              </a:solidFill>
+              <a:ln w="19050">
+                <a:solidFill>
+                  <a:schemeClr val="lt1"/>
+                </a:solidFill>
+              </a:ln>
+              <a:effectLst/>
+            </c:spPr>
+          </c:dPt>
+          <c:dLbls>
+            <c:spPr>
+              <a:solidFill>
+                <a:sysClr val="window" lastClr="FFFFFF"/>
+              </a:solidFill>
+              <a:ln>
+                <a:solidFill>
+                  <a:sysClr val="windowText" lastClr="000000">
+                    <a:lumMod val="25000"/>
+                    <a:lumOff val="75000"/>
+                  </a:sysClr>
+                </a:solidFill>
+              </a:ln>
+              <a:effectLst/>
+            </c:spPr>
+            <c:txPr>
+              <a:bodyPr rot="0" spcFirstLastPara="1" vertOverflow="clip" horzOverflow="clip" vert="horz" wrap="square" lIns="38100" tIns="19050" rIns="38100" bIns="19050" anchor="ctr" anchorCtr="1">
+                <a:spAutoFit/>
+              </a:bodyPr>
+              <a:lstStyle/>
+              <a:p>
+                <a:pPr>
+                  <a:defRPr sz="900" b="0" i="0" u="none" strike="noStrike" kern="1200" baseline="0">
+                    <a:solidFill>
+                      <a:schemeClr val="dk1">
+                        <a:lumMod val="65000"/>
+                        <a:lumOff val="35000"/>
+                      </a:schemeClr>
+                    </a:solidFill>
+                    <a:latin typeface="+mn-lt"/>
+                    <a:ea typeface="+mn-ea"/>
+                    <a:cs typeface="+mn-cs"/>
+                  </a:defRPr>
+                </a:pPr>
+                <a:endParaRPr lang="ko-KR"/>
+              </a:p>
+            </c:txPr>
+            <c:dLblPos val="outEnd"/>
+            <c:showLegendKey val="0"/>
+            <c:showVal val="0"/>
+            <c:showCatName val="1"/>
+            <c:showSerName val="0"/>
+            <c:showPercent val="1"/>
+            <c:showBubbleSize val="0"/>
+            <c:showLeaderLines val="0"/>
+            <c:extLst>
+              <c:ext xmlns:c15="http://schemas.microsoft.com/office/drawing/2012/chart" uri="{CE6537A1-D6FC-4f65-9D91-7224C49458BB}">
+                <c15:spPr xmlns:c15="http://schemas.microsoft.com/office/drawing/2012/chart">
+                  <a:prstGeom prst="wedgeRectCallout">
+                    <a:avLst/>
+                  </a:prstGeom>
+                  <a:noFill/>
+                  <a:ln>
+                    <a:noFill/>
+                  </a:ln>
+                </c15:spPr>
+                <c15:layout/>
+              </c:ext>
+            </c:extLst>
+          </c:dLbls>
+          <c:cat>
+            <c:strRef>
+              <c:f>Sheet2!$F$15:$I$15</c:f>
+              <c:strCache>
+                <c:ptCount val="4"/>
+                <c:pt idx="0">
+                  <c:v>Critical</c:v>
+                </c:pt>
+                <c:pt idx="1">
+                  <c:v>Major</c:v>
+                </c:pt>
+                <c:pt idx="2">
+                  <c:v>Minor</c:v>
+                </c:pt>
+                <c:pt idx="3">
+                  <c:v>Info</c:v>
+                </c:pt>
+              </c:strCache>
+            </c:strRef>
+          </c:cat>
+          <c:val>
+            <c:numRef>
+              <c:f>Sheet2!$F$19:$I$19</c:f>
+              <c:numCache>
+                <c:formatCode>General</c:formatCode>
+                <c:ptCount val="4"/>
+                <c:pt idx="0">
+                  <c:v>2</c:v>
+                </c:pt>
+                <c:pt idx="1">
+                  <c:v>5</c:v>
+                </c:pt>
+                <c:pt idx="2">
+                  <c:v>5</c:v>
+                </c:pt>
+                <c:pt idx="3">
+                  <c:v>4</c:v>
+                </c:pt>
+              </c:numCache>
+            </c:numRef>
+          </c:val>
+        </c:ser>
+        <c:dLbls>
+          <c:showLegendKey val="0"/>
+          <c:showVal val="0"/>
+          <c:showCatName val="0"/>
+          <c:showSerName val="0"/>
+          <c:showPercent val="0"/>
+          <c:showBubbleSize val="0"/>
+          <c:showLeaderLines val="0"/>
+        </c:dLbls>
+        <c:firstSliceAng val="0"/>
+      </c:pieChart>
+      <c:spPr>
+        <a:noFill/>
+        <a:ln>
+          <a:noFill/>
+        </a:ln>
+        <a:effectLst/>
+      </c:spPr>
+    </c:plotArea>
+    <c:legend>
+      <c:legendPos val="b"/>
+      <c:layout/>
+      <c:overlay val="0"/>
+      <c:spPr>
+        <a:noFill/>
+        <a:ln>
+          <a:noFill/>
+        </a:ln>
+        <a:effectLst/>
+      </c:spPr>
+      <c:txPr>
+        <a:bodyPr rot="0" spcFirstLastPara="1" vertOverflow="ellipsis" vert="horz" wrap="square" anchor="ctr" anchorCtr="1"/>
+        <a:lstStyle/>
+        <a:p>
+          <a:pPr>
+            <a:defRPr sz="900" b="0" i="0" u="none" strike="noStrike" kern="1200" baseline="0">
+              <a:solidFill>
+                <a:schemeClr val="tx1">
+                  <a:lumMod val="65000"/>
+                  <a:lumOff val="35000"/>
+                </a:schemeClr>
+              </a:solidFill>
+              <a:latin typeface="+mn-lt"/>
+              <a:ea typeface="+mn-ea"/>
+              <a:cs typeface="+mn-cs"/>
+            </a:defRPr>
+          </a:pPr>
+          <a:endParaRPr lang="ko-KR"/>
+        </a:p>
+      </c:txPr>
+    </c:legend>
+    <c:plotVisOnly val="1"/>
+    <c:dispBlanksAs val="gap"/>
+    <c:showDLblsOverMax val="0"/>
+  </c:chart>
+  <c:spPr>
+    <a:noFill/>
+    <a:ln>
+      <a:noFill/>
+    </a:ln>
+    <a:effectLst/>
+  </c:spPr>
+  <c:txPr>
+    <a:bodyPr/>
+    <a:lstStyle/>
+    <a:p>
+      <a:pPr>
+        <a:defRPr/>
+      </a:pPr>
+      <a:endParaRPr lang="ko-KR"/>
+    </a:p>
+  </c:txPr>
+  <c:externalData r:id="rId3">
+    <c:autoUpdate val="0"/>
+  </c:externalData>
+</c:chartSpace>
+</file>
+
+<file path=ppt/charts/chart2.xml><?xml version="1.0" encoding="utf-8"?>
+<c:chartSpace xmlns:c="http://schemas.openxmlformats.org/drawingml/2006/chart" xmlns:a="http://schemas.openxmlformats.org/drawingml/2006/main" xmlns:r="http://schemas.openxmlformats.org/officeDocument/2006/relationships">
+  <c:date1904 val="0"/>
+  <c:lang val="ko-KR"/>
+  <c:roundedCorners val="0"/>
+  <mc:AlternateContent xmlns:mc="http://schemas.openxmlformats.org/markup-compatibility/2006">
+    <mc:Choice xmlns:c14="http://schemas.microsoft.com/office/drawing/2007/8/2/chart" Requires="c14">
+      <c14:style val="102"/>
+    </mc:Choice>
+    <mc:Fallback>
+      <c:style val="2"/>
+    </mc:Fallback>
+  </mc:AlternateContent>
+  <c:chart>
+    <c:title>
+      <c:tx>
+        <c:rich>
+          <a:bodyPr rot="0" spcFirstLastPara="1" vertOverflow="ellipsis" vert="horz" wrap="square" anchor="ctr" anchorCtr="1"/>
+          <a:lstStyle/>
+          <a:p>
+            <a:pPr>
+              <a:defRPr sz="1400" b="0" i="0" u="none" strike="noStrike" kern="1200" spc="0" baseline="0">
+                <a:solidFill>
+                  <a:schemeClr val="tx1">
+                    <a:lumMod val="65000"/>
+                    <a:lumOff val="35000"/>
+                  </a:schemeClr>
+                </a:solidFill>
+                <a:latin typeface="+mn-lt"/>
+                <a:ea typeface="+mn-ea"/>
+                <a:cs typeface="+mn-cs"/>
+              </a:defRPr>
+            </a:pPr>
+            <a:r>
+              <a:rPr lang="en-US" altLang="ko-KR"/>
+              <a:t>test-svr02</a:t>
+            </a:r>
+            <a:r>
+              <a:rPr lang="en-US" altLang="ko-KR" baseline="0"/>
+              <a:t> </a:t>
+            </a:r>
+            <a:r>
+              <a:rPr lang="ko-KR" altLang="en-US" baseline="0"/>
+              <a:t>리소스 사용률</a:t>
+            </a:r>
+            <a:endParaRPr lang="ko-KR" altLang="en-US"/>
+          </a:p>
+        </c:rich>
+      </c:tx>
+      <c:layout/>
+      <c:overlay val="0"/>
+      <c:spPr>
+        <a:noFill/>
+        <a:ln>
+          <a:noFill/>
+        </a:ln>
+        <a:effectLst/>
+      </c:spPr>
+      <c:txPr>
+        <a:bodyPr rot="0" spcFirstLastPara="1" vertOverflow="ellipsis" vert="horz" wrap="square" anchor="ctr" anchorCtr="1"/>
+        <a:lstStyle/>
+        <a:p>
+          <a:pPr>
+            <a:defRPr sz="1400" b="0" i="0" u="none" strike="noStrike" kern="1200" spc="0" baseline="0">
+              <a:solidFill>
+                <a:schemeClr val="tx1">
+                  <a:lumMod val="65000"/>
+                  <a:lumOff val="35000"/>
+                </a:schemeClr>
+              </a:solidFill>
+              <a:latin typeface="+mn-lt"/>
+              <a:ea typeface="+mn-ea"/>
+              <a:cs typeface="+mn-cs"/>
+            </a:defRPr>
+          </a:pPr>
+          <a:endParaRPr lang="ko-KR"/>
+        </a:p>
+      </c:txPr>
+    </c:title>
+    <c:autoTitleDeleted val="0"/>
+    <c:plotArea>
+      <c:layout/>
+      <c:barChart>
+        <c:barDir val="col"/>
+        <c:grouping val="clustered"/>
+        <c:varyColors val="0"/>
+        <c:ser>
+          <c:idx val="0"/>
+          <c:order val="0"/>
+          <c:tx>
+            <c:strRef>
+              <c:f>Sheet1!$A$9</c:f>
+              <c:strCache>
+                <c:ptCount val="1"/>
+                <c:pt idx="0">
+                  <c:v>CPU</c:v>
+                </c:pt>
+              </c:strCache>
+            </c:strRef>
+          </c:tx>
+          <c:spPr>
+            <a:solidFill>
+              <a:schemeClr val="accent1"/>
+            </a:solidFill>
+            <a:ln>
+              <a:noFill/>
+            </a:ln>
+            <a:effectLst/>
+          </c:spPr>
+          <c:invertIfNegative val="0"/>
+          <c:cat>
+            <c:numRef>
+              <c:f>Sheet1!$B$8:$AE$8</c:f>
+              <c:numCache>
+                <c:formatCode>General</c:formatCode>
+                <c:ptCount val="30"/>
+                <c:pt idx="0">
+                  <c:v>1</c:v>
+                </c:pt>
+                <c:pt idx="1">
+                  <c:v>2</c:v>
+                </c:pt>
+                <c:pt idx="2">
+                  <c:v>3</c:v>
+                </c:pt>
+                <c:pt idx="3">
+                  <c:v>4</c:v>
+                </c:pt>
+                <c:pt idx="4">
+                  <c:v>5</c:v>
+                </c:pt>
+                <c:pt idx="5">
+                  <c:v>6</c:v>
+                </c:pt>
+                <c:pt idx="6">
+                  <c:v>7</c:v>
+                </c:pt>
+                <c:pt idx="7">
+                  <c:v>8</c:v>
+                </c:pt>
+                <c:pt idx="8">
+                  <c:v>9</c:v>
+                </c:pt>
+                <c:pt idx="9">
+                  <c:v>10</c:v>
+                </c:pt>
+                <c:pt idx="10">
+                  <c:v>11</c:v>
+                </c:pt>
+                <c:pt idx="11">
+                  <c:v>12</c:v>
+                </c:pt>
+                <c:pt idx="12">
+                  <c:v>13</c:v>
+                </c:pt>
+                <c:pt idx="13">
+                  <c:v>14</c:v>
+                </c:pt>
+                <c:pt idx="14">
+                  <c:v>15</c:v>
+                </c:pt>
+                <c:pt idx="15">
+                  <c:v>16</c:v>
+                </c:pt>
+                <c:pt idx="16">
+                  <c:v>17</c:v>
+                </c:pt>
+                <c:pt idx="17">
+                  <c:v>18</c:v>
+                </c:pt>
+                <c:pt idx="18">
+                  <c:v>19</c:v>
+                </c:pt>
+                <c:pt idx="19">
+                  <c:v>20</c:v>
+                </c:pt>
+                <c:pt idx="20">
+                  <c:v>21</c:v>
+                </c:pt>
+                <c:pt idx="21">
+                  <c:v>22</c:v>
+                </c:pt>
+                <c:pt idx="22">
+                  <c:v>23</c:v>
+                </c:pt>
+                <c:pt idx="23">
+                  <c:v>24</c:v>
+                </c:pt>
+                <c:pt idx="24">
+                  <c:v>25</c:v>
+                </c:pt>
+                <c:pt idx="25">
+                  <c:v>26</c:v>
+                </c:pt>
+                <c:pt idx="26">
+                  <c:v>27</c:v>
+                </c:pt>
+                <c:pt idx="27">
+                  <c:v>28</c:v>
+                </c:pt>
+                <c:pt idx="28">
+                  <c:v>29</c:v>
+                </c:pt>
+                <c:pt idx="29">
+                  <c:v>30</c:v>
+                </c:pt>
+              </c:numCache>
+            </c:numRef>
+          </c:cat>
+          <c:val>
+            <c:numRef>
+              <c:f>Sheet1!$B$9:$AE$9</c:f>
+              <c:numCache>
+                <c:formatCode>General</c:formatCode>
+                <c:ptCount val="30"/>
+                <c:pt idx="0">
+                  <c:v>20</c:v>
+                </c:pt>
+                <c:pt idx="1">
+                  <c:v>21</c:v>
+                </c:pt>
+                <c:pt idx="2">
+                  <c:v>21</c:v>
+                </c:pt>
+                <c:pt idx="3">
+                  <c:v>34</c:v>
+                </c:pt>
+                <c:pt idx="4">
+                  <c:v>39</c:v>
+                </c:pt>
+                <c:pt idx="5">
+                  <c:v>29</c:v>
+                </c:pt>
+                <c:pt idx="6">
+                  <c:v>49</c:v>
+                </c:pt>
+                <c:pt idx="7">
+                  <c:v>39</c:v>
+                </c:pt>
+                <c:pt idx="8">
+                  <c:v>29</c:v>
+                </c:pt>
+                <c:pt idx="9">
+                  <c:v>19</c:v>
+                </c:pt>
+                <c:pt idx="10">
+                  <c:v>29</c:v>
+                </c:pt>
+                <c:pt idx="11">
+                  <c:v>29</c:v>
+                </c:pt>
+                <c:pt idx="12">
+                  <c:v>30</c:v>
+                </c:pt>
+                <c:pt idx="13">
+                  <c:v>23</c:v>
+                </c:pt>
+                <c:pt idx="14">
+                  <c:v>30</c:v>
+                </c:pt>
+                <c:pt idx="15">
+                  <c:v>23</c:v>
+                </c:pt>
+                <c:pt idx="16">
+                  <c:v>23</c:v>
+                </c:pt>
+                <c:pt idx="17">
+                  <c:v>23</c:v>
+                </c:pt>
+                <c:pt idx="18">
+                  <c:v>23</c:v>
+                </c:pt>
+                <c:pt idx="19">
+                  <c:v>30</c:v>
+                </c:pt>
+                <c:pt idx="20">
+                  <c:v>23</c:v>
+                </c:pt>
+                <c:pt idx="21">
+                  <c:v>30</c:v>
+                </c:pt>
+                <c:pt idx="22">
+                  <c:v>23</c:v>
+                </c:pt>
+                <c:pt idx="23">
+                  <c:v>30</c:v>
+                </c:pt>
+                <c:pt idx="24">
+                  <c:v>45</c:v>
+                </c:pt>
+                <c:pt idx="25">
+                  <c:v>30</c:v>
+                </c:pt>
+                <c:pt idx="26">
+                  <c:v>23</c:v>
+                </c:pt>
+                <c:pt idx="27">
+                  <c:v>30</c:v>
+                </c:pt>
+                <c:pt idx="28">
+                  <c:v>30</c:v>
+                </c:pt>
+                <c:pt idx="29">
+                  <c:v>30</c:v>
+                </c:pt>
+              </c:numCache>
+            </c:numRef>
+          </c:val>
+        </c:ser>
+        <c:ser>
+          <c:idx val="1"/>
+          <c:order val="1"/>
+          <c:tx>
+            <c:strRef>
+              <c:f>Sheet1!$A$10</c:f>
+              <c:strCache>
+                <c:ptCount val="1"/>
+                <c:pt idx="0">
+                  <c:v>MEM</c:v>
+                </c:pt>
+              </c:strCache>
+            </c:strRef>
+          </c:tx>
+          <c:spPr>
+            <a:solidFill>
+              <a:schemeClr val="accent2"/>
+            </a:solidFill>
+            <a:ln>
+              <a:noFill/>
+            </a:ln>
+            <a:effectLst/>
+          </c:spPr>
+          <c:invertIfNegative val="0"/>
+          <c:cat>
+            <c:numRef>
+              <c:f>Sheet1!$B$8:$AE$8</c:f>
+              <c:numCache>
+                <c:formatCode>General</c:formatCode>
+                <c:ptCount val="30"/>
+                <c:pt idx="0">
+                  <c:v>1</c:v>
+                </c:pt>
+                <c:pt idx="1">
+                  <c:v>2</c:v>
+                </c:pt>
+                <c:pt idx="2">
+                  <c:v>3</c:v>
+                </c:pt>
+                <c:pt idx="3">
+                  <c:v>4</c:v>
+                </c:pt>
+                <c:pt idx="4">
+                  <c:v>5</c:v>
+                </c:pt>
+                <c:pt idx="5">
+                  <c:v>6</c:v>
+                </c:pt>
+                <c:pt idx="6">
+                  <c:v>7</c:v>
+                </c:pt>
+                <c:pt idx="7">
+                  <c:v>8</c:v>
+                </c:pt>
+                <c:pt idx="8">
+                  <c:v>9</c:v>
+                </c:pt>
+                <c:pt idx="9">
+                  <c:v>10</c:v>
+                </c:pt>
+                <c:pt idx="10">
+                  <c:v>11</c:v>
+                </c:pt>
+                <c:pt idx="11">
+                  <c:v>12</c:v>
+                </c:pt>
+                <c:pt idx="12">
+                  <c:v>13</c:v>
+                </c:pt>
+                <c:pt idx="13">
+                  <c:v>14</c:v>
+                </c:pt>
+                <c:pt idx="14">
+                  <c:v>15</c:v>
+                </c:pt>
+                <c:pt idx="15">
+                  <c:v>16</c:v>
+                </c:pt>
+                <c:pt idx="16">
+                  <c:v>17</c:v>
+                </c:pt>
+                <c:pt idx="17">
+                  <c:v>18</c:v>
+                </c:pt>
+                <c:pt idx="18">
+                  <c:v>19</c:v>
+                </c:pt>
+                <c:pt idx="19">
+                  <c:v>20</c:v>
+                </c:pt>
+                <c:pt idx="20">
+                  <c:v>21</c:v>
+                </c:pt>
+                <c:pt idx="21">
+                  <c:v>22</c:v>
+                </c:pt>
+                <c:pt idx="22">
+                  <c:v>23</c:v>
+                </c:pt>
+                <c:pt idx="23">
+                  <c:v>24</c:v>
+                </c:pt>
+                <c:pt idx="24">
+                  <c:v>25</c:v>
+                </c:pt>
+                <c:pt idx="25">
+                  <c:v>26</c:v>
+                </c:pt>
+                <c:pt idx="26">
+                  <c:v>27</c:v>
+                </c:pt>
+                <c:pt idx="27">
+                  <c:v>28</c:v>
+                </c:pt>
+                <c:pt idx="28">
+                  <c:v>29</c:v>
+                </c:pt>
+                <c:pt idx="29">
+                  <c:v>30</c:v>
+                </c:pt>
+              </c:numCache>
+            </c:numRef>
+          </c:cat>
+          <c:val>
+            <c:numRef>
+              <c:f>Sheet1!$B$10:$AE$10</c:f>
+              <c:numCache>
+                <c:formatCode>General</c:formatCode>
+                <c:ptCount val="30"/>
+                <c:pt idx="0">
+                  <c:v>57</c:v>
+                </c:pt>
+                <c:pt idx="1">
+                  <c:v>57</c:v>
+                </c:pt>
+                <c:pt idx="2">
+                  <c:v>57</c:v>
+                </c:pt>
+                <c:pt idx="3">
+                  <c:v>57</c:v>
+                </c:pt>
+                <c:pt idx="4">
+                  <c:v>57</c:v>
+                </c:pt>
+                <c:pt idx="5">
+                  <c:v>57</c:v>
+                </c:pt>
+                <c:pt idx="6">
+                  <c:v>57</c:v>
+                </c:pt>
+                <c:pt idx="7">
+                  <c:v>57</c:v>
+                </c:pt>
+                <c:pt idx="8">
+                  <c:v>57</c:v>
+                </c:pt>
+                <c:pt idx="9">
+                  <c:v>57</c:v>
+                </c:pt>
+                <c:pt idx="10">
+                  <c:v>57</c:v>
+                </c:pt>
+                <c:pt idx="11">
+                  <c:v>57</c:v>
+                </c:pt>
+                <c:pt idx="12">
+                  <c:v>57</c:v>
+                </c:pt>
+                <c:pt idx="13">
+                  <c:v>57</c:v>
+                </c:pt>
+                <c:pt idx="14">
+                  <c:v>57</c:v>
+                </c:pt>
+                <c:pt idx="15">
+                  <c:v>57</c:v>
+                </c:pt>
+                <c:pt idx="16">
+                  <c:v>57</c:v>
+                </c:pt>
+                <c:pt idx="17">
+                  <c:v>57</c:v>
+                </c:pt>
+                <c:pt idx="18">
+                  <c:v>57</c:v>
+                </c:pt>
+                <c:pt idx="19">
+                  <c:v>57</c:v>
+                </c:pt>
+                <c:pt idx="20">
+                  <c:v>57</c:v>
+                </c:pt>
+                <c:pt idx="21">
+                  <c:v>57</c:v>
+                </c:pt>
+                <c:pt idx="22">
+                  <c:v>57</c:v>
+                </c:pt>
+                <c:pt idx="23">
+                  <c:v>57</c:v>
+                </c:pt>
+                <c:pt idx="24">
+                  <c:v>57</c:v>
+                </c:pt>
+                <c:pt idx="25">
+                  <c:v>57</c:v>
+                </c:pt>
+                <c:pt idx="26">
+                  <c:v>57</c:v>
+                </c:pt>
+                <c:pt idx="27">
+                  <c:v>57</c:v>
+                </c:pt>
+                <c:pt idx="28">
+                  <c:v>57</c:v>
+                </c:pt>
+                <c:pt idx="29">
+                  <c:v>57</c:v>
+                </c:pt>
+              </c:numCache>
+            </c:numRef>
+          </c:val>
+        </c:ser>
+        <c:ser>
+          <c:idx val="2"/>
+          <c:order val="2"/>
+          <c:tx>
+            <c:strRef>
+              <c:f>Sheet1!$A$11</c:f>
+              <c:strCache>
+                <c:ptCount val="1"/>
+                <c:pt idx="0">
+                  <c:v>DISK</c:v>
+                </c:pt>
+              </c:strCache>
+            </c:strRef>
+          </c:tx>
+          <c:spPr>
+            <a:solidFill>
+              <a:schemeClr val="accent3"/>
+            </a:solidFill>
+            <a:ln>
+              <a:noFill/>
+            </a:ln>
+            <a:effectLst/>
+          </c:spPr>
+          <c:invertIfNegative val="0"/>
+          <c:cat>
+            <c:numRef>
+              <c:f>Sheet1!$B$8:$AE$8</c:f>
+              <c:numCache>
+                <c:formatCode>General</c:formatCode>
+                <c:ptCount val="30"/>
+                <c:pt idx="0">
+                  <c:v>1</c:v>
+                </c:pt>
+                <c:pt idx="1">
+                  <c:v>2</c:v>
+                </c:pt>
+                <c:pt idx="2">
+                  <c:v>3</c:v>
+                </c:pt>
+                <c:pt idx="3">
+                  <c:v>4</c:v>
+                </c:pt>
+                <c:pt idx="4">
+                  <c:v>5</c:v>
+                </c:pt>
+                <c:pt idx="5">
+                  <c:v>6</c:v>
+                </c:pt>
+                <c:pt idx="6">
+                  <c:v>7</c:v>
+                </c:pt>
+                <c:pt idx="7">
+                  <c:v>8</c:v>
+                </c:pt>
+                <c:pt idx="8">
+                  <c:v>9</c:v>
+                </c:pt>
+                <c:pt idx="9">
+                  <c:v>10</c:v>
+                </c:pt>
+                <c:pt idx="10">
+                  <c:v>11</c:v>
+                </c:pt>
+                <c:pt idx="11">
+                  <c:v>12</c:v>
+                </c:pt>
+                <c:pt idx="12">
+                  <c:v>13</c:v>
+                </c:pt>
+                <c:pt idx="13">
+                  <c:v>14</c:v>
+                </c:pt>
+                <c:pt idx="14">
+                  <c:v>15</c:v>
+                </c:pt>
+                <c:pt idx="15">
+                  <c:v>16</c:v>
+                </c:pt>
+                <c:pt idx="16">
+                  <c:v>17</c:v>
+                </c:pt>
+                <c:pt idx="17">
+                  <c:v>18</c:v>
+                </c:pt>
+                <c:pt idx="18">
+                  <c:v>19</c:v>
+                </c:pt>
+                <c:pt idx="19">
+                  <c:v>20</c:v>
+                </c:pt>
+                <c:pt idx="20">
+                  <c:v>21</c:v>
+                </c:pt>
+                <c:pt idx="21">
+                  <c:v>22</c:v>
+                </c:pt>
+                <c:pt idx="22">
+                  <c:v>23</c:v>
+                </c:pt>
+                <c:pt idx="23">
+                  <c:v>24</c:v>
+                </c:pt>
+                <c:pt idx="24">
+                  <c:v>25</c:v>
+                </c:pt>
+                <c:pt idx="25">
+                  <c:v>26</c:v>
+                </c:pt>
+                <c:pt idx="26">
+                  <c:v>27</c:v>
+                </c:pt>
+                <c:pt idx="27">
+                  <c:v>28</c:v>
+                </c:pt>
+                <c:pt idx="28">
+                  <c:v>29</c:v>
+                </c:pt>
+                <c:pt idx="29">
+                  <c:v>30</c:v>
+                </c:pt>
+              </c:numCache>
+            </c:numRef>
+          </c:cat>
+          <c:val>
+            <c:numRef>
+              <c:f>Sheet1!$B$11:$AE$11</c:f>
+              <c:numCache>
+                <c:formatCode>General</c:formatCode>
+                <c:ptCount val="30"/>
+                <c:pt idx="0">
+                  <c:v>30</c:v>
+                </c:pt>
+                <c:pt idx="1">
+                  <c:v>30</c:v>
+                </c:pt>
+                <c:pt idx="2">
+                  <c:v>30</c:v>
+                </c:pt>
+                <c:pt idx="3">
+                  <c:v>30</c:v>
+                </c:pt>
+                <c:pt idx="4">
+                  <c:v>30</c:v>
+                </c:pt>
+                <c:pt idx="5">
+                  <c:v>30</c:v>
+                </c:pt>
+                <c:pt idx="6">
+                  <c:v>30</c:v>
+                </c:pt>
+                <c:pt idx="7">
+                  <c:v>30</c:v>
+                </c:pt>
+                <c:pt idx="8">
+                  <c:v>30</c:v>
+                </c:pt>
+                <c:pt idx="9">
+                  <c:v>30</c:v>
+                </c:pt>
+                <c:pt idx="10">
+                  <c:v>30</c:v>
+                </c:pt>
+                <c:pt idx="11">
+                  <c:v>30</c:v>
+                </c:pt>
+                <c:pt idx="12">
+                  <c:v>30</c:v>
+                </c:pt>
+                <c:pt idx="13">
+                  <c:v>30</c:v>
+                </c:pt>
+                <c:pt idx="14">
+                  <c:v>30</c:v>
+                </c:pt>
+                <c:pt idx="15">
+                  <c:v>30</c:v>
+                </c:pt>
+                <c:pt idx="16">
+                  <c:v>30</c:v>
+                </c:pt>
+                <c:pt idx="17">
+                  <c:v>30</c:v>
+                </c:pt>
+                <c:pt idx="18">
+                  <c:v>30</c:v>
+                </c:pt>
+                <c:pt idx="19">
+                  <c:v>30</c:v>
+                </c:pt>
+                <c:pt idx="20">
+                  <c:v>30</c:v>
+                </c:pt>
+                <c:pt idx="21">
+                  <c:v>30</c:v>
+                </c:pt>
+                <c:pt idx="22">
+                  <c:v>30</c:v>
+                </c:pt>
+                <c:pt idx="23">
+                  <c:v>30</c:v>
+                </c:pt>
+                <c:pt idx="24">
+                  <c:v>30</c:v>
+                </c:pt>
+                <c:pt idx="25">
+                  <c:v>30</c:v>
+                </c:pt>
+                <c:pt idx="26">
+                  <c:v>30</c:v>
+                </c:pt>
+                <c:pt idx="27">
+                  <c:v>30</c:v>
+                </c:pt>
+                <c:pt idx="28">
+                  <c:v>30</c:v>
+                </c:pt>
+                <c:pt idx="29">
+                  <c:v>30</c:v>
+                </c:pt>
+              </c:numCache>
+            </c:numRef>
+          </c:val>
+        </c:ser>
+        <c:dLbls>
+          <c:showLegendKey val="0"/>
+          <c:showVal val="0"/>
+          <c:showCatName val="0"/>
+          <c:showSerName val="0"/>
+          <c:showPercent val="0"/>
+          <c:showBubbleSize val="0"/>
+        </c:dLbls>
+        <c:gapWidth val="219"/>
+        <c:overlap val="-27"/>
+        <c:axId val="576246016"/>
+        <c:axId val="576242880"/>
+      </c:barChart>
+      <c:catAx>
+        <c:axId val="576246016"/>
+        <c:scaling>
+          <c:orientation val="minMax"/>
+        </c:scaling>
+        <c:delete val="0"/>
+        <c:axPos val="b"/>
+        <c:numFmt formatCode="General" sourceLinked="1"/>
+        <c:majorTickMark val="none"/>
+        <c:minorTickMark val="none"/>
+        <c:tickLblPos val="nextTo"/>
+        <c:spPr>
+          <a:noFill/>
+          <a:ln w="9525" cap="flat" cmpd="sng" algn="ctr">
+            <a:solidFill>
+              <a:schemeClr val="tx1">
+                <a:lumMod val="15000"/>
+                <a:lumOff val="85000"/>
+              </a:schemeClr>
+            </a:solidFill>
+            <a:round/>
+          </a:ln>
+          <a:effectLst/>
+        </c:spPr>
+        <c:txPr>
+          <a:bodyPr rot="-60000000" spcFirstLastPara="1" vertOverflow="ellipsis" vert="horz" wrap="square" anchor="ctr" anchorCtr="1"/>
+          <a:lstStyle/>
+          <a:p>
+            <a:pPr>
+              <a:defRPr sz="900" b="0" i="0" u="none" strike="noStrike" kern="1200" baseline="0">
+                <a:solidFill>
+                  <a:schemeClr val="tx1">
+                    <a:lumMod val="65000"/>
+                    <a:lumOff val="35000"/>
+                  </a:schemeClr>
+                </a:solidFill>
+                <a:latin typeface="+mn-lt"/>
+                <a:ea typeface="+mn-ea"/>
+                <a:cs typeface="+mn-cs"/>
+              </a:defRPr>
+            </a:pPr>
+            <a:endParaRPr lang="ko-KR"/>
+          </a:p>
+        </c:txPr>
+        <c:crossAx val="576242880"/>
+        <c:crosses val="autoZero"/>
+        <c:auto val="1"/>
+        <c:lblAlgn val="ctr"/>
+        <c:lblOffset val="100"/>
+        <c:noMultiLvlLbl val="0"/>
+      </c:catAx>
+      <c:valAx>
+        <c:axId val="576242880"/>
+        <c:scaling>
+          <c:orientation val="minMax"/>
+        </c:scaling>
+        <c:delete val="0"/>
+        <c:axPos val="l"/>
+        <c:majorGridlines>
+          <c:spPr>
+            <a:ln w="9525" cap="flat" cmpd="sng" algn="ctr">
+              <a:solidFill>
+                <a:schemeClr val="tx1">
+                  <a:lumMod val="15000"/>
+                  <a:lumOff val="85000"/>
+                </a:schemeClr>
+              </a:solidFill>
+              <a:round/>
+            </a:ln>
+            <a:effectLst/>
+          </c:spPr>
+        </c:majorGridlines>
+        <c:numFmt formatCode="General" sourceLinked="1"/>
+        <c:majorTickMark val="none"/>
+        <c:minorTickMark val="none"/>
+        <c:tickLblPos val="nextTo"/>
+        <c:spPr>
+          <a:noFill/>
+          <a:ln>
+            <a:noFill/>
+          </a:ln>
+          <a:effectLst/>
+        </c:spPr>
+        <c:txPr>
+          <a:bodyPr rot="-60000000" spcFirstLastPara="1" vertOverflow="ellipsis" vert="horz" wrap="square" anchor="ctr" anchorCtr="1"/>
+          <a:lstStyle/>
+          <a:p>
+            <a:pPr>
+              <a:defRPr sz="900" b="0" i="0" u="none" strike="noStrike" kern="1200" baseline="0">
+                <a:solidFill>
+                  <a:schemeClr val="tx1">
+                    <a:lumMod val="65000"/>
+                    <a:lumOff val="35000"/>
+                  </a:schemeClr>
+                </a:solidFill>
+                <a:latin typeface="+mn-lt"/>
+                <a:ea typeface="+mn-ea"/>
+                <a:cs typeface="+mn-cs"/>
+              </a:defRPr>
+            </a:pPr>
+            <a:endParaRPr lang="ko-KR"/>
+          </a:p>
+        </c:txPr>
+        <c:crossAx val="576246016"/>
+        <c:crosses val="autoZero"/>
+        <c:crossBetween val="between"/>
+      </c:valAx>
+      <c:dTable>
+        <c:showHorzBorder val="1"/>
+        <c:showVertBorder val="1"/>
+        <c:showOutline val="1"/>
+        <c:showKeys val="0"/>
+        <c:spPr>
+          <a:noFill/>
+          <a:ln w="9525" cap="flat" cmpd="sng" algn="ctr">
+            <a:solidFill>
+              <a:schemeClr val="tx1">
+                <a:lumMod val="15000"/>
+                <a:lumOff val="85000"/>
+              </a:schemeClr>
+            </a:solidFill>
+            <a:round/>
+          </a:ln>
+          <a:effectLst/>
+        </c:spPr>
+        <c:txPr>
+          <a:bodyPr rot="0" spcFirstLastPara="1" vertOverflow="ellipsis" vert="horz" wrap="square" anchor="ctr" anchorCtr="1"/>
+          <a:lstStyle/>
+          <a:p>
+            <a:pPr rtl="0">
+              <a:defRPr sz="900" b="0" i="0" u="none" strike="noStrike" kern="1200" baseline="0">
+                <a:solidFill>
+                  <a:schemeClr val="tx1">
+                    <a:lumMod val="65000"/>
+                    <a:lumOff val="35000"/>
+                  </a:schemeClr>
+                </a:solidFill>
+                <a:latin typeface="+mn-lt"/>
+                <a:ea typeface="+mn-ea"/>
+                <a:cs typeface="+mn-cs"/>
+              </a:defRPr>
+            </a:pPr>
+            <a:endParaRPr lang="ko-KR"/>
+          </a:p>
+        </c:txPr>
+      </c:dTable>
+      <c:spPr>
+        <a:noFill/>
+        <a:ln>
+          <a:noFill/>
+        </a:ln>
+        <a:effectLst/>
+      </c:spPr>
+    </c:plotArea>
+    <c:legend>
+      <c:legendPos val="b"/>
+      <c:layout/>
+      <c:overlay val="0"/>
+      <c:spPr>
+        <a:noFill/>
+        <a:ln>
+          <a:noFill/>
+        </a:ln>
+        <a:effectLst/>
+      </c:spPr>
+      <c:txPr>
+        <a:bodyPr rot="0" spcFirstLastPara="1" vertOverflow="ellipsis" vert="horz" wrap="square" anchor="ctr" anchorCtr="1"/>
+        <a:lstStyle/>
+        <a:p>
+          <a:pPr>
+            <a:defRPr sz="900" b="0" i="0" u="none" strike="noStrike" kern="1200" baseline="0">
+              <a:solidFill>
+                <a:schemeClr val="tx1">
+                  <a:lumMod val="65000"/>
+                  <a:lumOff val="35000"/>
+                </a:schemeClr>
+              </a:solidFill>
+              <a:latin typeface="+mn-lt"/>
+              <a:ea typeface="+mn-ea"/>
+              <a:cs typeface="+mn-cs"/>
+            </a:defRPr>
+          </a:pPr>
+          <a:endParaRPr lang="ko-KR"/>
+        </a:p>
+      </c:txPr>
+    </c:legend>
+    <c:plotVisOnly val="1"/>
+    <c:dispBlanksAs val="gap"/>
+    <c:showDLblsOverMax val="0"/>
+  </c:chart>
+  <c:spPr>
+    <a:noFill/>
+    <a:ln>
+      <a:noFill/>
+    </a:ln>
+    <a:effectLst/>
+  </c:spPr>
+  <c:txPr>
+    <a:bodyPr/>
+    <a:lstStyle/>
+    <a:p>
+      <a:pPr>
+        <a:defRPr/>
+      </a:pPr>
+      <a:endParaRPr lang="ko-KR"/>
+    </a:p>
+  </c:txPr>
+  <c:externalData r:id="rId3">
+    <c:autoUpdate val="0"/>
+  </c:externalData>
+</c:chartSpace>
+</file>
+
+<file path=ppt/charts/chart3.xml><?xml version="1.0" encoding="utf-8"?>
+<c:chartSpace xmlns:c="http://schemas.openxmlformats.org/drawingml/2006/chart" xmlns:a="http://schemas.openxmlformats.org/drawingml/2006/main" xmlns:r="http://schemas.openxmlformats.org/officeDocument/2006/relationships">
+  <c:date1904 val="0"/>
+  <c:lang val="ko-KR"/>
+  <c:roundedCorners val="0"/>
+  <mc:AlternateContent xmlns:mc="http://schemas.openxmlformats.org/markup-compatibility/2006">
+    <mc:Choice xmlns:c14="http://schemas.microsoft.com/office/drawing/2007/8/2/chart" Requires="c14">
+      <c14:style val="102"/>
+    </mc:Choice>
+    <mc:Fallback>
+      <c:style val="2"/>
+    </mc:Fallback>
+  </mc:AlternateContent>
+  <c:chart>
+    <c:title>
+      <c:tx>
+        <c:rich>
+          <a:bodyPr rot="0" spcFirstLastPara="1" vertOverflow="ellipsis" vert="horz" wrap="square" anchor="ctr" anchorCtr="1"/>
+          <a:lstStyle/>
+          <a:p>
+            <a:pPr>
+              <a:defRPr sz="1400" b="0" i="0" u="none" strike="noStrike" kern="1200" spc="0" baseline="0">
+                <a:solidFill>
+                  <a:schemeClr val="tx1">
+                    <a:lumMod val="65000"/>
+                    <a:lumOff val="35000"/>
+                  </a:schemeClr>
+                </a:solidFill>
+                <a:latin typeface="+mn-lt"/>
+                <a:ea typeface="+mn-ea"/>
+                <a:cs typeface="+mn-cs"/>
+              </a:defRPr>
+            </a:pPr>
+            <a:r>
+              <a:rPr lang="ko-KR" altLang="en-US"/>
+              <a:t>서버 가용률</a:t>
+            </a:r>
+          </a:p>
+        </c:rich>
+      </c:tx>
+      <c:layout/>
+      <c:overlay val="0"/>
+      <c:spPr>
+        <a:noFill/>
+        <a:ln>
+          <a:noFill/>
+        </a:ln>
+        <a:effectLst/>
+      </c:spPr>
+      <c:txPr>
+        <a:bodyPr rot="0" spcFirstLastPara="1" vertOverflow="ellipsis" vert="horz" wrap="square" anchor="ctr" anchorCtr="1"/>
+        <a:lstStyle/>
+        <a:p>
+          <a:pPr>
+            <a:defRPr sz="1400" b="0" i="0" u="none" strike="noStrike" kern="1200" spc="0" baseline="0">
+              <a:solidFill>
+                <a:schemeClr val="tx1">
+                  <a:lumMod val="65000"/>
+                  <a:lumOff val="35000"/>
+                </a:schemeClr>
+              </a:solidFill>
+              <a:latin typeface="+mn-lt"/>
+              <a:ea typeface="+mn-ea"/>
+              <a:cs typeface="+mn-cs"/>
+            </a:defRPr>
+          </a:pPr>
+          <a:endParaRPr lang="ko-KR"/>
+        </a:p>
+      </c:txPr>
+    </c:title>
+    <c:autoTitleDeleted val="0"/>
+    <c:plotArea>
+      <c:layout>
+        <c:manualLayout>
+          <c:layoutTarget val="inner"/>
+          <c:xMode val="edge"/>
+          <c:yMode val="edge"/>
+          <c:x val="7.1153105861767277E-2"/>
+          <c:y val="0.22782407407407407"/>
+          <c:w val="0.88440244969378823"/>
+          <c:h val="0.67958333333333332"/>
+        </c:manualLayout>
+      </c:layout>
+      <c:barChart>
+        <c:barDir val="col"/>
+        <c:grouping val="clustered"/>
+        <c:varyColors val="0"/>
+        <c:ser>
+          <c:idx val="0"/>
+          <c:order val="0"/>
+          <c:spPr>
+            <a:solidFill>
+              <a:schemeClr val="accent1"/>
+            </a:solidFill>
+            <a:ln>
+              <a:noFill/>
+            </a:ln>
+            <a:effectLst/>
+          </c:spPr>
+          <c:invertIfNegative val="0"/>
+          <c:dLbls>
+            <c:spPr>
+              <a:noFill/>
+              <a:ln>
+                <a:noFill/>
+              </a:ln>
+              <a:effectLst/>
+            </c:spPr>
+            <c:txPr>
+              <a:bodyPr rot="0" spcFirstLastPara="1" vertOverflow="ellipsis" vert="horz" wrap="square" lIns="38100" tIns="19050" rIns="38100" bIns="19050" anchor="ctr" anchorCtr="1">
+                <a:spAutoFit/>
+              </a:bodyPr>
+              <a:lstStyle/>
+              <a:p>
+                <a:pPr>
+                  <a:defRPr sz="900" b="0" i="0" u="none" strike="noStrike" kern="1200" baseline="0">
+                    <a:solidFill>
+                      <a:schemeClr val="tx1">
+                        <a:lumMod val="75000"/>
+                        <a:lumOff val="25000"/>
+                      </a:schemeClr>
+                    </a:solidFill>
+                    <a:latin typeface="+mn-lt"/>
+                    <a:ea typeface="+mn-ea"/>
+                    <a:cs typeface="+mn-cs"/>
+                  </a:defRPr>
+                </a:pPr>
+                <a:endParaRPr lang="ko-KR"/>
+              </a:p>
+            </c:txPr>
+            <c:dLblPos val="ctr"/>
+            <c:showLegendKey val="0"/>
+            <c:showVal val="1"/>
+            <c:showCatName val="0"/>
+            <c:showSerName val="0"/>
+            <c:showPercent val="0"/>
+            <c:showBubbleSize val="0"/>
+            <c:showLeaderLines val="0"/>
+            <c:extLst>
+              <c:ext xmlns:c15="http://schemas.microsoft.com/office/drawing/2012/chart" uri="{CE6537A1-D6FC-4f65-9D91-7224C49458BB}">
+                <c15:layout/>
+                <c15:showLeaderLines val="1"/>
+                <c15:leaderLines>
+                  <c:spPr>
+                    <a:ln w="9525" cap="flat" cmpd="sng" algn="ctr">
+                      <a:solidFill>
+                        <a:schemeClr val="tx1">
+                          <a:lumMod val="35000"/>
+                          <a:lumOff val="65000"/>
+                        </a:schemeClr>
+                      </a:solidFill>
+                      <a:round/>
+                    </a:ln>
+                    <a:effectLst/>
+                  </c:spPr>
+                </c15:leaderLines>
+              </c:ext>
+            </c:extLst>
+          </c:dLbls>
+          <c:cat>
+            <c:strRef>
+              <c:f>Sheet5!$D$5:$D$8</c:f>
+              <c:strCache>
+                <c:ptCount val="4"/>
+                <c:pt idx="0">
+                  <c:v>test-svr01</c:v>
+                </c:pt>
+                <c:pt idx="1">
+                  <c:v>test-svr02</c:v>
+                </c:pt>
+                <c:pt idx="2">
+                  <c:v>test-svr03</c:v>
+                </c:pt>
+                <c:pt idx="3">
+                  <c:v>test-svr04</c:v>
+                </c:pt>
+              </c:strCache>
+            </c:strRef>
+          </c:cat>
+          <c:val>
+            <c:numRef>
+              <c:f>Sheet5!$E$5:$E$8</c:f>
+              <c:numCache>
+                <c:formatCode>General</c:formatCode>
+                <c:ptCount val="4"/>
+                <c:pt idx="0">
+                  <c:v>100</c:v>
+                </c:pt>
+                <c:pt idx="1">
+                  <c:v>99.3</c:v>
+                </c:pt>
+                <c:pt idx="2">
+                  <c:v>99.5</c:v>
+                </c:pt>
+                <c:pt idx="3">
+                  <c:v>98.3</c:v>
+                </c:pt>
+              </c:numCache>
+            </c:numRef>
+          </c:val>
+        </c:ser>
+        <c:dLbls>
+          <c:dLblPos val="ctr"/>
+          <c:showLegendKey val="0"/>
+          <c:showVal val="1"/>
+          <c:showCatName val="0"/>
+          <c:showSerName val="0"/>
+          <c:showPercent val="0"/>
+          <c:showBubbleSize val="0"/>
+        </c:dLbls>
+        <c:gapWidth val="219"/>
+        <c:overlap val="-27"/>
+        <c:axId val="533910080"/>
+        <c:axId val="533912824"/>
+      </c:barChart>
+      <c:catAx>
+        <c:axId val="533910080"/>
+        <c:scaling>
+          <c:orientation val="minMax"/>
+        </c:scaling>
+        <c:delete val="0"/>
+        <c:axPos val="b"/>
+        <c:numFmt formatCode="General" sourceLinked="1"/>
+        <c:majorTickMark val="none"/>
+        <c:minorTickMark val="none"/>
+        <c:tickLblPos val="nextTo"/>
+        <c:spPr>
+          <a:noFill/>
+          <a:ln w="9525" cap="flat" cmpd="sng" algn="ctr">
+            <a:solidFill>
+              <a:schemeClr val="tx1">
+                <a:lumMod val="15000"/>
+                <a:lumOff val="85000"/>
+              </a:schemeClr>
+            </a:solidFill>
+            <a:round/>
+          </a:ln>
+          <a:effectLst/>
+        </c:spPr>
+        <c:txPr>
+          <a:bodyPr rot="-60000000" spcFirstLastPara="1" vertOverflow="ellipsis" vert="horz" wrap="square" anchor="ctr" anchorCtr="1"/>
+          <a:lstStyle/>
+          <a:p>
+            <a:pPr>
+              <a:defRPr sz="900" b="0" i="0" u="none" strike="noStrike" kern="1200" baseline="0">
+                <a:solidFill>
+                  <a:schemeClr val="tx1">
+                    <a:lumMod val="65000"/>
+                    <a:lumOff val="35000"/>
+                  </a:schemeClr>
+                </a:solidFill>
+                <a:latin typeface="+mn-lt"/>
+                <a:ea typeface="+mn-ea"/>
+                <a:cs typeface="+mn-cs"/>
+              </a:defRPr>
+            </a:pPr>
+            <a:endParaRPr lang="ko-KR"/>
+          </a:p>
+        </c:txPr>
+        <c:crossAx val="533912824"/>
+        <c:crosses val="autoZero"/>
+        <c:auto val="1"/>
+        <c:lblAlgn val="ctr"/>
+        <c:lblOffset val="100"/>
+        <c:noMultiLvlLbl val="0"/>
+      </c:catAx>
+      <c:valAx>
+        <c:axId val="533912824"/>
+        <c:scaling>
+          <c:orientation val="minMax"/>
+          <c:max val="100"/>
+          <c:min val="0"/>
+        </c:scaling>
+        <c:delete val="0"/>
+        <c:axPos val="l"/>
+        <c:majorGridlines>
+          <c:spPr>
+            <a:ln w="9525" cap="flat" cmpd="sng" algn="ctr">
+              <a:solidFill>
+                <a:schemeClr val="tx1">
+                  <a:lumMod val="15000"/>
+                  <a:lumOff val="85000"/>
+                </a:schemeClr>
+              </a:solidFill>
+              <a:round/>
+            </a:ln>
+            <a:effectLst/>
+          </c:spPr>
+        </c:majorGridlines>
+        <c:numFmt formatCode="General" sourceLinked="1"/>
+        <c:majorTickMark val="none"/>
+        <c:minorTickMark val="none"/>
+        <c:tickLblPos val="nextTo"/>
+        <c:spPr>
+          <a:noFill/>
+          <a:ln>
+            <a:noFill/>
+          </a:ln>
+          <a:effectLst/>
+        </c:spPr>
+        <c:txPr>
+          <a:bodyPr rot="-60000000" spcFirstLastPara="1" vertOverflow="ellipsis" vert="horz" wrap="square" anchor="ctr" anchorCtr="1"/>
+          <a:lstStyle/>
+          <a:p>
+            <a:pPr>
+              <a:defRPr sz="900" b="0" i="0" u="none" strike="noStrike" kern="1200" baseline="0">
+                <a:solidFill>
+                  <a:schemeClr val="tx1">
+                    <a:lumMod val="65000"/>
+                    <a:lumOff val="35000"/>
+                  </a:schemeClr>
+                </a:solidFill>
+                <a:latin typeface="+mn-lt"/>
+                <a:ea typeface="+mn-ea"/>
+                <a:cs typeface="+mn-cs"/>
+              </a:defRPr>
+            </a:pPr>
+            <a:endParaRPr lang="ko-KR"/>
+          </a:p>
+        </c:txPr>
+        <c:crossAx val="533910080"/>
+        <c:crosses val="autoZero"/>
+        <c:crossBetween val="between"/>
+        <c:majorUnit val="20"/>
+      </c:valAx>
+      <c:spPr>
+        <a:noFill/>
+        <a:ln>
+          <a:noFill/>
+        </a:ln>
+        <a:effectLst/>
+      </c:spPr>
+    </c:plotArea>
+    <c:plotVisOnly val="1"/>
+    <c:dispBlanksAs val="gap"/>
+    <c:showDLblsOverMax val="0"/>
+  </c:chart>
+  <c:spPr>
+    <a:noFill/>
+    <a:ln>
+      <a:noFill/>
+    </a:ln>
+    <a:effectLst/>
+  </c:spPr>
+  <c:txPr>
+    <a:bodyPr/>
+    <a:lstStyle/>
+    <a:p>
+      <a:pPr>
+        <a:defRPr/>
+      </a:pPr>
+      <a:endParaRPr lang="ko-KR"/>
+    </a:p>
+  </c:txPr>
+  <c:externalData r:id="rId3">
+    <c:autoUpdate val="0"/>
+  </c:externalData>
+</c:chartSpace>
+</file>
+
+<file path=ppt/charts/chart4.xml><?xml version="1.0" encoding="utf-8"?>
+<c:chartSpace xmlns:c="http://schemas.openxmlformats.org/drawingml/2006/chart" xmlns:a="http://schemas.openxmlformats.org/drawingml/2006/main" xmlns:r="http://schemas.openxmlformats.org/officeDocument/2006/relationships">
+  <c:date1904 val="0"/>
+  <c:lang val="ko-KR"/>
+  <c:roundedCorners val="0"/>
+  <mc:AlternateContent xmlns:mc="http://schemas.openxmlformats.org/markup-compatibility/2006">
+    <mc:Choice xmlns:c14="http://schemas.microsoft.com/office/drawing/2007/8/2/chart" Requires="c14">
+      <c14:style val="102"/>
+    </mc:Choice>
+    <mc:Fallback>
+      <c:style val="2"/>
+    </mc:Fallback>
+  </mc:AlternateContent>
+  <c:chart>
+    <c:title>
+      <c:tx>
+        <c:rich>
+          <a:bodyPr rot="0" spcFirstLastPara="1" vertOverflow="ellipsis" vert="horz" wrap="square" anchor="ctr" anchorCtr="1"/>
+          <a:lstStyle/>
+          <a:p>
+            <a:pPr>
+              <a:defRPr sz="1400" b="0" i="0" u="none" strike="noStrike" kern="1200" spc="0" baseline="0">
+                <a:solidFill>
+                  <a:schemeClr val="tx1">
+                    <a:lumMod val="65000"/>
+                    <a:lumOff val="35000"/>
+                  </a:schemeClr>
+                </a:solidFill>
+                <a:latin typeface="+mn-lt"/>
+                <a:ea typeface="+mn-ea"/>
+                <a:cs typeface="+mn-cs"/>
+              </a:defRPr>
+            </a:pPr>
+            <a:r>
+              <a:rPr lang="en-US" altLang="ko-KR"/>
+              <a:t>test-sw01</a:t>
+            </a:r>
+            <a:r>
+              <a:rPr lang="en-US" altLang="ko-KR" baseline="0"/>
+              <a:t> </a:t>
+            </a:r>
+            <a:r>
+              <a:rPr lang="ko-KR" altLang="en-US" baseline="0"/>
+              <a:t>트래픽</a:t>
+            </a:r>
+            <a:endParaRPr lang="ko-KR" altLang="en-US"/>
+          </a:p>
+        </c:rich>
+      </c:tx>
+      <c:layout/>
+      <c:overlay val="0"/>
+      <c:spPr>
+        <a:noFill/>
+        <a:ln>
+          <a:noFill/>
+        </a:ln>
+        <a:effectLst/>
+      </c:spPr>
+      <c:txPr>
+        <a:bodyPr rot="0" spcFirstLastPara="1" vertOverflow="ellipsis" vert="horz" wrap="square" anchor="ctr" anchorCtr="1"/>
+        <a:lstStyle/>
+        <a:p>
+          <a:pPr>
+            <a:defRPr sz="1400" b="0" i="0" u="none" strike="noStrike" kern="1200" spc="0" baseline="0">
+              <a:solidFill>
+                <a:schemeClr val="tx1">
+                  <a:lumMod val="65000"/>
+                  <a:lumOff val="35000"/>
+                </a:schemeClr>
+              </a:solidFill>
+              <a:latin typeface="+mn-lt"/>
+              <a:ea typeface="+mn-ea"/>
+              <a:cs typeface="+mn-cs"/>
+            </a:defRPr>
+          </a:pPr>
+          <a:endParaRPr lang="ko-KR"/>
+        </a:p>
+      </c:txPr>
+    </c:title>
+    <c:autoTitleDeleted val="0"/>
+    <c:plotArea>
+      <c:layout/>
+      <c:lineChart>
+        <c:grouping val="standard"/>
+        <c:varyColors val="0"/>
+        <c:ser>
+          <c:idx val="0"/>
+          <c:order val="0"/>
+          <c:tx>
+            <c:strRef>
+              <c:f>Sheet1!$A$14</c:f>
+              <c:strCache>
+                <c:ptCount val="1"/>
+                <c:pt idx="0">
+                  <c:v>in</c:v>
+                </c:pt>
+              </c:strCache>
+            </c:strRef>
+          </c:tx>
+          <c:spPr>
+            <a:ln w="28575" cap="rnd">
+              <a:solidFill>
+                <a:schemeClr val="accent1"/>
+              </a:solidFill>
+              <a:round/>
+            </a:ln>
+            <a:effectLst/>
+          </c:spPr>
+          <c:marker>
+            <c:symbol val="none"/>
+          </c:marker>
+          <c:cat>
+            <c:numRef>
+              <c:f>Sheet1!$B$13:$AE$13</c:f>
+              <c:numCache>
+                <c:formatCode>General</c:formatCode>
+                <c:ptCount val="30"/>
+                <c:pt idx="0">
+                  <c:v>1</c:v>
+                </c:pt>
+                <c:pt idx="1">
+                  <c:v>2</c:v>
+                </c:pt>
+                <c:pt idx="2">
+                  <c:v>3</c:v>
+                </c:pt>
+                <c:pt idx="3">
+                  <c:v>4</c:v>
+                </c:pt>
+                <c:pt idx="4">
+                  <c:v>5</c:v>
+                </c:pt>
+                <c:pt idx="5">
+                  <c:v>6</c:v>
+                </c:pt>
+                <c:pt idx="6">
+                  <c:v>7</c:v>
+                </c:pt>
+                <c:pt idx="7">
+                  <c:v>8</c:v>
+                </c:pt>
+                <c:pt idx="8">
+                  <c:v>9</c:v>
+                </c:pt>
+                <c:pt idx="9">
+                  <c:v>10</c:v>
+                </c:pt>
+                <c:pt idx="10">
+                  <c:v>11</c:v>
+                </c:pt>
+                <c:pt idx="11">
+                  <c:v>12</c:v>
+                </c:pt>
+                <c:pt idx="12">
+                  <c:v>13</c:v>
+                </c:pt>
+                <c:pt idx="13">
+                  <c:v>14</c:v>
+                </c:pt>
+                <c:pt idx="14">
+                  <c:v>15</c:v>
+                </c:pt>
+                <c:pt idx="15">
+                  <c:v>16</c:v>
+                </c:pt>
+                <c:pt idx="16">
+                  <c:v>17</c:v>
+                </c:pt>
+                <c:pt idx="17">
+                  <c:v>18</c:v>
+                </c:pt>
+                <c:pt idx="18">
+                  <c:v>19</c:v>
+                </c:pt>
+                <c:pt idx="19">
+                  <c:v>20</c:v>
+                </c:pt>
+                <c:pt idx="20">
+                  <c:v>21</c:v>
+                </c:pt>
+                <c:pt idx="21">
+                  <c:v>22</c:v>
+                </c:pt>
+                <c:pt idx="22">
+                  <c:v>23</c:v>
+                </c:pt>
+                <c:pt idx="23">
+                  <c:v>24</c:v>
+                </c:pt>
+                <c:pt idx="24">
+                  <c:v>25</c:v>
+                </c:pt>
+                <c:pt idx="25">
+                  <c:v>26</c:v>
+                </c:pt>
+                <c:pt idx="26">
+                  <c:v>27</c:v>
+                </c:pt>
+                <c:pt idx="27">
+                  <c:v>28</c:v>
+                </c:pt>
+                <c:pt idx="28">
+                  <c:v>29</c:v>
+                </c:pt>
+                <c:pt idx="29">
+                  <c:v>30</c:v>
+                </c:pt>
+              </c:numCache>
+            </c:numRef>
+          </c:cat>
+          <c:val>
+            <c:numRef>
+              <c:f>Sheet1!$B$14:$AE$14</c:f>
+              <c:numCache>
+                <c:formatCode>General</c:formatCode>
+                <c:ptCount val="30"/>
+                <c:pt idx="0">
+                  <c:v>12</c:v>
+                </c:pt>
+                <c:pt idx="1">
+                  <c:v>14</c:v>
+                </c:pt>
+                <c:pt idx="2">
+                  <c:v>15</c:v>
+                </c:pt>
+                <c:pt idx="3">
+                  <c:v>17</c:v>
+                </c:pt>
+                <c:pt idx="4">
+                  <c:v>18</c:v>
+                </c:pt>
+                <c:pt idx="5">
+                  <c:v>20</c:v>
+                </c:pt>
+                <c:pt idx="6">
+                  <c:v>23</c:v>
+                </c:pt>
+                <c:pt idx="7">
+                  <c:v>12</c:v>
+                </c:pt>
+                <c:pt idx="8">
+                  <c:v>12</c:v>
+                </c:pt>
+                <c:pt idx="9">
+                  <c:v>20</c:v>
+                </c:pt>
+                <c:pt idx="10">
+                  <c:v>12</c:v>
+                </c:pt>
+                <c:pt idx="11">
+                  <c:v>30</c:v>
+                </c:pt>
+                <c:pt idx="12">
+                  <c:v>12</c:v>
+                </c:pt>
+                <c:pt idx="13">
+                  <c:v>20</c:v>
+                </c:pt>
+                <c:pt idx="14">
+                  <c:v>12</c:v>
+                </c:pt>
+                <c:pt idx="15">
+                  <c:v>12</c:v>
+                </c:pt>
+                <c:pt idx="16">
+                  <c:v>20</c:v>
+                </c:pt>
+                <c:pt idx="17">
+                  <c:v>12</c:v>
+                </c:pt>
+                <c:pt idx="18">
+                  <c:v>20</c:v>
+                </c:pt>
+                <c:pt idx="19">
+                  <c:v>12</c:v>
+                </c:pt>
+                <c:pt idx="20">
+                  <c:v>10</c:v>
+                </c:pt>
+                <c:pt idx="21">
+                  <c:v>12</c:v>
+                </c:pt>
+                <c:pt idx="22">
+                  <c:v>23</c:v>
+                </c:pt>
+                <c:pt idx="23">
+                  <c:v>12</c:v>
+                </c:pt>
+                <c:pt idx="24">
+                  <c:v>50</c:v>
+                </c:pt>
+                <c:pt idx="25">
+                  <c:v>12</c:v>
+                </c:pt>
+                <c:pt idx="26">
+                  <c:v>12</c:v>
+                </c:pt>
+                <c:pt idx="27">
+                  <c:v>12</c:v>
+                </c:pt>
+                <c:pt idx="28">
+                  <c:v>12</c:v>
+                </c:pt>
+                <c:pt idx="29">
+                  <c:v>12</c:v>
+                </c:pt>
+              </c:numCache>
+            </c:numRef>
+          </c:val>
+          <c:smooth val="0"/>
+        </c:ser>
+        <c:ser>
+          <c:idx val="1"/>
+          <c:order val="1"/>
+          <c:tx>
+            <c:strRef>
+              <c:f>Sheet1!$A$15</c:f>
+              <c:strCache>
+                <c:ptCount val="1"/>
+                <c:pt idx="0">
+                  <c:v>out</c:v>
+                </c:pt>
+              </c:strCache>
+            </c:strRef>
+          </c:tx>
+          <c:spPr>
+            <a:ln w="28575" cap="rnd">
+              <a:solidFill>
+                <a:schemeClr val="accent2"/>
+              </a:solidFill>
+              <a:round/>
+            </a:ln>
+            <a:effectLst/>
+          </c:spPr>
+          <c:marker>
+            <c:symbol val="none"/>
+          </c:marker>
+          <c:cat>
+            <c:numRef>
+              <c:f>Sheet1!$B$13:$AE$13</c:f>
+              <c:numCache>
+                <c:formatCode>General</c:formatCode>
+                <c:ptCount val="30"/>
+                <c:pt idx="0">
+                  <c:v>1</c:v>
+                </c:pt>
+                <c:pt idx="1">
+                  <c:v>2</c:v>
+                </c:pt>
+                <c:pt idx="2">
+                  <c:v>3</c:v>
+                </c:pt>
+                <c:pt idx="3">
+                  <c:v>4</c:v>
+                </c:pt>
+                <c:pt idx="4">
+                  <c:v>5</c:v>
+                </c:pt>
+                <c:pt idx="5">
+                  <c:v>6</c:v>
+                </c:pt>
+                <c:pt idx="6">
+                  <c:v>7</c:v>
+                </c:pt>
+                <c:pt idx="7">
+                  <c:v>8</c:v>
+                </c:pt>
+                <c:pt idx="8">
+                  <c:v>9</c:v>
+                </c:pt>
+                <c:pt idx="9">
+                  <c:v>10</c:v>
+                </c:pt>
+                <c:pt idx="10">
+                  <c:v>11</c:v>
+                </c:pt>
+                <c:pt idx="11">
+                  <c:v>12</c:v>
+                </c:pt>
+                <c:pt idx="12">
+                  <c:v>13</c:v>
+                </c:pt>
+                <c:pt idx="13">
+                  <c:v>14</c:v>
+                </c:pt>
+                <c:pt idx="14">
+                  <c:v>15</c:v>
+                </c:pt>
+                <c:pt idx="15">
+                  <c:v>16</c:v>
+                </c:pt>
+                <c:pt idx="16">
+                  <c:v>17</c:v>
+                </c:pt>
+                <c:pt idx="17">
+                  <c:v>18</c:v>
+                </c:pt>
+                <c:pt idx="18">
+                  <c:v>19</c:v>
+                </c:pt>
+                <c:pt idx="19">
+                  <c:v>20</c:v>
+                </c:pt>
+                <c:pt idx="20">
+                  <c:v>21</c:v>
+                </c:pt>
+                <c:pt idx="21">
+                  <c:v>22</c:v>
+                </c:pt>
+                <c:pt idx="22">
+                  <c:v>23</c:v>
+                </c:pt>
+                <c:pt idx="23">
+                  <c:v>24</c:v>
+                </c:pt>
+                <c:pt idx="24">
+                  <c:v>25</c:v>
+                </c:pt>
+                <c:pt idx="25">
+                  <c:v>26</c:v>
+                </c:pt>
+                <c:pt idx="26">
+                  <c:v>27</c:v>
+                </c:pt>
+                <c:pt idx="27">
+                  <c:v>28</c:v>
+                </c:pt>
+                <c:pt idx="28">
+                  <c:v>29</c:v>
+                </c:pt>
+                <c:pt idx="29">
+                  <c:v>30</c:v>
+                </c:pt>
+              </c:numCache>
+            </c:numRef>
+          </c:cat>
+          <c:val>
+            <c:numRef>
+              <c:f>Sheet1!$B$15:$AE$15</c:f>
+              <c:numCache>
+                <c:formatCode>General</c:formatCode>
+                <c:ptCount val="30"/>
+                <c:pt idx="0">
+                  <c:v>30</c:v>
+                </c:pt>
+                <c:pt idx="1">
+                  <c:v>30</c:v>
+                </c:pt>
+                <c:pt idx="2">
+                  <c:v>30</c:v>
+                </c:pt>
+                <c:pt idx="3">
+                  <c:v>30</c:v>
+                </c:pt>
+                <c:pt idx="4">
+                  <c:v>30</c:v>
+                </c:pt>
+                <c:pt idx="5">
+                  <c:v>30</c:v>
+                </c:pt>
+                <c:pt idx="6">
+                  <c:v>30</c:v>
+                </c:pt>
+                <c:pt idx="7">
+                  <c:v>30</c:v>
+                </c:pt>
+                <c:pt idx="8">
+                  <c:v>30</c:v>
+                </c:pt>
+                <c:pt idx="9">
+                  <c:v>23</c:v>
+                </c:pt>
+                <c:pt idx="10">
+                  <c:v>30</c:v>
+                </c:pt>
+                <c:pt idx="11">
+                  <c:v>30</c:v>
+                </c:pt>
+                <c:pt idx="12">
+                  <c:v>45</c:v>
+                </c:pt>
+                <c:pt idx="13">
+                  <c:v>30</c:v>
+                </c:pt>
+                <c:pt idx="14">
+                  <c:v>30</c:v>
+                </c:pt>
+                <c:pt idx="15">
+                  <c:v>30</c:v>
+                </c:pt>
+                <c:pt idx="16">
+                  <c:v>30</c:v>
+                </c:pt>
+                <c:pt idx="17">
+                  <c:v>30</c:v>
+                </c:pt>
+                <c:pt idx="18">
+                  <c:v>78</c:v>
+                </c:pt>
+                <c:pt idx="19">
+                  <c:v>30</c:v>
+                </c:pt>
+                <c:pt idx="20">
+                  <c:v>30</c:v>
+                </c:pt>
+                <c:pt idx="21">
+                  <c:v>30</c:v>
+                </c:pt>
+                <c:pt idx="22">
+                  <c:v>30</c:v>
+                </c:pt>
+                <c:pt idx="23">
+                  <c:v>30</c:v>
+                </c:pt>
+                <c:pt idx="24">
+                  <c:v>90</c:v>
+                </c:pt>
+                <c:pt idx="25">
+                  <c:v>30</c:v>
+                </c:pt>
+                <c:pt idx="26">
+                  <c:v>30</c:v>
+                </c:pt>
+                <c:pt idx="27">
+                  <c:v>30</c:v>
+                </c:pt>
+                <c:pt idx="28">
+                  <c:v>30</c:v>
+                </c:pt>
+                <c:pt idx="29">
+                  <c:v>30</c:v>
+                </c:pt>
+              </c:numCache>
+            </c:numRef>
+          </c:val>
+          <c:smooth val="0"/>
+        </c:ser>
+        <c:dLbls>
+          <c:showLegendKey val="0"/>
+          <c:showVal val="0"/>
+          <c:showCatName val="0"/>
+          <c:showSerName val="0"/>
+          <c:showPercent val="0"/>
+          <c:showBubbleSize val="0"/>
+        </c:dLbls>
+        <c:smooth val="0"/>
+        <c:axId val="529225024"/>
+        <c:axId val="529223064"/>
+      </c:lineChart>
+      <c:catAx>
+        <c:axId val="529225024"/>
+        <c:scaling>
+          <c:orientation val="minMax"/>
+        </c:scaling>
+        <c:delete val="0"/>
+        <c:axPos val="b"/>
+        <c:numFmt formatCode="General" sourceLinked="1"/>
+        <c:majorTickMark val="none"/>
+        <c:minorTickMark val="none"/>
+        <c:tickLblPos val="nextTo"/>
+        <c:spPr>
+          <a:noFill/>
+          <a:ln w="9525" cap="flat" cmpd="sng" algn="ctr">
+            <a:solidFill>
+              <a:schemeClr val="tx1">
+                <a:lumMod val="15000"/>
+                <a:lumOff val="85000"/>
+              </a:schemeClr>
+            </a:solidFill>
+            <a:round/>
+          </a:ln>
+          <a:effectLst/>
+        </c:spPr>
+        <c:txPr>
+          <a:bodyPr rot="-60000000" spcFirstLastPara="1" vertOverflow="ellipsis" vert="horz" wrap="square" anchor="ctr" anchorCtr="1"/>
+          <a:lstStyle/>
+          <a:p>
+            <a:pPr>
+              <a:defRPr sz="900" b="0" i="0" u="none" strike="noStrike" kern="1200" baseline="0">
+                <a:solidFill>
+                  <a:schemeClr val="tx1">
+                    <a:lumMod val="65000"/>
+                    <a:lumOff val="35000"/>
+                  </a:schemeClr>
+                </a:solidFill>
+                <a:latin typeface="+mn-lt"/>
+                <a:ea typeface="+mn-ea"/>
+                <a:cs typeface="+mn-cs"/>
+              </a:defRPr>
+            </a:pPr>
+            <a:endParaRPr lang="ko-KR"/>
+          </a:p>
+        </c:txPr>
+        <c:crossAx val="529223064"/>
+        <c:crosses val="autoZero"/>
+        <c:auto val="1"/>
+        <c:lblAlgn val="ctr"/>
+        <c:lblOffset val="100"/>
+        <c:noMultiLvlLbl val="0"/>
+      </c:catAx>
+      <c:valAx>
+        <c:axId val="529223064"/>
+        <c:scaling>
+          <c:orientation val="minMax"/>
+        </c:scaling>
+        <c:delete val="0"/>
+        <c:axPos val="l"/>
+        <c:majorGridlines>
+          <c:spPr>
+            <a:ln w="9525" cap="flat" cmpd="sng" algn="ctr">
+              <a:solidFill>
+                <a:schemeClr val="tx1">
+                  <a:lumMod val="15000"/>
+                  <a:lumOff val="85000"/>
+                </a:schemeClr>
+              </a:solidFill>
+              <a:round/>
+            </a:ln>
+            <a:effectLst/>
+          </c:spPr>
+        </c:majorGridlines>
+        <c:numFmt formatCode="General" sourceLinked="1"/>
+        <c:majorTickMark val="none"/>
+        <c:minorTickMark val="none"/>
+        <c:tickLblPos val="nextTo"/>
+        <c:spPr>
+          <a:noFill/>
+          <a:ln>
+            <a:noFill/>
+          </a:ln>
+          <a:effectLst/>
+        </c:spPr>
+        <c:txPr>
+          <a:bodyPr rot="-60000000" spcFirstLastPara="1" vertOverflow="ellipsis" vert="horz" wrap="square" anchor="ctr" anchorCtr="1"/>
+          <a:lstStyle/>
+          <a:p>
+            <a:pPr>
+              <a:defRPr sz="900" b="0" i="0" u="none" strike="noStrike" kern="1200" baseline="0">
+                <a:solidFill>
+                  <a:schemeClr val="tx1">
+                    <a:lumMod val="65000"/>
+                    <a:lumOff val="35000"/>
+                  </a:schemeClr>
+                </a:solidFill>
+                <a:latin typeface="+mn-lt"/>
+                <a:ea typeface="+mn-ea"/>
+                <a:cs typeface="+mn-cs"/>
+              </a:defRPr>
+            </a:pPr>
+            <a:endParaRPr lang="ko-KR"/>
+          </a:p>
+        </c:txPr>
+        <c:crossAx val="529225024"/>
+        <c:crosses val="autoZero"/>
+        <c:crossBetween val="between"/>
+      </c:valAx>
+      <c:dTable>
+        <c:showHorzBorder val="1"/>
+        <c:showVertBorder val="1"/>
+        <c:showOutline val="1"/>
+        <c:showKeys val="1"/>
+        <c:spPr>
+          <a:noFill/>
+          <a:ln w="9525" cap="flat" cmpd="sng" algn="ctr">
+            <a:solidFill>
+              <a:schemeClr val="tx1">
+                <a:lumMod val="15000"/>
+                <a:lumOff val="85000"/>
+              </a:schemeClr>
+            </a:solidFill>
+            <a:round/>
+          </a:ln>
+          <a:effectLst/>
+        </c:spPr>
+        <c:txPr>
+          <a:bodyPr rot="0" spcFirstLastPara="1" vertOverflow="ellipsis" vert="horz" wrap="square" anchor="ctr" anchorCtr="1"/>
+          <a:lstStyle/>
+          <a:p>
+            <a:pPr rtl="0">
+              <a:defRPr sz="900" b="0" i="0" u="none" strike="noStrike" kern="1200" baseline="0">
+                <a:solidFill>
+                  <a:schemeClr val="tx1">
+                    <a:lumMod val="65000"/>
+                    <a:lumOff val="35000"/>
+                  </a:schemeClr>
+                </a:solidFill>
+                <a:latin typeface="+mn-lt"/>
+                <a:ea typeface="+mn-ea"/>
+                <a:cs typeface="+mn-cs"/>
+              </a:defRPr>
+            </a:pPr>
+            <a:endParaRPr lang="ko-KR"/>
+          </a:p>
+        </c:txPr>
+      </c:dTable>
+      <c:spPr>
+        <a:noFill/>
+        <a:ln>
+          <a:noFill/>
+        </a:ln>
+        <a:effectLst/>
+      </c:spPr>
+    </c:plotArea>
+    <c:legend>
+      <c:legendPos val="b"/>
+      <c:layout/>
+      <c:overlay val="0"/>
+      <c:spPr>
+        <a:noFill/>
+        <a:ln>
+          <a:noFill/>
+        </a:ln>
+        <a:effectLst/>
+      </c:spPr>
+      <c:txPr>
+        <a:bodyPr rot="0" spcFirstLastPara="1" vertOverflow="ellipsis" vert="horz" wrap="square" anchor="ctr" anchorCtr="1"/>
+        <a:lstStyle/>
+        <a:p>
+          <a:pPr>
+            <a:defRPr sz="900" b="0" i="0" u="none" strike="noStrike" kern="1200" baseline="0">
+              <a:solidFill>
+                <a:schemeClr val="tx1">
+                  <a:lumMod val="65000"/>
+                  <a:lumOff val="35000"/>
+                </a:schemeClr>
+              </a:solidFill>
+              <a:latin typeface="+mn-lt"/>
+              <a:ea typeface="+mn-ea"/>
+              <a:cs typeface="+mn-cs"/>
+            </a:defRPr>
+          </a:pPr>
+          <a:endParaRPr lang="ko-KR"/>
+        </a:p>
+      </c:txPr>
+    </c:legend>
+    <c:plotVisOnly val="1"/>
+    <c:dispBlanksAs val="gap"/>
+    <c:showDLblsOverMax val="0"/>
+  </c:chart>
+  <c:spPr>
+    <a:noFill/>
+    <a:ln>
+      <a:noFill/>
+    </a:ln>
+    <a:effectLst/>
+  </c:spPr>
+  <c:txPr>
+    <a:bodyPr/>
+    <a:lstStyle/>
+    <a:p>
+      <a:pPr>
+        <a:defRPr/>
+      </a:pPr>
+      <a:endParaRPr lang="ko-KR"/>
+    </a:p>
+  </c:txPr>
+  <c:externalData r:id="rId3">
+    <c:autoUpdate val="0"/>
+  </c:externalData>
+</c:chartSpace>
+</file>
+
+<file path=ppt/charts/colors1.xml><?xml version="1.0" encoding="utf-8"?>
+<cs:colorStyle xmlns:cs="http://schemas.microsoft.com/office/drawing/2012/chartStyle" xmlns:a="http://schemas.openxmlformats.org/drawingml/2006/main" meth="cycle" id="10">
+  <a:schemeClr val="accent1"/>
+  <a:schemeClr val="accent2"/>
+  <a:schemeClr val="accent3"/>
+  <a:schemeClr val="accent4"/>
+  <a:schemeClr val="accent5"/>
+  <a:schemeClr val="accent6"/>
+  <cs:variation/>
+  <cs:variation>
+    <a:lumMod val="60000"/>
+  </cs:variation>
+  <cs:variation>
+    <a:lumMod val="80000"/>
+    <a:lumOff val="20000"/>
+  </cs:variation>
+  <cs:variation>
+    <a:lumMod val="80000"/>
+  </cs:variation>
+  <cs:variation>
+    <a:lumMod val="60000"/>
+    <a:lumOff val="40000"/>
+  </cs:variation>
+  <cs:variation>
+    <a:lumMod val="50000"/>
+  </cs:variation>
+  <cs:variation>
+    <a:lumMod val="70000"/>
+    <a:lumOff val="30000"/>
+  </cs:variation>
+  <cs:variation>
+    <a:lumMod val="70000"/>
+  </cs:variation>
+  <cs:variation>
+    <a:lumMod val="50000"/>
+    <a:lumOff val="50000"/>
+  </cs:variation>
+</cs:colorStyle>
+</file>
+
+<file path=ppt/charts/colors2.xml><?xml version="1.0" encoding="utf-8"?>
+<cs:colorStyle xmlns:cs="http://schemas.microsoft.com/office/drawing/2012/chartStyle" xmlns:a="http://schemas.openxmlformats.org/drawingml/2006/main" meth="cycle" id="10">
+  <a:schemeClr val="accent1"/>
+  <a:schemeClr val="accent2"/>
+  <a:schemeClr val="accent3"/>
+  <a:schemeClr val="accent4"/>
+  <a:schemeClr val="accent5"/>
+  <a:schemeClr val="accent6"/>
+  <cs:variation/>
+  <cs:variation>
+    <a:lumMod val="60000"/>
+  </cs:variation>
+  <cs:variation>
+    <a:lumMod val="80000"/>
+    <a:lumOff val="20000"/>
+  </cs:variation>
+  <cs:variation>
+    <a:lumMod val="80000"/>
+  </cs:variation>
+  <cs:variation>
+    <a:lumMod val="60000"/>
+    <a:lumOff val="40000"/>
+  </cs:variation>
+  <cs:variation>
+    <a:lumMod val="50000"/>
+  </cs:variation>
+  <cs:variation>
+    <a:lumMod val="70000"/>
+    <a:lumOff val="30000"/>
+  </cs:variation>
+  <cs:variation>
+    <a:lumMod val="70000"/>
+  </cs:variation>
+  <cs:variation>
+    <a:lumMod val="50000"/>
+    <a:lumOff val="50000"/>
+  </cs:variation>
+</cs:colorStyle>
+</file>
+
+<file path=ppt/charts/colors3.xml><?xml version="1.0" encoding="utf-8"?>
+<cs:colorStyle xmlns:cs="http://schemas.microsoft.com/office/drawing/2012/chartStyle" xmlns:a="http://schemas.openxmlformats.org/drawingml/2006/main" meth="cycle" id="10">
+  <a:schemeClr val="accent1"/>
+  <a:schemeClr val="accent2"/>
+  <a:schemeClr val="accent3"/>
+  <a:schemeClr val="accent4"/>
+  <a:schemeClr val="accent5"/>
+  <a:schemeClr val="accent6"/>
+  <cs:variation/>
+  <cs:variation>
+    <a:lumMod val="60000"/>
+  </cs:variation>
+  <cs:variation>
+    <a:lumMod val="80000"/>
+    <a:lumOff val="20000"/>
+  </cs:variation>
+  <cs:variation>
+    <a:lumMod val="80000"/>
+  </cs:variation>
+  <cs:variation>
+    <a:lumMod val="60000"/>
+    <a:lumOff val="40000"/>
+  </cs:variation>
+  <cs:variation>
+    <a:lumMod val="50000"/>
+  </cs:variation>
+  <cs:variation>
+    <a:lumMod val="70000"/>
+    <a:lumOff val="30000"/>
+  </cs:variation>
+  <cs:variation>
+    <a:lumMod val="70000"/>
+  </cs:variation>
+  <cs:variation>
+    <a:lumMod val="50000"/>
+    <a:lumOff val="50000"/>
+  </cs:variation>
+</cs:colorStyle>
+</file>
+
+<file path=ppt/charts/colors4.xml><?xml version="1.0" encoding="utf-8"?>
+<cs:colorStyle xmlns:cs="http://schemas.microsoft.com/office/drawing/2012/chartStyle" xmlns:a="http://schemas.openxmlformats.org/drawingml/2006/main" meth="cycle" id="10">
+  <a:schemeClr val="accent1"/>
+  <a:schemeClr val="accent2"/>
+  <a:schemeClr val="accent3"/>
+  <a:schemeClr val="accent4"/>
+  <a:schemeClr val="accent5"/>
+  <a:schemeClr val="accent6"/>
+  <cs:variation/>
+  <cs:variation>
+    <a:lumMod val="60000"/>
+  </cs:variation>
+  <cs:variation>
+    <a:lumMod val="80000"/>
+    <a:lumOff val="20000"/>
+  </cs:variation>
+  <cs:variation>
+    <a:lumMod val="80000"/>
+  </cs:variation>
+  <cs:variation>
+    <a:lumMod val="60000"/>
+    <a:lumOff val="40000"/>
+  </cs:variation>
+  <cs:variation>
+    <a:lumMod val="50000"/>
+  </cs:variation>
+  <cs:variation>
+    <a:lumMod val="70000"/>
+    <a:lumOff val="30000"/>
+  </cs:variation>
+  <cs:variation>
+    <a:lumMod val="70000"/>
+  </cs:variation>
+  <cs:variation>
+    <a:lumMod val="50000"/>
+    <a:lumOff val="50000"/>
+  </cs:variation>
+</cs:colorStyle>
+</file>
+
+<file path=ppt/charts/style1.xml><?xml version="1.0" encoding="utf-8"?>
+<cs:chartStyle xmlns:cs="http://schemas.microsoft.com/office/drawing/2012/chartStyle" xmlns:a="http://schemas.openxmlformats.org/drawingml/2006/main" id="251">
+  <cs:axisTitle>
+    <cs:lnRef idx="0"/>
+    <cs:fillRef idx="0"/>
+    <cs:effectRef idx="0"/>
+    <cs:fontRef idx="minor">
+      <a:schemeClr val="tx1">
+        <a:lumMod val="65000"/>
+        <a:lumOff val="35000"/>
+      </a:schemeClr>
+    </cs:fontRef>
+    <cs:defRPr sz="1000" kern="1200"/>
+  </cs:axisTitle>
+  <cs:categoryAxis>
+    <cs:lnRef idx="0"/>
+    <cs:fillRef idx="0"/>
+    <cs:effectRef idx="0"/>
+    <cs:fontRef idx="minor">
+      <a:schemeClr val="tx1">
+        <a:lumMod val="65000"/>
+        <a:lumOff val="35000"/>
+      </a:schemeClr>
+    </cs:fontRef>
+    <cs:spPr>
+      <a:ln w="9525" cap="flat" cmpd="sng" algn="ctr">
+        <a:solidFill>
+          <a:schemeClr val="tx1">
+            <a:lumMod val="15000"/>
+            <a:lumOff val="85000"/>
+          </a:schemeClr>
+        </a:solidFill>
+        <a:round/>
+      </a:ln>
+    </cs:spPr>
+    <cs:defRPr sz="900" kern="1200"/>
+  </cs:categoryAxis>
+  <cs:chartArea mods="allowNoFillOverride allowNoLineOverride">
+    <cs:lnRef idx="0"/>
+    <cs:fillRef idx="0"/>
+    <cs:effectRef idx="0"/>
+    <cs:fontRef idx="minor">
+      <a:schemeClr val="tx1"/>
+    </cs:fontRef>
+    <cs:spPr>
+      <a:solidFill>
+        <a:schemeClr val="bg1"/>
+      </a:solidFill>
+      <a:ln w="9525" cap="flat" cmpd="sng" algn="ctr">
+        <a:solidFill>
+          <a:schemeClr val="tx1">
+            <a:lumMod val="15000"/>
+            <a:lumOff val="85000"/>
+          </a:schemeClr>
+        </a:solidFill>
+        <a:round/>
+      </a:ln>
+    </cs:spPr>
+    <cs:defRPr sz="900" kern="1200"/>
+  </cs:chartArea>
+  <cs:dataLabel>
+    <cs:lnRef idx="0"/>
+    <cs:fillRef idx="0"/>
+    <cs:effectRef idx="0"/>
+    <cs:fontRef idx="minor">
+      <a:schemeClr val="tx1">
+        <a:lumMod val="75000"/>
+        <a:lumOff val="25000"/>
+      </a:schemeClr>
+    </cs:fontRef>
+    <cs:defRPr sz="900" kern="1200"/>
+  </cs:dataLabel>
+  <cs:dataLabelCallout>
+    <cs:lnRef idx="0"/>
+    <cs:fillRef idx="0"/>
+    <cs:effectRef idx="0"/>
+    <cs:fontRef idx="minor">
+      <a:schemeClr val="dk1">
+        <a:lumMod val="65000"/>
+        <a:lumOff val="35000"/>
+      </a:schemeClr>
+    </cs:fontRef>
+    <cs:spPr>
+      <a:solidFill>
+        <a:schemeClr val="lt1"/>
+      </a:solidFill>
+      <a:ln>
+        <a:solidFill>
+          <a:schemeClr val="dk1">
+            <a:lumMod val="25000"/>
+            <a:lumOff val="75000"/>
+          </a:schemeClr>
+        </a:solidFill>
+      </a:ln>
+    </cs:spPr>
+    <cs:defRPr sz="900" kern="1200"/>
+    <cs:bodyPr rot="0" spcFirstLastPara="1" vertOverflow="clip" horzOverflow="clip" vert="horz" wrap="square" lIns="36576" tIns="18288" rIns="36576" bIns="18288" anchor="ctr" anchorCtr="1">
+      <a:spAutoFit/>
+    </cs:bodyPr>
+  </cs:dataLabelCallout>
+  <cs:dataPoint>
+    <cs:lnRef idx="0"/>
+    <cs:fillRef idx="1">
+      <cs:styleClr val="auto"/>
+    </cs:fillRef>
+    <cs:effectRef idx="0"/>
+    <cs:fontRef idx="minor">
+      <a:schemeClr val="tx1"/>
+    </cs:fontRef>
+    <cs:spPr>
+      <a:ln w="19050">
+        <a:solidFill>
+          <a:schemeClr val="lt1"/>
+        </a:solidFill>
+      </a:ln>
+    </cs:spPr>
+  </cs:dataPoint>
+  <cs:dataPoint3D>
+    <cs:lnRef idx="0"/>
+    <cs:fillRef idx="1">
+      <cs:styleClr val="auto"/>
+    </cs:fillRef>
+    <cs:effectRef idx="0"/>
+    <cs:fontRef idx="minor">
+      <a:schemeClr val="tx1"/>
+    </cs:fontRef>
+    <cs:spPr>
+      <a:ln w="25400">
+        <a:solidFill>
+          <a:schemeClr val="lt1"/>
+        </a:solidFill>
+      </a:ln>
+    </cs:spPr>
+  </cs:dataPoint3D>
+  <cs:dataPointLine>
+    <cs:lnRef idx="0">
+      <cs:styleClr val="auto"/>
+    </cs:lnRef>
+    <cs:fillRef idx="0"/>
+    <cs:effectRef idx="0"/>
+    <cs:fontRef idx="minor">
+      <a:schemeClr val="tx1"/>
+    </cs:fontRef>
+    <cs:spPr>
+      <a:ln w="28575" cap="rnd">
+        <a:solidFill>
+          <a:schemeClr val="phClr"/>
+        </a:solidFill>
+        <a:round/>
+      </a:ln>
+    </cs:spPr>
+  </cs:dataPointLine>
+  <cs:dataPointMarker>
+    <cs:lnRef idx="0">
+      <cs:styleClr val="auto"/>
+    </cs:lnRef>
+    <cs:fillRef idx="1">
+      <cs:styleClr val="auto"/>
+    </cs:fillRef>
+    <cs:effectRef idx="0"/>
+    <cs:fontRef idx="minor">
+      <a:schemeClr val="tx1"/>
+    </cs:fontRef>
+    <cs:spPr>
+      <a:ln w="9525">
+        <a:solidFill>
+          <a:schemeClr val="phClr"/>
+        </a:solidFill>
+      </a:ln>
+    </cs:spPr>
+  </cs:dataPointMarker>
+  <cs:dataPointMarkerLayout symbol="circle" size="5"/>
+  <cs:dataPointWireframe>
+    <cs:lnRef idx="0">
+      <cs:styleClr val="auto"/>
+    </cs:lnRef>
+    <cs:fillRef idx="0"/>
+    <cs:effectRef idx="0"/>
+    <cs:fontRef idx="minor">
+      <a:schemeClr val="tx1"/>
+    </cs:fontRef>
+    <cs:spPr>
+      <a:ln w="9525" cap="rnd">
+        <a:solidFill>
+          <a:schemeClr val="phClr"/>
+        </a:solidFill>
+        <a:round/>
+      </a:ln>
+    </cs:spPr>
+  </cs:dataPointWireframe>
+  <cs:dataTable>
+    <cs:lnRef idx="0"/>
+    <cs:fillRef idx="0"/>
+    <cs:effectRef idx="0"/>
+    <cs:fontRef idx="minor">
+      <a:schemeClr val="tx1">
+        <a:lumMod val="65000"/>
+        <a:lumOff val="35000"/>
+      </a:schemeClr>
+    </cs:fontRef>
+    <cs:spPr>
+      <a:noFill/>
+      <a:ln w="9525" cap="flat" cmpd="sng" algn="ctr">
+        <a:solidFill>
+          <a:schemeClr val="tx1">
+            <a:lumMod val="15000"/>
+            <a:lumOff val="85000"/>
+          </a:schemeClr>
+        </a:solidFill>
+        <a:round/>
+      </a:ln>
+    </cs:spPr>
+    <cs:defRPr sz="900" kern="1200"/>
+  </cs:dataTable>
+  <cs:downBar>
+    <cs:lnRef idx="0"/>
+    <cs:fillRef idx="0"/>
+    <cs:effectRef idx="0"/>
+    <cs:fontRef idx="minor">
+      <a:schemeClr val="tx1"/>
+    </cs:fontRef>
+    <cs:spPr>
+      <a:solidFill>
+        <a:schemeClr val="dk1">
+          <a:lumMod val="75000"/>
+          <a:lumOff val="25000"/>
+        </a:schemeClr>
+      </a:solidFill>
+      <a:ln w="9525" cap="flat" cmpd="sng" algn="ctr">
+        <a:solidFill>
+          <a:schemeClr val="tx1">
+            <a:lumMod val="65000"/>
+            <a:lumOff val="35000"/>
+          </a:schemeClr>
+        </a:solidFill>
+        <a:round/>
+      </a:ln>
+    </cs:spPr>
+  </cs:downBar>
+  <cs:dropLine>
+    <cs:lnRef idx="0"/>
+    <cs:fillRef idx="0"/>
+    <cs:effectRef idx="0"/>
+    <cs:fontRef idx="minor">
+      <a:schemeClr val="tx1"/>
+    </cs:fontRef>
+    <cs:spPr>
+      <a:ln w="9525" cap="flat" cmpd="sng" algn="ctr">
+        <a:solidFill>
+          <a:schemeClr val="tx1">
+            <a:lumMod val="35000"/>
+            <a:lumOff val="65000"/>
+          </a:schemeClr>
+        </a:solidFill>
+        <a:round/>
+      </a:ln>
+    </cs:spPr>
+  </cs:dropLine>
+  <cs:errorBar>
+    <cs:lnRef idx="0"/>
+    <cs:fillRef idx="0"/>
+    <cs:effectRef idx="0"/>
+    <cs:fontRef idx="minor">
+      <a:schemeClr val="tx1"/>
+    </cs:fontRef>
+    <cs:spPr>
+      <a:ln w="9525" cap="flat" cmpd="sng" algn="ctr">
+        <a:solidFill>
+          <a:schemeClr val="tx1">
+            <a:lumMod val="65000"/>
+            <a:lumOff val="35000"/>
+          </a:schemeClr>
+        </a:solidFill>
+        <a:round/>
+      </a:ln>
+    </cs:spPr>
+  </cs:errorBar>
+  <cs:floor>
+    <cs:lnRef idx="0"/>
+    <cs:fillRef idx="0"/>
+    <cs:effectRef idx="0"/>
+    <cs:fontRef idx="minor">
+      <a:schemeClr val="tx1"/>
+    </cs:fontRef>
+    <cs:spPr>
+      <a:noFill/>
+      <a:ln>
+        <a:noFill/>
+      </a:ln>
+    </cs:spPr>
+  </cs:floor>
+  <cs:gridlineMajor>
+    <cs:lnRef idx="0"/>
+    <cs:fillRef idx="0"/>
+    <cs:effectRef idx="0"/>
+    <cs:fontRef idx="minor">
+      <a:schemeClr val="tx1"/>
+    </cs:fontRef>
+    <cs:spPr>
+      <a:ln w="9525" cap="flat" cmpd="sng" algn="ctr">
+        <a:solidFill>
+          <a:schemeClr val="tx1">
+            <a:lumMod val="15000"/>
+            <a:lumOff val="85000"/>
+          </a:schemeClr>
+        </a:solidFill>
+        <a:round/>
+      </a:ln>
+    </cs:spPr>
+  </cs:gridlineMajor>
+  <cs:gridlineMinor>
+    <cs:lnRef idx="0"/>
+    <cs:fillRef idx="0"/>
+    <cs:effectRef idx="0"/>
+    <cs:fontRef idx="minor">
+      <a:schemeClr val="tx1"/>
+    </cs:fontRef>
+    <cs:spPr>
+      <a:ln w="9525" cap="flat" cmpd="sng" algn="ctr">
+        <a:solidFill>
+          <a:schemeClr val="tx1">
+            <a:lumMod val="5000"/>
+            <a:lumOff val="95000"/>
+          </a:schemeClr>
+        </a:solidFill>
+        <a:round/>
+      </a:ln>
+    </cs:spPr>
+  </cs:gridlineMinor>
+  <cs:hiLoLine>
+    <cs:lnRef idx="0"/>
+    <cs:fillRef idx="0"/>
+    <cs:effectRef idx="0"/>
+    <cs:fontRef idx="minor">
+      <a:schemeClr val="tx1"/>
+    </cs:fontRef>
+    <cs:spPr>
+      <a:ln w="9525" cap="flat" cmpd="sng" algn="ctr">
+        <a:solidFill>
+          <a:schemeClr val="tx1">
+            <a:lumMod val="50000"/>
+            <a:lumOff val="50000"/>
+          </a:schemeClr>
+        </a:solidFill>
+        <a:round/>
+      </a:ln>
+    </cs:spPr>
+  </cs:hiLoLine>
+  <cs:leaderLine>
+    <cs:lnRef idx="0"/>
+    <cs:fillRef idx="0"/>
+    <cs:effectRef idx="0"/>
+    <cs:fontRef idx="minor">
+      <a:schemeClr val="tx1"/>
+    </cs:fontRef>
+    <cs:spPr>
+      <a:ln w="9525" cap="flat" cmpd="sng" algn="ctr">
+        <a:solidFill>
+          <a:schemeClr val="tx1">
+            <a:lumMod val="35000"/>
+            <a:lumOff val="65000"/>
+          </a:schemeClr>
+        </a:solidFill>
+        <a:round/>
+      </a:ln>
+    </cs:spPr>
+  </cs:leaderLine>
+  <cs:legend>
+    <cs:lnRef idx="0"/>
+    <cs:fillRef idx="0"/>
+    <cs:effectRef idx="0"/>
+    <cs:fontRef idx="minor">
+      <a:schemeClr val="tx1">
+        <a:lumMod val="65000"/>
+        <a:lumOff val="35000"/>
+      </a:schemeClr>
+    </cs:fontRef>
+    <cs:defRPr sz="900" kern="1200"/>
+  </cs:legend>
+  <cs:plotArea mods="allowNoFillOverride allowNoLineOverride">
+    <cs:lnRef idx="0"/>
+    <cs:fillRef idx="0"/>
+    <cs:effectRef idx="0"/>
+    <cs:fontRef idx="minor">
+      <a:schemeClr val="tx1"/>
+    </cs:fontRef>
+  </cs:plotArea>
+  <cs:plotArea3D mods="allowNoFillOverride allowNoLineOverride">
+    <cs:lnRef idx="0"/>
+    <cs:fillRef idx="0"/>
+    <cs:effectRef idx="0"/>
+    <cs:fontRef idx="minor">
+      <a:schemeClr val="tx1"/>
+    </cs:fontRef>
+  </cs:plotArea3D>
+  <cs:seriesAxis>
+    <cs:lnRef idx="0"/>
+    <cs:fillRef idx="0"/>
+    <cs:effectRef idx="0"/>
+    <cs:fontRef idx="minor">
+      <a:schemeClr val="tx1">
+        <a:lumMod val="65000"/>
+        <a:lumOff val="35000"/>
+      </a:schemeClr>
+    </cs:fontRef>
+    <cs:defRPr sz="900" kern="1200"/>
+  </cs:seriesAxis>
+  <cs:seriesLine>
+    <cs:lnRef idx="0"/>
+    <cs:fillRef idx="0"/>
+    <cs:effectRef idx="0"/>
+    <cs:fontRef idx="minor">
+      <a:schemeClr val="tx1"/>
+    </cs:fontRef>
+    <cs:spPr>
+      <a:ln w="9525" cap="flat" cmpd="sng" algn="ctr">
+        <a:solidFill>
+          <a:schemeClr val="tx1">
+            <a:lumMod val="35000"/>
+            <a:lumOff val="65000"/>
+          </a:schemeClr>
+        </a:solidFill>
+        <a:round/>
+      </a:ln>
+    </cs:spPr>
+  </cs:seriesLine>
+  <cs:title>
+    <cs:lnRef idx="0"/>
+    <cs:fillRef idx="0"/>
+    <cs:effectRef idx="0"/>
+    <cs:fontRef idx="minor">
+      <a:schemeClr val="tx1">
+        <a:lumMod val="65000"/>
+        <a:lumOff val="35000"/>
+      </a:schemeClr>
+    </cs:fontRef>
+    <cs:defRPr sz="1400" b="0" kern="1200" spc="0" baseline="0"/>
+  </cs:title>
+  <cs:trendline>
+    <cs:lnRef idx="0">
+      <cs:styleClr val="auto"/>
+    </cs:lnRef>
+    <cs:fillRef idx="0"/>
+    <cs:effectRef idx="0"/>
+    <cs:fontRef idx="minor">
+      <a:schemeClr val="tx1"/>
+    </cs:fontRef>
+    <cs:spPr>
+      <a:ln w="19050" cap="rnd">
+        <a:solidFill>
+          <a:schemeClr val="phClr"/>
+        </a:solidFill>
+        <a:prstDash val="sysDot"/>
+      </a:ln>
+    </cs:spPr>
+  </cs:trendline>
+  <cs:trendlineLabel>
+    <cs:lnRef idx="0"/>
+    <cs:fillRef idx="0"/>
+    <cs:effectRef idx="0"/>
+    <cs:fontRef idx="minor">
+      <a:schemeClr val="tx1">
+        <a:lumMod val="65000"/>
+        <a:lumOff val="35000"/>
+      </a:schemeClr>
+    </cs:fontRef>
+    <cs:defRPr sz="900" kern="1200"/>
+  </cs:trendlineLabel>
+  <cs:upBar>
+    <cs:lnRef idx="0"/>
+    <cs:fillRef idx="0"/>
+    <cs:effectRef idx="0"/>
+    <cs:fontRef idx="minor">
+      <a:schemeClr val="tx1"/>
+    </cs:fontRef>
+    <cs:spPr>
+      <a:solidFill>
+        <a:schemeClr val="lt1"/>
+      </a:solidFill>
+      <a:ln w="9525" cap="flat" cmpd="sng" algn="ctr">
+        <a:solidFill>
+          <a:schemeClr val="tx1">
+            <a:lumMod val="65000"/>
+            <a:lumOff val="35000"/>
+          </a:schemeClr>
+        </a:solidFill>
+        <a:round/>
+      </a:ln>
+    </cs:spPr>
+  </cs:upBar>
+  <cs:valueAxis>
+    <cs:lnRef idx="0"/>
+    <cs:fillRef idx="0"/>
+    <cs:effectRef idx="0"/>
+    <cs:fontRef idx="minor">
+      <a:schemeClr val="tx1">
+        <a:lumMod val="65000"/>
+        <a:lumOff val="35000"/>
+      </a:schemeClr>
+    </cs:fontRef>
+    <cs:defRPr sz="900" kern="1200"/>
+  </cs:valueAxis>
+  <cs:wall>
+    <cs:lnRef idx="0"/>
+    <cs:fillRef idx="0"/>
+    <cs:effectRef idx="0"/>
+    <cs:fontRef idx="minor">
+      <a:schemeClr val="tx1"/>
+    </cs:fontRef>
+    <cs:spPr>
+      <a:noFill/>
+      <a:ln>
+        <a:noFill/>
+      </a:ln>
+    </cs:spPr>
+  </cs:wall>
+</cs:chartStyle>
+</file>
+
+<file path=ppt/charts/style2.xml><?xml version="1.0" encoding="utf-8"?>
+<cs:chartStyle xmlns:cs="http://schemas.microsoft.com/office/drawing/2012/chartStyle" xmlns:a="http://schemas.openxmlformats.org/drawingml/2006/main" id="201">
+  <cs:axisTitle>
+    <cs:lnRef idx="0"/>
+    <cs:fillRef idx="0"/>
+    <cs:effectRef idx="0"/>
+    <cs:fontRef idx="minor">
+      <a:schemeClr val="tx1">
+        <a:lumMod val="65000"/>
+        <a:lumOff val="35000"/>
+      </a:schemeClr>
+    </cs:fontRef>
+    <cs:defRPr sz="1000" kern="1200"/>
+  </cs:axisTitle>
+  <cs:categoryAxis>
+    <cs:lnRef idx="0"/>
+    <cs:fillRef idx="0"/>
+    <cs:effectRef idx="0"/>
+    <cs:fontRef idx="minor">
+      <a:schemeClr val="tx1">
+        <a:lumMod val="65000"/>
+        <a:lumOff val="35000"/>
+      </a:schemeClr>
+    </cs:fontRef>
+    <cs:spPr>
+      <a:ln w="9525" cap="flat" cmpd="sng" algn="ctr">
+        <a:solidFill>
+          <a:schemeClr val="tx1">
+            <a:lumMod val="15000"/>
+            <a:lumOff val="85000"/>
+          </a:schemeClr>
+        </a:solidFill>
+        <a:round/>
+      </a:ln>
+    </cs:spPr>
+    <cs:defRPr sz="900" kern="1200"/>
+  </cs:categoryAxis>
+  <cs:chartArea mods="allowNoFillOverride allowNoLineOverride">
+    <cs:lnRef idx="0"/>
+    <cs:fillRef idx="0"/>
+    <cs:effectRef idx="0"/>
+    <cs:fontRef idx="minor">
+      <a:schemeClr val="tx1"/>
+    </cs:fontRef>
+    <cs:spPr>
+      <a:solidFill>
+        <a:schemeClr val="bg1"/>
+      </a:solidFill>
+      <a:ln w="9525" cap="flat" cmpd="sng" algn="ctr">
+        <a:solidFill>
+          <a:schemeClr val="tx1">
+            <a:lumMod val="15000"/>
+            <a:lumOff val="85000"/>
+          </a:schemeClr>
+        </a:solidFill>
+        <a:round/>
+      </a:ln>
+    </cs:spPr>
+    <cs:defRPr sz="1000" kern="1200"/>
+  </cs:chartArea>
+  <cs:dataLabel>
+    <cs:lnRef idx="0"/>
+    <cs:fillRef idx="0"/>
+    <cs:effectRef idx="0"/>
+    <cs:fontRef idx="minor">
+      <a:schemeClr val="tx1">
+        <a:lumMod val="75000"/>
+        <a:lumOff val="25000"/>
+      </a:schemeClr>
+    </cs:fontRef>
+    <cs:defRPr sz="900" kern="1200"/>
+  </cs:dataLabel>
+  <cs:dataLabelCallout>
+    <cs:lnRef idx="0"/>
+    <cs:fillRef idx="0"/>
+    <cs:effectRef idx="0"/>
+    <cs:fontRef idx="minor">
+      <a:schemeClr val="dk1">
+        <a:lumMod val="65000"/>
+        <a:lumOff val="35000"/>
+      </a:schemeClr>
+    </cs:fontRef>
+    <cs:spPr>
+      <a:solidFill>
+        <a:schemeClr val="lt1"/>
+      </a:solidFill>
+      <a:ln>
+        <a:solidFill>
+          <a:schemeClr val="dk1">
+            <a:lumMod val="25000"/>
+            <a:lumOff val="75000"/>
+          </a:schemeClr>
+        </a:solidFill>
+      </a:ln>
+    </cs:spPr>
+    <cs:defRPr sz="900" kern="1200"/>
+    <cs:bodyPr rot="0" spcFirstLastPara="1" vertOverflow="clip" horzOverflow="clip" vert="horz" wrap="square" lIns="36576" tIns="18288" rIns="36576" bIns="18288" anchor="ctr" anchorCtr="1">
+      <a:spAutoFit/>
+    </cs:bodyPr>
+  </cs:dataLabelCallout>
+  <cs:dataPoint>
+    <cs:lnRef idx="0"/>
+    <cs:fillRef idx="1">
+      <cs:styleClr val="auto"/>
+    </cs:fillRef>
+    <cs:effectRef idx="0"/>
+    <cs:fontRef idx="minor">
+      <a:schemeClr val="tx1"/>
+    </cs:fontRef>
+  </cs:dataPoint>
+  <cs:dataPoint3D>
+    <cs:lnRef idx="0"/>
+    <cs:fillRef idx="1">
+      <cs:styleClr val="auto"/>
+    </cs:fillRef>
+    <cs:effectRef idx="0"/>
+    <cs:fontRef idx="minor">
+      <a:schemeClr val="tx1"/>
+    </cs:fontRef>
+  </cs:dataPoint3D>
+  <cs:dataPointLine>
+    <cs:lnRef idx="0">
+      <cs:styleClr val="auto"/>
+    </cs:lnRef>
+    <cs:fillRef idx="1"/>
+    <cs:effectRef idx="0"/>
+    <cs:fontRef idx="minor">
+      <a:schemeClr val="tx1"/>
+    </cs:fontRef>
+    <cs:spPr>
+      <a:ln w="28575" cap="rnd">
+        <a:solidFill>
+          <a:schemeClr val="phClr"/>
+        </a:solidFill>
+        <a:round/>
+      </a:ln>
+    </cs:spPr>
+  </cs:dataPointLine>
+  <cs:dataPointMarker>
+    <cs:lnRef idx="0">
+      <cs:styleClr val="auto"/>
+    </cs:lnRef>
+    <cs:fillRef idx="1">
+      <cs:styleClr val="auto"/>
+    </cs:fillRef>
+    <cs:effectRef idx="0"/>
+    <cs:fontRef idx="minor">
+      <a:schemeClr val="tx1"/>
+    </cs:fontRef>
+    <cs:spPr>
+      <a:ln w="9525">
+        <a:solidFill>
+          <a:schemeClr val="phClr"/>
+        </a:solidFill>
+      </a:ln>
+    </cs:spPr>
+  </cs:dataPointMarker>
+  <cs:dataPointMarkerLayout symbol="circle" size="5"/>
+  <cs:dataPointWireframe>
+    <cs:lnRef idx="0">
+      <cs:styleClr val="auto"/>
+    </cs:lnRef>
+    <cs:fillRef idx="1"/>
+    <cs:effectRef idx="0"/>
+    <cs:fontRef idx="minor">
+      <a:schemeClr val="tx1"/>
+    </cs:fontRef>
+    <cs:spPr>
+      <a:ln w="9525" cap="rnd">
+        <a:solidFill>
+          <a:schemeClr val="phClr"/>
+        </a:solidFill>
+        <a:round/>
+      </a:ln>
+    </cs:spPr>
+  </cs:dataPointWireframe>
+  <cs:dataTable>
+    <cs:lnRef idx="0"/>
+    <cs:fillRef idx="0"/>
+    <cs:effectRef idx="0"/>
+    <cs:fontRef idx="minor">
+      <a:schemeClr val="tx1">
+        <a:lumMod val="65000"/>
+        <a:lumOff val="35000"/>
+      </a:schemeClr>
+    </cs:fontRef>
+    <cs:spPr>
+      <a:noFill/>
+      <a:ln w="9525" cap="flat" cmpd="sng" algn="ctr">
+        <a:solidFill>
+          <a:schemeClr val="tx1">
+            <a:lumMod val="15000"/>
+            <a:lumOff val="85000"/>
+          </a:schemeClr>
+        </a:solidFill>
+        <a:round/>
+      </a:ln>
+    </cs:spPr>
+    <cs:defRPr sz="900" kern="1200"/>
+  </cs:dataTable>
+  <cs:downBar>
+    <cs:lnRef idx="0"/>
+    <cs:fillRef idx="0"/>
+    <cs:effectRef idx="0"/>
+    <cs:fontRef idx="minor">
+      <a:schemeClr val="dk1"/>
+    </cs:fontRef>
+    <cs:spPr>
+      <a:solidFill>
+        <a:schemeClr val="dk1">
+          <a:lumMod val="65000"/>
+          <a:lumOff val="35000"/>
+        </a:schemeClr>
+      </a:solidFill>
+      <a:ln w="9525">
+        <a:solidFill>
+          <a:schemeClr val="tx1">
+            <a:lumMod val="65000"/>
+            <a:lumOff val="35000"/>
+          </a:schemeClr>
+        </a:solidFill>
+      </a:ln>
+    </cs:spPr>
+  </cs:downBar>
+  <cs:dropLine>
+    <cs:lnRef idx="0"/>
+    <cs:fillRef idx="0"/>
+    <cs:effectRef idx="0"/>
+    <cs:fontRef idx="minor">
+      <a:schemeClr val="tx1"/>
+    </cs:fontRef>
+    <cs:spPr>
+      <a:ln w="9525" cap="flat" cmpd="sng" algn="ctr">
+        <a:solidFill>
+          <a:schemeClr val="tx1">
+            <a:lumMod val="35000"/>
+            <a:lumOff val="65000"/>
+          </a:schemeClr>
+        </a:solidFill>
+        <a:round/>
+      </a:ln>
+    </cs:spPr>
+  </cs:dropLine>
+  <cs:errorBar>
+    <cs:lnRef idx="0"/>
+    <cs:fillRef idx="0"/>
+    <cs:effectRef idx="0"/>
+    <cs:fontRef idx="minor">
+      <a:schemeClr val="tx1"/>
+    </cs:fontRef>
+    <cs:spPr>
+      <a:ln w="9525" cap="flat" cmpd="sng" algn="ctr">
+        <a:solidFill>
+          <a:schemeClr val="tx1">
+            <a:lumMod val="65000"/>
+            <a:lumOff val="35000"/>
+          </a:schemeClr>
+        </a:solidFill>
+        <a:round/>
+      </a:ln>
+    </cs:spPr>
+  </cs:errorBar>
+  <cs:floor>
+    <cs:lnRef idx="0"/>
+    <cs:fillRef idx="0"/>
+    <cs:effectRef idx="0"/>
+    <cs:fontRef idx="minor">
+      <a:schemeClr val="tx1"/>
+    </cs:fontRef>
+    <cs:spPr>
+      <a:noFill/>
+      <a:ln>
+        <a:noFill/>
+      </a:ln>
+    </cs:spPr>
+  </cs:floor>
+  <cs:gridlineMajor>
+    <cs:lnRef idx="0"/>
+    <cs:fillRef idx="0"/>
+    <cs:effectRef idx="0"/>
+    <cs:fontRef idx="minor">
+      <a:schemeClr val="tx1"/>
+    </cs:fontRef>
+    <cs:spPr>
+      <a:ln w="9525" cap="flat" cmpd="sng" algn="ctr">
+        <a:solidFill>
+          <a:schemeClr val="tx1">
+            <a:lumMod val="15000"/>
+            <a:lumOff val="85000"/>
+          </a:schemeClr>
+        </a:solidFill>
+        <a:round/>
+      </a:ln>
+    </cs:spPr>
+  </cs:gridlineMajor>
+  <cs:gridlineMinor>
+    <cs:lnRef idx="0"/>
+    <cs:fillRef idx="0"/>
+    <cs:effectRef idx="0"/>
+    <cs:fontRef idx="minor">
+      <a:schemeClr val="tx1"/>
+    </cs:fontRef>
+    <cs:spPr>
+      <a:ln w="9525" cap="flat" cmpd="sng" algn="ctr">
+        <a:solidFill>
+          <a:schemeClr val="tx1">
+            <a:lumMod val="5000"/>
+            <a:lumOff val="95000"/>
+          </a:schemeClr>
+        </a:solidFill>
+        <a:round/>
+      </a:ln>
+    </cs:spPr>
+  </cs:gridlineMinor>
+  <cs:hiLoLine>
+    <cs:lnRef idx="0"/>
+    <cs:fillRef idx="0"/>
+    <cs:effectRef idx="0"/>
+    <cs:fontRef idx="minor">
+      <a:schemeClr val="tx1"/>
+    </cs:fontRef>
+    <cs:spPr>
+      <a:ln w="9525" cap="flat" cmpd="sng" algn="ctr">
+        <a:solidFill>
+          <a:schemeClr val="tx1">
+            <a:lumMod val="75000"/>
+            <a:lumOff val="25000"/>
+          </a:schemeClr>
+        </a:solidFill>
+        <a:round/>
+      </a:ln>
+    </cs:spPr>
+  </cs:hiLoLine>
+  <cs:leaderLine>
+    <cs:lnRef idx="0"/>
+    <cs:fillRef idx="0"/>
+    <cs:effectRef idx="0"/>
+    <cs:fontRef idx="minor">
+      <a:schemeClr val="tx1"/>
+    </cs:fontRef>
+    <cs:spPr>
+      <a:ln w="9525" cap="flat" cmpd="sng" algn="ctr">
+        <a:solidFill>
+          <a:schemeClr val="tx1">
+            <a:lumMod val="35000"/>
+            <a:lumOff val="65000"/>
+          </a:schemeClr>
+        </a:solidFill>
+        <a:round/>
+      </a:ln>
+    </cs:spPr>
+  </cs:leaderLine>
+  <cs:legend>
+    <cs:lnRef idx="0"/>
+    <cs:fillRef idx="0"/>
+    <cs:effectRef idx="0"/>
+    <cs:fontRef idx="minor">
+      <a:schemeClr val="tx1">
+        <a:lumMod val="65000"/>
+        <a:lumOff val="35000"/>
+      </a:schemeClr>
+    </cs:fontRef>
+    <cs:defRPr sz="900" kern="1200"/>
+  </cs:legend>
+  <cs:plotArea mods="allowNoFillOverride allowNoLineOverride">
+    <cs:lnRef idx="0"/>
+    <cs:fillRef idx="0"/>
+    <cs:effectRef idx="0"/>
+    <cs:fontRef idx="minor">
+      <a:schemeClr val="tx1"/>
+    </cs:fontRef>
+  </cs:plotArea>
+  <cs:plotArea3D mods="allowNoFillOverride allowNoLineOverride">
+    <cs:lnRef idx="0"/>
+    <cs:fillRef idx="0"/>
+    <cs:effectRef idx="0"/>
+    <cs:fontRef idx="minor">
+      <a:schemeClr val="tx1"/>
+    </cs:fontRef>
+  </cs:plotArea3D>
+  <cs:seriesAxis>
+    <cs:lnRef idx="0"/>
+    <cs:fillRef idx="0"/>
+    <cs:effectRef idx="0"/>
+    <cs:fontRef idx="minor">
+      <a:schemeClr val="tx1">
+        <a:lumMod val="65000"/>
+        <a:lumOff val="35000"/>
+      </a:schemeClr>
+    </cs:fontRef>
+    <cs:defRPr sz="900" kern="1200"/>
+  </cs:seriesAxis>
+  <cs:seriesLine>
+    <cs:lnRef idx="0"/>
+    <cs:fillRef idx="0"/>
+    <cs:effectRef idx="0"/>
+    <cs:fontRef idx="minor">
+      <a:schemeClr val="tx1"/>
+    </cs:fontRef>
+    <cs:spPr>
+      <a:ln w="9525" cap="flat" cmpd="sng" algn="ctr">
+        <a:solidFill>
+          <a:schemeClr val="tx1">
+            <a:lumMod val="35000"/>
+            <a:lumOff val="65000"/>
+          </a:schemeClr>
+        </a:solidFill>
+        <a:round/>
+      </a:ln>
+    </cs:spPr>
+  </cs:seriesLine>
+  <cs:title>
+    <cs:lnRef idx="0"/>
+    <cs:fillRef idx="0"/>
+    <cs:effectRef idx="0"/>
+    <cs:fontRef idx="minor">
+      <a:schemeClr val="tx1">
+        <a:lumMod val="65000"/>
+        <a:lumOff val="35000"/>
+      </a:schemeClr>
+    </cs:fontRef>
+    <cs:defRPr sz="1400" b="0" kern="1200" spc="0" baseline="0"/>
+  </cs:title>
+  <cs:trendline>
+    <cs:lnRef idx="0">
+      <cs:styleClr val="auto"/>
+    </cs:lnRef>
+    <cs:fillRef idx="0"/>
+    <cs:effectRef idx="0"/>
+    <cs:fontRef idx="minor">
+      <a:schemeClr val="tx1"/>
+    </cs:fontRef>
+    <cs:spPr>
+      <a:ln w="19050" cap="rnd">
+        <a:solidFill>
+          <a:schemeClr val="phClr"/>
+        </a:solidFill>
+        <a:prstDash val="sysDot"/>
+      </a:ln>
+    </cs:spPr>
+  </cs:trendline>
+  <cs:trendlineLabel>
+    <cs:lnRef idx="0"/>
+    <cs:fillRef idx="0"/>
+    <cs:effectRef idx="0"/>
+    <cs:fontRef idx="minor">
+      <a:schemeClr val="tx1">
+        <a:lumMod val="65000"/>
+        <a:lumOff val="35000"/>
+      </a:schemeClr>
+    </cs:fontRef>
+    <cs:defRPr sz="900" kern="1200"/>
+  </cs:trendlineLabel>
+  <cs:upBar>
+    <cs:lnRef idx="0"/>
+    <cs:fillRef idx="0"/>
+    <cs:effectRef idx="0"/>
+    <cs:fontRef idx="minor">
+      <a:schemeClr val="dk1"/>
+    </cs:fontRef>
+    <cs:spPr>
+      <a:solidFill>
+        <a:schemeClr val="lt1"/>
+      </a:solidFill>
+      <a:ln w="9525">
+        <a:solidFill>
+          <a:schemeClr val="tx1">
+            <a:lumMod val="15000"/>
+            <a:lumOff val="85000"/>
+          </a:schemeClr>
+        </a:solidFill>
+      </a:ln>
+    </cs:spPr>
+  </cs:upBar>
+  <cs:valueAxis>
+    <cs:lnRef idx="0"/>
+    <cs:fillRef idx="0"/>
+    <cs:effectRef idx="0"/>
+    <cs:fontRef idx="minor">
+      <a:schemeClr val="tx1">
+        <a:lumMod val="65000"/>
+        <a:lumOff val="35000"/>
+      </a:schemeClr>
+    </cs:fontRef>
+    <cs:defRPr sz="900" kern="1200"/>
+  </cs:valueAxis>
+  <cs:wall>
+    <cs:lnRef idx="0"/>
+    <cs:fillRef idx="0"/>
+    <cs:effectRef idx="0"/>
+    <cs:fontRef idx="minor">
+      <a:schemeClr val="tx1"/>
+    </cs:fontRef>
+    <cs:spPr>
+      <a:noFill/>
+      <a:ln>
+        <a:noFill/>
+      </a:ln>
+    </cs:spPr>
+  </cs:wall>
+</cs:chartStyle>
+</file>
+
+<file path=ppt/charts/style3.xml><?xml version="1.0" encoding="utf-8"?>
+<cs:chartStyle xmlns:cs="http://schemas.microsoft.com/office/drawing/2012/chartStyle" xmlns:a="http://schemas.openxmlformats.org/drawingml/2006/main" id="201">
+  <cs:axisTitle>
+    <cs:lnRef idx="0"/>
+    <cs:fillRef idx="0"/>
+    <cs:effectRef idx="0"/>
+    <cs:fontRef idx="minor">
+      <a:schemeClr val="tx1">
+        <a:lumMod val="65000"/>
+        <a:lumOff val="35000"/>
+      </a:schemeClr>
+    </cs:fontRef>
+    <cs:defRPr sz="1000" kern="1200"/>
+  </cs:axisTitle>
+  <cs:categoryAxis>
+    <cs:lnRef idx="0"/>
+    <cs:fillRef idx="0"/>
+    <cs:effectRef idx="0"/>
+    <cs:fontRef idx="minor">
+      <a:schemeClr val="tx1">
+        <a:lumMod val="65000"/>
+        <a:lumOff val="35000"/>
+      </a:schemeClr>
+    </cs:fontRef>
+    <cs:spPr>
+      <a:ln w="9525" cap="flat" cmpd="sng" algn="ctr">
+        <a:solidFill>
+          <a:schemeClr val="tx1">
+            <a:lumMod val="15000"/>
+            <a:lumOff val="85000"/>
+          </a:schemeClr>
+        </a:solidFill>
+        <a:round/>
+      </a:ln>
+    </cs:spPr>
+    <cs:defRPr sz="900" kern="1200"/>
+  </cs:categoryAxis>
+  <cs:chartArea mods="allowNoFillOverride allowNoLineOverride">
+    <cs:lnRef idx="0"/>
+    <cs:fillRef idx="0"/>
+    <cs:effectRef idx="0"/>
+    <cs:fontRef idx="minor">
+      <a:schemeClr val="tx1"/>
+    </cs:fontRef>
+    <cs:spPr>
+      <a:solidFill>
+        <a:schemeClr val="bg1"/>
+      </a:solidFill>
+      <a:ln w="9525" cap="flat" cmpd="sng" algn="ctr">
+        <a:solidFill>
+          <a:schemeClr val="tx1">
+            <a:lumMod val="15000"/>
+            <a:lumOff val="85000"/>
+          </a:schemeClr>
+        </a:solidFill>
+        <a:round/>
+      </a:ln>
+    </cs:spPr>
+    <cs:defRPr sz="1000" kern="1200"/>
+  </cs:chartArea>
+  <cs:dataLabel>
+    <cs:lnRef idx="0"/>
+    <cs:fillRef idx="0"/>
+    <cs:effectRef idx="0"/>
+    <cs:fontRef idx="minor">
+      <a:schemeClr val="tx1">
+        <a:lumMod val="75000"/>
+        <a:lumOff val="25000"/>
+      </a:schemeClr>
+    </cs:fontRef>
+    <cs:defRPr sz="900" kern="1200"/>
+  </cs:dataLabel>
+  <cs:dataLabelCallout>
+    <cs:lnRef idx="0"/>
+    <cs:fillRef idx="0"/>
+    <cs:effectRef idx="0"/>
+    <cs:fontRef idx="minor">
+      <a:schemeClr val="dk1">
+        <a:lumMod val="65000"/>
+        <a:lumOff val="35000"/>
+      </a:schemeClr>
+    </cs:fontRef>
+    <cs:spPr>
+      <a:solidFill>
+        <a:schemeClr val="lt1"/>
+      </a:solidFill>
+      <a:ln>
+        <a:solidFill>
+          <a:schemeClr val="dk1">
+            <a:lumMod val="25000"/>
+            <a:lumOff val="75000"/>
+          </a:schemeClr>
+        </a:solidFill>
+      </a:ln>
+    </cs:spPr>
+    <cs:defRPr sz="900" kern="1200"/>
+    <cs:bodyPr rot="0" spcFirstLastPara="1" vertOverflow="clip" horzOverflow="clip" vert="horz" wrap="square" lIns="36576" tIns="18288" rIns="36576" bIns="18288" anchor="ctr" anchorCtr="1">
+      <a:spAutoFit/>
+    </cs:bodyPr>
+  </cs:dataLabelCallout>
+  <cs:dataPoint>
+    <cs:lnRef idx="0"/>
+    <cs:fillRef idx="1">
+      <cs:styleClr val="auto"/>
+    </cs:fillRef>
+    <cs:effectRef idx="0"/>
+    <cs:fontRef idx="minor">
+      <a:schemeClr val="tx1"/>
+    </cs:fontRef>
+  </cs:dataPoint>
+  <cs:dataPoint3D>
+    <cs:lnRef idx="0"/>
+    <cs:fillRef idx="1">
+      <cs:styleClr val="auto"/>
+    </cs:fillRef>
+    <cs:effectRef idx="0"/>
+    <cs:fontRef idx="minor">
+      <a:schemeClr val="tx1"/>
+    </cs:fontRef>
+  </cs:dataPoint3D>
+  <cs:dataPointLine>
+    <cs:lnRef idx="0">
+      <cs:styleClr val="auto"/>
+    </cs:lnRef>
+    <cs:fillRef idx="1"/>
+    <cs:effectRef idx="0"/>
+    <cs:fontRef idx="minor">
+      <a:schemeClr val="tx1"/>
+    </cs:fontRef>
+    <cs:spPr>
+      <a:ln w="28575" cap="rnd">
+        <a:solidFill>
+          <a:schemeClr val="phClr"/>
+        </a:solidFill>
+        <a:round/>
+      </a:ln>
+    </cs:spPr>
+  </cs:dataPointLine>
+  <cs:dataPointMarker>
+    <cs:lnRef idx="0">
+      <cs:styleClr val="auto"/>
+    </cs:lnRef>
+    <cs:fillRef idx="1">
+      <cs:styleClr val="auto"/>
+    </cs:fillRef>
+    <cs:effectRef idx="0"/>
+    <cs:fontRef idx="minor">
+      <a:schemeClr val="tx1"/>
+    </cs:fontRef>
+    <cs:spPr>
+      <a:ln w="9525">
+        <a:solidFill>
+          <a:schemeClr val="phClr"/>
+        </a:solidFill>
+      </a:ln>
+    </cs:spPr>
+  </cs:dataPointMarker>
+  <cs:dataPointMarkerLayout symbol="circle" size="5"/>
+  <cs:dataPointWireframe>
+    <cs:lnRef idx="0">
+      <cs:styleClr val="auto"/>
+    </cs:lnRef>
+    <cs:fillRef idx="1"/>
+    <cs:effectRef idx="0"/>
+    <cs:fontRef idx="minor">
+      <a:schemeClr val="tx1"/>
+    </cs:fontRef>
+    <cs:spPr>
+      <a:ln w="9525" cap="rnd">
+        <a:solidFill>
+          <a:schemeClr val="phClr"/>
+        </a:solidFill>
+        <a:round/>
+      </a:ln>
+    </cs:spPr>
+  </cs:dataPointWireframe>
+  <cs:dataTable>
+    <cs:lnRef idx="0"/>
+    <cs:fillRef idx="0"/>
+    <cs:effectRef idx="0"/>
+    <cs:fontRef idx="minor">
+      <a:schemeClr val="tx1">
+        <a:lumMod val="65000"/>
+        <a:lumOff val="35000"/>
+      </a:schemeClr>
+    </cs:fontRef>
+    <cs:spPr>
+      <a:noFill/>
+      <a:ln w="9525" cap="flat" cmpd="sng" algn="ctr">
+        <a:solidFill>
+          <a:schemeClr val="tx1">
+            <a:lumMod val="15000"/>
+            <a:lumOff val="85000"/>
+          </a:schemeClr>
+        </a:solidFill>
+        <a:round/>
+      </a:ln>
+    </cs:spPr>
+    <cs:defRPr sz="900" kern="1200"/>
+  </cs:dataTable>
+  <cs:downBar>
+    <cs:lnRef idx="0"/>
+    <cs:fillRef idx="0"/>
+    <cs:effectRef idx="0"/>
+    <cs:fontRef idx="minor">
+      <a:schemeClr val="dk1"/>
+    </cs:fontRef>
+    <cs:spPr>
+      <a:solidFill>
+        <a:schemeClr val="dk1">
+          <a:lumMod val="65000"/>
+          <a:lumOff val="35000"/>
+        </a:schemeClr>
+      </a:solidFill>
+      <a:ln w="9525">
+        <a:solidFill>
+          <a:schemeClr val="tx1">
+            <a:lumMod val="65000"/>
+            <a:lumOff val="35000"/>
+          </a:schemeClr>
+        </a:solidFill>
+      </a:ln>
+    </cs:spPr>
+  </cs:downBar>
+  <cs:dropLine>
+    <cs:lnRef idx="0"/>
+    <cs:fillRef idx="0"/>
+    <cs:effectRef idx="0"/>
+    <cs:fontRef idx="minor">
+      <a:schemeClr val="tx1"/>
+    </cs:fontRef>
+    <cs:spPr>
+      <a:ln w="9525" cap="flat" cmpd="sng" algn="ctr">
+        <a:solidFill>
+          <a:schemeClr val="tx1">
+            <a:lumMod val="35000"/>
+            <a:lumOff val="65000"/>
+          </a:schemeClr>
+        </a:solidFill>
+        <a:round/>
+      </a:ln>
+    </cs:spPr>
+  </cs:dropLine>
+  <cs:errorBar>
+    <cs:lnRef idx="0"/>
+    <cs:fillRef idx="0"/>
+    <cs:effectRef idx="0"/>
+    <cs:fontRef idx="minor">
+      <a:schemeClr val="tx1"/>
+    </cs:fontRef>
+    <cs:spPr>
+      <a:ln w="9525" cap="flat" cmpd="sng" algn="ctr">
+        <a:solidFill>
+          <a:schemeClr val="tx1">
+            <a:lumMod val="65000"/>
+            <a:lumOff val="35000"/>
+          </a:schemeClr>
+        </a:solidFill>
+        <a:round/>
+      </a:ln>
+    </cs:spPr>
+  </cs:errorBar>
+  <cs:floor>
+    <cs:lnRef idx="0"/>
+    <cs:fillRef idx="0"/>
+    <cs:effectRef idx="0"/>
+    <cs:fontRef idx="minor">
+      <a:schemeClr val="tx1"/>
+    </cs:fontRef>
+    <cs:spPr>
+      <a:noFill/>
+      <a:ln>
+        <a:noFill/>
+      </a:ln>
+    </cs:spPr>
+  </cs:floor>
+  <cs:gridlineMajor>
+    <cs:lnRef idx="0"/>
+    <cs:fillRef idx="0"/>
+    <cs:effectRef idx="0"/>
+    <cs:fontRef idx="minor">
+      <a:schemeClr val="tx1"/>
+    </cs:fontRef>
+    <cs:spPr>
+      <a:ln w="9525" cap="flat" cmpd="sng" algn="ctr">
+        <a:solidFill>
+          <a:schemeClr val="tx1">
+            <a:lumMod val="15000"/>
+            <a:lumOff val="85000"/>
+          </a:schemeClr>
+        </a:solidFill>
+        <a:round/>
+      </a:ln>
+    </cs:spPr>
+  </cs:gridlineMajor>
+  <cs:gridlineMinor>
+    <cs:lnRef idx="0"/>
+    <cs:fillRef idx="0"/>
+    <cs:effectRef idx="0"/>
+    <cs:fontRef idx="minor">
+      <a:schemeClr val="tx1"/>
+    </cs:fontRef>
+    <cs:spPr>
+      <a:ln w="9525" cap="flat" cmpd="sng" algn="ctr">
+        <a:solidFill>
+          <a:schemeClr val="tx1">
+            <a:lumMod val="5000"/>
+            <a:lumOff val="95000"/>
+          </a:schemeClr>
+        </a:solidFill>
+        <a:round/>
+      </a:ln>
+    </cs:spPr>
+  </cs:gridlineMinor>
+  <cs:hiLoLine>
+    <cs:lnRef idx="0"/>
+    <cs:fillRef idx="0"/>
+    <cs:effectRef idx="0"/>
+    <cs:fontRef idx="minor">
+      <a:schemeClr val="tx1"/>
+    </cs:fontRef>
+    <cs:spPr>
+      <a:ln w="9525" cap="flat" cmpd="sng" algn="ctr">
+        <a:solidFill>
+          <a:schemeClr val="tx1">
+            <a:lumMod val="75000"/>
+            <a:lumOff val="25000"/>
+          </a:schemeClr>
+        </a:solidFill>
+        <a:round/>
+      </a:ln>
+    </cs:spPr>
+  </cs:hiLoLine>
+  <cs:leaderLine>
+    <cs:lnRef idx="0"/>
+    <cs:fillRef idx="0"/>
+    <cs:effectRef idx="0"/>
+    <cs:fontRef idx="minor">
+      <a:schemeClr val="tx1"/>
+    </cs:fontRef>
+    <cs:spPr>
+      <a:ln w="9525" cap="flat" cmpd="sng" algn="ctr">
+        <a:solidFill>
+          <a:schemeClr val="tx1">
+            <a:lumMod val="35000"/>
+            <a:lumOff val="65000"/>
+          </a:schemeClr>
+        </a:solidFill>
+        <a:round/>
+      </a:ln>
+    </cs:spPr>
+  </cs:leaderLine>
+  <cs:legend>
+    <cs:lnRef idx="0"/>
+    <cs:fillRef idx="0"/>
+    <cs:effectRef idx="0"/>
+    <cs:fontRef idx="minor">
+      <a:schemeClr val="tx1">
+        <a:lumMod val="65000"/>
+        <a:lumOff val="35000"/>
+      </a:schemeClr>
+    </cs:fontRef>
+    <cs:defRPr sz="900" kern="1200"/>
+  </cs:legend>
+  <cs:plotArea mods="allowNoFillOverride allowNoLineOverride">
+    <cs:lnRef idx="0"/>
+    <cs:fillRef idx="0"/>
+    <cs:effectRef idx="0"/>
+    <cs:fontRef idx="minor">
+      <a:schemeClr val="tx1"/>
+    </cs:fontRef>
+  </cs:plotArea>
+  <cs:plotArea3D mods="allowNoFillOverride allowNoLineOverride">
+    <cs:lnRef idx="0"/>
+    <cs:fillRef idx="0"/>
+    <cs:effectRef idx="0"/>
+    <cs:fontRef idx="minor">
+      <a:schemeClr val="tx1"/>
+    </cs:fontRef>
+  </cs:plotArea3D>
+  <cs:seriesAxis>
+    <cs:lnRef idx="0"/>
+    <cs:fillRef idx="0"/>
+    <cs:effectRef idx="0"/>
+    <cs:fontRef idx="minor">
+      <a:schemeClr val="tx1">
+        <a:lumMod val="65000"/>
+        <a:lumOff val="35000"/>
+      </a:schemeClr>
+    </cs:fontRef>
+    <cs:defRPr sz="900" kern="1200"/>
+  </cs:seriesAxis>
+  <cs:seriesLine>
+    <cs:lnRef idx="0"/>
+    <cs:fillRef idx="0"/>
+    <cs:effectRef idx="0"/>
+    <cs:fontRef idx="minor">
+      <a:schemeClr val="tx1"/>
+    </cs:fontRef>
+    <cs:spPr>
+      <a:ln w="9525" cap="flat" cmpd="sng" algn="ctr">
+        <a:solidFill>
+          <a:schemeClr val="tx1">
+            <a:lumMod val="35000"/>
+            <a:lumOff val="65000"/>
+          </a:schemeClr>
+        </a:solidFill>
+        <a:round/>
+      </a:ln>
+    </cs:spPr>
+  </cs:seriesLine>
+  <cs:title>
+    <cs:lnRef idx="0"/>
+    <cs:fillRef idx="0"/>
+    <cs:effectRef idx="0"/>
+    <cs:fontRef idx="minor">
+      <a:schemeClr val="tx1">
+        <a:lumMod val="65000"/>
+        <a:lumOff val="35000"/>
+      </a:schemeClr>
+    </cs:fontRef>
+    <cs:defRPr sz="1400" b="0" kern="1200" spc="0" baseline="0"/>
+  </cs:title>
+  <cs:trendline>
+    <cs:lnRef idx="0">
+      <cs:styleClr val="auto"/>
+    </cs:lnRef>
+    <cs:fillRef idx="0"/>
+    <cs:effectRef idx="0"/>
+    <cs:fontRef idx="minor">
+      <a:schemeClr val="tx1"/>
+    </cs:fontRef>
+    <cs:spPr>
+      <a:ln w="19050" cap="rnd">
+        <a:solidFill>
+          <a:schemeClr val="phClr"/>
+        </a:solidFill>
+        <a:prstDash val="sysDot"/>
+      </a:ln>
+    </cs:spPr>
+  </cs:trendline>
+  <cs:trendlineLabel>
+    <cs:lnRef idx="0"/>
+    <cs:fillRef idx="0"/>
+    <cs:effectRef idx="0"/>
+    <cs:fontRef idx="minor">
+      <a:schemeClr val="tx1">
+        <a:lumMod val="65000"/>
+        <a:lumOff val="35000"/>
+      </a:schemeClr>
+    </cs:fontRef>
+    <cs:defRPr sz="900" kern="1200"/>
+  </cs:trendlineLabel>
+  <cs:upBar>
+    <cs:lnRef idx="0"/>
+    <cs:fillRef idx="0"/>
+    <cs:effectRef idx="0"/>
+    <cs:fontRef idx="minor">
+      <a:schemeClr val="dk1"/>
+    </cs:fontRef>
+    <cs:spPr>
+      <a:solidFill>
+        <a:schemeClr val="lt1"/>
+      </a:solidFill>
+      <a:ln w="9525">
+        <a:solidFill>
+          <a:schemeClr val="tx1">
+            <a:lumMod val="15000"/>
+            <a:lumOff val="85000"/>
+          </a:schemeClr>
+        </a:solidFill>
+      </a:ln>
+    </cs:spPr>
+  </cs:upBar>
+  <cs:valueAxis>
+    <cs:lnRef idx="0"/>
+    <cs:fillRef idx="0"/>
+    <cs:effectRef idx="0"/>
+    <cs:fontRef idx="minor">
+      <a:schemeClr val="tx1">
+        <a:lumMod val="65000"/>
+        <a:lumOff val="35000"/>
+      </a:schemeClr>
+    </cs:fontRef>
+    <cs:defRPr sz="900" kern="1200"/>
+  </cs:valueAxis>
+  <cs:wall>
+    <cs:lnRef idx="0"/>
+    <cs:fillRef idx="0"/>
+    <cs:effectRef idx="0"/>
+    <cs:fontRef idx="minor">
+      <a:schemeClr val="tx1"/>
+    </cs:fontRef>
+    <cs:spPr>
+      <a:noFill/>
+      <a:ln>
+        <a:noFill/>
+      </a:ln>
+    </cs:spPr>
+  </cs:wall>
+</cs:chartStyle>
+</file>
+
+<file path=ppt/charts/style4.xml><?xml version="1.0" encoding="utf-8"?>
+<cs:chartStyle xmlns:cs="http://schemas.microsoft.com/office/drawing/2012/chartStyle" xmlns:a="http://schemas.openxmlformats.org/drawingml/2006/main" id="227">
+  <cs:axisTitle>
+    <cs:lnRef idx="0"/>
+    <cs:fillRef idx="0"/>
+    <cs:effectRef idx="0"/>
+    <cs:fontRef idx="minor">
+      <a:schemeClr val="tx1">
+        <a:lumMod val="65000"/>
+        <a:lumOff val="35000"/>
+      </a:schemeClr>
+    </cs:fontRef>
+    <cs:defRPr sz="1000" kern="1200"/>
+  </cs:axisTitle>
+  <cs:categoryAxis>
+    <cs:lnRef idx="0"/>
+    <cs:fillRef idx="0"/>
+    <cs:effectRef idx="0"/>
+    <cs:fontRef idx="minor">
+      <a:schemeClr val="tx1">
+        <a:lumMod val="65000"/>
+        <a:lumOff val="35000"/>
+      </a:schemeClr>
+    </cs:fontRef>
+    <cs:spPr>
+      <a:ln w="9525" cap="flat" cmpd="sng" algn="ctr">
+        <a:solidFill>
+          <a:schemeClr val="tx1">
+            <a:lumMod val="15000"/>
+            <a:lumOff val="85000"/>
+          </a:schemeClr>
+        </a:solidFill>
+        <a:round/>
+      </a:ln>
+    </cs:spPr>
+    <cs:defRPr sz="900" kern="1200"/>
+  </cs:categoryAxis>
+  <cs:chartArea mods="allowNoFillOverride allowNoLineOverride">
+    <cs:lnRef idx="0"/>
+    <cs:fillRef idx="0"/>
+    <cs:effectRef idx="0"/>
+    <cs:fontRef idx="minor">
+      <a:schemeClr val="tx1"/>
+    </cs:fontRef>
+    <cs:spPr>
+      <a:solidFill>
+        <a:schemeClr val="bg1"/>
+      </a:solidFill>
+      <a:ln w="9525" cap="flat" cmpd="sng" algn="ctr">
+        <a:solidFill>
+          <a:schemeClr val="tx1">
+            <a:lumMod val="15000"/>
+            <a:lumOff val="85000"/>
+          </a:schemeClr>
+        </a:solidFill>
+        <a:round/>
+      </a:ln>
+    </cs:spPr>
+    <cs:defRPr sz="1000" kern="1200"/>
+  </cs:chartArea>
+  <cs:dataLabel>
+    <cs:lnRef idx="0"/>
+    <cs:fillRef idx="0"/>
+    <cs:effectRef idx="0"/>
+    <cs:fontRef idx="minor">
+      <a:schemeClr val="tx1">
+        <a:lumMod val="75000"/>
+        <a:lumOff val="25000"/>
+      </a:schemeClr>
+    </cs:fontRef>
+    <cs:defRPr sz="900" kern="1200"/>
+  </cs:dataLabel>
+  <cs:dataLabelCallout>
+    <cs:lnRef idx="0"/>
+    <cs:fillRef idx="0"/>
+    <cs:effectRef idx="0"/>
+    <cs:fontRef idx="minor">
+      <a:schemeClr val="dk1">
+        <a:lumMod val="65000"/>
+        <a:lumOff val="35000"/>
+      </a:schemeClr>
+    </cs:fontRef>
+    <cs:spPr>
+      <a:solidFill>
+        <a:schemeClr val="lt1"/>
+      </a:solidFill>
+      <a:ln>
+        <a:solidFill>
+          <a:schemeClr val="dk1">
+            <a:lumMod val="25000"/>
+            <a:lumOff val="75000"/>
+          </a:schemeClr>
+        </a:solidFill>
+      </a:ln>
+    </cs:spPr>
+    <cs:defRPr sz="900" kern="1200"/>
+    <cs:bodyPr rot="0" spcFirstLastPara="1" vertOverflow="clip" horzOverflow="clip" vert="horz" wrap="square" lIns="36576" tIns="18288" rIns="36576" bIns="18288" anchor="ctr" anchorCtr="1">
+      <a:spAutoFit/>
+    </cs:bodyPr>
+  </cs:dataLabelCallout>
+  <cs:dataPoint>
+    <cs:lnRef idx="0"/>
+    <cs:fillRef idx="1">
+      <cs:styleClr val="auto"/>
+    </cs:fillRef>
+    <cs:effectRef idx="0"/>
+    <cs:fontRef idx="minor">
+      <a:schemeClr val="tx1"/>
+    </cs:fontRef>
+    <cs:spPr>
+      <a:solidFill>
+        <a:schemeClr val="phClr"/>
+      </a:solidFill>
+    </cs:spPr>
+  </cs:dataPoint>
+  <cs:dataPoint3D>
+    <cs:lnRef idx="0"/>
+    <cs:fillRef idx="1">
+      <cs:styleClr val="auto"/>
+    </cs:fillRef>
+    <cs:effectRef idx="0"/>
+    <cs:fontRef idx="minor">
+      <a:schemeClr val="tx1"/>
+    </cs:fontRef>
+    <cs:spPr>
+      <a:solidFill>
+        <a:schemeClr val="phClr"/>
+      </a:solidFill>
+    </cs:spPr>
+  </cs:dataPoint3D>
+  <cs:dataPointLine>
+    <cs:lnRef idx="0">
+      <cs:styleClr val="auto"/>
+    </cs:lnRef>
+    <cs:fillRef idx="1"/>
+    <cs:effectRef idx="0"/>
+    <cs:fontRef idx="minor">
+      <a:schemeClr val="tx1"/>
+    </cs:fontRef>
+    <cs:spPr>
+      <a:ln w="28575" cap="rnd">
+        <a:solidFill>
+          <a:schemeClr val="phClr"/>
+        </a:solidFill>
+        <a:round/>
+      </a:ln>
+    </cs:spPr>
+  </cs:dataPointLine>
+  <cs:dataPointMarker>
+    <cs:lnRef idx="0">
+      <cs:styleClr val="auto"/>
+    </cs:lnRef>
+    <cs:fillRef idx="1">
+      <cs:styleClr val="auto"/>
+    </cs:fillRef>
+    <cs:effectRef idx="0"/>
+    <cs:fontRef idx="minor">
+      <a:schemeClr val="tx1"/>
+    </cs:fontRef>
+    <cs:spPr>
+      <a:solidFill>
+        <a:schemeClr val="phClr"/>
+      </a:solidFill>
+      <a:ln w="9525">
+        <a:solidFill>
+          <a:schemeClr val="phClr"/>
+        </a:solidFill>
+      </a:ln>
+    </cs:spPr>
+  </cs:dataPointMarker>
+  <cs:dataPointMarkerLayout symbol="circle" size="5"/>
+  <cs:dataPointWireframe>
+    <cs:lnRef idx="0">
+      <cs:styleClr val="auto"/>
+    </cs:lnRef>
+    <cs:fillRef idx="1"/>
+    <cs:effectRef idx="0"/>
+    <cs:fontRef idx="minor">
+      <a:schemeClr val="tx1"/>
+    </cs:fontRef>
+    <cs:spPr>
+      <a:ln w="9525" cap="rnd">
+        <a:solidFill>
+          <a:schemeClr val="phClr"/>
+        </a:solidFill>
+        <a:round/>
+      </a:ln>
+    </cs:spPr>
+  </cs:dataPointWireframe>
+  <cs:dataTable>
+    <cs:lnRef idx="0"/>
+    <cs:fillRef idx="0"/>
+    <cs:effectRef idx="0"/>
+    <cs:fontRef idx="minor">
+      <a:schemeClr val="tx1">
+        <a:lumMod val="65000"/>
+        <a:lumOff val="35000"/>
+      </a:schemeClr>
+    </cs:fontRef>
+    <cs:spPr>
+      <a:noFill/>
+      <a:ln w="9525" cap="flat" cmpd="sng" algn="ctr">
+        <a:solidFill>
+          <a:schemeClr val="tx1">
+            <a:lumMod val="15000"/>
+            <a:lumOff val="85000"/>
+          </a:schemeClr>
+        </a:solidFill>
+        <a:round/>
+      </a:ln>
+    </cs:spPr>
+    <cs:defRPr sz="900" kern="1200"/>
+  </cs:dataTable>
+  <cs:downBar>
+    <cs:lnRef idx="0"/>
+    <cs:fillRef idx="0"/>
+    <cs:effectRef idx="0"/>
+    <cs:fontRef idx="minor">
+      <a:schemeClr val="dk1"/>
+    </cs:fontRef>
+    <cs:spPr>
+      <a:solidFill>
+        <a:schemeClr val="dk1">
+          <a:lumMod val="65000"/>
+          <a:lumOff val="35000"/>
+        </a:schemeClr>
+      </a:solidFill>
+      <a:ln w="9525">
+        <a:solidFill>
+          <a:schemeClr val="tx1">
+            <a:lumMod val="65000"/>
+            <a:lumOff val="35000"/>
+          </a:schemeClr>
+        </a:solidFill>
+      </a:ln>
+    </cs:spPr>
+  </cs:downBar>
+  <cs:dropLine>
+    <cs:lnRef idx="0"/>
+    <cs:fillRef idx="0"/>
+    <cs:effectRef idx="0"/>
+    <cs:fontRef idx="minor">
+      <a:schemeClr val="tx1"/>
+    </cs:fontRef>
+    <cs:spPr>
+      <a:ln w="9525" cap="flat" cmpd="sng" algn="ctr">
+        <a:solidFill>
+          <a:schemeClr val="tx1">
+            <a:lumMod val="35000"/>
+            <a:lumOff val="65000"/>
+          </a:schemeClr>
+        </a:solidFill>
+        <a:round/>
+      </a:ln>
+    </cs:spPr>
+  </cs:dropLine>
+  <cs:errorBar>
+    <cs:lnRef idx="0"/>
+    <cs:fillRef idx="0"/>
+    <cs:effectRef idx="0"/>
+    <cs:fontRef idx="minor">
+      <a:schemeClr val="tx1"/>
+    </cs:fontRef>
+    <cs:spPr>
+      <a:ln w="9525" cap="flat" cmpd="sng" algn="ctr">
+        <a:solidFill>
+          <a:schemeClr val="tx1">
+            <a:lumMod val="65000"/>
+            <a:lumOff val="35000"/>
+          </a:schemeClr>
+        </a:solidFill>
+        <a:round/>
+      </a:ln>
+    </cs:spPr>
+  </cs:errorBar>
+  <cs:floor>
+    <cs:lnRef idx="0"/>
+    <cs:fillRef idx="0"/>
+    <cs:effectRef idx="0"/>
+    <cs:fontRef idx="minor">
+      <a:schemeClr val="tx1"/>
+    </cs:fontRef>
+    <cs:spPr>
+      <a:noFill/>
+      <a:ln>
+        <a:noFill/>
+      </a:ln>
+    </cs:spPr>
+  </cs:floor>
+  <cs:gridlineMajor>
+    <cs:lnRef idx="0"/>
+    <cs:fillRef idx="0"/>
+    <cs:effectRef idx="0"/>
+    <cs:fontRef idx="minor">
+      <a:schemeClr val="tx1"/>
+    </cs:fontRef>
+    <cs:spPr>
+      <a:ln w="9525" cap="flat" cmpd="sng" algn="ctr">
+        <a:solidFill>
+          <a:schemeClr val="tx1">
+            <a:lumMod val="15000"/>
+            <a:lumOff val="85000"/>
+          </a:schemeClr>
+        </a:solidFill>
+        <a:round/>
+      </a:ln>
+    </cs:spPr>
+  </cs:gridlineMajor>
+  <cs:gridlineMinor>
+    <cs:lnRef idx="0"/>
+    <cs:fillRef idx="0"/>
+    <cs:effectRef idx="0"/>
+    <cs:fontRef idx="minor">
+      <a:schemeClr val="tx1"/>
+    </cs:fontRef>
+    <cs:spPr>
+      <a:ln w="9525" cap="flat" cmpd="sng" algn="ctr">
+        <a:solidFill>
+          <a:schemeClr val="tx1">
+            <a:lumMod val="5000"/>
+            <a:lumOff val="95000"/>
+          </a:schemeClr>
+        </a:solidFill>
+        <a:round/>
+      </a:ln>
+    </cs:spPr>
+  </cs:gridlineMinor>
+  <cs:hiLoLine>
+    <cs:lnRef idx="0"/>
+    <cs:fillRef idx="0"/>
+    <cs:effectRef idx="0"/>
+    <cs:fontRef idx="minor">
+      <a:schemeClr val="tx1"/>
+    </cs:fontRef>
+    <cs:spPr>
+      <a:ln w="9525" cap="flat" cmpd="sng" algn="ctr">
+        <a:solidFill>
+          <a:schemeClr val="tx1">
+            <a:lumMod val="75000"/>
+            <a:lumOff val="25000"/>
+          </a:schemeClr>
+        </a:solidFill>
+        <a:round/>
+      </a:ln>
+    </cs:spPr>
+  </cs:hiLoLine>
+  <cs:leaderLine>
+    <cs:lnRef idx="0"/>
+    <cs:fillRef idx="0"/>
+    <cs:effectRef idx="0"/>
+    <cs:fontRef idx="minor">
+      <a:schemeClr val="tx1"/>
+    </cs:fontRef>
+    <cs:spPr>
+      <a:ln w="9525" cap="flat" cmpd="sng" algn="ctr">
+        <a:solidFill>
+          <a:schemeClr val="tx1">
+            <a:lumMod val="35000"/>
+            <a:lumOff val="65000"/>
+          </a:schemeClr>
+        </a:solidFill>
+        <a:round/>
+      </a:ln>
+    </cs:spPr>
+  </cs:leaderLine>
+  <cs:legend>
+    <cs:lnRef idx="0"/>
+    <cs:fillRef idx="0"/>
+    <cs:effectRef idx="0"/>
+    <cs:fontRef idx="minor">
+      <a:schemeClr val="tx1">
+        <a:lumMod val="65000"/>
+        <a:lumOff val="35000"/>
+      </a:schemeClr>
+    </cs:fontRef>
+    <cs:defRPr sz="900" kern="1200"/>
+  </cs:legend>
+  <cs:plotArea mods="allowNoFillOverride allowNoLineOverride">
+    <cs:lnRef idx="0"/>
+    <cs:fillRef idx="0"/>
+    <cs:effectRef idx="0"/>
+    <cs:fontRef idx="minor">
+      <a:schemeClr val="tx1"/>
+    </cs:fontRef>
+  </cs:plotArea>
+  <cs:plotArea3D mods="allowNoFillOverride allowNoLineOverride">
+    <cs:lnRef idx="0"/>
+    <cs:fillRef idx="0"/>
+    <cs:effectRef idx="0"/>
+    <cs:fontRef idx="minor">
+      <a:schemeClr val="tx1"/>
+    </cs:fontRef>
+  </cs:plotArea3D>
+  <cs:seriesAxis>
+    <cs:lnRef idx="0"/>
+    <cs:fillRef idx="0"/>
+    <cs:effectRef idx="0"/>
+    <cs:fontRef idx="minor">
+      <a:schemeClr val="tx1">
+        <a:lumMod val="65000"/>
+        <a:lumOff val="35000"/>
+      </a:schemeClr>
+    </cs:fontRef>
+    <cs:defRPr sz="900" kern="1200"/>
+  </cs:seriesAxis>
+  <cs:seriesLine>
+    <cs:lnRef idx="0"/>
+    <cs:fillRef idx="0"/>
+    <cs:effectRef idx="0"/>
+    <cs:fontRef idx="minor">
+      <a:schemeClr val="tx1"/>
+    </cs:fontRef>
+    <cs:spPr>
+      <a:ln w="9525" cap="flat" cmpd="sng" algn="ctr">
+        <a:solidFill>
+          <a:schemeClr val="tx1">
+            <a:lumMod val="35000"/>
+            <a:lumOff val="65000"/>
+          </a:schemeClr>
+        </a:solidFill>
+        <a:round/>
+      </a:ln>
+    </cs:spPr>
+  </cs:seriesLine>
+  <cs:title>
+    <cs:lnRef idx="0"/>
+    <cs:fillRef idx="0"/>
+    <cs:effectRef idx="0"/>
+    <cs:fontRef idx="minor">
+      <a:schemeClr val="tx1">
+        <a:lumMod val="65000"/>
+        <a:lumOff val="35000"/>
+      </a:schemeClr>
+    </cs:fontRef>
+    <cs:defRPr sz="1400" b="0" kern="1200" spc="0" baseline="0"/>
+  </cs:title>
+  <cs:trendline>
+    <cs:lnRef idx="0">
+      <cs:styleClr val="auto"/>
+    </cs:lnRef>
+    <cs:fillRef idx="0"/>
+    <cs:effectRef idx="0"/>
+    <cs:fontRef idx="minor">
+      <a:schemeClr val="tx1"/>
+    </cs:fontRef>
+    <cs:spPr>
+      <a:ln w="19050" cap="rnd">
+        <a:solidFill>
+          <a:schemeClr val="phClr"/>
+        </a:solidFill>
+        <a:prstDash val="sysDot"/>
+      </a:ln>
+    </cs:spPr>
+  </cs:trendline>
+  <cs:trendlineLabel>
+    <cs:lnRef idx="0"/>
+    <cs:fillRef idx="0"/>
+    <cs:effectRef idx="0"/>
+    <cs:fontRef idx="minor">
+      <a:schemeClr val="tx1">
+        <a:lumMod val="65000"/>
+        <a:lumOff val="35000"/>
+      </a:schemeClr>
+    </cs:fontRef>
+    <cs:defRPr sz="900" kern="1200"/>
+  </cs:trendlineLabel>
+  <cs:upBar>
+    <cs:lnRef idx="0"/>
+    <cs:fillRef idx="0"/>
+    <cs:effectRef idx="0"/>
+    <cs:fontRef idx="minor">
+      <a:schemeClr val="dk1"/>
+    </cs:fontRef>
+    <cs:spPr>
+      <a:solidFill>
+        <a:schemeClr val="lt1"/>
+      </a:solidFill>
+      <a:ln w="9525">
+        <a:solidFill>
+          <a:schemeClr val="tx1">
+            <a:lumMod val="15000"/>
+            <a:lumOff val="85000"/>
+          </a:schemeClr>
+        </a:solidFill>
+      </a:ln>
+    </cs:spPr>
+  </cs:upBar>
+  <cs:valueAxis>
+    <cs:lnRef idx="0"/>
+    <cs:fillRef idx="0"/>
+    <cs:effectRef idx="0"/>
+    <cs:fontRef idx="minor">
+      <a:schemeClr val="tx1">
+        <a:lumMod val="65000"/>
+        <a:lumOff val="35000"/>
+      </a:schemeClr>
+    </cs:fontRef>
+    <cs:defRPr sz="900" kern="1200"/>
+  </cs:valueAxis>
+  <cs:wall>
+    <cs:lnRef idx="0"/>
+    <cs:fillRef idx="0"/>
+    <cs:effectRef idx="0"/>
+    <cs:fontRef idx="minor">
+      <a:schemeClr val="tx1"/>
+    </cs:fontRef>
+    <cs:spPr>
+      <a:noFill/>
+      <a:ln>
+        <a:noFill/>
+      </a:ln>
+    </cs:spPr>
+  </cs:wall>
+</cs:chartStyle>
+</file>
+
 <file path=ppt/notesMasters/notesMaster1.xml><?xml version="1.0" encoding="utf-8"?>
 <p:notesMaster xmlns:a="http://schemas.openxmlformats.org/drawingml/2006/main" xmlns:r="http://schemas.openxmlformats.org/officeDocument/2006/relationships" xmlns:p="http://schemas.openxmlformats.org/presentationml/2006/main">
   <p:cSld>
@@ -231,7 +4799,7 @@
             <a:fld id="{7F7D3EAB-15AD-48D2-905D-82447A88FB1E}" type="datetimeFigureOut">
               <a:rPr lang="ko-KR" altLang="en-US" smtClean="0"/>
               <a:pPr/>
-              <a:t>2019-01-03</a:t>
+              <a:t>2019-01-04</a:t>
             </a:fld>
             <a:endParaRPr lang="ko-KR" altLang="en-US"/>
           </a:p>
@@ -695,7 +5263,7 @@
             <a:fld id="{ACBF3CD0-8F41-44D1-9CA9-6A32729F84EB}" type="datetimeFigureOut">
               <a:rPr lang="ko-KR" altLang="en-US" smtClean="0"/>
               <a:pPr/>
-              <a:t>2019-01-03</a:t>
+              <a:t>2019-01-04</a:t>
             </a:fld>
             <a:endParaRPr lang="ko-KR" altLang="en-US"/>
           </a:p>
@@ -900,7 +5468,7 @@
             <a:fld id="{ACBF3CD0-8F41-44D1-9CA9-6A32729F84EB}" type="datetimeFigureOut">
               <a:rPr lang="ko-KR" altLang="en-US" smtClean="0"/>
               <a:pPr/>
-              <a:t>2019-01-03</a:t>
+              <a:t>2019-01-04</a:t>
             </a:fld>
             <a:endParaRPr lang="ko-KR" altLang="en-US"/>
           </a:p>
@@ -1105,7 +5673,7 @@
             <a:fld id="{ACBF3CD0-8F41-44D1-9CA9-6A32729F84EB}" type="datetimeFigureOut">
               <a:rPr lang="ko-KR" altLang="en-US" smtClean="0"/>
               <a:pPr/>
-              <a:t>2019-01-03</a:t>
+              <a:t>2019-01-04</a:t>
             </a:fld>
             <a:endParaRPr lang="ko-KR" altLang="en-US"/>
           </a:p>
@@ -1358,7 +5926,7 @@
             <a:fld id="{7AB4EE3C-DBCB-4341-8282-D1B7431DE8D5}" type="datetimeFigureOut">
               <a:rPr lang="ko-KR" altLang="en-US" smtClean="0"/>
               <a:pPr/>
-              <a:t>2019-01-03</a:t>
+              <a:t>2019-01-04</a:t>
             </a:fld>
             <a:endParaRPr lang="ko-KR" altLang="en-US"/>
           </a:p>
@@ -1523,7 +6091,7 @@
             <a:fld id="{7AB4EE3C-DBCB-4341-8282-D1B7431DE8D5}" type="datetimeFigureOut">
               <a:rPr lang="ko-KR" altLang="en-US" smtClean="0"/>
               <a:pPr/>
-              <a:t>2019-01-03</a:t>
+              <a:t>2019-01-04</a:t>
             </a:fld>
             <a:endParaRPr lang="ko-KR" altLang="en-US"/>
           </a:p>
@@ -1765,7 +6333,7 @@
             <a:fld id="{7AB4EE3C-DBCB-4341-8282-D1B7431DE8D5}" type="datetimeFigureOut">
               <a:rPr lang="ko-KR" altLang="en-US" smtClean="0"/>
               <a:pPr/>
-              <a:t>2019-01-03</a:t>
+              <a:t>2019-01-04</a:t>
             </a:fld>
             <a:endParaRPr lang="ko-KR" altLang="en-US"/>
           </a:p>
@@ -2047,7 +6615,7 @@
             <a:fld id="{7AB4EE3C-DBCB-4341-8282-D1B7431DE8D5}" type="datetimeFigureOut">
               <a:rPr lang="ko-KR" altLang="en-US" smtClean="0"/>
               <a:pPr/>
-              <a:t>2019-01-03</a:t>
+              <a:t>2019-01-04</a:t>
             </a:fld>
             <a:endParaRPr lang="ko-KR" altLang="en-US"/>
           </a:p>
@@ -2463,7 +7031,7 @@
             <a:fld id="{7AB4EE3C-DBCB-4341-8282-D1B7431DE8D5}" type="datetimeFigureOut">
               <a:rPr lang="ko-KR" altLang="en-US" smtClean="0"/>
               <a:pPr/>
-              <a:t>2019-01-03</a:t>
+              <a:t>2019-01-04</a:t>
             </a:fld>
             <a:endParaRPr lang="ko-KR" altLang="en-US"/>
           </a:p>
@@ -2577,7 +7145,7 @@
             <a:fld id="{7AB4EE3C-DBCB-4341-8282-D1B7431DE8D5}" type="datetimeFigureOut">
               <a:rPr lang="ko-KR" altLang="en-US" smtClean="0"/>
               <a:pPr/>
-              <a:t>2019-01-03</a:t>
+              <a:t>2019-01-04</a:t>
             </a:fld>
             <a:endParaRPr lang="ko-KR" altLang="en-US"/>
           </a:p>
@@ -2669,7 +7237,7 @@
             <a:fld id="{7AB4EE3C-DBCB-4341-8282-D1B7431DE8D5}" type="datetimeFigureOut">
               <a:rPr lang="ko-KR" altLang="en-US" smtClean="0"/>
               <a:pPr/>
-              <a:t>2019-01-03</a:t>
+              <a:t>2019-01-04</a:t>
             </a:fld>
             <a:endParaRPr lang="ko-KR" altLang="en-US"/>
           </a:p>
@@ -2941,7 +7509,7 @@
             <a:fld id="{7AB4EE3C-DBCB-4341-8282-D1B7431DE8D5}" type="datetimeFigureOut">
               <a:rPr lang="ko-KR" altLang="en-US" smtClean="0"/>
               <a:pPr/>
-              <a:t>2019-01-03</a:t>
+              <a:t>2019-01-04</a:t>
             </a:fld>
             <a:endParaRPr lang="ko-KR" altLang="en-US"/>
           </a:p>
@@ -3130,7 +7698,7 @@
             <a:fld id="{ACBF3CD0-8F41-44D1-9CA9-6A32729F84EB}" type="datetimeFigureOut">
               <a:rPr lang="ko-KR" altLang="en-US" smtClean="0"/>
               <a:pPr/>
-              <a:t>2019-01-03</a:t>
+              <a:t>2019-01-04</a:t>
             </a:fld>
             <a:endParaRPr lang="ko-KR" altLang="en-US"/>
           </a:p>
@@ -3395,7 +7963,7 @@
             <a:fld id="{7AB4EE3C-DBCB-4341-8282-D1B7431DE8D5}" type="datetimeFigureOut">
               <a:rPr lang="ko-KR" altLang="en-US" smtClean="0"/>
               <a:pPr/>
-              <a:t>2019-01-03</a:t>
+              <a:t>2019-01-04</a:t>
             </a:fld>
             <a:endParaRPr lang="ko-KR" altLang="en-US"/>
           </a:p>
@@ -3560,7 +8128,7 @@
             <a:fld id="{7AB4EE3C-DBCB-4341-8282-D1B7431DE8D5}" type="datetimeFigureOut">
               <a:rPr lang="ko-KR" altLang="en-US" smtClean="0"/>
               <a:pPr/>
-              <a:t>2019-01-03</a:t>
+              <a:t>2019-01-04</a:t>
             </a:fld>
             <a:endParaRPr lang="ko-KR" altLang="en-US"/>
           </a:p>
@@ -3735,7 +8303,7 @@
             <a:fld id="{7AB4EE3C-DBCB-4341-8282-D1B7431DE8D5}" type="datetimeFigureOut">
               <a:rPr lang="ko-KR" altLang="en-US" smtClean="0"/>
               <a:pPr/>
-              <a:t>2019-01-03</a:t>
+              <a:t>2019-01-04</a:t>
             </a:fld>
             <a:endParaRPr lang="ko-KR" altLang="en-US"/>
           </a:p>
@@ -3978,7 +8546,7 @@
                 </a:solidFill>
               </a:rPr>
               <a:pPr/>
-              <a:t>2019-01-03</a:t>
+              <a:t>2019-01-04</a:t>
             </a:fld>
             <a:endParaRPr lang="ko-KR" altLang="en-US">
               <a:solidFill>
@@ -4173,7 +8741,7 @@
                 </a:solidFill>
               </a:rPr>
               <a:pPr/>
-              <a:t>2019-01-03</a:t>
+              <a:t>2019-01-04</a:t>
             </a:fld>
             <a:endParaRPr lang="ko-KR" altLang="en-US">
               <a:solidFill>
@@ -4445,7 +9013,7 @@
                 </a:solidFill>
               </a:rPr>
               <a:pPr/>
-              <a:t>2019-01-03</a:t>
+              <a:t>2019-01-04</a:t>
             </a:fld>
             <a:endParaRPr lang="ko-KR" altLang="en-US">
               <a:solidFill>
@@ -4757,7 +9325,7 @@
                 </a:solidFill>
               </a:rPr>
               <a:pPr/>
-              <a:t>2019-01-03</a:t>
+              <a:t>2019-01-04</a:t>
             </a:fld>
             <a:endParaRPr lang="ko-KR" altLang="en-US">
               <a:solidFill>
@@ -5203,7 +9771,7 @@
                 </a:solidFill>
               </a:rPr>
               <a:pPr/>
-              <a:t>2019-01-03</a:t>
+              <a:t>2019-01-04</a:t>
             </a:fld>
             <a:endParaRPr lang="ko-KR" altLang="en-US">
               <a:solidFill>
@@ -5347,7 +9915,7 @@
                 </a:solidFill>
               </a:rPr>
               <a:pPr/>
-              <a:t>2019-01-03</a:t>
+              <a:t>2019-01-04</a:t>
             </a:fld>
             <a:endParaRPr lang="ko-KR" altLang="en-US">
               <a:solidFill>
@@ -5469,7 +10037,7 @@
                 </a:solidFill>
               </a:rPr>
               <a:pPr/>
-              <a:t>2019-01-03</a:t>
+              <a:t>2019-01-04</a:t>
             </a:fld>
             <a:endParaRPr lang="ko-KR" altLang="en-US">
               <a:solidFill>
@@ -5749,7 +10317,7 @@
             <a:fld id="{ACBF3CD0-8F41-44D1-9CA9-6A32729F84EB}" type="datetimeFigureOut">
               <a:rPr lang="ko-KR" altLang="en-US" smtClean="0"/>
               <a:pPr/>
-              <a:t>2019-01-03</a:t>
+              <a:t>2019-01-04</a:t>
             </a:fld>
             <a:endParaRPr lang="ko-KR" altLang="en-US"/>
           </a:p>
@@ -6043,7 +10611,7 @@
                 </a:solidFill>
               </a:rPr>
               <a:pPr/>
-              <a:t>2019-01-03</a:t>
+              <a:t>2019-01-04</a:t>
             </a:fld>
             <a:endParaRPr lang="ko-KR" altLang="en-US">
               <a:solidFill>
@@ -6322,7 +10890,7 @@
                 </a:solidFill>
               </a:rPr>
               <a:pPr/>
-              <a:t>2019-01-03</a:t>
+              <a:t>2019-01-04</a:t>
             </a:fld>
             <a:endParaRPr lang="ko-KR" altLang="en-US">
               <a:solidFill>
@@ -6517,7 +11085,7 @@
                 </a:solidFill>
               </a:rPr>
               <a:pPr/>
-              <a:t>2019-01-03</a:t>
+              <a:t>2019-01-04</a:t>
             </a:fld>
             <a:endParaRPr lang="ko-KR" altLang="en-US">
               <a:solidFill>
@@ -6722,7 +11290,7 @@
                 </a:solidFill>
               </a:rPr>
               <a:pPr/>
-              <a:t>2019-01-03</a:t>
+              <a:t>2019-01-04</a:t>
             </a:fld>
             <a:endParaRPr lang="ko-KR" altLang="en-US">
               <a:solidFill>
@@ -7050,7 +11618,7 @@
             <a:fld id="{ACBF3CD0-8F41-44D1-9CA9-6A32729F84EB}" type="datetimeFigureOut">
               <a:rPr lang="ko-KR" altLang="en-US" smtClean="0"/>
               <a:pPr/>
-              <a:t>2019-01-03</a:t>
+              <a:t>2019-01-04</a:t>
             </a:fld>
             <a:endParaRPr lang="ko-KR" altLang="en-US"/>
           </a:p>
@@ -7510,7 +12078,7 @@
             <a:fld id="{ACBF3CD0-8F41-44D1-9CA9-6A32729F84EB}" type="datetimeFigureOut">
               <a:rPr lang="ko-KR" altLang="en-US" smtClean="0"/>
               <a:pPr/>
-              <a:t>2019-01-03</a:t>
+              <a:t>2019-01-04</a:t>
             </a:fld>
             <a:endParaRPr lang="ko-KR" altLang="en-US"/>
           </a:p>
@@ -7656,7 +12224,7 @@
             <a:fld id="{ACBF3CD0-8F41-44D1-9CA9-6A32729F84EB}" type="datetimeFigureOut">
               <a:rPr lang="ko-KR" altLang="en-US" smtClean="0"/>
               <a:pPr/>
-              <a:t>2019-01-03</a:t>
+              <a:t>2019-01-04</a:t>
             </a:fld>
             <a:endParaRPr lang="ko-KR" altLang="en-US"/>
           </a:p>
@@ -7772,7 +12340,7 @@
             <a:fld id="{ACBF3CD0-8F41-44D1-9CA9-6A32729F84EB}" type="datetimeFigureOut">
               <a:rPr lang="ko-KR" altLang="en-US" smtClean="0"/>
               <a:pPr/>
-              <a:t>2019-01-03</a:t>
+              <a:t>2019-01-04</a:t>
             </a:fld>
             <a:endParaRPr lang="ko-KR" altLang="en-US"/>
           </a:p>
@@ -8077,7 +12645,7 @@
             <a:fld id="{ACBF3CD0-8F41-44D1-9CA9-6A32729F84EB}" type="datetimeFigureOut">
               <a:rPr lang="ko-KR" altLang="en-US" smtClean="0"/>
               <a:pPr/>
-              <a:t>2019-01-03</a:t>
+              <a:t>2019-01-04</a:t>
             </a:fld>
             <a:endParaRPr lang="ko-KR" altLang="en-US"/>
           </a:p>
@@ -8359,7 +12927,7 @@
             <a:fld id="{ACBF3CD0-8F41-44D1-9CA9-6A32729F84EB}" type="datetimeFigureOut">
               <a:rPr lang="ko-KR" altLang="en-US" smtClean="0"/>
               <a:pPr/>
-              <a:t>2019-01-03</a:t>
+              <a:t>2019-01-04</a:t>
             </a:fld>
             <a:endParaRPr lang="ko-KR" altLang="en-US"/>
           </a:p>
@@ -9117,7 +13685,7 @@
             <a:fld id="{7AB4EE3C-DBCB-4341-8282-D1B7431DE8D5}" type="datetimeFigureOut">
               <a:rPr lang="ko-KR" altLang="en-US" smtClean="0"/>
               <a:pPr/>
-              <a:t>2019-01-03</a:t>
+              <a:t>2019-01-04</a:t>
             </a:fld>
             <a:endParaRPr lang="ko-KR" altLang="en-US"/>
           </a:p>
@@ -9628,7 +14196,7 @@
                 </a:solidFill>
               </a:rPr>
               <a:pPr/>
-              <a:t>2019-01-03</a:t>
+              <a:t>2019-01-04</a:t>
             </a:fld>
             <a:endParaRPr lang="ko-KR" altLang="en-US">
               <a:solidFill>
@@ -10200,6 +14768,13 @@
   <p:clrMapOvr>
     <a:masterClrMapping/>
   </p:clrMapOvr>
+  <p:timing>
+    <p:tnLst>
+      <p:par>
+        <p:cTn id="1" dur="indefinite" restart="never" nodeType="tmRoot"/>
+      </p:par>
+    </p:tnLst>
+  </p:timing>
 </p:sld>
 </file>
 
@@ -10310,14 +14885,14 @@
       </p:sp>
       <p:sp>
         <p:nvSpPr>
-          <p:cNvPr id="32" name="TextBox 31"/>
+          <p:cNvPr id="5" name="TextBox 4"/>
           <p:cNvSpPr txBox="1"/>
           <p:nvPr/>
         </p:nvSpPr>
         <p:spPr>
-          <a:xfrm rot="20403516">
-            <a:off x="755817" y="4076911"/>
-            <a:ext cx="5832648" cy="1446550"/>
+          <a:xfrm>
+            <a:off x="605850" y="2267744"/>
+            <a:ext cx="5832648" cy="461665"/>
           </a:xfrm>
           <a:prstGeom prst="rect">
             <a:avLst/>
@@ -10331,52 +14906,328 @@
           <a:lstStyle/>
           <a:p>
             <a:r>
-              <a:rPr lang="ko-KR" altLang="en-US" sz="4400" b="1" dirty="0">
-                <a:solidFill>
-                  <a:schemeClr val="bg1">
-                    <a:lumMod val="85000"/>
-                  </a:schemeClr>
-                </a:solidFill>
-              </a:rPr>
-              <a:t>뭔가 더 </a:t>
-            </a:r>
-            <a:r>
-              <a:rPr lang="ko-KR" altLang="en-US" sz="4400" b="1" err="1">
-                <a:solidFill>
-                  <a:schemeClr val="bg1">
-                    <a:lumMod val="85000"/>
-                  </a:schemeClr>
-                </a:solidFill>
-              </a:rPr>
-              <a:t>채워야할것</a:t>
-            </a:r>
-            <a:r>
-              <a:rPr lang="ko-KR" altLang="en-US" sz="4400" b="1">
-                <a:solidFill>
-                  <a:schemeClr val="bg1">
-                    <a:lumMod val="85000"/>
-                  </a:schemeClr>
-                </a:solidFill>
-              </a:rPr>
-              <a:t> 같은데</a:t>
-            </a:r>
-            <a:r>
-              <a:rPr lang="en-US" altLang="ko-KR" sz="4400" b="1" dirty="0">
-                <a:solidFill>
-                  <a:schemeClr val="bg1">
-                    <a:lumMod val="85000"/>
-                  </a:schemeClr>
-                </a:solidFill>
-              </a:rPr>
-              <a:t>……..</a:t>
-            </a:r>
-            <a:endParaRPr lang="ko-KR" altLang="en-US" sz="4400" b="1" dirty="0">
-              <a:solidFill>
-                <a:schemeClr val="bg1">
-                  <a:lumMod val="85000"/>
-                </a:schemeClr>
-              </a:solidFill>
-            </a:endParaRPr>
+              <a:rPr lang="ko-KR" altLang="en-US" sz="1200" dirty="0" smtClean="0"/>
+              <a:t>해당 운영 보고서는 크게 </a:t>
+            </a:r>
+            <a:r>
+              <a:rPr lang="en-US" altLang="ko-KR" sz="1200" dirty="0" smtClean="0"/>
+              <a:t>4</a:t>
+            </a:r>
+            <a:r>
+              <a:rPr lang="ko-KR" altLang="en-US" sz="1200" smtClean="0"/>
+              <a:t>개의 카테고리로 이루어져있습니다</a:t>
+            </a:r>
+            <a:r>
+              <a:rPr lang="en-US" altLang="ko-KR" sz="1200" dirty="0" smtClean="0"/>
+              <a:t>.</a:t>
+            </a:r>
+          </a:p>
+          <a:p>
+            <a:r>
+              <a:rPr lang="ko-KR" altLang="en-US" sz="1200" dirty="0" smtClean="0"/>
+              <a:t>각 항목에 해당되는 내용은 아래와 같습니다</a:t>
+            </a:r>
+            <a:r>
+              <a:rPr lang="en-US" altLang="ko-KR" sz="1200" dirty="0" smtClean="0"/>
+              <a:t>.</a:t>
+            </a:r>
+            <a:r>
+              <a:rPr lang="ko-KR" altLang="en-US" sz="1200" smtClean="0"/>
+              <a:t> </a:t>
+            </a:r>
+            <a:endParaRPr lang="ko-KR" altLang="en-US" sz="1200" dirty="0"/>
+          </a:p>
+        </p:txBody>
+      </p:sp>
+      <p:sp>
+        <p:nvSpPr>
+          <p:cNvPr id="6" name="TextBox 5"/>
+          <p:cNvSpPr txBox="1"/>
+          <p:nvPr/>
+        </p:nvSpPr>
+        <p:spPr>
+          <a:xfrm>
+            <a:off x="618260" y="3003185"/>
+            <a:ext cx="5832648" cy="369332"/>
+          </a:xfrm>
+          <a:prstGeom prst="rect">
+            <a:avLst/>
+          </a:prstGeom>
+          <a:noFill/>
+        </p:spPr>
+        <p:txBody>
+          <a:bodyPr wrap="square" rtlCol="0">
+            <a:spAutoFit/>
+          </a:bodyPr>
+          <a:lstStyle/>
+          <a:p>
+            <a:r>
+              <a:rPr lang="ko-KR" altLang="en-US" b="1" dirty="0" smtClean="0"/>
+              <a:t>요약</a:t>
+            </a:r>
+            <a:endParaRPr lang="ko-KR" altLang="en-US" b="1" dirty="0"/>
+          </a:p>
+        </p:txBody>
+      </p:sp>
+      <p:sp>
+        <p:nvSpPr>
+          <p:cNvPr id="7" name="TextBox 6"/>
+          <p:cNvSpPr txBox="1"/>
+          <p:nvPr/>
+        </p:nvSpPr>
+        <p:spPr>
+          <a:xfrm>
+            <a:off x="624465" y="3507950"/>
+            <a:ext cx="5832648" cy="276999"/>
+          </a:xfrm>
+          <a:prstGeom prst="rect">
+            <a:avLst/>
+          </a:prstGeom>
+          <a:noFill/>
+        </p:spPr>
+        <p:txBody>
+          <a:bodyPr wrap="square" rtlCol="0">
+            <a:spAutoFit/>
+          </a:bodyPr>
+          <a:lstStyle/>
+          <a:p>
+            <a:r>
+              <a:rPr lang="ko-KR" altLang="en-US" sz="1200" dirty="0" smtClean="0"/>
+              <a:t> </a:t>
+            </a:r>
+            <a:r>
+              <a:rPr lang="ko-KR" altLang="en-US" sz="1200" dirty="0" err="1" smtClean="0"/>
+              <a:t>한달간</a:t>
+            </a:r>
+            <a:r>
+              <a:rPr lang="ko-KR" altLang="en-US" sz="1200" dirty="0" smtClean="0"/>
+              <a:t> 운영 내역에 대한 이상 유무를 아이콘과 함께 개략적으로 나타냅니다</a:t>
+            </a:r>
+            <a:endParaRPr lang="ko-KR" altLang="en-US" sz="1200" dirty="0"/>
+          </a:p>
+        </p:txBody>
+      </p:sp>
+      <p:sp>
+        <p:nvSpPr>
+          <p:cNvPr id="8" name="TextBox 7"/>
+          <p:cNvSpPr txBox="1"/>
+          <p:nvPr/>
+        </p:nvSpPr>
+        <p:spPr>
+          <a:xfrm>
+            <a:off x="605850" y="3889604"/>
+            <a:ext cx="5832648" cy="369332"/>
+          </a:xfrm>
+          <a:prstGeom prst="rect">
+            <a:avLst/>
+          </a:prstGeom>
+          <a:noFill/>
+        </p:spPr>
+        <p:txBody>
+          <a:bodyPr wrap="square" rtlCol="0">
+            <a:spAutoFit/>
+          </a:bodyPr>
+          <a:lstStyle/>
+          <a:p>
+            <a:r>
+              <a:rPr lang="ko-KR" altLang="en-US" b="1" dirty="0" smtClean="0"/>
+              <a:t>권장사항</a:t>
+            </a:r>
+            <a:endParaRPr lang="ko-KR" altLang="en-US" b="1" dirty="0"/>
+          </a:p>
+        </p:txBody>
+      </p:sp>
+      <p:sp>
+        <p:nvSpPr>
+          <p:cNvPr id="9" name="TextBox 8"/>
+          <p:cNvSpPr txBox="1"/>
+          <p:nvPr/>
+        </p:nvSpPr>
+        <p:spPr>
+          <a:xfrm>
+            <a:off x="612055" y="4394369"/>
+            <a:ext cx="5832648" cy="276999"/>
+          </a:xfrm>
+          <a:prstGeom prst="rect">
+            <a:avLst/>
+          </a:prstGeom>
+          <a:noFill/>
+        </p:spPr>
+        <p:txBody>
+          <a:bodyPr wrap="square" rtlCol="0">
+            <a:spAutoFit/>
+          </a:bodyPr>
+          <a:lstStyle/>
+          <a:p>
+            <a:r>
+              <a:rPr lang="ko-KR" altLang="en-US" sz="1200" dirty="0" smtClean="0"/>
+              <a:t> 주의 아이콘 </a:t>
+            </a:r>
+            <a:r>
+              <a:rPr lang="ko-KR" altLang="en-US" sz="1200" dirty="0" err="1" smtClean="0"/>
+              <a:t>이상시</a:t>
+            </a:r>
+            <a:r>
+              <a:rPr lang="ko-KR" altLang="en-US" sz="1200" dirty="0" smtClean="0"/>
+              <a:t> 권장하는 추가 액션이나 지침에 대해서 상세하게 기술합니다</a:t>
+            </a:r>
+            <a:r>
+              <a:rPr lang="en-US" altLang="ko-KR" sz="1200" dirty="0" smtClean="0"/>
+              <a:t>.</a:t>
+            </a:r>
+            <a:endParaRPr lang="ko-KR" altLang="en-US" sz="1200" dirty="0"/>
+          </a:p>
+        </p:txBody>
+      </p:sp>
+      <p:sp>
+        <p:nvSpPr>
+          <p:cNvPr id="10" name="TextBox 9"/>
+          <p:cNvSpPr txBox="1"/>
+          <p:nvPr/>
+        </p:nvSpPr>
+        <p:spPr>
+          <a:xfrm>
+            <a:off x="630670" y="4776023"/>
+            <a:ext cx="5832648" cy="369332"/>
+          </a:xfrm>
+          <a:prstGeom prst="rect">
+            <a:avLst/>
+          </a:prstGeom>
+          <a:noFill/>
+        </p:spPr>
+        <p:txBody>
+          <a:bodyPr wrap="square" rtlCol="0">
+            <a:spAutoFit/>
+          </a:bodyPr>
+          <a:lstStyle/>
+          <a:p>
+            <a:r>
+              <a:rPr lang="ko-KR" altLang="en-US" b="1" dirty="0" smtClean="0"/>
+              <a:t>관리</a:t>
+            </a:r>
+            <a:endParaRPr lang="ko-KR" altLang="en-US" b="1" dirty="0"/>
+          </a:p>
+        </p:txBody>
+      </p:sp>
+      <p:sp>
+        <p:nvSpPr>
+          <p:cNvPr id="11" name="TextBox 10"/>
+          <p:cNvSpPr txBox="1"/>
+          <p:nvPr/>
+        </p:nvSpPr>
+        <p:spPr>
+          <a:xfrm>
+            <a:off x="636875" y="5280788"/>
+            <a:ext cx="5832648" cy="276999"/>
+          </a:xfrm>
+          <a:prstGeom prst="rect">
+            <a:avLst/>
+          </a:prstGeom>
+          <a:noFill/>
+        </p:spPr>
+        <p:txBody>
+          <a:bodyPr wrap="square" rtlCol="0">
+            <a:spAutoFit/>
+          </a:bodyPr>
+          <a:lstStyle/>
+          <a:p>
+            <a:r>
+              <a:rPr lang="ko-KR" altLang="en-US" sz="1200" dirty="0" smtClean="0"/>
+              <a:t> 한 달간 장애 및 변경 관리에 대한 </a:t>
+            </a:r>
+            <a:r>
+              <a:rPr lang="ko-KR" altLang="en-US" sz="1200" smtClean="0"/>
+              <a:t>내용을 기술합니다</a:t>
+            </a:r>
+            <a:r>
+              <a:rPr lang="en-US" altLang="ko-KR" sz="1200" dirty="0" smtClean="0"/>
+              <a:t>.</a:t>
+            </a:r>
+            <a:endParaRPr lang="ko-KR" altLang="en-US" sz="1200" dirty="0"/>
+          </a:p>
+        </p:txBody>
+      </p:sp>
+      <p:sp>
+        <p:nvSpPr>
+          <p:cNvPr id="12" name="TextBox 11"/>
+          <p:cNvSpPr txBox="1"/>
+          <p:nvPr/>
+        </p:nvSpPr>
+        <p:spPr>
+          <a:xfrm>
+            <a:off x="643080" y="5662442"/>
+            <a:ext cx="5832648" cy="369332"/>
+          </a:xfrm>
+          <a:prstGeom prst="rect">
+            <a:avLst/>
+          </a:prstGeom>
+          <a:noFill/>
+        </p:spPr>
+        <p:txBody>
+          <a:bodyPr wrap="square" rtlCol="0">
+            <a:spAutoFit/>
+          </a:bodyPr>
+          <a:lstStyle/>
+          <a:p>
+            <a:r>
+              <a:rPr lang="ko-KR" altLang="en-US" b="1" dirty="0" smtClean="0"/>
+              <a:t>세부내역</a:t>
+            </a:r>
+            <a:endParaRPr lang="ko-KR" altLang="en-US" b="1" dirty="0"/>
+          </a:p>
+        </p:txBody>
+      </p:sp>
+      <p:sp>
+        <p:nvSpPr>
+          <p:cNvPr id="13" name="TextBox 12"/>
+          <p:cNvSpPr txBox="1"/>
+          <p:nvPr/>
+        </p:nvSpPr>
+        <p:spPr>
+          <a:xfrm>
+            <a:off x="649288" y="6167209"/>
+            <a:ext cx="5832648" cy="276999"/>
+          </a:xfrm>
+          <a:prstGeom prst="rect">
+            <a:avLst/>
+          </a:prstGeom>
+          <a:noFill/>
+        </p:spPr>
+        <p:txBody>
+          <a:bodyPr wrap="square" rtlCol="0">
+            <a:spAutoFit/>
+          </a:bodyPr>
+          <a:lstStyle/>
+          <a:p>
+            <a:r>
+              <a:rPr lang="ko-KR" altLang="en-US" sz="1200" dirty="0" smtClean="0"/>
+              <a:t> </a:t>
+            </a:r>
+            <a:r>
+              <a:rPr lang="ko-KR" altLang="en-US" sz="1200" dirty="0" err="1" smtClean="0"/>
+              <a:t>장비별</a:t>
+            </a:r>
+            <a:r>
+              <a:rPr lang="ko-KR" altLang="en-US" sz="1200" dirty="0" smtClean="0"/>
+              <a:t> </a:t>
+            </a:r>
+            <a:r>
+              <a:rPr lang="ko-KR" altLang="en-US" sz="1200" dirty="0" err="1" smtClean="0"/>
+              <a:t>한달간</a:t>
+            </a:r>
+            <a:r>
+              <a:rPr lang="ko-KR" altLang="en-US" sz="1200" dirty="0" smtClean="0"/>
+              <a:t> 운영 리소스에 대한 내용을 </a:t>
+            </a:r>
+            <a:r>
+              <a:rPr lang="ko-KR" altLang="en-US" sz="1200" smtClean="0"/>
+              <a:t>자세하게 나타냅니다</a:t>
+            </a:r>
+            <a:r>
+              <a:rPr lang="en-US" altLang="ko-KR" sz="1200" dirty="0" smtClean="0"/>
+              <a:t>.</a:t>
+            </a:r>
+            <a:endParaRPr lang="ko-KR" altLang="en-US" sz="1200" dirty="0"/>
           </a:p>
         </p:txBody>
       </p:sp>
@@ -10385,6 +15236,13 @@
   <p:clrMapOvr>
     <a:masterClrMapping/>
   </p:clrMapOvr>
+  <p:timing>
+    <p:tnLst>
+      <p:par>
+        <p:cTn id="1" dur="indefinite" restart="never" nodeType="tmRoot"/>
+      </p:par>
+    </p:tnLst>
+  </p:timing>
 </p:sld>
 </file>
 
@@ -10439,11 +15297,14 @@
               <a:t>2. </a:t>
             </a:r>
             <a:r>
-              <a:rPr lang="ko-KR" altLang="en-US" dirty="0">
+              <a:rPr lang="ko-KR" altLang="en-US" smtClean="0">
                 <a:latin typeface="+mn-ea"/>
               </a:rPr>
               <a:t>요약</a:t>
             </a:r>
+            <a:endParaRPr lang="ko-KR" altLang="en-US" dirty="0">
+              <a:latin typeface="+mn-ea"/>
+            </a:endParaRPr>
           </a:p>
         </p:txBody>
       </p:sp>
@@ -11098,11 +15959,15 @@
           <a:p>
             <a:r>
               <a:rPr lang="en-US" altLang="ko-KR" sz="1200" dirty="0"/>
-              <a:t>1</a:t>
+              <a:t>2</a:t>
+            </a:r>
+            <a:r>
+              <a:rPr lang="ko-KR" altLang="en-US" sz="1200" smtClean="0"/>
+              <a:t>대의 </a:t>
             </a:r>
             <a:r>
               <a:rPr lang="ko-KR" altLang="en-US" sz="1200" dirty="0"/>
-              <a:t>대의 서버가 디스크 사용률 </a:t>
+              <a:t>서버가 디스크 사용률 </a:t>
             </a:r>
             <a:r>
               <a:rPr lang="ko-KR" altLang="en-US" sz="1200" dirty="0" err="1"/>
@@ -11173,7 +16038,7 @@
           <p:cNvPr id="26" name="object 15">
             <a:extLst>
               <a:ext uri="{FF2B5EF4-FFF2-40B4-BE49-F238E27FC236}">
-                <a16:creationId xmlns:a16="http://schemas.microsoft.com/office/drawing/2014/main" id="{AC634002-CEFB-4516-9A86-D65880A4BC28}"/>
+                <a16:creationId xmlns="" xmlns:a16="http://schemas.microsoft.com/office/drawing/2014/main" id="{AC634002-CEFB-4516-9A86-D65880A4BC28}"/>
               </a:ext>
             </a:extLst>
           </p:cNvPr>
@@ -11224,12 +16089,12 @@
           <a:p>
             <a:pPr algn="ctr"/>
             <a:r>
-              <a:rPr lang="en-US" sz="1200" b="1" dirty="0">
+              <a:rPr lang="en-US" sz="1200" b="1" dirty="0" smtClean="0">
                 <a:solidFill>
                   <a:schemeClr val="bg1"/>
                 </a:solidFill>
               </a:rPr>
-              <a:t>NETWORK</a:t>
+              <a:t>NETWORK AVAILABILITY</a:t>
             </a:r>
             <a:endParaRPr sz="1200" b="1" dirty="0">
               <a:solidFill>
@@ -11244,7 +16109,7 @@
           <p:cNvPr id="27" name="object 17">
             <a:extLst>
               <a:ext uri="{FF2B5EF4-FFF2-40B4-BE49-F238E27FC236}">
-                <a16:creationId xmlns:a16="http://schemas.microsoft.com/office/drawing/2014/main" id="{908E8EE4-9046-4014-B137-0738E10F7F25}"/>
+                <a16:creationId xmlns="" xmlns:a16="http://schemas.microsoft.com/office/drawing/2014/main" id="{908E8EE4-9046-4014-B137-0738E10F7F25}"/>
               </a:ext>
             </a:extLst>
           </p:cNvPr>
@@ -11279,7 +16144,7 @@
           <p:cNvPr id="28" name="TextBox 27">
             <a:extLst>
               <a:ext uri="{FF2B5EF4-FFF2-40B4-BE49-F238E27FC236}">
-                <a16:creationId xmlns:a16="http://schemas.microsoft.com/office/drawing/2014/main" id="{D6405EDD-8E35-42B5-88EA-AA9E30D5BD96}"/>
+                <a16:creationId xmlns="" xmlns:a16="http://schemas.microsoft.com/office/drawing/2014/main" id="{D6405EDD-8E35-42B5-88EA-AA9E30D5BD96}"/>
               </a:ext>
             </a:extLst>
           </p:cNvPr>
@@ -11288,7 +16153,7 @@
         </p:nvSpPr>
         <p:spPr>
           <a:xfrm>
-            <a:off x="1159024" y="6145634"/>
+            <a:off x="692696" y="6145634"/>
             <a:ext cx="5172483" cy="276999"/>
           </a:xfrm>
           <a:prstGeom prst="rect">
@@ -11302,27 +16167,14 @@
           </a:bodyPr>
           <a:lstStyle/>
           <a:p>
-            <a:pPr algn="ctr"/>
-            <a:r>
-              <a:rPr lang="en-US" altLang="ko-KR" sz="1200" spc="20" dirty="0">
-                <a:solidFill>
-                  <a:schemeClr val="tx2">
-                    <a:lumMod val="60000"/>
-                    <a:lumOff val="40000"/>
-                  </a:schemeClr>
-                </a:solidFill>
+            <a:r>
+              <a:rPr lang="en-US" altLang="ko-KR" sz="1200" spc="20" dirty="0" smtClean="0">
                 <a:latin typeface="Arial"/>
                 <a:cs typeface="Arial"/>
               </a:rPr>
-              <a:t>AVAILABILITY</a:t>
+              <a:t>Switch</a:t>
             </a:r>
             <a:endParaRPr lang="en-US" altLang="ko-KR" sz="1200" dirty="0">
-              <a:solidFill>
-                <a:schemeClr val="tx2">
-                  <a:lumMod val="60000"/>
-                  <a:lumOff val="40000"/>
-                </a:schemeClr>
-              </a:solidFill>
               <a:latin typeface="Arial"/>
               <a:cs typeface="Arial"/>
             </a:endParaRPr>
@@ -11334,7 +16186,7 @@
           <p:cNvPr id="29" name="TextBox 28">
             <a:extLst>
               <a:ext uri="{FF2B5EF4-FFF2-40B4-BE49-F238E27FC236}">
-                <a16:creationId xmlns:a16="http://schemas.microsoft.com/office/drawing/2014/main" id="{F223B1F4-6DC0-4D67-9C08-83134B257B88}"/>
+                <a16:creationId xmlns="" xmlns:a16="http://schemas.microsoft.com/office/drawing/2014/main" id="{F223B1F4-6DC0-4D67-9C08-83134B257B88}"/>
               </a:ext>
             </a:extLst>
           </p:cNvPr>
@@ -11359,14 +16211,22 @@
           <a:p>
             <a:r>
               <a:rPr lang="en-US" altLang="ko-KR" sz="1200" dirty="0"/>
-              <a:t>10</a:t>
-            </a:r>
-            <a:r>
-              <a:rPr lang="ko-KR" altLang="en-US" sz="1200"/>
-              <a:t>대의 서버들이 안정적으로 운영 및 가동되고 있습니다</a:t>
-            </a:r>
-            <a:r>
-              <a:rPr lang="en-US" altLang="ko-KR" sz="1200" dirty="0"/>
+              <a:t>2</a:t>
+            </a:r>
+            <a:r>
+              <a:rPr lang="ko-KR" altLang="en-US" sz="1200" smtClean="0"/>
+              <a:t>대의 스위치들이 </a:t>
+            </a:r>
+            <a:r>
+              <a:rPr lang="en-US" altLang="ko-KR" sz="1200" dirty="0" smtClean="0"/>
+              <a:t>100% </a:t>
+            </a:r>
+            <a:r>
+              <a:rPr lang="ko-KR" altLang="en-US" sz="1200" smtClean="0"/>
+              <a:t>가용성으로 운영되고 있습니다</a:t>
+            </a:r>
+            <a:r>
+              <a:rPr lang="en-US" altLang="ko-KR" sz="1200" dirty="0" smtClean="0"/>
               <a:t>.</a:t>
             </a:r>
             <a:endParaRPr lang="ko-KR" altLang="en-US" sz="1200" dirty="0"/>
@@ -11378,7 +16238,7 @@
           <p:cNvPr id="30" name="object 15">
             <a:extLst>
               <a:ext uri="{FF2B5EF4-FFF2-40B4-BE49-F238E27FC236}">
-                <a16:creationId xmlns:a16="http://schemas.microsoft.com/office/drawing/2014/main" id="{A8CE15DE-E34D-4834-A83C-80D7F4506DE6}"/>
+                <a16:creationId xmlns="" xmlns:a16="http://schemas.microsoft.com/office/drawing/2014/main" id="{A8CE15DE-E34D-4834-A83C-80D7F4506DE6}"/>
               </a:ext>
             </a:extLst>
           </p:cNvPr>
@@ -11444,6 +16304,73 @@
           </a:p>
         </p:txBody>
       </p:sp>
+      <p:sp>
+        <p:nvSpPr>
+          <p:cNvPr id="31" name="object 20"/>
+          <p:cNvSpPr/>
+          <p:nvPr/>
+        </p:nvSpPr>
+        <p:spPr>
+          <a:xfrm>
+            <a:off x="801690" y="7540750"/>
+            <a:ext cx="288000" cy="288000"/>
+          </a:xfrm>
+          <a:prstGeom prst="rect">
+            <a:avLst/>
+          </a:prstGeom>
+          <a:blipFill>
+            <a:blip r:embed="rId4" cstate="print"/>
+            <a:stretch>
+              <a:fillRect/>
+            </a:stretch>
+          </a:blipFill>
+        </p:spPr>
+        <p:txBody>
+          <a:bodyPr wrap="square" lIns="0" tIns="0" rIns="0" bIns="0" rtlCol="0"/>
+          <a:lstStyle/>
+          <a:p>
+            <a:endParaRPr/>
+          </a:p>
+        </p:txBody>
+      </p:sp>
+      <p:sp>
+        <p:nvSpPr>
+          <p:cNvPr id="32" name="TextBox 31"/>
+          <p:cNvSpPr txBox="1"/>
+          <p:nvPr/>
+        </p:nvSpPr>
+        <p:spPr>
+          <a:xfrm>
+            <a:off x="1165910" y="7561649"/>
+            <a:ext cx="5172483" cy="276999"/>
+          </a:xfrm>
+          <a:prstGeom prst="rect">
+            <a:avLst/>
+          </a:prstGeom>
+          <a:noFill/>
+        </p:spPr>
+        <p:txBody>
+          <a:bodyPr wrap="square" rtlCol="0">
+            <a:spAutoFit/>
+          </a:bodyPr>
+          <a:lstStyle/>
+          <a:p>
+            <a:r>
+              <a:rPr lang="en-US" altLang="ko-KR" sz="1200" dirty="0" smtClean="0"/>
+              <a:t>2</a:t>
+            </a:r>
+            <a:r>
+              <a:rPr lang="ko-KR" altLang="en-US" sz="1200" smtClean="0"/>
+              <a:t>대의 서버가 백업이 이루어지지 않았습니다</a:t>
+            </a:r>
+            <a:r>
+              <a:rPr lang="en-US" altLang="ko-KR" sz="1200" dirty="0" smtClean="0"/>
+              <a:t>.  </a:t>
+            </a:r>
+            <a:endParaRPr lang="ko-KR" altLang="en-US" sz="1200" dirty="0"/>
+          </a:p>
+        </p:txBody>
+      </p:sp>
     </p:spTree>
     <p:extLst>
       <p:ext uri="{BB962C8B-B14F-4D97-AF65-F5344CB8AC3E}">
@@ -11454,6 +16381,13 @@
   <p:clrMapOvr>
     <a:masterClrMapping/>
   </p:clrMapOvr>
+  <p:timing>
+    <p:tnLst>
+      <p:par>
+        <p:cTn id="1" dur="indefinite" restart="never" nodeType="tmRoot"/>
+      </p:par>
+    </p:tnLst>
+  </p:timing>
 </p:sld>
 </file>
 
@@ -11583,6 +16517,116 @@
         <p:spPr>
           <a:xfrm>
             <a:off x="704789" y="1461850"/>
+            <a:ext cx="5676539" cy="769441"/>
+          </a:xfrm>
+          <a:prstGeom prst="rect">
+            <a:avLst/>
+          </a:prstGeom>
+          <a:noFill/>
+        </p:spPr>
+        <p:txBody>
+          <a:bodyPr wrap="square" rtlCol="0">
+            <a:spAutoFit/>
+          </a:bodyPr>
+          <a:lstStyle/>
+          <a:p>
+            <a:r>
+              <a:rPr lang="en-US" altLang="ko-KR" sz="1100" dirty="0">
+                <a:solidFill>
+                  <a:srgbClr val="000000"/>
+                </a:solidFill>
+                <a:latin typeface="맑은 고딕" pitchFamily="50" charset="-127"/>
+              </a:rPr>
+              <a:t>K-SV-VCV001 </a:t>
+            </a:r>
+            <a:r>
+              <a:rPr lang="ko-KR" altLang="en-US" sz="1100" smtClean="0">
+                <a:solidFill>
+                  <a:srgbClr val="000000"/>
+                </a:solidFill>
+                <a:latin typeface="맑은 고딕" pitchFamily="50" charset="-127"/>
+              </a:rPr>
+              <a:t>서버는 아파치와 톰캣을 함께 운영하고 있는 서버로 현재는 유저의 유입량이 많지 않아 안정적으로 유지되고 있으나 유저의 유입량이 폭발적으로 늘어날시 원활한 서비스가 불가능할수 있습니다</a:t>
+            </a:r>
+            <a:r>
+              <a:rPr lang="en-US" altLang="ko-KR" sz="1100" dirty="0" smtClean="0">
+                <a:solidFill>
+                  <a:srgbClr val="000000"/>
+                </a:solidFill>
+                <a:latin typeface="맑은 고딕" pitchFamily="50" charset="-127"/>
+              </a:rPr>
+              <a:t>. 90% </a:t>
+            </a:r>
+            <a:r>
+              <a:rPr lang="ko-KR" altLang="en-US" sz="1100" smtClean="0">
+                <a:solidFill>
+                  <a:srgbClr val="000000"/>
+                </a:solidFill>
+                <a:latin typeface="맑은 고딕" pitchFamily="50" charset="-127"/>
+              </a:rPr>
+              <a:t>상회시 </a:t>
+            </a:r>
+            <a:r>
+              <a:rPr lang="en-US" altLang="ko-KR" sz="1100" dirty="0" smtClean="0">
+                <a:solidFill>
+                  <a:srgbClr val="000000"/>
+                </a:solidFill>
+                <a:latin typeface="맑은 고딕" pitchFamily="50" charset="-127"/>
+              </a:rPr>
+              <a:t>Scale-up </a:t>
+            </a:r>
+            <a:r>
+              <a:rPr lang="ko-KR" altLang="en-US" sz="1100" smtClean="0">
+                <a:solidFill>
+                  <a:srgbClr val="000000"/>
+                </a:solidFill>
+                <a:latin typeface="맑은 고딕" pitchFamily="50" charset="-127"/>
+              </a:rPr>
+              <a:t>이나 </a:t>
+            </a:r>
+            <a:r>
+              <a:rPr lang="en-US" altLang="ko-KR" sz="1100" dirty="0" smtClean="0">
+                <a:solidFill>
+                  <a:srgbClr val="000000"/>
+                </a:solidFill>
+                <a:latin typeface="맑은 고딕" pitchFamily="50" charset="-127"/>
+              </a:rPr>
+              <a:t>scale-out</a:t>
+            </a:r>
+            <a:r>
+              <a:rPr lang="ko-KR" altLang="en-US" sz="1100" smtClean="0">
+                <a:solidFill>
+                  <a:srgbClr val="000000"/>
+                </a:solidFill>
+                <a:latin typeface="맑은 고딕" pitchFamily="50" charset="-127"/>
+              </a:rPr>
+              <a:t>이 고려되어야 합니다</a:t>
+            </a:r>
+            <a:r>
+              <a:rPr lang="en-US" altLang="ko-KR" sz="1100" dirty="0" smtClean="0">
+                <a:solidFill>
+                  <a:srgbClr val="000000"/>
+                </a:solidFill>
+                <a:latin typeface="맑은 고딕" pitchFamily="50" charset="-127"/>
+              </a:rPr>
+              <a:t>.</a:t>
+            </a:r>
+            <a:endParaRPr lang="en-US" altLang="ko-KR" sz="1100" dirty="0">
+              <a:latin typeface="Arial"/>
+              <a:cs typeface="Arial"/>
+            </a:endParaRPr>
+          </a:p>
+        </p:txBody>
+      </p:sp>
+      <p:sp>
+        <p:nvSpPr>
+          <p:cNvPr id="5" name="TextBox 4"/>
+          <p:cNvSpPr txBox="1"/>
+          <p:nvPr/>
+        </p:nvSpPr>
+        <p:spPr>
+          <a:xfrm>
+            <a:off x="704789" y="2411760"/>
             <a:ext cx="5172483" cy="261610"/>
           </a:xfrm>
           <a:prstGeom prst="rect">
@@ -11597,22 +16641,314 @@
           <a:lstStyle/>
           <a:p>
             <a:r>
+              <a:rPr lang="en-US" altLang="ko-KR" sz="1100" spc="20" dirty="0">
+                <a:solidFill>
+                  <a:srgbClr val="0080C0"/>
+                </a:solidFill>
+                <a:latin typeface="Arial"/>
+                <a:cs typeface="Arial"/>
+              </a:rPr>
+              <a:t>SERVER </a:t>
+            </a:r>
+            <a:r>
+              <a:rPr lang="en-US" altLang="ko-KR" sz="1100" spc="20" dirty="0" smtClean="0">
+                <a:solidFill>
+                  <a:srgbClr val="0080C0"/>
+                </a:solidFill>
+                <a:latin typeface="Arial"/>
+                <a:cs typeface="Arial"/>
+              </a:rPr>
+              <a:t>– DISK </a:t>
+            </a:r>
+            <a:r>
+              <a:rPr lang="en-US" altLang="ko-KR" sz="1100" spc="40" dirty="0" smtClean="0">
+                <a:solidFill>
+                  <a:srgbClr val="0080C0"/>
+                </a:solidFill>
+                <a:latin typeface="Arial"/>
+                <a:cs typeface="Arial"/>
+              </a:rPr>
+              <a:t>UTILIZATION</a:t>
+            </a:r>
+            <a:endParaRPr lang="en-US" altLang="ko-KR" sz="1100" dirty="0">
+              <a:latin typeface="Arial"/>
+              <a:cs typeface="Arial"/>
+            </a:endParaRPr>
+          </a:p>
+        </p:txBody>
+      </p:sp>
+      <p:sp>
+        <p:nvSpPr>
+          <p:cNvPr id="8" name="TextBox 7"/>
+          <p:cNvSpPr txBox="1"/>
+          <p:nvPr/>
+        </p:nvSpPr>
+        <p:spPr>
+          <a:xfrm>
+            <a:off x="704789" y="2685986"/>
+            <a:ext cx="5676539" cy="1107996"/>
+          </a:xfrm>
+          <a:prstGeom prst="rect">
+            <a:avLst/>
+          </a:prstGeom>
+          <a:noFill/>
+        </p:spPr>
+        <p:txBody>
+          <a:bodyPr wrap="square" rtlCol="0">
+            <a:spAutoFit/>
+          </a:bodyPr>
+          <a:lstStyle/>
+          <a:p>
+            <a:r>
               <a:rPr lang="en-US" altLang="ko-KR" sz="1100" dirty="0">
                 <a:solidFill>
                   <a:srgbClr val="000000"/>
                 </a:solidFill>
                 <a:latin typeface="맑은 고딕" pitchFamily="50" charset="-127"/>
               </a:rPr>
-              <a:t>K-SV-VCV001 </a:t>
-            </a:r>
-            <a:r>
-              <a:rPr lang="ko-KR" altLang="en-US" sz="1100" dirty="0">
+              <a:t>K-SV-ADP001 </a:t>
+            </a:r>
+            <a:r>
+              <a:rPr lang="ko-KR" altLang="en-US" sz="1100" smtClean="0">
                 <a:solidFill>
                   <a:srgbClr val="000000"/>
                 </a:solidFill>
                 <a:latin typeface="맑은 고딕" pitchFamily="50" charset="-127"/>
               </a:rPr>
               <a:t>서버가 </a:t>
+            </a:r>
+            <a:r>
+              <a:rPr lang="ko-KR" altLang="en-US" sz="1100" smtClean="0">
+                <a:solidFill>
+                  <a:srgbClr val="000000"/>
+                </a:solidFill>
+                <a:latin typeface="맑은 고딕" pitchFamily="50" charset="-127"/>
+              </a:rPr>
+              <a:t>로그가 많이 쌓이고 있습니다</a:t>
+            </a:r>
+            <a:r>
+              <a:rPr lang="en-US" altLang="ko-KR" sz="1100" dirty="0" smtClean="0">
+                <a:solidFill>
+                  <a:srgbClr val="000000"/>
+                </a:solidFill>
+                <a:latin typeface="맑은 고딕" pitchFamily="50" charset="-127"/>
+              </a:rPr>
+              <a:t>. </a:t>
+            </a:r>
+            <a:r>
+              <a:rPr lang="ko-KR" altLang="en-US" sz="1100" smtClean="0">
+                <a:solidFill>
+                  <a:srgbClr val="000000"/>
+                </a:solidFill>
+                <a:latin typeface="맑은 고딕" pitchFamily="50" charset="-127"/>
+              </a:rPr>
+              <a:t>해당 로그 방치시 서비스가 불가할수 있습니다</a:t>
+            </a:r>
+            <a:r>
+              <a:rPr lang="en-US" altLang="ko-KR" sz="1100" dirty="0" smtClean="0">
+                <a:solidFill>
+                  <a:srgbClr val="000000"/>
+                </a:solidFill>
+                <a:latin typeface="맑은 고딕" pitchFamily="50" charset="-127"/>
+              </a:rPr>
+              <a:t>. </a:t>
+            </a:r>
+            <a:r>
+              <a:rPr lang="ko-KR" altLang="en-US" sz="1100" smtClean="0">
+                <a:solidFill>
+                  <a:srgbClr val="000000"/>
+                </a:solidFill>
+                <a:latin typeface="맑은 고딕" pitchFamily="50" charset="-127"/>
+              </a:rPr>
+              <a:t>주기적으로 로그 관리가 될수 있도록 스케줄링이나 로그로테이션 주기 설정이 필요합니다</a:t>
+            </a:r>
+            <a:r>
+              <a:rPr lang="en-US" altLang="ko-KR" sz="1100" dirty="0" smtClean="0">
+                <a:solidFill>
+                  <a:srgbClr val="000000"/>
+                </a:solidFill>
+                <a:latin typeface="맑은 고딕" pitchFamily="50" charset="-127"/>
+              </a:rPr>
+              <a:t>.</a:t>
+            </a:r>
+          </a:p>
+          <a:p>
+            <a:r>
+              <a:rPr lang="en-US" altLang="ko-KR" sz="1100" dirty="0" smtClean="0">
+                <a:solidFill>
+                  <a:srgbClr val="000000"/>
+                </a:solidFill>
+                <a:latin typeface="맑은 고딕" pitchFamily="50" charset="-127"/>
+              </a:rPr>
+              <a:t>K-SV-ADP002 </a:t>
+            </a:r>
+            <a:r>
+              <a:rPr lang="ko-KR" altLang="en-US" sz="1100">
+                <a:solidFill>
+                  <a:srgbClr val="000000"/>
+                </a:solidFill>
+                <a:latin typeface="맑은 고딕" pitchFamily="50" charset="-127"/>
+              </a:rPr>
+              <a:t>서버가 로그가 많이 쌓이고 있습니다</a:t>
+            </a:r>
+            <a:r>
+              <a:rPr lang="en-US" altLang="ko-KR" sz="1100" dirty="0">
+                <a:solidFill>
+                  <a:srgbClr val="000000"/>
+                </a:solidFill>
+                <a:latin typeface="맑은 고딕" pitchFamily="50" charset="-127"/>
+              </a:rPr>
+              <a:t>. </a:t>
+            </a:r>
+            <a:r>
+              <a:rPr lang="ko-KR" altLang="en-US" sz="1100">
+                <a:solidFill>
+                  <a:srgbClr val="000000"/>
+                </a:solidFill>
+                <a:latin typeface="맑은 고딕" pitchFamily="50" charset="-127"/>
+              </a:rPr>
+              <a:t>해당 로그 방치시 서비스가 불가할수 있습니다</a:t>
+            </a:r>
+            <a:r>
+              <a:rPr lang="en-US" altLang="ko-KR" sz="1100" dirty="0">
+                <a:solidFill>
+                  <a:srgbClr val="000000"/>
+                </a:solidFill>
+                <a:latin typeface="맑은 고딕" pitchFamily="50" charset="-127"/>
+              </a:rPr>
+              <a:t>. </a:t>
+            </a:r>
+            <a:r>
+              <a:rPr lang="ko-KR" altLang="en-US" sz="1100">
+                <a:solidFill>
+                  <a:srgbClr val="000000"/>
+                </a:solidFill>
+                <a:latin typeface="맑은 고딕" pitchFamily="50" charset="-127"/>
+              </a:rPr>
+              <a:t>주기적으로 로그 관리가 될수 있도록 스케줄링이나 로그로테이션 주기 설정이 </a:t>
+            </a:r>
+            <a:r>
+              <a:rPr lang="ko-KR" altLang="en-US" sz="1100">
+                <a:solidFill>
+                  <a:srgbClr val="000000"/>
+                </a:solidFill>
+                <a:latin typeface="맑은 고딕" pitchFamily="50" charset="-127"/>
+              </a:rPr>
+              <a:t>필요합니다</a:t>
+            </a:r>
+            <a:r>
+              <a:rPr lang="en-US" altLang="ko-KR" sz="1100" dirty="0" smtClean="0">
+                <a:solidFill>
+                  <a:srgbClr val="000000"/>
+                </a:solidFill>
+                <a:latin typeface="맑은 고딕" pitchFamily="50" charset="-127"/>
+              </a:rPr>
+              <a:t>.</a:t>
+            </a:r>
+            <a:endParaRPr lang="en-US" altLang="ko-KR" sz="1100" dirty="0">
+              <a:latin typeface="Arial"/>
+              <a:cs typeface="Arial"/>
+            </a:endParaRPr>
+          </a:p>
+        </p:txBody>
+      </p:sp>
+      <p:sp>
+        <p:nvSpPr>
+          <p:cNvPr id="9" name="TextBox 8"/>
+          <p:cNvSpPr txBox="1"/>
+          <p:nvPr/>
+        </p:nvSpPr>
+        <p:spPr>
+          <a:xfrm>
+            <a:off x="704789" y="3974451"/>
+            <a:ext cx="5172483" cy="261610"/>
+          </a:xfrm>
+          <a:prstGeom prst="rect">
+            <a:avLst/>
+          </a:prstGeom>
+          <a:noFill/>
+        </p:spPr>
+        <p:txBody>
+          <a:bodyPr wrap="square" rtlCol="0">
+            <a:spAutoFit/>
+          </a:bodyPr>
+          <a:lstStyle/>
+          <a:p>
+            <a:r>
+              <a:rPr lang="en-US" altLang="ko-KR" sz="1100" spc="20" dirty="0" smtClean="0">
+                <a:solidFill>
+                  <a:srgbClr val="0080C0"/>
+                </a:solidFill>
+                <a:latin typeface="Arial"/>
+                <a:cs typeface="Arial"/>
+              </a:rPr>
+              <a:t>BACKUP</a:t>
+            </a:r>
+            <a:endParaRPr lang="en-US" altLang="ko-KR" sz="1100" dirty="0">
+              <a:latin typeface="Arial"/>
+              <a:cs typeface="Arial"/>
+            </a:endParaRPr>
+          </a:p>
+        </p:txBody>
+      </p:sp>
+      <p:sp>
+        <p:nvSpPr>
+          <p:cNvPr id="10" name="TextBox 9"/>
+          <p:cNvSpPr txBox="1"/>
+          <p:nvPr/>
+        </p:nvSpPr>
+        <p:spPr>
+          <a:xfrm>
+            <a:off x="704789" y="4248677"/>
+            <a:ext cx="5676539" cy="600164"/>
+          </a:xfrm>
+          <a:prstGeom prst="rect">
+            <a:avLst/>
+          </a:prstGeom>
+          <a:noFill/>
+        </p:spPr>
+        <p:txBody>
+          <a:bodyPr wrap="square" rtlCol="0">
+            <a:spAutoFit/>
+          </a:bodyPr>
+          <a:lstStyle/>
+          <a:p>
+            <a:pPr fontAlgn="ctr"/>
+            <a:r>
+              <a:rPr lang="en-US" altLang="ko-KR" sz="1100" dirty="0" smtClean="0"/>
+              <a:t>K-SV-MIP001 / K-SV-MIP002 </a:t>
+            </a:r>
+            <a:r>
+              <a:rPr lang="ko-KR" altLang="en-US" sz="1100" smtClean="0"/>
+              <a:t>서버가 </a:t>
+            </a:r>
+            <a:r>
+              <a:rPr lang="en-US" altLang="ko-KR" sz="1100" dirty="0" smtClean="0"/>
+              <a:t>3</a:t>
+            </a:r>
+            <a:r>
+              <a:rPr lang="ko-KR" altLang="en-US" sz="1100" smtClean="0"/>
+              <a:t>일 동안 </a:t>
+            </a:r>
+            <a:r>
+              <a:rPr lang="en-US" altLang="ko-KR" sz="1100" dirty="0" smtClean="0"/>
+              <a:t>DAILY_TEST01 </a:t>
+            </a:r>
+            <a:r>
+              <a:rPr lang="ko-KR" altLang="en-US" sz="1100" smtClean="0"/>
+              <a:t>정책에 대한 백업이 이루어 지지 않았습니다</a:t>
+            </a:r>
+            <a:r>
+              <a:rPr lang="en-US" altLang="ko-KR" sz="1100" dirty="0" smtClean="0"/>
+              <a:t>. </a:t>
+            </a:r>
+            <a:r>
+              <a:rPr lang="ko-KR" altLang="en-US" sz="1100" smtClean="0"/>
+              <a:t>데이터 유실시 큰 피해가 될수 있으니 정책 및 스케줄러 실행 유무 확인하시기 바랍니다</a:t>
+            </a:r>
+            <a:r>
+              <a:rPr lang="en-US" altLang="ko-KR" sz="1100" dirty="0" smtClean="0"/>
+              <a:t>.</a:t>
             </a:r>
             <a:endParaRPr lang="en-US" altLang="ko-KR" sz="1100" dirty="0">
               <a:latin typeface="Arial"/>
@@ -11631,6 +16967,13 @@
   <p:clrMapOvr>
     <a:masterClrMapping/>
   </p:clrMapOvr>
+  <p:timing>
+    <p:tnLst>
+      <p:par>
+        <p:cTn id="1" dur="indefinite" restart="never" nodeType="tmRoot"/>
+      </p:par>
+    </p:tnLst>
+  </p:timing>
 </p:sld>
 </file>
 
@@ -11685,11 +17028,14 @@
               <a:t>4. </a:t>
             </a:r>
             <a:r>
-              <a:rPr lang="ko-KR" altLang="en-US" dirty="0">
+              <a:rPr lang="ko-KR" altLang="en-US" smtClean="0">
                 <a:latin typeface="+mn-ea"/>
               </a:rPr>
               <a:t>관리</a:t>
             </a:r>
+            <a:endParaRPr lang="ko-KR" altLang="en-US" dirty="0">
+              <a:latin typeface="+mn-ea"/>
+            </a:endParaRPr>
           </a:p>
         </p:txBody>
       </p:sp>
@@ -11732,7 +17078,9 @@
             </a:pathLst>
           </a:custGeom>
           <a:solidFill>
-            <a:srgbClr val="0080C0"/>
+            <a:schemeClr val="bg1">
+              <a:lumMod val="75000"/>
+            </a:schemeClr>
           </a:solidFill>
         </p:spPr>
         <p:txBody>
@@ -11741,12 +17089,20 @@
           <a:p>
             <a:pPr algn="ctr"/>
             <a:r>
-              <a:rPr lang="ko-KR" altLang="en-US" sz="1200" b="1" dirty="0">
+              <a:rPr lang="ko-KR" altLang="en-US" sz="1200" b="1" dirty="0" err="1" smtClean="0">
                 <a:solidFill>
                   <a:schemeClr val="bg1"/>
                 </a:solidFill>
               </a:rPr>
-              <a:t>서버</a:t>
+              <a:t>장애별</a:t>
+            </a:r>
+            <a:r>
+              <a:rPr lang="ko-KR" altLang="en-US" sz="1200" b="1" dirty="0" smtClean="0">
+                <a:solidFill>
+                  <a:schemeClr val="bg1"/>
+                </a:solidFill>
+              </a:rPr>
+              <a:t> 심각도 및 상태</a:t>
             </a:r>
             <a:endParaRPr sz="1200" b="1" dirty="0">
               <a:solidFill>
@@ -11756,6 +17112,1409 @@
           </a:p>
         </p:txBody>
       </p:sp>
+      <p:graphicFrame>
+        <p:nvGraphicFramePr>
+          <p:cNvPr id="2" name="표 1"/>
+          <p:cNvGraphicFramePr>
+            <a:graphicFrameLocks noGrp="1"/>
+          </p:cNvGraphicFramePr>
+          <p:nvPr>
+            <p:extLst>
+              <p:ext uri="{D42A27DB-BD31-4B8C-83A1-F6EECF244321}">
+                <p14:modId xmlns:p14="http://schemas.microsoft.com/office/powerpoint/2010/main" val="4194114961"/>
+              </p:ext>
+            </p:extLst>
+          </p:nvPr>
+        </p:nvGraphicFramePr>
+        <p:xfrm>
+          <a:off x="728292" y="6114008"/>
+          <a:ext cx="5617440" cy="1842368"/>
+        </p:xfrm>
+        <a:graphic>
+          <a:graphicData uri="http://schemas.openxmlformats.org/drawingml/2006/table">
+            <a:tbl>
+              <a:tblPr firstRow="1" bandRow="1">
+                <a:tableStyleId>{3B4B98B0-60AC-42C2-AFA5-B58CD77FA1E5}</a:tableStyleId>
+              </a:tblPr>
+              <a:tblGrid>
+                <a:gridCol w="655232"/>
+                <a:gridCol w="648072"/>
+                <a:gridCol w="3168352"/>
+                <a:gridCol w="1145784"/>
+              </a:tblGrid>
+              <a:tr h="359008">
+                <a:tc>
+                  <a:txBody>
+                    <a:bodyPr/>
+                    <a:lstStyle/>
+                    <a:p>
+                      <a:pPr algn="ctr" fontAlgn="ctr"/>
+                      <a:r>
+                        <a:rPr lang="ko-KR" altLang="en-US" sz="700" u="none" strike="noStrike" dirty="0">
+                          <a:effectLst/>
+                        </a:rPr>
+                        <a:t>호스트네임</a:t>
+                      </a:r>
+                      <a:endParaRPr lang="ko-KR" altLang="en-US" sz="700" b="0" i="0" u="none" strike="noStrike" dirty="0">
+                        <a:solidFill>
+                          <a:srgbClr val="1F2C33"/>
+                        </a:solidFill>
+                        <a:effectLst/>
+                        <a:latin typeface="Arial" panose="020B0604020202020204" pitchFamily="34" charset="0"/>
+                        <a:ea typeface="맑은 고딕" panose="020B0503020000020004" pitchFamily="50" charset="-127"/>
+                      </a:endParaRPr>
+                    </a:p>
+                  </a:txBody>
+                  <a:tcPr marL="7620" marR="7620" marT="7620" marB="0" anchor="ctr"/>
+                </a:tc>
+                <a:tc>
+                  <a:txBody>
+                    <a:bodyPr/>
+                    <a:lstStyle/>
+                    <a:p>
+                      <a:pPr algn="ctr" fontAlgn="ctr"/>
+                      <a:r>
+                        <a:rPr lang="ko-KR" altLang="en-US" sz="700" u="none" strike="noStrike">
+                          <a:effectLst/>
+                        </a:rPr>
+                        <a:t>심각도</a:t>
+                      </a:r>
+                      <a:endParaRPr lang="ko-KR" altLang="en-US" sz="700" b="0" i="0" u="none" strike="noStrike">
+                        <a:solidFill>
+                          <a:srgbClr val="1F2C33"/>
+                        </a:solidFill>
+                        <a:effectLst/>
+                        <a:latin typeface="Arial" panose="020B0604020202020204" pitchFamily="34" charset="0"/>
+                        <a:ea typeface="맑은 고딕" panose="020B0503020000020004" pitchFamily="50" charset="-127"/>
+                      </a:endParaRPr>
+                    </a:p>
+                  </a:txBody>
+                  <a:tcPr marL="7620" marR="7620" marT="7620" marB="0" anchor="ctr"/>
+                </a:tc>
+                <a:tc>
+                  <a:txBody>
+                    <a:bodyPr/>
+                    <a:lstStyle/>
+                    <a:p>
+                      <a:pPr algn="ctr" fontAlgn="ctr"/>
+                      <a:r>
+                        <a:rPr lang="ko-KR" altLang="en-US" sz="700" u="none" strike="noStrike">
+                          <a:effectLst/>
+                        </a:rPr>
+                        <a:t>알람내용</a:t>
+                      </a:r>
+                      <a:endParaRPr lang="ko-KR" altLang="en-US" sz="700" b="0" i="0" u="none" strike="noStrike">
+                        <a:solidFill>
+                          <a:srgbClr val="1F2C33"/>
+                        </a:solidFill>
+                        <a:effectLst/>
+                        <a:latin typeface="Arial" panose="020B0604020202020204" pitchFamily="34" charset="0"/>
+                        <a:ea typeface="맑은 고딕" panose="020B0503020000020004" pitchFamily="50" charset="-127"/>
+                      </a:endParaRPr>
+                    </a:p>
+                  </a:txBody>
+                  <a:tcPr marL="7620" marR="7620" marT="7620" marB="0" anchor="ctr"/>
+                </a:tc>
+                <a:tc>
+                  <a:txBody>
+                    <a:bodyPr/>
+                    <a:lstStyle/>
+                    <a:p>
+                      <a:pPr algn="ctr" fontAlgn="ctr"/>
+                      <a:r>
+                        <a:rPr lang="ko-KR" altLang="en-US" sz="700" u="none" strike="noStrike">
+                          <a:effectLst/>
+                        </a:rPr>
+                        <a:t>발생시각</a:t>
+                      </a:r>
+                      <a:endParaRPr lang="ko-KR" altLang="en-US" sz="700" b="0" i="0" u="none" strike="noStrike">
+                        <a:solidFill>
+                          <a:srgbClr val="1F2C33"/>
+                        </a:solidFill>
+                        <a:effectLst/>
+                        <a:latin typeface="돋움" panose="020B0600000101010101" pitchFamily="50" charset="-127"/>
+                        <a:ea typeface="돋움" panose="020B0600000101010101" pitchFamily="50" charset="-127"/>
+                      </a:endParaRPr>
+                    </a:p>
+                  </a:txBody>
+                  <a:tcPr marL="7620" marR="7620" marT="7620" marB="0" anchor="ctr"/>
+                </a:tc>
+              </a:tr>
+              <a:tr h="370840">
+                <a:tc>
+                  <a:txBody>
+                    <a:bodyPr/>
+                    <a:lstStyle/>
+                    <a:p>
+                      <a:pPr algn="ctr" fontAlgn="ctr"/>
+                      <a:r>
+                        <a:rPr lang="en-US" sz="700" u="none" strike="noStrike">
+                          <a:effectLst/>
+                        </a:rPr>
+                        <a:t>test-svr02</a:t>
+                      </a:r>
+                      <a:endParaRPr lang="en-US" sz="700" b="0" i="0" u="none" strike="noStrike">
+                        <a:solidFill>
+                          <a:srgbClr val="1F2C33"/>
+                        </a:solidFill>
+                        <a:effectLst/>
+                        <a:latin typeface="Arial" panose="020B0604020202020204" pitchFamily="34" charset="0"/>
+                        <a:ea typeface="맑은 고딕" panose="020B0503020000020004" pitchFamily="50" charset="-127"/>
+                      </a:endParaRPr>
+                    </a:p>
+                  </a:txBody>
+                  <a:tcPr marL="7620" marR="7620" marT="7620" marB="0" anchor="ctr"/>
+                </a:tc>
+                <a:tc>
+                  <a:txBody>
+                    <a:bodyPr/>
+                    <a:lstStyle/>
+                    <a:p>
+                      <a:pPr algn="ctr" fontAlgn="ctr"/>
+                      <a:r>
+                        <a:rPr lang="en-US" sz="700" u="none" strike="noStrike" dirty="0">
+                          <a:effectLst/>
+                        </a:rPr>
+                        <a:t>major</a:t>
+                      </a:r>
+                      <a:endParaRPr lang="en-US" sz="700" b="0" i="0" u="none" strike="noStrike" dirty="0">
+                        <a:solidFill>
+                          <a:srgbClr val="1F2C33"/>
+                        </a:solidFill>
+                        <a:effectLst/>
+                        <a:latin typeface="Arial" panose="020B0604020202020204" pitchFamily="34" charset="0"/>
+                        <a:ea typeface="맑은 고딕" panose="020B0503020000020004" pitchFamily="50" charset="-127"/>
+                      </a:endParaRPr>
+                    </a:p>
+                  </a:txBody>
+                  <a:tcPr marL="7620" marR="7620" marT="7620" marB="0" anchor="ctr"/>
+                </a:tc>
+                <a:tc>
+                  <a:txBody>
+                    <a:bodyPr/>
+                    <a:lstStyle/>
+                    <a:p>
+                      <a:pPr algn="l" fontAlgn="ctr"/>
+                      <a:r>
+                        <a:rPr lang="en-US" sz="700" u="none" strike="noStrike" dirty="0">
+                          <a:effectLst/>
+                        </a:rPr>
+                        <a:t>Free disk space &lt; 4% on /oracle</a:t>
+                      </a:r>
+                      <a:endParaRPr lang="en-US" sz="700" b="0" i="0" u="none" strike="noStrike" dirty="0">
+                        <a:solidFill>
+                          <a:srgbClr val="1F2C33"/>
+                        </a:solidFill>
+                        <a:effectLst/>
+                        <a:latin typeface="Arial" panose="020B0604020202020204" pitchFamily="34" charset="0"/>
+                        <a:ea typeface="맑은 고딕" panose="020B0503020000020004" pitchFamily="50" charset="-127"/>
+                      </a:endParaRPr>
+                    </a:p>
+                  </a:txBody>
+                  <a:tcPr marL="7620" marR="7620" marT="7620" marB="0" anchor="ctr"/>
+                </a:tc>
+                <a:tc>
+                  <a:txBody>
+                    <a:bodyPr/>
+                    <a:lstStyle/>
+                    <a:p>
+                      <a:pPr algn="ctr" fontAlgn="ctr"/>
+                      <a:r>
+                        <a:rPr lang="en-US" altLang="ko-KR" sz="700" u="none" strike="noStrike">
+                          <a:effectLst/>
+                        </a:rPr>
+                        <a:t>2018-03-01 06:00</a:t>
+                      </a:r>
+                      <a:endParaRPr lang="en-US" altLang="ko-KR" sz="700" b="0" i="0" u="none" strike="noStrike">
+                        <a:solidFill>
+                          <a:srgbClr val="1F2C33"/>
+                        </a:solidFill>
+                        <a:effectLst/>
+                        <a:latin typeface="돋움" panose="020B0600000101010101" pitchFamily="50" charset="-127"/>
+                        <a:ea typeface="돋움" panose="020B0600000101010101" pitchFamily="50" charset="-127"/>
+                      </a:endParaRPr>
+                    </a:p>
+                  </a:txBody>
+                  <a:tcPr marL="7620" marR="7620" marT="7620" marB="0" anchor="ctr"/>
+                </a:tc>
+              </a:tr>
+              <a:tr h="370840">
+                <a:tc>
+                  <a:txBody>
+                    <a:bodyPr/>
+                    <a:lstStyle/>
+                    <a:p>
+                      <a:pPr algn="ctr" fontAlgn="ctr"/>
+                      <a:r>
+                        <a:rPr lang="en-US" sz="700" u="none" strike="noStrike">
+                          <a:effectLst/>
+                        </a:rPr>
+                        <a:t>test-svr04</a:t>
+                      </a:r>
+                      <a:endParaRPr lang="en-US" sz="700" b="0" i="0" u="none" strike="noStrike">
+                        <a:solidFill>
+                          <a:srgbClr val="1F2C33"/>
+                        </a:solidFill>
+                        <a:effectLst/>
+                        <a:latin typeface="Arial" panose="020B0604020202020204" pitchFamily="34" charset="0"/>
+                        <a:ea typeface="맑은 고딕" panose="020B0503020000020004" pitchFamily="50" charset="-127"/>
+                      </a:endParaRPr>
+                    </a:p>
+                  </a:txBody>
+                  <a:tcPr marL="7620" marR="7620" marT="7620" marB="0" anchor="ctr"/>
+                </a:tc>
+                <a:tc>
+                  <a:txBody>
+                    <a:bodyPr/>
+                    <a:lstStyle/>
+                    <a:p>
+                      <a:pPr algn="ctr" fontAlgn="ctr"/>
+                      <a:r>
+                        <a:rPr lang="en-US" sz="700" u="none" strike="noStrike">
+                          <a:effectLst/>
+                        </a:rPr>
+                        <a:t>critical</a:t>
+                      </a:r>
+                      <a:endParaRPr lang="en-US" sz="700" b="0" i="0" u="none" strike="noStrike">
+                        <a:solidFill>
+                          <a:srgbClr val="1F2C33"/>
+                        </a:solidFill>
+                        <a:effectLst/>
+                        <a:latin typeface="Arial" panose="020B0604020202020204" pitchFamily="34" charset="0"/>
+                        <a:ea typeface="맑은 고딕" panose="020B0503020000020004" pitchFamily="50" charset="-127"/>
+                      </a:endParaRPr>
+                    </a:p>
+                  </a:txBody>
+                  <a:tcPr marL="7620" marR="7620" marT="7620" marB="0" anchor="ctr"/>
+                </a:tc>
+                <a:tc>
+                  <a:txBody>
+                    <a:bodyPr/>
+                    <a:lstStyle/>
+                    <a:p>
+                      <a:pPr algn="l" fontAlgn="ctr"/>
+                      <a:r>
+                        <a:rPr lang="en-US" sz="700" u="none" strike="noStrike" dirty="0" err="1">
+                          <a:effectLst/>
+                        </a:rPr>
+                        <a:t>Hyperthreading</a:t>
+                      </a:r>
+                      <a:r>
+                        <a:rPr lang="en-US" sz="700" u="none" strike="noStrike" dirty="0">
+                          <a:effectLst/>
+                        </a:rPr>
+                        <a:t> Off! or CPU Not Support!</a:t>
+                      </a:r>
+                      <a:endParaRPr lang="en-US" sz="700" b="0" i="0" u="none" strike="noStrike" dirty="0">
+                        <a:solidFill>
+                          <a:srgbClr val="1F2C33"/>
+                        </a:solidFill>
+                        <a:effectLst/>
+                        <a:latin typeface="Arial" panose="020B0604020202020204" pitchFamily="34" charset="0"/>
+                        <a:ea typeface="맑은 고딕" panose="020B0503020000020004" pitchFamily="50" charset="-127"/>
+                      </a:endParaRPr>
+                    </a:p>
+                  </a:txBody>
+                  <a:tcPr marL="7620" marR="7620" marT="7620" marB="0" anchor="ctr"/>
+                </a:tc>
+                <a:tc>
+                  <a:txBody>
+                    <a:bodyPr/>
+                    <a:lstStyle/>
+                    <a:p>
+                      <a:pPr algn="ctr" fontAlgn="ctr"/>
+                      <a:r>
+                        <a:rPr lang="en-US" altLang="ko-KR" sz="700" u="none" strike="noStrike" dirty="0">
+                          <a:effectLst/>
+                        </a:rPr>
+                        <a:t>2018-03-01 06:01</a:t>
+                      </a:r>
+                      <a:endParaRPr lang="en-US" altLang="ko-KR" sz="700" b="0" i="0" u="none" strike="noStrike" dirty="0">
+                        <a:solidFill>
+                          <a:srgbClr val="1F2C33"/>
+                        </a:solidFill>
+                        <a:effectLst/>
+                        <a:latin typeface="돋움" panose="020B0600000101010101" pitchFamily="50" charset="-127"/>
+                        <a:ea typeface="돋움" panose="020B0600000101010101" pitchFamily="50" charset="-127"/>
+                      </a:endParaRPr>
+                    </a:p>
+                  </a:txBody>
+                  <a:tcPr marL="7620" marR="7620" marT="7620" marB="0" anchor="ctr"/>
+                </a:tc>
+              </a:tr>
+              <a:tr h="370840">
+                <a:tc>
+                  <a:txBody>
+                    <a:bodyPr/>
+                    <a:lstStyle/>
+                    <a:p>
+                      <a:pPr algn="ctr" fontAlgn="ctr"/>
+                      <a:r>
+                        <a:rPr lang="en-US" sz="700" u="none" strike="noStrike">
+                          <a:effectLst/>
+                        </a:rPr>
+                        <a:t>test-svr05</a:t>
+                      </a:r>
+                      <a:endParaRPr lang="en-US" sz="700" b="0" i="0" u="none" strike="noStrike">
+                        <a:solidFill>
+                          <a:srgbClr val="1F2C33"/>
+                        </a:solidFill>
+                        <a:effectLst/>
+                        <a:latin typeface="Arial" panose="020B0604020202020204" pitchFamily="34" charset="0"/>
+                        <a:ea typeface="맑은 고딕" panose="020B0503020000020004" pitchFamily="50" charset="-127"/>
+                      </a:endParaRPr>
+                    </a:p>
+                  </a:txBody>
+                  <a:tcPr marL="7620" marR="7620" marT="7620" marB="0" anchor="ctr"/>
+                </a:tc>
+                <a:tc>
+                  <a:txBody>
+                    <a:bodyPr/>
+                    <a:lstStyle/>
+                    <a:p>
+                      <a:pPr algn="ctr" fontAlgn="ctr"/>
+                      <a:r>
+                        <a:rPr lang="en-US" sz="700" u="none" strike="noStrike">
+                          <a:effectLst/>
+                        </a:rPr>
+                        <a:t>minor</a:t>
+                      </a:r>
+                      <a:endParaRPr lang="en-US" sz="700" b="0" i="0" u="none" strike="noStrike">
+                        <a:solidFill>
+                          <a:srgbClr val="1F2C33"/>
+                        </a:solidFill>
+                        <a:effectLst/>
+                        <a:latin typeface="Arial" panose="020B0604020202020204" pitchFamily="34" charset="0"/>
+                        <a:ea typeface="맑은 고딕" panose="020B0503020000020004" pitchFamily="50" charset="-127"/>
+                      </a:endParaRPr>
+                    </a:p>
+                  </a:txBody>
+                  <a:tcPr marL="7620" marR="7620" marT="7620" marB="0" anchor="ctr"/>
+                </a:tc>
+                <a:tc>
+                  <a:txBody>
+                    <a:bodyPr/>
+                    <a:lstStyle/>
+                    <a:p>
+                      <a:pPr algn="l" fontAlgn="ctr"/>
+                      <a:r>
+                        <a:rPr lang="en-US" sz="700" u="none" strike="noStrike" dirty="0">
+                          <a:effectLst/>
+                        </a:rPr>
+                        <a:t> Free disk space &lt; 15% on volume /oracle</a:t>
+                      </a:r>
+                      <a:endParaRPr lang="en-US" sz="700" b="0" i="0" u="none" strike="noStrike" dirty="0">
+                        <a:solidFill>
+                          <a:srgbClr val="1F2C33"/>
+                        </a:solidFill>
+                        <a:effectLst/>
+                        <a:latin typeface="Arial" panose="020B0604020202020204" pitchFamily="34" charset="0"/>
+                        <a:ea typeface="맑은 고딕" panose="020B0503020000020004" pitchFamily="50" charset="-127"/>
+                      </a:endParaRPr>
+                    </a:p>
+                  </a:txBody>
+                  <a:tcPr marL="7620" marR="7620" marT="7620" marB="0" anchor="ctr"/>
+                </a:tc>
+                <a:tc>
+                  <a:txBody>
+                    <a:bodyPr/>
+                    <a:lstStyle/>
+                    <a:p>
+                      <a:pPr algn="ctr" fontAlgn="ctr"/>
+                      <a:r>
+                        <a:rPr lang="en-US" altLang="ko-KR" sz="700" u="none" strike="noStrike">
+                          <a:effectLst/>
+                        </a:rPr>
+                        <a:t>2018-03-01 06:02</a:t>
+                      </a:r>
+                      <a:endParaRPr lang="en-US" altLang="ko-KR" sz="700" b="0" i="0" u="none" strike="noStrike">
+                        <a:solidFill>
+                          <a:srgbClr val="1F2C33"/>
+                        </a:solidFill>
+                        <a:effectLst/>
+                        <a:latin typeface="돋움" panose="020B0600000101010101" pitchFamily="50" charset="-127"/>
+                        <a:ea typeface="돋움" panose="020B0600000101010101" pitchFamily="50" charset="-127"/>
+                      </a:endParaRPr>
+                    </a:p>
+                  </a:txBody>
+                  <a:tcPr marL="7620" marR="7620" marT="7620" marB="0" anchor="ctr"/>
+                </a:tc>
+              </a:tr>
+              <a:tr h="370840">
+                <a:tc>
+                  <a:txBody>
+                    <a:bodyPr/>
+                    <a:lstStyle/>
+                    <a:p>
+                      <a:pPr algn="ctr" fontAlgn="ctr"/>
+                      <a:r>
+                        <a:rPr lang="en-US" sz="700" u="none" strike="noStrike">
+                          <a:effectLst/>
+                        </a:rPr>
+                        <a:t>test-svr06</a:t>
+                      </a:r>
+                      <a:endParaRPr lang="en-US" sz="700" b="0" i="0" u="none" strike="noStrike">
+                        <a:solidFill>
+                          <a:srgbClr val="1F2C33"/>
+                        </a:solidFill>
+                        <a:effectLst/>
+                        <a:latin typeface="Arial" panose="020B0604020202020204" pitchFamily="34" charset="0"/>
+                        <a:ea typeface="맑은 고딕" panose="020B0503020000020004" pitchFamily="50" charset="-127"/>
+                      </a:endParaRPr>
+                    </a:p>
+                  </a:txBody>
+                  <a:tcPr marL="7620" marR="7620" marT="7620" marB="0" anchor="ctr"/>
+                </a:tc>
+                <a:tc>
+                  <a:txBody>
+                    <a:bodyPr/>
+                    <a:lstStyle/>
+                    <a:p>
+                      <a:pPr algn="ctr" fontAlgn="ctr"/>
+                      <a:r>
+                        <a:rPr lang="en-US" sz="700" u="none" strike="noStrike">
+                          <a:effectLst/>
+                        </a:rPr>
+                        <a:t>major</a:t>
+                      </a:r>
+                      <a:endParaRPr lang="en-US" sz="700" b="0" i="0" u="none" strike="noStrike">
+                        <a:solidFill>
+                          <a:srgbClr val="1F2C33"/>
+                        </a:solidFill>
+                        <a:effectLst/>
+                        <a:latin typeface="Arial" panose="020B0604020202020204" pitchFamily="34" charset="0"/>
+                        <a:ea typeface="맑은 고딕" panose="020B0503020000020004" pitchFamily="50" charset="-127"/>
+                      </a:endParaRPr>
+                    </a:p>
+                  </a:txBody>
+                  <a:tcPr marL="7620" marR="7620" marT="7620" marB="0" anchor="ctr"/>
+                </a:tc>
+                <a:tc>
+                  <a:txBody>
+                    <a:bodyPr/>
+                    <a:lstStyle/>
+                    <a:p>
+                      <a:pPr algn="l" fontAlgn="ctr"/>
+                      <a:r>
+                        <a:rPr lang="en-US" sz="700" u="none" strike="noStrike" dirty="0">
+                          <a:effectLst/>
+                        </a:rPr>
+                        <a:t>Free disk space &lt; 4% on /oracle</a:t>
+                      </a:r>
+                      <a:endParaRPr lang="en-US" sz="700" b="0" i="0" u="none" strike="noStrike" dirty="0">
+                        <a:solidFill>
+                          <a:srgbClr val="1F2C33"/>
+                        </a:solidFill>
+                        <a:effectLst/>
+                        <a:latin typeface="Arial" panose="020B0604020202020204" pitchFamily="34" charset="0"/>
+                        <a:ea typeface="맑은 고딕" panose="020B0503020000020004" pitchFamily="50" charset="-127"/>
+                      </a:endParaRPr>
+                    </a:p>
+                  </a:txBody>
+                  <a:tcPr marL="7620" marR="7620" marT="7620" marB="0" anchor="ctr"/>
+                </a:tc>
+                <a:tc>
+                  <a:txBody>
+                    <a:bodyPr/>
+                    <a:lstStyle/>
+                    <a:p>
+                      <a:pPr algn="ctr" fontAlgn="ctr"/>
+                      <a:r>
+                        <a:rPr lang="en-US" altLang="ko-KR" sz="700" u="none" strike="noStrike" dirty="0">
+                          <a:effectLst/>
+                        </a:rPr>
+                        <a:t>2018-03-01 06:03</a:t>
+                      </a:r>
+                      <a:endParaRPr lang="en-US" altLang="ko-KR" sz="700" b="0" i="0" u="none" strike="noStrike" dirty="0">
+                        <a:solidFill>
+                          <a:srgbClr val="1F2C33"/>
+                        </a:solidFill>
+                        <a:effectLst/>
+                        <a:latin typeface="돋움" panose="020B0600000101010101" pitchFamily="50" charset="-127"/>
+                        <a:ea typeface="돋움" panose="020B0600000101010101" pitchFamily="50" charset="-127"/>
+                      </a:endParaRPr>
+                    </a:p>
+                  </a:txBody>
+                  <a:tcPr marL="7620" marR="7620" marT="7620" marB="0" anchor="ctr"/>
+                </a:tc>
+              </a:tr>
+            </a:tbl>
+          </a:graphicData>
+        </a:graphic>
+      </p:graphicFrame>
+      <p:sp>
+        <p:nvSpPr>
+          <p:cNvPr id="7" name="object 15"/>
+          <p:cNvSpPr/>
+          <p:nvPr/>
+        </p:nvSpPr>
+        <p:spPr>
+          <a:xfrm>
+            <a:off x="757543" y="5721077"/>
+            <a:ext cx="5617442" cy="219075"/>
+          </a:xfrm>
+          <a:custGeom>
+            <a:avLst/>
+            <a:gdLst/>
+            <a:ahLst/>
+            <a:cxnLst/>
+            <a:rect l="l" t="t" r="r" b="b"/>
+            <a:pathLst>
+              <a:path w="6179184" h="219075">
+                <a:moveTo>
+                  <a:pt x="0" y="0"/>
+                </a:moveTo>
+                <a:lnTo>
+                  <a:pt x="6179185" y="0"/>
+                </a:lnTo>
+                <a:lnTo>
+                  <a:pt x="6179185" y="219075"/>
+                </a:lnTo>
+                <a:lnTo>
+                  <a:pt x="0" y="219075"/>
+                </a:lnTo>
+                <a:lnTo>
+                  <a:pt x="0" y="0"/>
+                </a:lnTo>
+                <a:close/>
+              </a:path>
+            </a:pathLst>
+          </a:custGeom>
+          <a:solidFill>
+            <a:schemeClr val="bg1">
+              <a:lumMod val="75000"/>
+            </a:schemeClr>
+          </a:solidFill>
+        </p:spPr>
+        <p:txBody>
+          <a:bodyPr wrap="square" lIns="0" tIns="0" rIns="0" bIns="0" rtlCol="0" anchor="ctr"/>
+          <a:lstStyle/>
+          <a:p>
+            <a:pPr algn="ctr"/>
+            <a:r>
+              <a:rPr lang="en-US" sz="1200" b="1" dirty="0" smtClean="0">
+                <a:solidFill>
+                  <a:schemeClr val="bg1"/>
+                </a:solidFill>
+              </a:rPr>
+              <a:t>Critical </a:t>
+            </a:r>
+            <a:r>
+              <a:rPr lang="ko-KR" altLang="en-US" sz="1200" b="1" smtClean="0">
+                <a:solidFill>
+                  <a:schemeClr val="bg1"/>
+                </a:solidFill>
+              </a:rPr>
+              <a:t>및 </a:t>
+            </a:r>
+            <a:r>
+              <a:rPr lang="en-US" altLang="ko-KR" sz="1200" b="1" dirty="0" smtClean="0">
+                <a:solidFill>
+                  <a:schemeClr val="bg1"/>
+                </a:solidFill>
+              </a:rPr>
+              <a:t>major </a:t>
+            </a:r>
+            <a:r>
+              <a:rPr lang="ko-KR" altLang="en-US" sz="1200" b="1" smtClean="0">
+                <a:solidFill>
+                  <a:schemeClr val="bg1"/>
+                </a:solidFill>
+              </a:rPr>
+              <a:t>장애</a:t>
+            </a:r>
+            <a:endParaRPr sz="1200" b="1" dirty="0">
+              <a:solidFill>
+                <a:schemeClr val="bg1"/>
+              </a:solidFill>
+            </a:endParaRPr>
+          </a:p>
+        </p:txBody>
+      </p:sp>
+      <p:graphicFrame>
+        <p:nvGraphicFramePr>
+          <p:cNvPr id="8" name="차트 7"/>
+          <p:cNvGraphicFramePr>
+            <a:graphicFrameLocks/>
+          </p:cNvGraphicFramePr>
+          <p:nvPr>
+            <p:extLst>
+              <p:ext uri="{D42A27DB-BD31-4B8C-83A1-F6EECF244321}">
+                <p14:modId xmlns:p14="http://schemas.microsoft.com/office/powerpoint/2010/main" val="4250574453"/>
+              </p:ext>
+            </p:extLst>
+          </p:nvPr>
+        </p:nvGraphicFramePr>
+        <p:xfrm>
+          <a:off x="797070" y="1760095"/>
+          <a:ext cx="5577915" cy="1972273"/>
+        </p:xfrm>
+        <a:graphic>
+          <a:graphicData uri="http://schemas.openxmlformats.org/drawingml/2006/chart">
+            <c:chart xmlns:c="http://schemas.openxmlformats.org/drawingml/2006/chart" xmlns:r="http://schemas.openxmlformats.org/officeDocument/2006/relationships" r:id="rId2"/>
+          </a:graphicData>
+        </a:graphic>
+      </p:graphicFrame>
+      <p:graphicFrame>
+        <p:nvGraphicFramePr>
+          <p:cNvPr id="3" name="표 2"/>
+          <p:cNvGraphicFramePr>
+            <a:graphicFrameLocks noGrp="1"/>
+          </p:cNvGraphicFramePr>
+          <p:nvPr>
+            <p:extLst>
+              <p:ext uri="{D42A27DB-BD31-4B8C-83A1-F6EECF244321}">
+                <p14:modId xmlns:p14="http://schemas.microsoft.com/office/powerpoint/2010/main" val="409711563"/>
+              </p:ext>
+            </p:extLst>
+          </p:nvPr>
+        </p:nvGraphicFramePr>
+        <p:xfrm>
+          <a:off x="1268759" y="3971156"/>
+          <a:ext cx="4536504" cy="1104900"/>
+        </p:xfrm>
+        <a:graphic>
+          <a:graphicData uri="http://schemas.openxmlformats.org/drawingml/2006/table">
+            <a:tbl>
+              <a:tblPr>
+                <a:tableStyleId>{5C22544A-7EE6-4342-B048-85BDC9FD1C3A}</a:tableStyleId>
+              </a:tblPr>
+              <a:tblGrid>
+                <a:gridCol w="756084"/>
+                <a:gridCol w="756084"/>
+                <a:gridCol w="756084"/>
+                <a:gridCol w="756084"/>
+                <a:gridCol w="756084"/>
+                <a:gridCol w="756084"/>
+              </a:tblGrid>
+              <a:tr h="220980">
+                <a:tc>
+                  <a:txBody>
+                    <a:bodyPr/>
+                    <a:lstStyle/>
+                    <a:p>
+                      <a:pPr algn="ctr" fontAlgn="ctr"/>
+                      <a:endParaRPr lang="ko-KR" altLang="en-US" sz="1100" b="0" i="0" u="none" strike="noStrike" dirty="0">
+                        <a:solidFill>
+                          <a:srgbClr val="000000"/>
+                        </a:solidFill>
+                        <a:effectLst/>
+                        <a:latin typeface="맑은 고딕" panose="020B0503020000020004" pitchFamily="50" charset="-127"/>
+                        <a:ea typeface="맑은 고딕" panose="020B0503020000020004" pitchFamily="50" charset="-127"/>
+                      </a:endParaRPr>
+                    </a:p>
+                  </a:txBody>
+                  <a:tcPr marL="7620" marR="7620" marT="7620" marB="0" anchor="ctr"/>
+                </a:tc>
+                <a:tc>
+                  <a:txBody>
+                    <a:bodyPr/>
+                    <a:lstStyle/>
+                    <a:p>
+                      <a:pPr algn="ctr" fontAlgn="ctr"/>
+                      <a:r>
+                        <a:rPr lang="en-US" sz="1100" u="none" strike="noStrike">
+                          <a:effectLst/>
+                        </a:rPr>
+                        <a:t>Critical</a:t>
+                      </a:r>
+                      <a:endParaRPr lang="en-US" sz="1100" b="0" i="0" u="none" strike="noStrike">
+                        <a:solidFill>
+                          <a:srgbClr val="000000"/>
+                        </a:solidFill>
+                        <a:effectLst/>
+                        <a:latin typeface="맑은 고딕" panose="020B0503020000020004" pitchFamily="50" charset="-127"/>
+                        <a:ea typeface="맑은 고딕" panose="020B0503020000020004" pitchFamily="50" charset="-127"/>
+                      </a:endParaRPr>
+                    </a:p>
+                  </a:txBody>
+                  <a:tcPr marL="7620" marR="7620" marT="7620" marB="0" anchor="ctr"/>
+                </a:tc>
+                <a:tc>
+                  <a:txBody>
+                    <a:bodyPr/>
+                    <a:lstStyle/>
+                    <a:p>
+                      <a:pPr algn="ctr" fontAlgn="ctr"/>
+                      <a:r>
+                        <a:rPr lang="en-US" sz="1100" u="none" strike="noStrike">
+                          <a:effectLst/>
+                        </a:rPr>
+                        <a:t>Major</a:t>
+                      </a:r>
+                      <a:endParaRPr lang="en-US" sz="1100" b="0" i="0" u="none" strike="noStrike">
+                        <a:solidFill>
+                          <a:srgbClr val="000000"/>
+                        </a:solidFill>
+                        <a:effectLst/>
+                        <a:latin typeface="맑은 고딕" panose="020B0503020000020004" pitchFamily="50" charset="-127"/>
+                        <a:ea typeface="맑은 고딕" panose="020B0503020000020004" pitchFamily="50" charset="-127"/>
+                      </a:endParaRPr>
+                    </a:p>
+                  </a:txBody>
+                  <a:tcPr marL="7620" marR="7620" marT="7620" marB="0" anchor="ctr"/>
+                </a:tc>
+                <a:tc>
+                  <a:txBody>
+                    <a:bodyPr/>
+                    <a:lstStyle/>
+                    <a:p>
+                      <a:pPr algn="ctr" fontAlgn="ctr"/>
+                      <a:r>
+                        <a:rPr lang="en-US" sz="1100" u="none" strike="noStrike">
+                          <a:effectLst/>
+                        </a:rPr>
+                        <a:t>Minor</a:t>
+                      </a:r>
+                      <a:endParaRPr lang="en-US" sz="1100" b="0" i="0" u="none" strike="noStrike">
+                        <a:solidFill>
+                          <a:srgbClr val="000000"/>
+                        </a:solidFill>
+                        <a:effectLst/>
+                        <a:latin typeface="맑은 고딕" panose="020B0503020000020004" pitchFamily="50" charset="-127"/>
+                        <a:ea typeface="맑은 고딕" panose="020B0503020000020004" pitchFamily="50" charset="-127"/>
+                      </a:endParaRPr>
+                    </a:p>
+                  </a:txBody>
+                  <a:tcPr marL="7620" marR="7620" marT="7620" marB="0" anchor="ctr"/>
+                </a:tc>
+                <a:tc>
+                  <a:txBody>
+                    <a:bodyPr/>
+                    <a:lstStyle/>
+                    <a:p>
+                      <a:pPr algn="ctr" fontAlgn="ctr"/>
+                      <a:r>
+                        <a:rPr lang="en-US" sz="1100" u="none" strike="noStrike" dirty="0">
+                          <a:effectLst/>
+                        </a:rPr>
+                        <a:t>Info</a:t>
+                      </a:r>
+                      <a:endParaRPr lang="en-US" sz="1100" b="0" i="0" u="none" strike="noStrike" dirty="0">
+                        <a:solidFill>
+                          <a:srgbClr val="000000"/>
+                        </a:solidFill>
+                        <a:effectLst/>
+                        <a:latin typeface="맑은 고딕" panose="020B0503020000020004" pitchFamily="50" charset="-127"/>
+                        <a:ea typeface="맑은 고딕" panose="020B0503020000020004" pitchFamily="50" charset="-127"/>
+                      </a:endParaRPr>
+                    </a:p>
+                  </a:txBody>
+                  <a:tcPr marL="7620" marR="7620" marT="7620" marB="0" anchor="ctr"/>
+                </a:tc>
+                <a:tc>
+                  <a:txBody>
+                    <a:bodyPr/>
+                    <a:lstStyle/>
+                    <a:p>
+                      <a:pPr algn="ctr" fontAlgn="ctr"/>
+                      <a:r>
+                        <a:rPr lang="en-US" sz="1100" u="none" strike="noStrike">
+                          <a:effectLst/>
+                        </a:rPr>
+                        <a:t>Total</a:t>
+                      </a:r>
+                      <a:endParaRPr lang="en-US" sz="1100" b="0" i="0" u="none" strike="noStrike">
+                        <a:solidFill>
+                          <a:srgbClr val="000000"/>
+                        </a:solidFill>
+                        <a:effectLst/>
+                        <a:latin typeface="맑은 고딕" panose="020B0503020000020004" pitchFamily="50" charset="-127"/>
+                        <a:ea typeface="맑은 고딕" panose="020B0503020000020004" pitchFamily="50" charset="-127"/>
+                      </a:endParaRPr>
+                    </a:p>
+                  </a:txBody>
+                  <a:tcPr marL="7620" marR="7620" marT="7620" marB="0" anchor="ctr"/>
+                </a:tc>
+              </a:tr>
+              <a:tr h="220980">
+                <a:tc>
+                  <a:txBody>
+                    <a:bodyPr/>
+                    <a:lstStyle/>
+                    <a:p>
+                      <a:pPr algn="ctr" fontAlgn="ctr"/>
+                      <a:r>
+                        <a:rPr lang="en-US" sz="1100" u="none" strike="noStrike">
+                          <a:effectLst/>
+                        </a:rPr>
+                        <a:t>In Progress</a:t>
+                      </a:r>
+                      <a:endParaRPr lang="en-US" sz="1100" b="0" i="0" u="none" strike="noStrike">
+                        <a:solidFill>
+                          <a:srgbClr val="000000"/>
+                        </a:solidFill>
+                        <a:effectLst/>
+                        <a:latin typeface="맑은 고딕" panose="020B0503020000020004" pitchFamily="50" charset="-127"/>
+                        <a:ea typeface="맑은 고딕" panose="020B0503020000020004" pitchFamily="50" charset="-127"/>
+                      </a:endParaRPr>
+                    </a:p>
+                  </a:txBody>
+                  <a:tcPr marL="7620" marR="7620" marT="7620" marB="0" anchor="ctr"/>
+                </a:tc>
+                <a:tc>
+                  <a:txBody>
+                    <a:bodyPr/>
+                    <a:lstStyle/>
+                    <a:p>
+                      <a:pPr algn="ctr" fontAlgn="ctr"/>
+                      <a:r>
+                        <a:rPr lang="en-US" altLang="ko-KR" sz="1100" u="none" strike="noStrike">
+                          <a:effectLst/>
+                        </a:rPr>
+                        <a:t>0</a:t>
+                      </a:r>
+                      <a:endParaRPr lang="en-US" altLang="ko-KR" sz="1100" b="0" i="0" u="none" strike="noStrike">
+                        <a:solidFill>
+                          <a:srgbClr val="000000"/>
+                        </a:solidFill>
+                        <a:effectLst/>
+                        <a:latin typeface="맑은 고딕" panose="020B0503020000020004" pitchFamily="50" charset="-127"/>
+                        <a:ea typeface="맑은 고딕" panose="020B0503020000020004" pitchFamily="50" charset="-127"/>
+                      </a:endParaRPr>
+                    </a:p>
+                  </a:txBody>
+                  <a:tcPr marL="7620" marR="7620" marT="7620" marB="0" anchor="ctr"/>
+                </a:tc>
+                <a:tc>
+                  <a:txBody>
+                    <a:bodyPr/>
+                    <a:lstStyle/>
+                    <a:p>
+                      <a:pPr algn="ctr" fontAlgn="ctr"/>
+                      <a:r>
+                        <a:rPr lang="en-US" altLang="ko-KR" sz="1100" u="none" strike="noStrike">
+                          <a:effectLst/>
+                        </a:rPr>
+                        <a:t>0</a:t>
+                      </a:r>
+                      <a:endParaRPr lang="en-US" altLang="ko-KR" sz="1100" b="0" i="0" u="none" strike="noStrike">
+                        <a:solidFill>
+                          <a:srgbClr val="000000"/>
+                        </a:solidFill>
+                        <a:effectLst/>
+                        <a:latin typeface="맑은 고딕" panose="020B0503020000020004" pitchFamily="50" charset="-127"/>
+                        <a:ea typeface="맑은 고딕" panose="020B0503020000020004" pitchFamily="50" charset="-127"/>
+                      </a:endParaRPr>
+                    </a:p>
+                  </a:txBody>
+                  <a:tcPr marL="7620" marR="7620" marT="7620" marB="0" anchor="ctr"/>
+                </a:tc>
+                <a:tc>
+                  <a:txBody>
+                    <a:bodyPr/>
+                    <a:lstStyle/>
+                    <a:p>
+                      <a:pPr algn="ctr" fontAlgn="ctr"/>
+                      <a:r>
+                        <a:rPr lang="en-US" altLang="ko-KR" sz="1100" u="none" strike="noStrike">
+                          <a:effectLst/>
+                        </a:rPr>
+                        <a:t>0</a:t>
+                      </a:r>
+                      <a:endParaRPr lang="en-US" altLang="ko-KR" sz="1100" b="0" i="0" u="none" strike="noStrike">
+                        <a:solidFill>
+                          <a:srgbClr val="000000"/>
+                        </a:solidFill>
+                        <a:effectLst/>
+                        <a:latin typeface="맑은 고딕" panose="020B0503020000020004" pitchFamily="50" charset="-127"/>
+                        <a:ea typeface="맑은 고딕" panose="020B0503020000020004" pitchFamily="50" charset="-127"/>
+                      </a:endParaRPr>
+                    </a:p>
+                  </a:txBody>
+                  <a:tcPr marL="7620" marR="7620" marT="7620" marB="0" anchor="ctr"/>
+                </a:tc>
+                <a:tc>
+                  <a:txBody>
+                    <a:bodyPr/>
+                    <a:lstStyle/>
+                    <a:p>
+                      <a:pPr algn="ctr" fontAlgn="ctr"/>
+                      <a:r>
+                        <a:rPr lang="en-US" altLang="ko-KR" sz="1100" u="none" strike="noStrike">
+                          <a:effectLst/>
+                        </a:rPr>
+                        <a:t>0</a:t>
+                      </a:r>
+                      <a:endParaRPr lang="en-US" altLang="ko-KR" sz="1100" b="0" i="0" u="none" strike="noStrike">
+                        <a:solidFill>
+                          <a:srgbClr val="000000"/>
+                        </a:solidFill>
+                        <a:effectLst/>
+                        <a:latin typeface="맑은 고딕" panose="020B0503020000020004" pitchFamily="50" charset="-127"/>
+                        <a:ea typeface="맑은 고딕" panose="020B0503020000020004" pitchFamily="50" charset="-127"/>
+                      </a:endParaRPr>
+                    </a:p>
+                  </a:txBody>
+                  <a:tcPr marL="7620" marR="7620" marT="7620" marB="0" anchor="ctr"/>
+                </a:tc>
+                <a:tc>
+                  <a:txBody>
+                    <a:bodyPr/>
+                    <a:lstStyle/>
+                    <a:p>
+                      <a:pPr algn="ctr" fontAlgn="ctr"/>
+                      <a:r>
+                        <a:rPr lang="en-US" altLang="ko-KR" sz="1100" u="none" strike="noStrike" dirty="0">
+                          <a:effectLst/>
+                        </a:rPr>
+                        <a:t>0</a:t>
+                      </a:r>
+                      <a:endParaRPr lang="en-US" altLang="ko-KR" sz="1100" b="0" i="0" u="none" strike="noStrike" dirty="0">
+                        <a:solidFill>
+                          <a:srgbClr val="000000"/>
+                        </a:solidFill>
+                        <a:effectLst/>
+                        <a:latin typeface="맑은 고딕" panose="020B0503020000020004" pitchFamily="50" charset="-127"/>
+                        <a:ea typeface="맑은 고딕" panose="020B0503020000020004" pitchFamily="50" charset="-127"/>
+                      </a:endParaRPr>
+                    </a:p>
+                  </a:txBody>
+                  <a:tcPr marL="7620" marR="7620" marT="7620" marB="0" anchor="ctr"/>
+                </a:tc>
+              </a:tr>
+              <a:tr h="220980">
+                <a:tc>
+                  <a:txBody>
+                    <a:bodyPr/>
+                    <a:lstStyle/>
+                    <a:p>
+                      <a:pPr algn="ctr" fontAlgn="ctr"/>
+                      <a:r>
+                        <a:rPr lang="en-US" sz="1100" u="none" strike="noStrike">
+                          <a:effectLst/>
+                        </a:rPr>
+                        <a:t>hold</a:t>
+                      </a:r>
+                      <a:endParaRPr lang="en-US" sz="1100" b="0" i="0" u="none" strike="noStrike">
+                        <a:solidFill>
+                          <a:srgbClr val="000000"/>
+                        </a:solidFill>
+                        <a:effectLst/>
+                        <a:latin typeface="맑은 고딕" panose="020B0503020000020004" pitchFamily="50" charset="-127"/>
+                        <a:ea typeface="맑은 고딕" panose="020B0503020000020004" pitchFamily="50" charset="-127"/>
+                      </a:endParaRPr>
+                    </a:p>
+                  </a:txBody>
+                  <a:tcPr marL="7620" marR="7620" marT="7620" marB="0" anchor="ctr"/>
+                </a:tc>
+                <a:tc>
+                  <a:txBody>
+                    <a:bodyPr/>
+                    <a:lstStyle/>
+                    <a:p>
+                      <a:pPr algn="ctr" fontAlgn="ctr"/>
+                      <a:r>
+                        <a:rPr lang="en-US" altLang="ko-KR" sz="1100" u="none" strike="noStrike">
+                          <a:effectLst/>
+                        </a:rPr>
+                        <a:t>0</a:t>
+                      </a:r>
+                      <a:endParaRPr lang="en-US" altLang="ko-KR" sz="1100" b="0" i="0" u="none" strike="noStrike">
+                        <a:solidFill>
+                          <a:srgbClr val="000000"/>
+                        </a:solidFill>
+                        <a:effectLst/>
+                        <a:latin typeface="맑은 고딕" panose="020B0503020000020004" pitchFamily="50" charset="-127"/>
+                        <a:ea typeface="맑은 고딕" panose="020B0503020000020004" pitchFamily="50" charset="-127"/>
+                      </a:endParaRPr>
+                    </a:p>
+                  </a:txBody>
+                  <a:tcPr marL="7620" marR="7620" marT="7620" marB="0" anchor="ctr"/>
+                </a:tc>
+                <a:tc>
+                  <a:txBody>
+                    <a:bodyPr/>
+                    <a:lstStyle/>
+                    <a:p>
+                      <a:pPr algn="ctr" fontAlgn="ctr"/>
+                      <a:r>
+                        <a:rPr lang="en-US" altLang="ko-KR" sz="1100" u="none" strike="noStrike">
+                          <a:effectLst/>
+                        </a:rPr>
+                        <a:t>0</a:t>
+                      </a:r>
+                      <a:endParaRPr lang="en-US" altLang="ko-KR" sz="1100" b="0" i="0" u="none" strike="noStrike">
+                        <a:solidFill>
+                          <a:srgbClr val="000000"/>
+                        </a:solidFill>
+                        <a:effectLst/>
+                        <a:latin typeface="맑은 고딕" panose="020B0503020000020004" pitchFamily="50" charset="-127"/>
+                        <a:ea typeface="맑은 고딕" panose="020B0503020000020004" pitchFamily="50" charset="-127"/>
+                      </a:endParaRPr>
+                    </a:p>
+                  </a:txBody>
+                  <a:tcPr marL="7620" marR="7620" marT="7620" marB="0" anchor="ctr"/>
+                </a:tc>
+                <a:tc>
+                  <a:txBody>
+                    <a:bodyPr/>
+                    <a:lstStyle/>
+                    <a:p>
+                      <a:pPr algn="ctr" fontAlgn="ctr"/>
+                      <a:r>
+                        <a:rPr lang="en-US" altLang="ko-KR" sz="1100" u="none" strike="noStrike">
+                          <a:effectLst/>
+                        </a:rPr>
+                        <a:t>0</a:t>
+                      </a:r>
+                      <a:endParaRPr lang="en-US" altLang="ko-KR" sz="1100" b="0" i="0" u="none" strike="noStrike">
+                        <a:solidFill>
+                          <a:srgbClr val="000000"/>
+                        </a:solidFill>
+                        <a:effectLst/>
+                        <a:latin typeface="맑은 고딕" panose="020B0503020000020004" pitchFamily="50" charset="-127"/>
+                        <a:ea typeface="맑은 고딕" panose="020B0503020000020004" pitchFamily="50" charset="-127"/>
+                      </a:endParaRPr>
+                    </a:p>
+                  </a:txBody>
+                  <a:tcPr marL="7620" marR="7620" marT="7620" marB="0" anchor="ctr"/>
+                </a:tc>
+                <a:tc>
+                  <a:txBody>
+                    <a:bodyPr/>
+                    <a:lstStyle/>
+                    <a:p>
+                      <a:pPr algn="ctr" fontAlgn="ctr"/>
+                      <a:r>
+                        <a:rPr lang="en-US" altLang="ko-KR" sz="1100" u="none" strike="noStrike">
+                          <a:effectLst/>
+                        </a:rPr>
+                        <a:t>0</a:t>
+                      </a:r>
+                      <a:endParaRPr lang="en-US" altLang="ko-KR" sz="1100" b="0" i="0" u="none" strike="noStrike">
+                        <a:solidFill>
+                          <a:srgbClr val="000000"/>
+                        </a:solidFill>
+                        <a:effectLst/>
+                        <a:latin typeface="맑은 고딕" panose="020B0503020000020004" pitchFamily="50" charset="-127"/>
+                        <a:ea typeface="맑은 고딕" panose="020B0503020000020004" pitchFamily="50" charset="-127"/>
+                      </a:endParaRPr>
+                    </a:p>
+                  </a:txBody>
+                  <a:tcPr marL="7620" marR="7620" marT="7620" marB="0" anchor="ctr"/>
+                </a:tc>
+                <a:tc>
+                  <a:txBody>
+                    <a:bodyPr/>
+                    <a:lstStyle/>
+                    <a:p>
+                      <a:pPr algn="ctr" fontAlgn="ctr"/>
+                      <a:r>
+                        <a:rPr lang="en-US" altLang="ko-KR" sz="1100" u="none" strike="noStrike">
+                          <a:effectLst/>
+                        </a:rPr>
+                        <a:t>0</a:t>
+                      </a:r>
+                      <a:endParaRPr lang="en-US" altLang="ko-KR" sz="1100" b="0" i="0" u="none" strike="noStrike">
+                        <a:solidFill>
+                          <a:srgbClr val="000000"/>
+                        </a:solidFill>
+                        <a:effectLst/>
+                        <a:latin typeface="맑은 고딕" panose="020B0503020000020004" pitchFamily="50" charset="-127"/>
+                        <a:ea typeface="맑은 고딕" panose="020B0503020000020004" pitchFamily="50" charset="-127"/>
+                      </a:endParaRPr>
+                    </a:p>
+                  </a:txBody>
+                  <a:tcPr marL="7620" marR="7620" marT="7620" marB="0" anchor="ctr"/>
+                </a:tc>
+              </a:tr>
+              <a:tr h="220980">
+                <a:tc>
+                  <a:txBody>
+                    <a:bodyPr/>
+                    <a:lstStyle/>
+                    <a:p>
+                      <a:pPr algn="ctr" fontAlgn="ctr"/>
+                      <a:r>
+                        <a:rPr lang="en-US" sz="1100" u="none" strike="noStrike">
+                          <a:effectLst/>
+                        </a:rPr>
+                        <a:t>Closed</a:t>
+                      </a:r>
+                      <a:endParaRPr lang="en-US" sz="1100" b="0" i="0" u="none" strike="noStrike">
+                        <a:solidFill>
+                          <a:srgbClr val="000000"/>
+                        </a:solidFill>
+                        <a:effectLst/>
+                        <a:latin typeface="맑은 고딕" panose="020B0503020000020004" pitchFamily="50" charset="-127"/>
+                        <a:ea typeface="맑은 고딕" panose="020B0503020000020004" pitchFamily="50" charset="-127"/>
+                      </a:endParaRPr>
+                    </a:p>
+                  </a:txBody>
+                  <a:tcPr marL="7620" marR="7620" marT="7620" marB="0" anchor="ctr"/>
+                </a:tc>
+                <a:tc>
+                  <a:txBody>
+                    <a:bodyPr/>
+                    <a:lstStyle/>
+                    <a:p>
+                      <a:pPr algn="ctr" fontAlgn="ctr"/>
+                      <a:r>
+                        <a:rPr lang="en-US" altLang="ko-KR" sz="1100" u="none" strike="noStrike">
+                          <a:effectLst/>
+                        </a:rPr>
+                        <a:t>2</a:t>
+                      </a:r>
+                      <a:endParaRPr lang="en-US" altLang="ko-KR" sz="1100" b="0" i="0" u="none" strike="noStrike">
+                        <a:solidFill>
+                          <a:srgbClr val="000000"/>
+                        </a:solidFill>
+                        <a:effectLst/>
+                        <a:latin typeface="맑은 고딕" panose="020B0503020000020004" pitchFamily="50" charset="-127"/>
+                        <a:ea typeface="맑은 고딕" panose="020B0503020000020004" pitchFamily="50" charset="-127"/>
+                      </a:endParaRPr>
+                    </a:p>
+                  </a:txBody>
+                  <a:tcPr marL="7620" marR="7620" marT="7620" marB="0" anchor="ctr"/>
+                </a:tc>
+                <a:tc>
+                  <a:txBody>
+                    <a:bodyPr/>
+                    <a:lstStyle/>
+                    <a:p>
+                      <a:pPr algn="ctr" fontAlgn="ctr"/>
+                      <a:r>
+                        <a:rPr lang="en-US" altLang="ko-KR" sz="1100" u="none" strike="noStrike">
+                          <a:effectLst/>
+                        </a:rPr>
+                        <a:t>5</a:t>
+                      </a:r>
+                      <a:endParaRPr lang="en-US" altLang="ko-KR" sz="1100" b="0" i="0" u="none" strike="noStrike">
+                        <a:solidFill>
+                          <a:srgbClr val="000000"/>
+                        </a:solidFill>
+                        <a:effectLst/>
+                        <a:latin typeface="맑은 고딕" panose="020B0503020000020004" pitchFamily="50" charset="-127"/>
+                        <a:ea typeface="맑은 고딕" panose="020B0503020000020004" pitchFamily="50" charset="-127"/>
+                      </a:endParaRPr>
+                    </a:p>
+                  </a:txBody>
+                  <a:tcPr marL="7620" marR="7620" marT="7620" marB="0" anchor="ctr"/>
+                </a:tc>
+                <a:tc>
+                  <a:txBody>
+                    <a:bodyPr/>
+                    <a:lstStyle/>
+                    <a:p>
+                      <a:pPr algn="ctr" fontAlgn="ctr"/>
+                      <a:r>
+                        <a:rPr lang="en-US" altLang="ko-KR" sz="1100" u="none" strike="noStrike">
+                          <a:effectLst/>
+                        </a:rPr>
+                        <a:t>5</a:t>
+                      </a:r>
+                      <a:endParaRPr lang="en-US" altLang="ko-KR" sz="1100" b="0" i="0" u="none" strike="noStrike">
+                        <a:solidFill>
+                          <a:srgbClr val="000000"/>
+                        </a:solidFill>
+                        <a:effectLst/>
+                        <a:latin typeface="맑은 고딕" panose="020B0503020000020004" pitchFamily="50" charset="-127"/>
+                        <a:ea typeface="맑은 고딕" panose="020B0503020000020004" pitchFamily="50" charset="-127"/>
+                      </a:endParaRPr>
+                    </a:p>
+                  </a:txBody>
+                  <a:tcPr marL="7620" marR="7620" marT="7620" marB="0" anchor="ctr"/>
+                </a:tc>
+                <a:tc>
+                  <a:txBody>
+                    <a:bodyPr/>
+                    <a:lstStyle/>
+                    <a:p>
+                      <a:pPr algn="ctr" fontAlgn="ctr"/>
+                      <a:r>
+                        <a:rPr lang="en-US" altLang="ko-KR" sz="1100" u="none" strike="noStrike">
+                          <a:effectLst/>
+                        </a:rPr>
+                        <a:t>4</a:t>
+                      </a:r>
+                      <a:endParaRPr lang="en-US" altLang="ko-KR" sz="1100" b="0" i="0" u="none" strike="noStrike">
+                        <a:solidFill>
+                          <a:srgbClr val="000000"/>
+                        </a:solidFill>
+                        <a:effectLst/>
+                        <a:latin typeface="맑은 고딕" panose="020B0503020000020004" pitchFamily="50" charset="-127"/>
+                        <a:ea typeface="맑은 고딕" panose="020B0503020000020004" pitchFamily="50" charset="-127"/>
+                      </a:endParaRPr>
+                    </a:p>
+                  </a:txBody>
+                  <a:tcPr marL="7620" marR="7620" marT="7620" marB="0" anchor="ctr"/>
+                </a:tc>
+                <a:tc>
+                  <a:txBody>
+                    <a:bodyPr/>
+                    <a:lstStyle/>
+                    <a:p>
+                      <a:pPr algn="ctr" fontAlgn="ctr"/>
+                      <a:r>
+                        <a:rPr lang="en-US" altLang="ko-KR" sz="1100" u="none" strike="noStrike">
+                          <a:effectLst/>
+                        </a:rPr>
+                        <a:t>16</a:t>
+                      </a:r>
+                      <a:endParaRPr lang="en-US" altLang="ko-KR" sz="1100" b="0" i="0" u="none" strike="noStrike">
+                        <a:solidFill>
+                          <a:srgbClr val="000000"/>
+                        </a:solidFill>
+                        <a:effectLst/>
+                        <a:latin typeface="맑은 고딕" panose="020B0503020000020004" pitchFamily="50" charset="-127"/>
+                        <a:ea typeface="맑은 고딕" panose="020B0503020000020004" pitchFamily="50" charset="-127"/>
+                      </a:endParaRPr>
+                    </a:p>
+                  </a:txBody>
+                  <a:tcPr marL="7620" marR="7620" marT="7620" marB="0" anchor="ctr"/>
+                </a:tc>
+              </a:tr>
+              <a:tr h="220980">
+                <a:tc>
+                  <a:txBody>
+                    <a:bodyPr/>
+                    <a:lstStyle/>
+                    <a:p>
+                      <a:pPr algn="ctr" fontAlgn="ctr"/>
+                      <a:r>
+                        <a:rPr lang="en-US" sz="1100" u="none" strike="noStrike">
+                          <a:effectLst/>
+                        </a:rPr>
+                        <a:t>total</a:t>
+                      </a:r>
+                      <a:endParaRPr lang="en-US" sz="1100" b="0" i="0" u="none" strike="noStrike">
+                        <a:solidFill>
+                          <a:srgbClr val="000000"/>
+                        </a:solidFill>
+                        <a:effectLst/>
+                        <a:latin typeface="맑은 고딕" panose="020B0503020000020004" pitchFamily="50" charset="-127"/>
+                        <a:ea typeface="맑은 고딕" panose="020B0503020000020004" pitchFamily="50" charset="-127"/>
+                      </a:endParaRPr>
+                    </a:p>
+                  </a:txBody>
+                  <a:tcPr marL="7620" marR="7620" marT="7620" marB="0" anchor="ctr"/>
+                </a:tc>
+                <a:tc>
+                  <a:txBody>
+                    <a:bodyPr/>
+                    <a:lstStyle/>
+                    <a:p>
+                      <a:pPr algn="ctr" fontAlgn="ctr"/>
+                      <a:r>
+                        <a:rPr lang="en-US" altLang="ko-KR" sz="1100" u="none" strike="noStrike">
+                          <a:effectLst/>
+                        </a:rPr>
+                        <a:t>2</a:t>
+                      </a:r>
+                      <a:endParaRPr lang="en-US" altLang="ko-KR" sz="1100" b="0" i="0" u="none" strike="noStrike">
+                        <a:solidFill>
+                          <a:srgbClr val="000000"/>
+                        </a:solidFill>
+                        <a:effectLst/>
+                        <a:latin typeface="맑은 고딕" panose="020B0503020000020004" pitchFamily="50" charset="-127"/>
+                        <a:ea typeface="맑은 고딕" panose="020B0503020000020004" pitchFamily="50" charset="-127"/>
+                      </a:endParaRPr>
+                    </a:p>
+                  </a:txBody>
+                  <a:tcPr marL="7620" marR="7620" marT="7620" marB="0" anchor="ctr"/>
+                </a:tc>
+                <a:tc>
+                  <a:txBody>
+                    <a:bodyPr/>
+                    <a:lstStyle/>
+                    <a:p>
+                      <a:pPr algn="ctr" fontAlgn="ctr"/>
+                      <a:r>
+                        <a:rPr lang="en-US" altLang="ko-KR" sz="1100" u="none" strike="noStrike">
+                          <a:effectLst/>
+                        </a:rPr>
+                        <a:t>5</a:t>
+                      </a:r>
+                      <a:endParaRPr lang="en-US" altLang="ko-KR" sz="1100" b="0" i="0" u="none" strike="noStrike">
+                        <a:solidFill>
+                          <a:srgbClr val="000000"/>
+                        </a:solidFill>
+                        <a:effectLst/>
+                        <a:latin typeface="맑은 고딕" panose="020B0503020000020004" pitchFamily="50" charset="-127"/>
+                        <a:ea typeface="맑은 고딕" panose="020B0503020000020004" pitchFamily="50" charset="-127"/>
+                      </a:endParaRPr>
+                    </a:p>
+                  </a:txBody>
+                  <a:tcPr marL="7620" marR="7620" marT="7620" marB="0" anchor="ctr"/>
+                </a:tc>
+                <a:tc>
+                  <a:txBody>
+                    <a:bodyPr/>
+                    <a:lstStyle/>
+                    <a:p>
+                      <a:pPr algn="ctr" fontAlgn="ctr"/>
+                      <a:r>
+                        <a:rPr lang="en-US" altLang="ko-KR" sz="1100" u="none" strike="noStrike">
+                          <a:effectLst/>
+                        </a:rPr>
+                        <a:t>5</a:t>
+                      </a:r>
+                      <a:endParaRPr lang="en-US" altLang="ko-KR" sz="1100" b="0" i="0" u="none" strike="noStrike">
+                        <a:solidFill>
+                          <a:srgbClr val="000000"/>
+                        </a:solidFill>
+                        <a:effectLst/>
+                        <a:latin typeface="맑은 고딕" panose="020B0503020000020004" pitchFamily="50" charset="-127"/>
+                        <a:ea typeface="맑은 고딕" panose="020B0503020000020004" pitchFamily="50" charset="-127"/>
+                      </a:endParaRPr>
+                    </a:p>
+                  </a:txBody>
+                  <a:tcPr marL="7620" marR="7620" marT="7620" marB="0" anchor="ctr"/>
+                </a:tc>
+                <a:tc>
+                  <a:txBody>
+                    <a:bodyPr/>
+                    <a:lstStyle/>
+                    <a:p>
+                      <a:pPr algn="ctr" fontAlgn="ctr"/>
+                      <a:r>
+                        <a:rPr lang="en-US" altLang="ko-KR" sz="1100" u="none" strike="noStrike">
+                          <a:effectLst/>
+                        </a:rPr>
+                        <a:t>4</a:t>
+                      </a:r>
+                      <a:endParaRPr lang="en-US" altLang="ko-KR" sz="1100" b="0" i="0" u="none" strike="noStrike">
+                        <a:solidFill>
+                          <a:srgbClr val="000000"/>
+                        </a:solidFill>
+                        <a:effectLst/>
+                        <a:latin typeface="맑은 고딕" panose="020B0503020000020004" pitchFamily="50" charset="-127"/>
+                        <a:ea typeface="맑은 고딕" panose="020B0503020000020004" pitchFamily="50" charset="-127"/>
+                      </a:endParaRPr>
+                    </a:p>
+                  </a:txBody>
+                  <a:tcPr marL="7620" marR="7620" marT="7620" marB="0" anchor="ctr"/>
+                </a:tc>
+                <a:tc>
+                  <a:txBody>
+                    <a:bodyPr/>
+                    <a:lstStyle/>
+                    <a:p>
+                      <a:pPr algn="ctr" fontAlgn="ctr"/>
+                      <a:r>
+                        <a:rPr lang="en-US" altLang="ko-KR" sz="1100" u="none" strike="noStrike" dirty="0">
+                          <a:effectLst/>
+                        </a:rPr>
+                        <a:t>16</a:t>
+                      </a:r>
+                      <a:endParaRPr lang="en-US" altLang="ko-KR" sz="1100" b="0" i="0" u="none" strike="noStrike" dirty="0">
+                        <a:solidFill>
+                          <a:srgbClr val="000000"/>
+                        </a:solidFill>
+                        <a:effectLst/>
+                        <a:latin typeface="맑은 고딕" panose="020B0503020000020004" pitchFamily="50" charset="-127"/>
+                        <a:ea typeface="맑은 고딕" panose="020B0503020000020004" pitchFamily="50" charset="-127"/>
+                      </a:endParaRPr>
+                    </a:p>
+                  </a:txBody>
+                  <a:tcPr marL="7620" marR="7620" marT="7620" marB="0" anchor="ctr"/>
+                </a:tc>
+              </a:tr>
+            </a:tbl>
+          </a:graphicData>
+        </a:graphic>
+      </p:graphicFrame>
     </p:spTree>
     <p:extLst>
       <p:ext uri="{BB962C8B-B14F-4D97-AF65-F5344CB8AC3E}">
@@ -11766,6 +18525,13 @@
   <p:clrMapOvr>
     <a:masterClrMapping/>
   </p:clrMapOvr>
+  <p:timing>
+    <p:tnLst>
+      <p:par>
+        <p:cTn id="1" dur="indefinite" restart="never" nodeType="tmRoot"/>
+      </p:par>
+    </p:tnLst>
+  </p:timing>
 </p:sld>
 </file>
 
@@ -11817,20 +18583,23 @@
               <a:rPr lang="en-US" altLang="ko-KR" dirty="0">
                 <a:latin typeface="+mn-ea"/>
               </a:rPr>
-              <a:t>5. </a:t>
-            </a:r>
-            <a:r>
-              <a:rPr lang="ko-KR" altLang="en-US" dirty="0">
+              <a:t>4. </a:t>
+            </a:r>
+            <a:r>
+              <a:rPr lang="ko-KR" altLang="en-US" smtClean="0">
                 <a:latin typeface="+mn-ea"/>
               </a:rPr>
-              <a:t>세부내역</a:t>
-            </a:r>
-          </a:p>
-        </p:txBody>
-      </p:sp>
-      <p:sp>
-        <p:nvSpPr>
-          <p:cNvPr id="3" name="object 15"/>
+              <a:t>관리</a:t>
+            </a:r>
+            <a:endParaRPr lang="ko-KR" altLang="en-US" dirty="0">
+              <a:latin typeface="+mn-ea"/>
+            </a:endParaRPr>
+          </a:p>
+        </p:txBody>
+      </p:sp>
+      <p:sp>
+        <p:nvSpPr>
+          <p:cNvPr id="5" name="object 15"/>
           <p:cNvSpPr/>
           <p:nvPr/>
         </p:nvSpPr>
@@ -11867,7 +18636,9 @@
             </a:pathLst>
           </a:custGeom>
           <a:solidFill>
-            <a:srgbClr val="0080C0"/>
+            <a:schemeClr val="bg1">
+              <a:lumMod val="75000"/>
+            </a:schemeClr>
           </a:solidFill>
         </p:spPr>
         <p:txBody>
@@ -11876,14 +18647,14 @@
           <a:p>
             <a:pPr algn="ctr"/>
             <a:r>
-              <a:rPr lang="ko-KR" altLang="en-US" sz="1200" b="1" dirty="0">
+              <a:rPr lang="ko-KR" altLang="en-US" sz="1200" b="1" dirty="0" smtClean="0">
                 <a:solidFill>
                   <a:schemeClr val="bg1"/>
                 </a:solidFill>
               </a:rPr>
-              <a:t>서버</a:t>
-            </a:r>
-            <a:endParaRPr sz="1200" b="1" dirty="0">
+              <a:t>변경 관리 사항</a:t>
+            </a:r>
+            <a:endParaRPr lang="en-US" altLang="ko-KR" sz="1200" b="1" dirty="0" smtClean="0">
               <a:solidFill>
                 <a:schemeClr val="bg1"/>
               </a:solidFill>
@@ -11891,6 +18662,950 @@
           </a:p>
         </p:txBody>
       </p:sp>
+      <p:graphicFrame>
+        <p:nvGraphicFramePr>
+          <p:cNvPr id="6" name="표 5"/>
+          <p:cNvGraphicFramePr>
+            <a:graphicFrameLocks noGrp="1"/>
+          </p:cNvGraphicFramePr>
+          <p:nvPr>
+            <p:extLst>
+              <p:ext uri="{D42A27DB-BD31-4B8C-83A1-F6EECF244321}">
+                <p14:modId xmlns:p14="http://schemas.microsoft.com/office/powerpoint/2010/main" val="469112040"/>
+              </p:ext>
+            </p:extLst>
+          </p:nvPr>
+        </p:nvGraphicFramePr>
+        <p:xfrm>
+          <a:off x="757543" y="1547664"/>
+          <a:ext cx="5617440" cy="1483360"/>
+        </p:xfrm>
+        <a:graphic>
+          <a:graphicData uri="http://schemas.openxmlformats.org/drawingml/2006/table">
+            <a:tbl>
+              <a:tblPr firstRow="1" bandRow="1">
+                <a:tableStyleId>{3B4B98B0-60AC-42C2-AFA5-B58CD77FA1E5}</a:tableStyleId>
+              </a:tblPr>
+              <a:tblGrid>
+                <a:gridCol w="583225"/>
+                <a:gridCol w="504056"/>
+                <a:gridCol w="504056"/>
+                <a:gridCol w="576064"/>
+                <a:gridCol w="504056"/>
+                <a:gridCol w="1080120"/>
+                <a:gridCol w="1008112"/>
+                <a:gridCol w="857751"/>
+              </a:tblGrid>
+              <a:tr h="370840">
+                <a:tc>
+                  <a:txBody>
+                    <a:bodyPr/>
+                    <a:lstStyle/>
+                    <a:p>
+                      <a:pPr algn="ctr" fontAlgn="ctr"/>
+                      <a:r>
+                        <a:rPr lang="ko-KR" altLang="en-US" sz="800" u="none" strike="noStrike" dirty="0">
+                          <a:effectLst/>
+                        </a:rPr>
+                        <a:t>타입</a:t>
+                      </a:r>
+                      <a:endParaRPr lang="ko-KR" altLang="en-US" sz="800" b="0" i="0" u="none" strike="noStrike" dirty="0">
+                        <a:solidFill>
+                          <a:srgbClr val="000000"/>
+                        </a:solidFill>
+                        <a:effectLst/>
+                        <a:latin typeface="맑은 고딕" panose="020B0503020000020004" pitchFamily="50" charset="-127"/>
+                        <a:ea typeface="맑은 고딕" panose="020B0503020000020004" pitchFamily="50" charset="-127"/>
+                      </a:endParaRPr>
+                    </a:p>
+                  </a:txBody>
+                  <a:tcPr marL="7620" marR="7620" marT="7620" marB="0" anchor="ctr"/>
+                </a:tc>
+                <a:tc>
+                  <a:txBody>
+                    <a:bodyPr/>
+                    <a:lstStyle/>
+                    <a:p>
+                      <a:pPr algn="ctr" fontAlgn="ctr"/>
+                      <a:r>
+                        <a:rPr lang="ko-KR" altLang="en-US" sz="800" u="none" strike="noStrike" dirty="0">
+                          <a:effectLst/>
+                        </a:rPr>
+                        <a:t>중요도</a:t>
+                      </a:r>
+                      <a:endParaRPr lang="ko-KR" altLang="en-US" sz="800" b="0" i="0" u="none" strike="noStrike" dirty="0">
+                        <a:solidFill>
+                          <a:srgbClr val="000000"/>
+                        </a:solidFill>
+                        <a:effectLst/>
+                        <a:latin typeface="맑은 고딕" panose="020B0503020000020004" pitchFamily="50" charset="-127"/>
+                        <a:ea typeface="맑은 고딕" panose="020B0503020000020004" pitchFamily="50" charset="-127"/>
+                      </a:endParaRPr>
+                    </a:p>
+                  </a:txBody>
+                  <a:tcPr marL="7620" marR="7620" marT="7620" marB="0" anchor="ctr"/>
+                </a:tc>
+                <a:tc>
+                  <a:txBody>
+                    <a:bodyPr/>
+                    <a:lstStyle/>
+                    <a:p>
+                      <a:pPr algn="ctr" fontAlgn="ctr"/>
+                      <a:r>
+                        <a:rPr lang="ko-KR" altLang="en-US" sz="800" u="none" strike="noStrike" dirty="0">
+                          <a:effectLst/>
+                        </a:rPr>
+                        <a:t>상태</a:t>
+                      </a:r>
+                      <a:endParaRPr lang="ko-KR" altLang="en-US" sz="800" b="0" i="0" u="none" strike="noStrike" dirty="0">
+                        <a:solidFill>
+                          <a:srgbClr val="000000"/>
+                        </a:solidFill>
+                        <a:effectLst/>
+                        <a:latin typeface="맑은 고딕" panose="020B0503020000020004" pitchFamily="50" charset="-127"/>
+                        <a:ea typeface="맑은 고딕" panose="020B0503020000020004" pitchFamily="50" charset="-127"/>
+                      </a:endParaRPr>
+                    </a:p>
+                  </a:txBody>
+                  <a:tcPr marL="7620" marR="7620" marT="7620" marB="0" anchor="ctr"/>
+                </a:tc>
+                <a:tc>
+                  <a:txBody>
+                    <a:bodyPr/>
+                    <a:lstStyle/>
+                    <a:p>
+                      <a:pPr algn="ctr" fontAlgn="ctr"/>
+                      <a:r>
+                        <a:rPr lang="ko-KR" altLang="en-US" sz="800" u="none" strike="noStrike">
+                          <a:effectLst/>
+                        </a:rPr>
+                        <a:t>담당</a:t>
+                      </a:r>
+                      <a:endParaRPr lang="ko-KR" altLang="en-US" sz="800" b="0" i="0" u="none" strike="noStrike">
+                        <a:solidFill>
+                          <a:srgbClr val="000000"/>
+                        </a:solidFill>
+                        <a:effectLst/>
+                        <a:latin typeface="맑은 고딕" panose="020B0503020000020004" pitchFamily="50" charset="-127"/>
+                        <a:ea typeface="맑은 고딕" panose="020B0503020000020004" pitchFamily="50" charset="-127"/>
+                      </a:endParaRPr>
+                    </a:p>
+                  </a:txBody>
+                  <a:tcPr marL="7620" marR="7620" marT="7620" marB="0" anchor="ctr"/>
+                </a:tc>
+                <a:tc>
+                  <a:txBody>
+                    <a:bodyPr/>
+                    <a:lstStyle/>
+                    <a:p>
+                      <a:pPr algn="ctr" fontAlgn="ctr"/>
+                      <a:r>
+                        <a:rPr lang="ko-KR" altLang="en-US" sz="800" u="none" strike="noStrike">
+                          <a:effectLst/>
+                        </a:rPr>
+                        <a:t>요청자</a:t>
+                      </a:r>
+                      <a:endParaRPr lang="ko-KR" altLang="en-US" sz="800" b="0" i="0" u="none" strike="noStrike">
+                        <a:solidFill>
+                          <a:srgbClr val="000000"/>
+                        </a:solidFill>
+                        <a:effectLst/>
+                        <a:latin typeface="맑은 고딕" panose="020B0503020000020004" pitchFamily="50" charset="-127"/>
+                        <a:ea typeface="맑은 고딕" panose="020B0503020000020004" pitchFamily="50" charset="-127"/>
+                      </a:endParaRPr>
+                    </a:p>
+                  </a:txBody>
+                  <a:tcPr marL="7620" marR="7620" marT="7620" marB="0" anchor="ctr"/>
+                </a:tc>
+                <a:tc>
+                  <a:txBody>
+                    <a:bodyPr/>
+                    <a:lstStyle/>
+                    <a:p>
+                      <a:pPr algn="ctr" fontAlgn="ctr"/>
+                      <a:r>
+                        <a:rPr lang="ko-KR" altLang="en-US" sz="800" u="none" strike="noStrike">
+                          <a:effectLst/>
+                        </a:rPr>
+                        <a:t>요청사항</a:t>
+                      </a:r>
+                      <a:endParaRPr lang="ko-KR" altLang="en-US" sz="800" b="0" i="0" u="none" strike="noStrike">
+                        <a:solidFill>
+                          <a:srgbClr val="000000"/>
+                        </a:solidFill>
+                        <a:effectLst/>
+                        <a:latin typeface="맑은 고딕" panose="020B0503020000020004" pitchFamily="50" charset="-127"/>
+                        <a:ea typeface="맑은 고딕" panose="020B0503020000020004" pitchFamily="50" charset="-127"/>
+                      </a:endParaRPr>
+                    </a:p>
+                  </a:txBody>
+                  <a:tcPr marL="7620" marR="7620" marT="7620" marB="0" anchor="ctr"/>
+                </a:tc>
+                <a:tc>
+                  <a:txBody>
+                    <a:bodyPr/>
+                    <a:lstStyle/>
+                    <a:p>
+                      <a:pPr algn="ctr" fontAlgn="ctr"/>
+                      <a:r>
+                        <a:rPr lang="ko-KR" altLang="en-US" sz="800" u="none" strike="noStrike">
+                          <a:effectLst/>
+                        </a:rPr>
+                        <a:t>시작시간</a:t>
+                      </a:r>
+                      <a:endParaRPr lang="ko-KR" altLang="en-US" sz="800" b="0" i="0" u="none" strike="noStrike">
+                        <a:solidFill>
+                          <a:srgbClr val="000000"/>
+                        </a:solidFill>
+                        <a:effectLst/>
+                        <a:latin typeface="맑은 고딕" panose="020B0503020000020004" pitchFamily="50" charset="-127"/>
+                        <a:ea typeface="맑은 고딕" panose="020B0503020000020004" pitchFamily="50" charset="-127"/>
+                      </a:endParaRPr>
+                    </a:p>
+                  </a:txBody>
+                  <a:tcPr marL="7620" marR="7620" marT="7620" marB="0" anchor="ctr"/>
+                </a:tc>
+                <a:tc>
+                  <a:txBody>
+                    <a:bodyPr/>
+                    <a:lstStyle/>
+                    <a:p>
+                      <a:pPr algn="ctr" fontAlgn="ctr"/>
+                      <a:r>
+                        <a:rPr lang="ko-KR" altLang="en-US" sz="800" u="none" strike="noStrike">
+                          <a:effectLst/>
+                        </a:rPr>
+                        <a:t>끝난시간</a:t>
+                      </a:r>
+                      <a:endParaRPr lang="ko-KR" altLang="en-US" sz="800" b="0" i="0" u="none" strike="noStrike">
+                        <a:solidFill>
+                          <a:srgbClr val="000000"/>
+                        </a:solidFill>
+                        <a:effectLst/>
+                        <a:latin typeface="맑은 고딕" panose="020B0503020000020004" pitchFamily="50" charset="-127"/>
+                        <a:ea typeface="맑은 고딕" panose="020B0503020000020004" pitchFamily="50" charset="-127"/>
+                      </a:endParaRPr>
+                    </a:p>
+                  </a:txBody>
+                  <a:tcPr marL="7620" marR="7620" marT="7620" marB="0" anchor="ctr"/>
+                </a:tc>
+              </a:tr>
+              <a:tr h="370840">
+                <a:tc>
+                  <a:txBody>
+                    <a:bodyPr/>
+                    <a:lstStyle/>
+                    <a:p>
+                      <a:pPr algn="ctr" fontAlgn="ctr"/>
+                      <a:r>
+                        <a:rPr lang="ko-KR" altLang="en-US" sz="800" u="none" strike="noStrike">
+                          <a:effectLst/>
+                        </a:rPr>
+                        <a:t>서버</a:t>
+                      </a:r>
+                      <a:endParaRPr lang="ko-KR" altLang="en-US" sz="800" b="0" i="0" u="none" strike="noStrike">
+                        <a:solidFill>
+                          <a:srgbClr val="000000"/>
+                        </a:solidFill>
+                        <a:effectLst/>
+                        <a:latin typeface="맑은 고딕" panose="020B0503020000020004" pitchFamily="50" charset="-127"/>
+                        <a:ea typeface="맑은 고딕" panose="020B0503020000020004" pitchFamily="50" charset="-127"/>
+                      </a:endParaRPr>
+                    </a:p>
+                  </a:txBody>
+                  <a:tcPr marL="7620" marR="7620" marT="7620" marB="0" anchor="ctr"/>
+                </a:tc>
+                <a:tc>
+                  <a:txBody>
+                    <a:bodyPr/>
+                    <a:lstStyle/>
+                    <a:p>
+                      <a:pPr algn="ctr" fontAlgn="ctr"/>
+                      <a:r>
+                        <a:rPr lang="ko-KR" altLang="en-US" sz="800" u="none" strike="noStrike">
+                          <a:effectLst/>
+                        </a:rPr>
+                        <a:t>상</a:t>
+                      </a:r>
+                      <a:endParaRPr lang="ko-KR" altLang="en-US" sz="800" b="0" i="0" u="none" strike="noStrike">
+                        <a:solidFill>
+                          <a:srgbClr val="000000"/>
+                        </a:solidFill>
+                        <a:effectLst/>
+                        <a:latin typeface="맑은 고딕" panose="020B0503020000020004" pitchFamily="50" charset="-127"/>
+                        <a:ea typeface="맑은 고딕" panose="020B0503020000020004" pitchFamily="50" charset="-127"/>
+                      </a:endParaRPr>
+                    </a:p>
+                  </a:txBody>
+                  <a:tcPr marL="7620" marR="7620" marT="7620" marB="0" anchor="ctr"/>
+                </a:tc>
+                <a:tc>
+                  <a:txBody>
+                    <a:bodyPr/>
+                    <a:lstStyle/>
+                    <a:p>
+                      <a:pPr algn="ctr" fontAlgn="ctr"/>
+                      <a:r>
+                        <a:rPr lang="en-US" sz="800" u="none" strike="noStrike">
+                          <a:effectLst/>
+                        </a:rPr>
+                        <a:t>closed</a:t>
+                      </a:r>
+                      <a:endParaRPr lang="en-US" sz="800" b="0" i="0" u="none" strike="noStrike">
+                        <a:solidFill>
+                          <a:srgbClr val="000000"/>
+                        </a:solidFill>
+                        <a:effectLst/>
+                        <a:latin typeface="맑은 고딕" panose="020B0503020000020004" pitchFamily="50" charset="-127"/>
+                        <a:ea typeface="맑은 고딕" panose="020B0503020000020004" pitchFamily="50" charset="-127"/>
+                      </a:endParaRPr>
+                    </a:p>
+                  </a:txBody>
+                  <a:tcPr marL="7620" marR="7620" marT="7620" marB="0" anchor="ctr"/>
+                </a:tc>
+                <a:tc>
+                  <a:txBody>
+                    <a:bodyPr/>
+                    <a:lstStyle/>
+                    <a:p>
+                      <a:pPr algn="ctr" fontAlgn="ctr"/>
+                      <a:r>
+                        <a:rPr lang="en-US" sz="800" u="none" strike="noStrike" dirty="0">
+                          <a:effectLst/>
+                        </a:rPr>
+                        <a:t>admin1</a:t>
+                      </a:r>
+                      <a:endParaRPr lang="en-US" sz="800" b="0" i="0" u="none" strike="noStrike" dirty="0">
+                        <a:solidFill>
+                          <a:srgbClr val="000000"/>
+                        </a:solidFill>
+                        <a:effectLst/>
+                        <a:latin typeface="맑은 고딕" panose="020B0503020000020004" pitchFamily="50" charset="-127"/>
+                        <a:ea typeface="맑은 고딕" panose="020B0503020000020004" pitchFamily="50" charset="-127"/>
+                      </a:endParaRPr>
+                    </a:p>
+                  </a:txBody>
+                  <a:tcPr marL="7620" marR="7620" marT="7620" marB="0" anchor="ctr"/>
+                </a:tc>
+                <a:tc>
+                  <a:txBody>
+                    <a:bodyPr/>
+                    <a:lstStyle/>
+                    <a:p>
+                      <a:pPr algn="ctr" fontAlgn="ctr"/>
+                      <a:r>
+                        <a:rPr lang="en-US" sz="800" u="none" strike="noStrike" dirty="0">
+                          <a:effectLst/>
+                        </a:rPr>
+                        <a:t>user1</a:t>
+                      </a:r>
+                      <a:endParaRPr lang="en-US" sz="800" b="0" i="0" u="none" strike="noStrike" dirty="0">
+                        <a:solidFill>
+                          <a:srgbClr val="000000"/>
+                        </a:solidFill>
+                        <a:effectLst/>
+                        <a:latin typeface="맑은 고딕" panose="020B0503020000020004" pitchFamily="50" charset="-127"/>
+                        <a:ea typeface="맑은 고딕" panose="020B0503020000020004" pitchFamily="50" charset="-127"/>
+                      </a:endParaRPr>
+                    </a:p>
+                  </a:txBody>
+                  <a:tcPr marL="7620" marR="7620" marT="7620" marB="0" anchor="ctr"/>
+                </a:tc>
+                <a:tc>
+                  <a:txBody>
+                    <a:bodyPr/>
+                    <a:lstStyle/>
+                    <a:p>
+                      <a:pPr algn="l" fontAlgn="ctr"/>
+                      <a:r>
+                        <a:rPr lang="ko-KR" altLang="en-US" sz="800" u="none" strike="noStrike" dirty="0">
+                          <a:effectLst/>
+                        </a:rPr>
+                        <a:t>이거 해주세요</a:t>
+                      </a:r>
+                      <a:endParaRPr lang="ko-KR" altLang="en-US" sz="800" b="0" i="0" u="none" strike="noStrike" dirty="0">
+                        <a:solidFill>
+                          <a:srgbClr val="000000"/>
+                        </a:solidFill>
+                        <a:effectLst/>
+                        <a:latin typeface="맑은 고딕" panose="020B0503020000020004" pitchFamily="50" charset="-127"/>
+                        <a:ea typeface="맑은 고딕" panose="020B0503020000020004" pitchFamily="50" charset="-127"/>
+                      </a:endParaRPr>
+                    </a:p>
+                  </a:txBody>
+                  <a:tcPr marL="7620" marR="7620" marT="7620" marB="0" anchor="ctr"/>
+                </a:tc>
+                <a:tc>
+                  <a:txBody>
+                    <a:bodyPr/>
+                    <a:lstStyle/>
+                    <a:p>
+                      <a:pPr algn="ctr" fontAlgn="ctr"/>
+                      <a:r>
+                        <a:rPr lang="en-US" altLang="ko-KR" sz="800" u="none" strike="noStrike" dirty="0">
+                          <a:effectLst/>
+                        </a:rPr>
+                        <a:t>2018-01-01 0:00</a:t>
+                      </a:r>
+                      <a:endParaRPr lang="en-US" altLang="ko-KR" sz="800" b="0" i="0" u="none" strike="noStrike" dirty="0">
+                        <a:solidFill>
+                          <a:srgbClr val="000000"/>
+                        </a:solidFill>
+                        <a:effectLst/>
+                        <a:latin typeface="맑은 고딕" panose="020B0503020000020004" pitchFamily="50" charset="-127"/>
+                        <a:ea typeface="맑은 고딕" panose="020B0503020000020004" pitchFamily="50" charset="-127"/>
+                      </a:endParaRPr>
+                    </a:p>
+                  </a:txBody>
+                  <a:tcPr marL="7620" marR="7620" marT="7620" marB="0" anchor="ctr"/>
+                </a:tc>
+                <a:tc>
+                  <a:txBody>
+                    <a:bodyPr/>
+                    <a:lstStyle/>
+                    <a:p>
+                      <a:pPr algn="ctr" fontAlgn="ctr"/>
+                      <a:r>
+                        <a:rPr lang="en-US" altLang="ko-KR" sz="800" u="none" strike="noStrike" dirty="0">
+                          <a:effectLst/>
+                        </a:rPr>
+                        <a:t>2018-01-01 0:00</a:t>
+                      </a:r>
+                      <a:endParaRPr lang="en-US" altLang="ko-KR" sz="800" b="0" i="0" u="none" strike="noStrike" dirty="0">
+                        <a:solidFill>
+                          <a:srgbClr val="000000"/>
+                        </a:solidFill>
+                        <a:effectLst/>
+                        <a:latin typeface="맑은 고딕" panose="020B0503020000020004" pitchFamily="50" charset="-127"/>
+                        <a:ea typeface="맑은 고딕" panose="020B0503020000020004" pitchFamily="50" charset="-127"/>
+                      </a:endParaRPr>
+                    </a:p>
+                  </a:txBody>
+                  <a:tcPr marL="7620" marR="7620" marT="7620" marB="0" anchor="ctr"/>
+                </a:tc>
+              </a:tr>
+              <a:tr h="370840">
+                <a:tc>
+                  <a:txBody>
+                    <a:bodyPr/>
+                    <a:lstStyle/>
+                    <a:p>
+                      <a:pPr algn="ctr" fontAlgn="ctr"/>
+                      <a:r>
+                        <a:rPr lang="ko-KR" altLang="en-US" sz="800" u="none" strike="noStrike">
+                          <a:effectLst/>
+                        </a:rPr>
+                        <a:t>네트워크</a:t>
+                      </a:r>
+                      <a:endParaRPr lang="ko-KR" altLang="en-US" sz="800" b="0" i="0" u="none" strike="noStrike">
+                        <a:solidFill>
+                          <a:srgbClr val="000000"/>
+                        </a:solidFill>
+                        <a:effectLst/>
+                        <a:latin typeface="맑은 고딕" panose="020B0503020000020004" pitchFamily="50" charset="-127"/>
+                        <a:ea typeface="맑은 고딕" panose="020B0503020000020004" pitchFamily="50" charset="-127"/>
+                      </a:endParaRPr>
+                    </a:p>
+                  </a:txBody>
+                  <a:tcPr marL="7620" marR="7620" marT="7620" marB="0" anchor="ctr"/>
+                </a:tc>
+                <a:tc>
+                  <a:txBody>
+                    <a:bodyPr/>
+                    <a:lstStyle/>
+                    <a:p>
+                      <a:pPr algn="ctr" fontAlgn="ctr"/>
+                      <a:r>
+                        <a:rPr lang="ko-KR" altLang="en-US" sz="800" u="none" strike="noStrike">
+                          <a:effectLst/>
+                        </a:rPr>
+                        <a:t>중</a:t>
+                      </a:r>
+                      <a:endParaRPr lang="ko-KR" altLang="en-US" sz="800" b="0" i="0" u="none" strike="noStrike">
+                        <a:solidFill>
+                          <a:srgbClr val="000000"/>
+                        </a:solidFill>
+                        <a:effectLst/>
+                        <a:latin typeface="맑은 고딕" panose="020B0503020000020004" pitchFamily="50" charset="-127"/>
+                        <a:ea typeface="맑은 고딕" panose="020B0503020000020004" pitchFamily="50" charset="-127"/>
+                      </a:endParaRPr>
+                    </a:p>
+                  </a:txBody>
+                  <a:tcPr marL="7620" marR="7620" marT="7620" marB="0" anchor="ctr"/>
+                </a:tc>
+                <a:tc>
+                  <a:txBody>
+                    <a:bodyPr/>
+                    <a:lstStyle/>
+                    <a:p>
+                      <a:pPr algn="ctr" fontAlgn="ctr"/>
+                      <a:r>
+                        <a:rPr lang="en-US" sz="800" u="none" strike="noStrike">
+                          <a:effectLst/>
+                        </a:rPr>
+                        <a:t>closed</a:t>
+                      </a:r>
+                      <a:endParaRPr lang="en-US" sz="800" b="0" i="0" u="none" strike="noStrike">
+                        <a:solidFill>
+                          <a:srgbClr val="000000"/>
+                        </a:solidFill>
+                        <a:effectLst/>
+                        <a:latin typeface="맑은 고딕" panose="020B0503020000020004" pitchFamily="50" charset="-127"/>
+                        <a:ea typeface="맑은 고딕" panose="020B0503020000020004" pitchFamily="50" charset="-127"/>
+                      </a:endParaRPr>
+                    </a:p>
+                  </a:txBody>
+                  <a:tcPr marL="7620" marR="7620" marT="7620" marB="0" anchor="ctr"/>
+                </a:tc>
+                <a:tc>
+                  <a:txBody>
+                    <a:bodyPr/>
+                    <a:lstStyle/>
+                    <a:p>
+                      <a:pPr algn="ctr" fontAlgn="ctr"/>
+                      <a:r>
+                        <a:rPr lang="en-US" sz="800" u="none" strike="noStrike">
+                          <a:effectLst/>
+                        </a:rPr>
+                        <a:t>admin1</a:t>
+                      </a:r>
+                      <a:endParaRPr lang="en-US" sz="800" b="0" i="0" u="none" strike="noStrike">
+                        <a:solidFill>
+                          <a:srgbClr val="000000"/>
+                        </a:solidFill>
+                        <a:effectLst/>
+                        <a:latin typeface="맑은 고딕" panose="020B0503020000020004" pitchFamily="50" charset="-127"/>
+                        <a:ea typeface="맑은 고딕" panose="020B0503020000020004" pitchFamily="50" charset="-127"/>
+                      </a:endParaRPr>
+                    </a:p>
+                  </a:txBody>
+                  <a:tcPr marL="7620" marR="7620" marT="7620" marB="0" anchor="ctr"/>
+                </a:tc>
+                <a:tc>
+                  <a:txBody>
+                    <a:bodyPr/>
+                    <a:lstStyle/>
+                    <a:p>
+                      <a:pPr algn="ctr" fontAlgn="ctr"/>
+                      <a:r>
+                        <a:rPr lang="en-US" sz="800" u="none" strike="noStrike">
+                          <a:effectLst/>
+                        </a:rPr>
+                        <a:t>user1</a:t>
+                      </a:r>
+                      <a:endParaRPr lang="en-US" sz="800" b="0" i="0" u="none" strike="noStrike">
+                        <a:solidFill>
+                          <a:srgbClr val="000000"/>
+                        </a:solidFill>
+                        <a:effectLst/>
+                        <a:latin typeface="맑은 고딕" panose="020B0503020000020004" pitchFamily="50" charset="-127"/>
+                        <a:ea typeface="맑은 고딕" panose="020B0503020000020004" pitchFamily="50" charset="-127"/>
+                      </a:endParaRPr>
+                    </a:p>
+                  </a:txBody>
+                  <a:tcPr marL="7620" marR="7620" marT="7620" marB="0" anchor="ctr"/>
+                </a:tc>
+                <a:tc>
+                  <a:txBody>
+                    <a:bodyPr/>
+                    <a:lstStyle/>
+                    <a:p>
+                      <a:pPr algn="l" fontAlgn="ctr"/>
+                      <a:r>
+                        <a:rPr lang="ko-KR" altLang="en-US" sz="800" u="none" strike="noStrike" dirty="0">
+                          <a:effectLst/>
+                        </a:rPr>
+                        <a:t>저거 해주세요</a:t>
+                      </a:r>
+                      <a:endParaRPr lang="ko-KR" altLang="en-US" sz="800" b="0" i="0" u="none" strike="noStrike" dirty="0">
+                        <a:solidFill>
+                          <a:srgbClr val="000000"/>
+                        </a:solidFill>
+                        <a:effectLst/>
+                        <a:latin typeface="맑은 고딕" panose="020B0503020000020004" pitchFamily="50" charset="-127"/>
+                        <a:ea typeface="맑은 고딕" panose="020B0503020000020004" pitchFamily="50" charset="-127"/>
+                      </a:endParaRPr>
+                    </a:p>
+                  </a:txBody>
+                  <a:tcPr marL="7620" marR="7620" marT="7620" marB="0" anchor="ctr"/>
+                </a:tc>
+                <a:tc>
+                  <a:txBody>
+                    <a:bodyPr/>
+                    <a:lstStyle/>
+                    <a:p>
+                      <a:pPr algn="ctr" fontAlgn="ctr"/>
+                      <a:r>
+                        <a:rPr lang="en-US" altLang="ko-KR" sz="800" u="none" strike="noStrike" dirty="0">
+                          <a:effectLst/>
+                        </a:rPr>
+                        <a:t>2018-01-02 0:00</a:t>
+                      </a:r>
+                      <a:endParaRPr lang="en-US" altLang="ko-KR" sz="800" b="0" i="0" u="none" strike="noStrike" dirty="0">
+                        <a:solidFill>
+                          <a:srgbClr val="000000"/>
+                        </a:solidFill>
+                        <a:effectLst/>
+                        <a:latin typeface="맑은 고딕" panose="020B0503020000020004" pitchFamily="50" charset="-127"/>
+                        <a:ea typeface="맑은 고딕" panose="020B0503020000020004" pitchFamily="50" charset="-127"/>
+                      </a:endParaRPr>
+                    </a:p>
+                  </a:txBody>
+                  <a:tcPr marL="7620" marR="7620" marT="7620" marB="0" anchor="ctr"/>
+                </a:tc>
+                <a:tc>
+                  <a:txBody>
+                    <a:bodyPr/>
+                    <a:lstStyle/>
+                    <a:p>
+                      <a:pPr algn="ctr" fontAlgn="ctr"/>
+                      <a:r>
+                        <a:rPr lang="en-US" altLang="ko-KR" sz="800" u="none" strike="noStrike" dirty="0">
+                          <a:effectLst/>
+                        </a:rPr>
+                        <a:t>2018-01-02 0:00</a:t>
+                      </a:r>
+                      <a:endParaRPr lang="en-US" altLang="ko-KR" sz="800" b="0" i="0" u="none" strike="noStrike" dirty="0">
+                        <a:solidFill>
+                          <a:srgbClr val="000000"/>
+                        </a:solidFill>
+                        <a:effectLst/>
+                        <a:latin typeface="맑은 고딕" panose="020B0503020000020004" pitchFamily="50" charset="-127"/>
+                        <a:ea typeface="맑은 고딕" panose="020B0503020000020004" pitchFamily="50" charset="-127"/>
+                      </a:endParaRPr>
+                    </a:p>
+                  </a:txBody>
+                  <a:tcPr marL="7620" marR="7620" marT="7620" marB="0" anchor="ctr"/>
+                </a:tc>
+              </a:tr>
+              <a:tr h="370840">
+                <a:tc>
+                  <a:txBody>
+                    <a:bodyPr/>
+                    <a:lstStyle/>
+                    <a:p>
+                      <a:pPr algn="ctr" fontAlgn="ctr"/>
+                      <a:r>
+                        <a:rPr lang="en-US" sz="800" u="none" strike="noStrike">
+                          <a:effectLst/>
+                        </a:rPr>
+                        <a:t>DNS</a:t>
+                      </a:r>
+                      <a:endParaRPr lang="en-US" sz="800" b="0" i="0" u="none" strike="noStrike">
+                        <a:solidFill>
+                          <a:srgbClr val="000000"/>
+                        </a:solidFill>
+                        <a:effectLst/>
+                        <a:latin typeface="맑은 고딕" panose="020B0503020000020004" pitchFamily="50" charset="-127"/>
+                        <a:ea typeface="맑은 고딕" panose="020B0503020000020004" pitchFamily="50" charset="-127"/>
+                      </a:endParaRPr>
+                    </a:p>
+                  </a:txBody>
+                  <a:tcPr marL="7620" marR="7620" marT="7620" marB="0" anchor="ctr"/>
+                </a:tc>
+                <a:tc>
+                  <a:txBody>
+                    <a:bodyPr/>
+                    <a:lstStyle/>
+                    <a:p>
+                      <a:pPr algn="ctr" fontAlgn="ctr"/>
+                      <a:r>
+                        <a:rPr lang="ko-KR" altLang="en-US" sz="800" u="none" strike="noStrike">
+                          <a:effectLst/>
+                        </a:rPr>
+                        <a:t>하</a:t>
+                      </a:r>
+                      <a:endParaRPr lang="ko-KR" altLang="en-US" sz="800" b="0" i="0" u="none" strike="noStrike">
+                        <a:solidFill>
+                          <a:srgbClr val="000000"/>
+                        </a:solidFill>
+                        <a:effectLst/>
+                        <a:latin typeface="맑은 고딕" panose="020B0503020000020004" pitchFamily="50" charset="-127"/>
+                        <a:ea typeface="맑은 고딕" panose="020B0503020000020004" pitchFamily="50" charset="-127"/>
+                      </a:endParaRPr>
+                    </a:p>
+                  </a:txBody>
+                  <a:tcPr marL="7620" marR="7620" marT="7620" marB="0" anchor="ctr"/>
+                </a:tc>
+                <a:tc>
+                  <a:txBody>
+                    <a:bodyPr/>
+                    <a:lstStyle/>
+                    <a:p>
+                      <a:pPr algn="ctr" fontAlgn="ctr"/>
+                      <a:r>
+                        <a:rPr lang="en-US" sz="800" u="none" strike="noStrike">
+                          <a:effectLst/>
+                        </a:rPr>
+                        <a:t>closed</a:t>
+                      </a:r>
+                      <a:endParaRPr lang="en-US" sz="800" b="0" i="0" u="none" strike="noStrike">
+                        <a:solidFill>
+                          <a:srgbClr val="000000"/>
+                        </a:solidFill>
+                        <a:effectLst/>
+                        <a:latin typeface="맑은 고딕" panose="020B0503020000020004" pitchFamily="50" charset="-127"/>
+                        <a:ea typeface="맑은 고딕" panose="020B0503020000020004" pitchFamily="50" charset="-127"/>
+                      </a:endParaRPr>
+                    </a:p>
+                  </a:txBody>
+                  <a:tcPr marL="7620" marR="7620" marT="7620" marB="0" anchor="ctr"/>
+                </a:tc>
+                <a:tc>
+                  <a:txBody>
+                    <a:bodyPr/>
+                    <a:lstStyle/>
+                    <a:p>
+                      <a:pPr algn="ctr" fontAlgn="ctr"/>
+                      <a:r>
+                        <a:rPr lang="en-US" sz="800" u="none" strike="noStrike">
+                          <a:effectLst/>
+                        </a:rPr>
+                        <a:t>admin1</a:t>
+                      </a:r>
+                      <a:endParaRPr lang="en-US" sz="800" b="0" i="0" u="none" strike="noStrike">
+                        <a:solidFill>
+                          <a:srgbClr val="000000"/>
+                        </a:solidFill>
+                        <a:effectLst/>
+                        <a:latin typeface="맑은 고딕" panose="020B0503020000020004" pitchFamily="50" charset="-127"/>
+                        <a:ea typeface="맑은 고딕" panose="020B0503020000020004" pitchFamily="50" charset="-127"/>
+                      </a:endParaRPr>
+                    </a:p>
+                  </a:txBody>
+                  <a:tcPr marL="7620" marR="7620" marT="7620" marB="0" anchor="ctr"/>
+                </a:tc>
+                <a:tc>
+                  <a:txBody>
+                    <a:bodyPr/>
+                    <a:lstStyle/>
+                    <a:p>
+                      <a:pPr algn="ctr" fontAlgn="ctr"/>
+                      <a:r>
+                        <a:rPr lang="en-US" sz="800" u="none" strike="noStrike" dirty="0">
+                          <a:effectLst/>
+                        </a:rPr>
+                        <a:t>user1</a:t>
+                      </a:r>
+                      <a:endParaRPr lang="en-US" sz="800" b="0" i="0" u="none" strike="noStrike" dirty="0">
+                        <a:solidFill>
+                          <a:srgbClr val="000000"/>
+                        </a:solidFill>
+                        <a:effectLst/>
+                        <a:latin typeface="맑은 고딕" panose="020B0503020000020004" pitchFamily="50" charset="-127"/>
+                        <a:ea typeface="맑은 고딕" panose="020B0503020000020004" pitchFamily="50" charset="-127"/>
+                      </a:endParaRPr>
+                    </a:p>
+                  </a:txBody>
+                  <a:tcPr marL="7620" marR="7620" marT="7620" marB="0" anchor="ctr"/>
+                </a:tc>
+                <a:tc>
+                  <a:txBody>
+                    <a:bodyPr/>
+                    <a:lstStyle/>
+                    <a:p>
+                      <a:pPr algn="l" fontAlgn="ctr"/>
+                      <a:r>
+                        <a:rPr lang="ko-KR" altLang="en-US" sz="800" u="none" strike="noStrike" dirty="0">
+                          <a:effectLst/>
+                        </a:rPr>
+                        <a:t>이것도 해주세요</a:t>
+                      </a:r>
+                      <a:endParaRPr lang="ko-KR" altLang="en-US" sz="800" b="0" i="0" u="none" strike="noStrike" dirty="0">
+                        <a:solidFill>
+                          <a:srgbClr val="000000"/>
+                        </a:solidFill>
+                        <a:effectLst/>
+                        <a:latin typeface="맑은 고딕" panose="020B0503020000020004" pitchFamily="50" charset="-127"/>
+                        <a:ea typeface="맑은 고딕" panose="020B0503020000020004" pitchFamily="50" charset="-127"/>
+                      </a:endParaRPr>
+                    </a:p>
+                  </a:txBody>
+                  <a:tcPr marL="7620" marR="7620" marT="7620" marB="0" anchor="ctr"/>
+                </a:tc>
+                <a:tc>
+                  <a:txBody>
+                    <a:bodyPr/>
+                    <a:lstStyle/>
+                    <a:p>
+                      <a:pPr algn="ctr" fontAlgn="ctr"/>
+                      <a:r>
+                        <a:rPr lang="en-US" altLang="ko-KR" sz="800" u="none" strike="noStrike">
+                          <a:effectLst/>
+                        </a:rPr>
+                        <a:t>2018-01-03 0:00</a:t>
+                      </a:r>
+                      <a:endParaRPr lang="en-US" altLang="ko-KR" sz="800" b="0" i="0" u="none" strike="noStrike">
+                        <a:solidFill>
+                          <a:srgbClr val="000000"/>
+                        </a:solidFill>
+                        <a:effectLst/>
+                        <a:latin typeface="맑은 고딕" panose="020B0503020000020004" pitchFamily="50" charset="-127"/>
+                        <a:ea typeface="맑은 고딕" panose="020B0503020000020004" pitchFamily="50" charset="-127"/>
+                      </a:endParaRPr>
+                    </a:p>
+                  </a:txBody>
+                  <a:tcPr marL="7620" marR="7620" marT="7620" marB="0" anchor="ctr"/>
+                </a:tc>
+                <a:tc>
+                  <a:txBody>
+                    <a:bodyPr/>
+                    <a:lstStyle/>
+                    <a:p>
+                      <a:pPr algn="ctr" fontAlgn="ctr"/>
+                      <a:r>
+                        <a:rPr lang="en-US" altLang="ko-KR" sz="800" u="none" strike="noStrike" dirty="0">
+                          <a:effectLst/>
+                        </a:rPr>
+                        <a:t>2018-01-03 0:00</a:t>
+                      </a:r>
+                      <a:endParaRPr lang="en-US" altLang="ko-KR" sz="800" b="0" i="0" u="none" strike="noStrike" dirty="0">
+                        <a:solidFill>
+                          <a:srgbClr val="000000"/>
+                        </a:solidFill>
+                        <a:effectLst/>
+                        <a:latin typeface="맑은 고딕" panose="020B0503020000020004" pitchFamily="50" charset="-127"/>
+                        <a:ea typeface="맑은 고딕" panose="020B0503020000020004" pitchFamily="50" charset="-127"/>
+                      </a:endParaRPr>
+                    </a:p>
+                  </a:txBody>
+                  <a:tcPr marL="7620" marR="7620" marT="7620" marB="0" anchor="ctr"/>
+                </a:tc>
+              </a:tr>
+            </a:tbl>
+          </a:graphicData>
+        </a:graphic>
+      </p:graphicFrame>
+    </p:spTree>
+    <p:extLst>
+      <p:ext uri="{BB962C8B-B14F-4D97-AF65-F5344CB8AC3E}">
+        <p14:creationId xmlns:p14="http://schemas.microsoft.com/office/powerpoint/2010/main" val="2233468509"/>
+      </p:ext>
+    </p:extLst>
+  </p:cSld>
+  <p:clrMapOvr>
+    <a:masterClrMapping/>
+  </p:clrMapOvr>
+  <p:timing>
+    <p:tnLst>
+      <p:par>
+        <p:cTn id="1" dur="indefinite" restart="never" nodeType="tmRoot"/>
+      </p:par>
+    </p:tnLst>
+  </p:timing>
+</p:sld>
+</file>
+
+<file path=ppt/slides/slide7.xml><?xml version="1.0" encoding="utf-8"?>
+<p:sld xmlns:a="http://schemas.openxmlformats.org/drawingml/2006/main" xmlns:r="http://schemas.openxmlformats.org/officeDocument/2006/relationships" xmlns:p="http://schemas.openxmlformats.org/presentationml/2006/main">
+  <p:cSld>
+    <p:spTree>
+      <p:nvGrpSpPr>
+        <p:cNvPr id="1" name=""/>
+        <p:cNvGrpSpPr/>
+        <p:nvPr/>
+      </p:nvGrpSpPr>
+      <p:grpSpPr>
+        <a:xfrm>
+          <a:off x="0" y="0"/>
+          <a:ext cx="0" cy="0"/>
+          <a:chOff x="0" y="0"/>
+          <a:chExt cx="0" cy="0"/>
+        </a:xfrm>
+      </p:grpSpPr>
+      <p:sp>
+        <p:nvSpPr>
+          <p:cNvPr id="4" name="TextBox 3"/>
+          <p:cNvSpPr txBox="1"/>
+          <p:nvPr/>
+        </p:nvSpPr>
+        <p:spPr>
+          <a:xfrm>
+            <a:off x="620688" y="611560"/>
+            <a:ext cx="5832648" cy="369332"/>
+          </a:xfrm>
+          <a:prstGeom prst="rect">
+            <a:avLst/>
+          </a:prstGeom>
+          <a:solidFill>
+            <a:schemeClr val="accent5">
+              <a:lumMod val="40000"/>
+              <a:lumOff val="60000"/>
+            </a:schemeClr>
+          </a:solidFill>
+        </p:spPr>
+        <p:txBody>
+          <a:bodyPr wrap="square" rtlCol="0">
+            <a:spAutoFit/>
+          </a:bodyPr>
+          <a:lstStyle/>
+          <a:p>
+            <a:r>
+              <a:rPr lang="en-US" altLang="ko-KR" dirty="0">
+                <a:latin typeface="+mn-ea"/>
+              </a:rPr>
+              <a:t>5. </a:t>
+            </a:r>
+            <a:r>
+              <a:rPr lang="ko-KR" altLang="en-US" smtClean="0">
+                <a:latin typeface="+mn-ea"/>
+              </a:rPr>
+              <a:t>세부 내역</a:t>
+            </a:r>
+            <a:endParaRPr lang="ko-KR" altLang="en-US" dirty="0">
+              <a:latin typeface="+mn-ea"/>
+            </a:endParaRPr>
+          </a:p>
+        </p:txBody>
+      </p:sp>
+      <p:graphicFrame>
+        <p:nvGraphicFramePr>
+          <p:cNvPr id="6" name="차트 5"/>
+          <p:cNvGraphicFramePr>
+            <a:graphicFrameLocks/>
+          </p:cNvGraphicFramePr>
+          <p:nvPr>
+            <p:extLst>
+              <p:ext uri="{D42A27DB-BD31-4B8C-83A1-F6EECF244321}">
+                <p14:modId xmlns:p14="http://schemas.microsoft.com/office/powerpoint/2010/main" val="1356853183"/>
+              </p:ext>
+            </p:extLst>
+          </p:nvPr>
+        </p:nvGraphicFramePr>
+        <p:xfrm>
+          <a:off x="620688" y="5004048"/>
+          <a:ext cx="5832648" cy="2743200"/>
+        </p:xfrm>
+        <a:graphic>
+          <a:graphicData uri="http://schemas.openxmlformats.org/drawingml/2006/chart">
+            <c:chart xmlns:c="http://schemas.openxmlformats.org/drawingml/2006/chart" xmlns:r="http://schemas.openxmlformats.org/officeDocument/2006/relationships" r:id="rId2"/>
+          </a:graphicData>
+        </a:graphic>
+      </p:graphicFrame>
+      <p:graphicFrame>
+        <p:nvGraphicFramePr>
+          <p:cNvPr id="8" name="차트 7"/>
+          <p:cNvGraphicFramePr>
+            <a:graphicFrameLocks/>
+          </p:cNvGraphicFramePr>
+          <p:nvPr>
+            <p:extLst>
+              <p:ext uri="{D42A27DB-BD31-4B8C-83A1-F6EECF244321}">
+                <p14:modId xmlns:p14="http://schemas.microsoft.com/office/powerpoint/2010/main" val="3243925606"/>
+              </p:ext>
+            </p:extLst>
+          </p:nvPr>
+        </p:nvGraphicFramePr>
+        <p:xfrm>
+          <a:off x="620688" y="1620870"/>
+          <a:ext cx="5832648" cy="2743200"/>
+        </p:xfrm>
+        <a:graphic>
+          <a:graphicData uri="http://schemas.openxmlformats.org/drawingml/2006/chart">
+            <c:chart xmlns:c="http://schemas.openxmlformats.org/drawingml/2006/chart" xmlns:r="http://schemas.openxmlformats.org/officeDocument/2006/relationships" r:id="rId3"/>
+          </a:graphicData>
+        </a:graphic>
+      </p:graphicFrame>
     </p:spTree>
     <p:extLst>
       <p:ext uri="{BB962C8B-B14F-4D97-AF65-F5344CB8AC3E}">
@@ -11901,10 +19616,123 @@
   <p:clrMapOvr>
     <a:masterClrMapping/>
   </p:clrMapOvr>
+  <p:timing>
+    <p:tnLst>
+      <p:par>
+        <p:cTn id="1" dur="indefinite" restart="never" nodeType="tmRoot"/>
+      </p:par>
+    </p:tnLst>
+  </p:timing>
 </p:sld>
 </file>
 
-<file path=ppt/slides/slide7.xml><?xml version="1.0" encoding="utf-8"?>
+<file path=ppt/slides/slide8.xml><?xml version="1.0" encoding="utf-8"?>
+<p:sld xmlns:a="http://schemas.openxmlformats.org/drawingml/2006/main" xmlns:r="http://schemas.openxmlformats.org/officeDocument/2006/relationships" xmlns:p="http://schemas.openxmlformats.org/presentationml/2006/main">
+  <p:cSld>
+    <p:spTree>
+      <p:nvGrpSpPr>
+        <p:cNvPr id="1" name=""/>
+        <p:cNvGrpSpPr/>
+        <p:nvPr/>
+      </p:nvGrpSpPr>
+      <p:grpSpPr>
+        <a:xfrm>
+          <a:off x="0" y="0"/>
+          <a:ext cx="0" cy="0"/>
+          <a:chOff x="0" y="0"/>
+          <a:chExt cx="0" cy="0"/>
+        </a:xfrm>
+      </p:grpSpPr>
+      <p:sp>
+        <p:nvSpPr>
+          <p:cNvPr id="4" name="TextBox 3"/>
+          <p:cNvSpPr txBox="1"/>
+          <p:nvPr/>
+        </p:nvSpPr>
+        <p:spPr>
+          <a:xfrm>
+            <a:off x="620688" y="611560"/>
+            <a:ext cx="5832648" cy="369332"/>
+          </a:xfrm>
+          <a:prstGeom prst="rect">
+            <a:avLst/>
+          </a:prstGeom>
+          <a:solidFill>
+            <a:schemeClr val="accent5">
+              <a:lumMod val="40000"/>
+              <a:lumOff val="60000"/>
+            </a:schemeClr>
+          </a:solidFill>
+        </p:spPr>
+        <p:txBody>
+          <a:bodyPr wrap="square" rtlCol="0">
+            <a:spAutoFit/>
+          </a:bodyPr>
+          <a:lstStyle/>
+          <a:p>
+            <a:r>
+              <a:rPr lang="en-US" altLang="ko-KR" dirty="0">
+                <a:latin typeface="+mn-ea"/>
+              </a:rPr>
+              <a:t>5. </a:t>
+            </a:r>
+            <a:r>
+              <a:rPr lang="ko-KR" altLang="en-US" smtClean="0">
+                <a:latin typeface="+mn-ea"/>
+              </a:rPr>
+              <a:t>세부 내역</a:t>
+            </a:r>
+            <a:endParaRPr lang="ko-KR" altLang="en-US" dirty="0">
+              <a:latin typeface="+mn-ea"/>
+            </a:endParaRPr>
+          </a:p>
+        </p:txBody>
+      </p:sp>
+      <p:graphicFrame>
+        <p:nvGraphicFramePr>
+          <p:cNvPr id="5" name="차트 4"/>
+          <p:cNvGraphicFramePr>
+            <a:graphicFrameLocks/>
+          </p:cNvGraphicFramePr>
+          <p:nvPr>
+            <p:extLst>
+              <p:ext uri="{D42A27DB-BD31-4B8C-83A1-F6EECF244321}">
+                <p14:modId xmlns:p14="http://schemas.microsoft.com/office/powerpoint/2010/main" val="825691776"/>
+              </p:ext>
+            </p:extLst>
+          </p:nvPr>
+        </p:nvGraphicFramePr>
+        <p:xfrm>
+          <a:off x="620688" y="980892"/>
+          <a:ext cx="5832648" cy="2743200"/>
+        </p:xfrm>
+        <a:graphic>
+          <a:graphicData uri="http://schemas.openxmlformats.org/drawingml/2006/chart">
+            <c:chart xmlns:c="http://schemas.openxmlformats.org/drawingml/2006/chart" xmlns:r="http://schemas.openxmlformats.org/officeDocument/2006/relationships" r:id="rId2"/>
+          </a:graphicData>
+        </a:graphic>
+      </p:graphicFrame>
+    </p:spTree>
+    <p:extLst>
+      <p:ext uri="{BB962C8B-B14F-4D97-AF65-F5344CB8AC3E}">
+        <p14:creationId xmlns:p14="http://schemas.microsoft.com/office/powerpoint/2010/main" val="2628517199"/>
+      </p:ext>
+    </p:extLst>
+  </p:cSld>
+  <p:clrMapOvr>
+    <a:masterClrMapping/>
+  </p:clrMapOvr>
+  <p:timing>
+    <p:tnLst>
+      <p:par>
+        <p:cTn id="1" dur="indefinite" restart="never" nodeType="tmRoot"/>
+      </p:par>
+    </p:tnLst>
+  </p:timing>
+</p:sld>
+</file>
+
+<file path=ppt/slides/slide9.xml><?xml version="1.0" encoding="utf-8"?>
 <p:sld xmlns:a="http://schemas.openxmlformats.org/drawingml/2006/main" xmlns:r="http://schemas.openxmlformats.org/officeDocument/2006/relationships" xmlns:p="http://schemas.openxmlformats.org/presentationml/2006/main">
   <p:cSld>
     <p:spTree>
